--- a/prompts_engineering/ICL_MBDA_Thesis_Gianvenuti.pptx
+++ b/prompts_engineering/ICL_MBDA_Thesis_Gianvenuti.pptx
@@ -1,43 +1,42 @@
 
 <file path=ppt/presentation.xml><?xml version="1.0" encoding="utf-8"?>
-<p:presentation xmlns:a="http://schemas.openxmlformats.org/drawingml/2006/main" xmlns:r="http://schemas.openxmlformats.org/officeDocument/2006/relationships" xmlns:p="http://schemas.openxmlformats.org/presentationml/2006/main" embedTrueTypeFonts="1" saveSubsetFonts="1">
+<p:presentation xmlns:a="http://schemas.openxmlformats.org/drawingml/2006/main" xmlns:r="http://schemas.openxmlformats.org/officeDocument/2006/relationships" xmlns:p="http://schemas.openxmlformats.org/presentationml/2006/main" removePersonalInfoOnSave="1" embedTrueTypeFonts="1" saveSubsetFonts="1">
   <p:sldMasterIdLst>
-    <p:sldMasterId id="2147483649" r:id="rId4"/>
-    <p:sldMasterId id="2147483670" r:id="rId5"/>
-    <p:sldMasterId id="2147483651" r:id="rId6"/>
-    <p:sldMasterId id="2147483674" r:id="rId7"/>
-    <p:sldMasterId id="2147483692" r:id="rId8"/>
+    <p:sldMasterId id="2147483649" r:id="rId1"/>
+    <p:sldMasterId id="2147483670" r:id="rId2"/>
+    <p:sldMasterId id="2147483651" r:id="rId3"/>
+    <p:sldMasterId id="2147483674" r:id="rId4"/>
+    <p:sldMasterId id="2147483692" r:id="rId5"/>
   </p:sldMasterIdLst>
   <p:notesMasterIdLst>
-    <p:notesMasterId r:id="rId17"/>
+    <p:notesMasterId r:id="rId13"/>
   </p:notesMasterIdLst>
   <p:handoutMasterIdLst>
-    <p:handoutMasterId r:id="rId18"/>
+    <p:handoutMasterId r:id="rId14"/>
   </p:handoutMasterIdLst>
   <p:sldIdLst>
-    <p:sldId id="556" r:id="rId9"/>
-    <p:sldId id="557" r:id="rId10"/>
-    <p:sldId id="555" r:id="rId11"/>
-    <p:sldId id="559" r:id="rId12"/>
-    <p:sldId id="563" r:id="rId13"/>
-    <p:sldId id="562" r:id="rId14"/>
-    <p:sldId id="561" r:id="rId15"/>
-    <p:sldId id="560" r:id="rId16"/>
+    <p:sldId id="556" r:id="rId6"/>
+    <p:sldId id="560" r:id="rId7"/>
+    <p:sldId id="557" r:id="rId8"/>
+    <p:sldId id="561" r:id="rId9"/>
+    <p:sldId id="559" r:id="rId10"/>
+    <p:sldId id="563" r:id="rId11"/>
+    <p:sldId id="562" r:id="rId12"/>
   </p:sldIdLst>
   <p:sldSz cx="9144000" cy="5143500" type="screen16x9"/>
   <p:notesSz cx="6808788" cy="9940925"/>
   <p:embeddedFontLst>
     <p:embeddedFont>
       <p:font typeface="Lato" panose="020F0502020204030203" pitchFamily="34" charset="0"/>
-      <p:regular r:id="rId19"/>
-      <p:bold r:id="rId20"/>
-      <p:italic r:id="rId21"/>
-      <p:boldItalic r:id="rId22"/>
+      <p:regular r:id="rId15"/>
+      <p:bold r:id="rId16"/>
+      <p:italic r:id="rId17"/>
+      <p:boldItalic r:id="rId18"/>
     </p:embeddedFont>
     <p:embeddedFont>
-      <p:font typeface="Lato Medium" panose="020F0502020204030204" pitchFamily="34" charset="0"/>
-      <p:regular r:id="rId23"/>
-      <p:italic r:id="rId24"/>
+      <p:font typeface="Lato Medium" panose="020F0502020204030203" pitchFamily="34" charset="0"/>
+      <p:regular r:id="rId19"/>
+      <p:italic r:id="rId20"/>
     </p:embeddedFont>
   </p:embeddedFontLst>
   <p:defaultTextStyle>
@@ -741,6 +740,203 @@
     </a:lvl9pPr>
   </p:notesStyle>
 </p:notesMaster>
+</file>
+
+<file path=ppt/notesSlides/notesSlide1.xml><?xml version="1.0" encoding="utf-8"?>
+<p:notes xmlns:a="http://schemas.openxmlformats.org/drawingml/2006/main" xmlns:r="http://schemas.openxmlformats.org/officeDocument/2006/relationships" xmlns:p="http://schemas.openxmlformats.org/presentationml/2006/main">
+  <p:cSld>
+    <p:spTree>
+      <p:nvGrpSpPr>
+        <p:cNvPr id="1" name=""/>
+        <p:cNvGrpSpPr/>
+        <p:nvPr/>
+      </p:nvGrpSpPr>
+      <p:grpSpPr>
+        <a:xfrm>
+          <a:off x="0" y="0"/>
+          <a:ext cx="0" cy="0"/>
+          <a:chOff x="0" y="0"/>
+          <a:chExt cx="0" cy="0"/>
+        </a:xfrm>
+      </p:grpSpPr>
+      <p:sp>
+        <p:nvSpPr>
+          <p:cNvPr id="2" name="Slide Image Placeholder 1"/>
+          <p:cNvSpPr>
+            <a:spLocks noGrp="1" noRot="1" noChangeAspect="1"/>
+          </p:cNvSpPr>
+          <p:nvPr>
+            <p:ph type="sldImg"/>
+          </p:nvPr>
+        </p:nvSpPr>
+        <p:spPr/>
+      </p:sp>
+      <p:sp>
+        <p:nvSpPr>
+          <p:cNvPr id="3" name="Notes Placeholder 2"/>
+          <p:cNvSpPr>
+            <a:spLocks noGrp="1"/>
+          </p:cNvSpPr>
+          <p:nvPr>
+            <p:ph type="body" idx="1"/>
+          </p:nvPr>
+        </p:nvSpPr>
+        <p:spPr/>
+        <p:txBody>
+          <a:bodyPr/>
+          <a:lstStyle/>
+          <a:p>
+            <a:endParaRPr lang="en-GB" dirty="0"/>
+          </a:p>
+        </p:txBody>
+      </p:sp>
+      <p:sp>
+        <p:nvSpPr>
+          <p:cNvPr id="4" name="Slide Number Placeholder 3"/>
+          <p:cNvSpPr>
+            <a:spLocks noGrp="1"/>
+          </p:cNvSpPr>
+          <p:nvPr>
+            <p:ph type="sldNum" sz="quarter" idx="5"/>
+          </p:nvPr>
+        </p:nvSpPr>
+        <p:spPr/>
+        <p:txBody>
+          <a:bodyPr/>
+          <a:lstStyle/>
+          <a:p>
+            <a:fld id="{FCE787DF-8F4B-4F18-9094-9E830052A33F}" type="slidenum">
+              <a:rPr lang="en-GB" smtClean="0"/>
+              <a:t>2</a:t>
+            </a:fld>
+            <a:endParaRPr lang="en-GB" dirty="0"/>
+          </a:p>
+        </p:txBody>
+      </p:sp>
+    </p:spTree>
+    <p:extLst>
+      <p:ext uri="{BB962C8B-B14F-4D97-AF65-F5344CB8AC3E}">
+        <p14:creationId xmlns:p14="http://schemas.microsoft.com/office/powerpoint/2010/main" val="930236855"/>
+      </p:ext>
+    </p:extLst>
+  </p:cSld>
+  <p:clrMapOvr>
+    <a:masterClrMapping/>
+  </p:clrMapOvr>
+</p:notes>
+</file>
+
+<file path=ppt/notesSlides/notesSlide2.xml><?xml version="1.0" encoding="utf-8"?>
+<p:notes xmlns:a="http://schemas.openxmlformats.org/drawingml/2006/main" xmlns:r="http://schemas.openxmlformats.org/officeDocument/2006/relationships" xmlns:p="http://schemas.openxmlformats.org/presentationml/2006/main">
+  <p:cSld>
+    <p:spTree>
+      <p:nvGrpSpPr>
+        <p:cNvPr id="1" name=""/>
+        <p:cNvGrpSpPr/>
+        <p:nvPr/>
+      </p:nvGrpSpPr>
+      <p:grpSpPr>
+        <a:xfrm>
+          <a:off x="0" y="0"/>
+          <a:ext cx="0" cy="0"/>
+          <a:chOff x="0" y="0"/>
+          <a:chExt cx="0" cy="0"/>
+        </a:xfrm>
+      </p:grpSpPr>
+      <p:sp>
+        <p:nvSpPr>
+          <p:cNvPr id="2" name="Slide Image Placeholder 1"/>
+          <p:cNvSpPr>
+            <a:spLocks noGrp="1" noRot="1" noChangeAspect="1"/>
+          </p:cNvSpPr>
+          <p:nvPr>
+            <p:ph type="sldImg"/>
+          </p:nvPr>
+        </p:nvSpPr>
+        <p:spPr/>
+      </p:sp>
+      <p:sp>
+        <p:nvSpPr>
+          <p:cNvPr id="3" name="Notes Placeholder 2"/>
+          <p:cNvSpPr>
+            <a:spLocks noGrp="1"/>
+          </p:cNvSpPr>
+          <p:nvPr>
+            <p:ph type="body" idx="1"/>
+          </p:nvPr>
+        </p:nvSpPr>
+        <p:spPr/>
+        <p:txBody>
+          <a:bodyPr/>
+          <a:lstStyle/>
+          <a:p>
+            <a:r>
+              <a:rPr lang="it-IT" dirty="0"/>
+              <a:t>Dall’attività delle settimane precedenti si è visto che con l’in-</a:t>
+            </a:r>
+            <a:r>
+              <a:rPr lang="it-IT" dirty="0" err="1"/>
+              <a:t>context</a:t>
+            </a:r>
+            <a:r>
+              <a:rPr lang="it-IT" dirty="0"/>
+              <a:t> learning è possibile controllare/limitare l’output del modello ad uno spazio ridotto di possibili valori. è quindi possibile insegnargli come rispondere agendo sul prompt, senza andare a modificare i pesi del modello. </a:t>
+            </a:r>
+          </a:p>
+          <a:p>
+            <a:endParaRPr lang="it-IT" dirty="0"/>
+          </a:p>
+          <a:p>
+            <a:r>
+              <a:rPr lang="it-IT" dirty="0"/>
+              <a:t>Ed inoltre </a:t>
+            </a:r>
+            <a:r>
+              <a:rPr lang="it-IT" dirty="0" err="1"/>
+              <a:t>finetunare</a:t>
+            </a:r>
+            <a:r>
+              <a:rPr lang="it-IT" dirty="0"/>
+              <a:t> un modello può essere molto costoso in termini di risorse e richiede molti dati.</a:t>
+            </a:r>
+            <a:endParaRPr lang="en-GB" dirty="0"/>
+          </a:p>
+        </p:txBody>
+      </p:sp>
+      <p:sp>
+        <p:nvSpPr>
+          <p:cNvPr id="4" name="Slide Number Placeholder 3"/>
+          <p:cNvSpPr>
+            <a:spLocks noGrp="1"/>
+          </p:cNvSpPr>
+          <p:nvPr>
+            <p:ph type="sldNum" sz="quarter" idx="5"/>
+          </p:nvPr>
+        </p:nvSpPr>
+        <p:spPr/>
+        <p:txBody>
+          <a:bodyPr/>
+          <a:lstStyle/>
+          <a:p>
+            <a:fld id="{FCE787DF-8F4B-4F18-9094-9E830052A33F}" type="slidenum">
+              <a:rPr lang="en-GB" smtClean="0"/>
+              <a:t>3</a:t>
+            </a:fld>
+            <a:endParaRPr lang="en-GB" dirty="0"/>
+          </a:p>
+        </p:txBody>
+      </p:sp>
+    </p:spTree>
+    <p:extLst>
+      <p:ext uri="{BB962C8B-B14F-4D97-AF65-F5344CB8AC3E}">
+        <p14:creationId xmlns:p14="http://schemas.microsoft.com/office/powerpoint/2010/main" val="1494480195"/>
+      </p:ext>
+    </p:extLst>
+  </p:cSld>
+  <p:clrMapOvr>
+    <a:masterClrMapping/>
+  </p:clrMapOvr>
+</p:notes>
 </file>
 
 <file path=ppt/slideLayouts/slideLayout1.xml><?xml version="1.0" encoding="utf-8"?>
@@ -40960,7 +41156,7 @@
                 <a:ea typeface="Calibri" panose="020F0502020204030204" pitchFamily="34" charset="0"/>
                 <a:cs typeface="Times New Roman" panose="02020603050405020304" pitchFamily="18" charset="0"/>
               </a:rPr>
-              <a:t>THESIS - Enhancing Fault Isolation in Hardware Systems Using Large Language Models (LLM): Real-time Diagnostic Framework.  </a:t>
+              <a:t>THESIS - Enhancing Fault Isolation in Hardware Systems Using Large Language Models (LLMs)</a:t>
             </a:r>
             <a:br>
               <a:rPr lang="en-US" sz="2000" noProof="0" dirty="0">
@@ -41047,7 +41243,7 @@
           <p:cNvPr id="2" name="Segnaposto piè di pagina 1">
             <a:extLst>
               <a:ext uri="{FF2B5EF4-FFF2-40B4-BE49-F238E27FC236}">
-                <a16:creationId xmlns:a16="http://schemas.microsoft.com/office/drawing/2014/main" id="{988C26CA-2695-000F-575F-C414855CBBFC}"/>
+                <a16:creationId xmlns:a16="http://schemas.microsoft.com/office/drawing/2014/main" id="{C44EB215-1F7B-3EBF-D79E-F87D96D22DF9}"/>
               </a:ext>
             </a:extLst>
           </p:cNvPr>
@@ -41075,7 +41271,7 @@
           <p:cNvPr id="3" name="Segnaposto numero diapositiva 2">
             <a:extLst>
               <a:ext uri="{FF2B5EF4-FFF2-40B4-BE49-F238E27FC236}">
-                <a16:creationId xmlns:a16="http://schemas.microsoft.com/office/drawing/2014/main" id="{7F9A45F7-3490-2D86-6B77-F9E58517D477}"/>
+                <a16:creationId xmlns:a16="http://schemas.microsoft.com/office/drawing/2014/main" id="{1D2A9F76-D498-25D6-2F5C-EF61D2FA38FE}"/>
               </a:ext>
             </a:extLst>
           </p:cNvPr>
@@ -41105,7 +41301,7 @@
           <p:cNvPr id="4" name="Titolo 3">
             <a:extLst>
               <a:ext uri="{FF2B5EF4-FFF2-40B4-BE49-F238E27FC236}">
-                <a16:creationId xmlns:a16="http://schemas.microsoft.com/office/drawing/2014/main" id="{C041DDB8-2270-CCFA-745D-71B530F38416}"/>
+                <a16:creationId xmlns:a16="http://schemas.microsoft.com/office/drawing/2014/main" id="{263FEFB7-EDCC-CFA3-014C-BC24B6E70E37}"/>
               </a:ext>
             </a:extLst>
           </p:cNvPr>
@@ -41118,22 +41314,25 @@
         </p:nvSpPr>
         <p:spPr/>
         <p:txBody>
-          <a:bodyPr/>
+          <a:bodyPr>
+            <a:normAutofit/>
+          </a:bodyPr>
           <a:lstStyle/>
           <a:p>
             <a:r>
-              <a:rPr lang="en-US" noProof="0" dirty="0"/>
-              <a:t>P</a:t>
-            </a:r>
+              <a:rPr lang="en-US" b="1" noProof="0" dirty="0"/>
+              <a:t>Evaluating LLM Understanding a System Schema</a:t>
+            </a:r>
+            <a:endParaRPr lang="en-US" noProof="0" dirty="0"/>
           </a:p>
         </p:txBody>
       </p:sp>
       <p:sp>
         <p:nvSpPr>
-          <p:cNvPr id="8" name="Segnaposto contenuto 6">
+          <p:cNvPr id="7" name="Segnaposto contenuto 6">
             <a:extLst>
               <a:ext uri="{FF2B5EF4-FFF2-40B4-BE49-F238E27FC236}">
-                <a16:creationId xmlns:a16="http://schemas.microsoft.com/office/drawing/2014/main" id="{299563E3-B976-E0FF-AB5D-7FD3B6C2C7AA}"/>
+                <a16:creationId xmlns:a16="http://schemas.microsoft.com/office/drawing/2014/main" id="{8A79A431-067C-52E3-1272-EAAD7B001DD7}"/>
               </a:ext>
             </a:extLst>
           </p:cNvPr>
@@ -41146,22 +41345,20 @@
         </p:nvSpPr>
         <p:spPr>
           <a:xfrm>
-            <a:off x="257969" y="1084900"/>
-            <a:ext cx="6933406" cy="3414648"/>
+            <a:off x="257969" y="983556"/>
+            <a:ext cx="6933406" cy="3515992"/>
           </a:xfrm>
         </p:spPr>
         <p:txBody>
-          <a:bodyPr>
-            <a:normAutofit fontScale="85000" lnSpcReduction="20000"/>
-          </a:bodyPr>
+          <a:bodyPr/>
           <a:lstStyle/>
           <a:p>
             <a:pPr>
               <a:buNone/>
             </a:pPr>
             <a:r>
-              <a:rPr lang="en-US" b="1" noProof="0" dirty="0" err="1"/>
-              <a:t>Statew</a:t>
+              <a:rPr lang="en-US" b="1" dirty="0"/>
+              <a:t>Operative steps</a:t>
             </a:r>
             <a:endParaRPr lang="en-US" b="1" noProof="0" dirty="0"/>
           </a:p>
@@ -41172,50 +41369,8 @@
             </a:pPr>
             <a:r>
               <a:rPr lang="en-US" noProof="0" dirty="0"/>
-              <a:t>Analysis :</a:t>
-            </a:r>
-          </a:p>
-          <a:p>
-            <a:pPr marL="742950" lvl="1" indent="-285750">
-              <a:buFont typeface="Arial" panose="020B0604020202020204" pitchFamily="34" charset="0"/>
-              <a:buChar char="•"/>
-            </a:pPr>
-            <a:r>
-              <a:rPr lang="en-US" noProof="0" dirty="0" err="1"/>
-              <a:t>Hardstics</a:t>
-            </a:r>
-            <a:endParaRPr lang="en-US" noProof="0" dirty="0"/>
-          </a:p>
-          <a:p>
-            <a:pPr marL="742950" lvl="1" indent="-285750">
-              <a:buFont typeface="Arial" panose="020B0604020202020204" pitchFamily="34" charset="0"/>
-              <a:buChar char="•"/>
-            </a:pPr>
-            <a:r>
-              <a:rPr lang="en-US" noProof="0" dirty="0"/>
-              <a:t>LLMs</a:t>
-            </a:r>
-          </a:p>
-          <a:p>
-            <a:pPr marL="742950" lvl="1" indent="-285750">
-              <a:buFont typeface="Arial" panose="020B0604020202020204" pitchFamily="34" charset="0"/>
-              <a:buChar char="•"/>
-            </a:pPr>
-            <a:r>
-              <a:rPr lang="en-US" noProof="0" dirty="0"/>
-              <a:t>LL</a:t>
-            </a:r>
-          </a:p>
-          <a:p>
-            <a:pPr marL="742950" lvl="1" indent="-285750">
-              <a:buFont typeface="Arial" panose="020B0604020202020204" pitchFamily="34" charset="0"/>
-              <a:buChar char="•"/>
-            </a:pPr>
-            <a:r>
-              <a:rPr lang="en-US" noProof="0" dirty="0" err="1"/>
-              <a:t>Anomalfau</a:t>
-            </a:r>
-            <a:endParaRPr lang="en-US" noProof="0" dirty="0"/>
+              <a:t>Assess whether the LLM can comprehend the hardware system structure and interconnections.</a:t>
+            </a:r>
           </a:p>
           <a:p>
             <a:pPr>
@@ -41223,28 +41378,8 @@
               <a:buChar char="•"/>
             </a:pPr>
             <a:r>
-              <a:rPr lang="en-US" noProof="0" dirty="0" err="1"/>
-              <a:t>Faultolutions</a:t>
-            </a:r>
-            <a:endParaRPr lang="en-US" noProof="0" dirty="0"/>
-          </a:p>
-          <a:p>
-            <a:pPr>
-              <a:buNone/>
-            </a:pPr>
-            <a:endParaRPr lang="en-US" b="1" noProof="0" dirty="0"/>
-          </a:p>
-          <a:p>
-            <a:pPr>
-              <a:buNone/>
-            </a:pPr>
-            <a:r>
-              <a:rPr lang="en-US" b="1" noProof="0" dirty="0" err="1"/>
-              <a:t>Technolog</a:t>
-            </a:r>
-            <a:r>
-              <a:rPr lang="en-US" b="1" noProof="0" dirty="0"/>
-              <a:t>)</a:t>
+              <a:rPr lang="en-US" noProof="0" dirty="0"/>
+              <a:t>Determine whether a Json, descriptive or tabular representation is more effective for “training” the model.</a:t>
             </a:r>
           </a:p>
           <a:p>
@@ -41253,118 +41388,35 @@
               <a:buChar char="•"/>
             </a:pPr>
             <a:r>
-              <a:rPr lang="en-US" noProof="0" dirty="0" err="1"/>
-              <a:t>Compar</a:t>
-            </a:r>
-            <a:endParaRPr lang="en-US" noProof="0" dirty="0"/>
-          </a:p>
-          <a:p>
-            <a:pPr>
-              <a:buFont typeface="Arial" panose="020B0604020202020204" pitchFamily="34" charset="0"/>
-              <a:buChar char="•"/>
-            </a:pPr>
-            <a:r>
-              <a:rPr lang="en-US" noProof="0" dirty="0" err="1"/>
-              <a:t>Studdiagnost</a:t>
-            </a:r>
-            <a:endParaRPr lang="en-US" noProof="0" dirty="0"/>
-          </a:p>
-          <a:p>
-            <a:pPr>
-              <a:buFont typeface="Arial" panose="020B0604020202020204" pitchFamily="34" charset="0"/>
-              <a:buChar char="•"/>
-            </a:pPr>
-            <a:r>
-              <a:rPr lang="en-US" noProof="0" dirty="0" err="1"/>
-              <a:t>Definitiochains</a:t>
-            </a:r>
-            <a:endParaRPr lang="en-US" noProof="0" dirty="0"/>
+              <a:rPr lang="en-US" noProof="0" dirty="0"/>
+              <a:t>Test whether the model can infer dependencies between components and recognize interconnection patterns.</a:t>
+            </a:r>
           </a:p>
           <a:p>
             <a:pPr>
               <a:buNone/>
             </a:pPr>
-            <a:endParaRPr lang="en-US" b="1" noProof="0" dirty="0"/>
+            <a:r>
+              <a:rPr lang="en-US" b="1" noProof="0" dirty="0"/>
+              <a:t>Purpose:</a:t>
+            </a:r>
+            <a:r>
+              <a:rPr lang="en-US" noProof="0" dirty="0"/>
+              <a:t> Validate whether the model accurately understands the system and its relationships before optimizing its diagnostic capabilities.</a:t>
+            </a:r>
           </a:p>
           <a:p>
             <a:pPr>
               <a:buNone/>
             </a:pPr>
-            <a:r>
-              <a:rPr lang="en-US" b="1" noProof="0" dirty="0" err="1"/>
-              <a:t>Repolopment</a:t>
-            </a:r>
-            <a:endParaRPr lang="en-US" b="1" noProof="0" dirty="0"/>
-          </a:p>
-          <a:p>
-            <a:pPr>
-              <a:buFont typeface="Arial" panose="020B0604020202020204" pitchFamily="34" charset="0"/>
-              <a:buChar char="•"/>
-            </a:pPr>
-            <a:r>
-              <a:rPr lang="en-US" b="1" noProof="0" dirty="0" err="1"/>
-              <a:t>Structureport</a:t>
-            </a:r>
-            <a:r>
-              <a:rPr lang="en-US" b="1" noProof="0" dirty="0"/>
-              <a:t>:</a:t>
-            </a:r>
             <a:endParaRPr lang="en-US" noProof="0" dirty="0"/>
-          </a:p>
-          <a:p>
-            <a:pPr marL="742950" lvl="1" indent="-285750">
-              <a:buFont typeface="Arial" panose="020B0604020202020204" pitchFamily="34" charset="0"/>
-              <a:buChar char="•"/>
-            </a:pPr>
-            <a:r>
-              <a:rPr lang="en-US" noProof="0" dirty="0" err="1"/>
-              <a:t>Introduc</a:t>
-            </a:r>
-            <a:r>
-              <a:rPr lang="en-US" noProof="0" dirty="0"/>
-              <a:t> context</a:t>
-            </a:r>
-          </a:p>
-          <a:p>
-            <a:pPr marL="742950" lvl="1" indent="-285750">
-              <a:buFont typeface="Arial" panose="020B0604020202020204" pitchFamily="34" charset="0"/>
-              <a:buChar char="•"/>
-            </a:pPr>
-            <a:r>
-              <a:rPr lang="en-US" noProof="0" dirty="0"/>
-              <a:t>State art</a:t>
-            </a:r>
-          </a:p>
-          <a:p>
-            <a:pPr marL="742950" lvl="1" indent="-285750">
-              <a:buFont typeface="Arial" panose="020B0604020202020204" pitchFamily="34" charset="0"/>
-              <a:buChar char="•"/>
-            </a:pPr>
-            <a:r>
-              <a:rPr lang="en-US" noProof="0" dirty="0"/>
-              <a:t>Overview  technologies</a:t>
-            </a:r>
-          </a:p>
-          <a:p>
-            <a:pPr marL="742950" lvl="1" indent="-285750">
-              <a:buFont typeface="Arial" panose="020B0604020202020204" pitchFamily="34" charset="0"/>
-              <a:buChar char="•"/>
-            </a:pPr>
-            <a:r>
-              <a:rPr lang="en-US" noProof="0" dirty="0" err="1"/>
-              <a:t>Comparis</a:t>
-            </a:r>
-            <a:r>
-              <a:rPr lang="en-US" noProof="0" dirty="0"/>
-              <a:t> of the analysis</a:t>
-            </a:r>
           </a:p>
         </p:txBody>
       </p:sp>
     </p:spTree>
     <p:extLst>
       <p:ext uri="{BB962C8B-B14F-4D97-AF65-F5344CB8AC3E}">
-        <p14:creationId xmlns:p14="http://schemas.microsoft.com/office/powerpoint/2010/main" val="149665698"/>
+        <p14:creationId xmlns:p14="http://schemas.microsoft.com/office/powerpoint/2010/main" val="1544366349"/>
       </p:ext>
     </p:extLst>
   </p:cSld>
@@ -41396,7 +41448,7 @@
           <p:cNvPr id="2" name="Segnaposto piè di pagina 1">
             <a:extLst>
               <a:ext uri="{FF2B5EF4-FFF2-40B4-BE49-F238E27FC236}">
-                <a16:creationId xmlns:a16="http://schemas.microsoft.com/office/drawing/2014/main" id="{F7BF671D-F17B-E2A4-FBB6-86743DF46E12}"/>
+                <a16:creationId xmlns:a16="http://schemas.microsoft.com/office/drawing/2014/main" id="{988C26CA-2695-000F-575F-C414855CBBFC}"/>
               </a:ext>
             </a:extLst>
           </p:cNvPr>
@@ -41413,9 +41465,10 @@
           <a:lstStyle/>
           <a:p>
             <a:r>
-              <a:rPr lang="en-US" noProof="0" dirty="0"/>
+              <a:rPr lang="en-GB"/>
               <a:t>Reference</a:t>
             </a:r>
+            <a:endParaRPr lang="en-GB" dirty="0"/>
           </a:p>
         </p:txBody>
       </p:sp>
@@ -41424,7 +41477,7 @@
           <p:cNvPr id="3" name="Segnaposto numero diapositiva 2">
             <a:extLst>
               <a:ext uri="{FF2B5EF4-FFF2-40B4-BE49-F238E27FC236}">
-                <a16:creationId xmlns:a16="http://schemas.microsoft.com/office/drawing/2014/main" id="{6D0123D6-13A1-9BB1-38DE-5DFDA473A38E}"/>
+                <a16:creationId xmlns:a16="http://schemas.microsoft.com/office/drawing/2014/main" id="{7F9A45F7-3490-2D86-6B77-F9E58517D477}"/>
               </a:ext>
             </a:extLst>
           </p:cNvPr>
@@ -41441,11 +41494,11 @@
           <a:lstStyle/>
           <a:p>
             <a:fld id="{500E0521-425D-DD45-BED6-A99962E298FC}" type="slidenum">
-              <a:rPr lang="en-US" noProof="0" smtClean="0"/>
+              <a:rPr lang="en-GB" smtClean="0"/>
               <a:pPr/>
               <a:t>3</a:t>
             </a:fld>
-            <a:endParaRPr lang="en-US" noProof="0" dirty="0"/>
+            <a:endParaRPr lang="en-GB" dirty="0"/>
           </a:p>
         </p:txBody>
       </p:sp>
@@ -41454,7 +41507,7 @@
           <p:cNvPr id="4" name="Titolo 3">
             <a:extLst>
               <a:ext uri="{FF2B5EF4-FFF2-40B4-BE49-F238E27FC236}">
-                <a16:creationId xmlns:a16="http://schemas.microsoft.com/office/drawing/2014/main" id="{2668EE1A-8CAA-4DBF-3DF8-0AF66EF2BA81}"/>
+                <a16:creationId xmlns:a16="http://schemas.microsoft.com/office/drawing/2014/main" id="{C041DDB8-2270-CCFA-745D-71B530F38416}"/>
               </a:ext>
             </a:extLst>
           </p:cNvPr>
@@ -41471,23 +41524,18 @@
           <a:lstStyle/>
           <a:p>
             <a:r>
-              <a:rPr lang="en-US" noProof="0" dirty="0"/>
-              <a:t>S</a:t>
-            </a:r>
-            <a:r>
-              <a:rPr lang="en-US" dirty="0" err="1"/>
-              <a:t>ium</a:t>
-            </a:r>
-            <a:endParaRPr lang="en-US" noProof="0" dirty="0"/>
+              <a:rPr lang="it-IT" dirty="0"/>
+              <a:t>Preliminary Activities</a:t>
+            </a:r>
           </a:p>
         </p:txBody>
       </p:sp>
       <p:sp>
         <p:nvSpPr>
-          <p:cNvPr id="7" name="Segnaposto contenuto 6">
+          <p:cNvPr id="8" name="Segnaposto contenuto 6">
             <a:extLst>
               <a:ext uri="{FF2B5EF4-FFF2-40B4-BE49-F238E27FC236}">
-                <a16:creationId xmlns:a16="http://schemas.microsoft.com/office/drawing/2014/main" id="{EE7732C2-F890-AC58-EB08-AF5FBACC532D}"/>
+                <a16:creationId xmlns:a16="http://schemas.microsoft.com/office/drawing/2014/main" id="{299563E3-B976-E0FF-AB5D-7FD3B6C2C7AA}"/>
               </a:ext>
             </a:extLst>
           </p:cNvPr>
@@ -41505,17 +41553,188 @@
           </a:xfrm>
         </p:spPr>
         <p:txBody>
-          <a:bodyPr/>
+          <a:bodyPr>
+            <a:normAutofit fontScale="85000" lnSpcReduction="20000"/>
+          </a:bodyPr>
           <a:lstStyle/>
           <a:p>
             <a:pPr>
-              <a:lnSpc>
-                <a:spcPct val="150000"/>
-              </a:lnSpc>
+              <a:buNone/>
             </a:pPr>
             <a:r>
-              <a:rPr lang="en-US" noProof="0" dirty="0"/>
-              <a:t>ci</a:t>
+              <a:rPr lang="en-US" b="1" dirty="0"/>
+              <a:t>State of the Art &amp; Literature Review</a:t>
+            </a:r>
+          </a:p>
+          <a:p>
+            <a:pPr>
+              <a:buFont typeface="Arial" panose="020B0604020202020204" pitchFamily="34" charset="0"/>
+              <a:buChar char="•"/>
+            </a:pPr>
+            <a:r>
+              <a:rPr lang="en-US" dirty="0"/>
+              <a:t>Analysis of academic publications, technical articles, and white papers on:</a:t>
+            </a:r>
+          </a:p>
+          <a:p>
+            <a:pPr marL="742950" lvl="1" indent="-285750">
+              <a:buFont typeface="Arial" panose="020B0604020202020204" pitchFamily="34" charset="0"/>
+              <a:buChar char="•"/>
+            </a:pPr>
+            <a:r>
+              <a:rPr lang="en-US" dirty="0"/>
+              <a:t>Hardware diagnostics</a:t>
+            </a:r>
+          </a:p>
+          <a:p>
+            <a:pPr marL="742950" lvl="1" indent="-285750">
+              <a:buFont typeface="Arial" panose="020B0604020202020204" pitchFamily="34" charset="0"/>
+              <a:buChar char="•"/>
+            </a:pPr>
+            <a:r>
+              <a:rPr lang="en-US" dirty="0"/>
+              <a:t>LLMs applied to unstructured data analysis</a:t>
+            </a:r>
+          </a:p>
+          <a:p>
+            <a:pPr marL="742950" lvl="1" indent="-285750">
+              <a:buFont typeface="Arial" panose="020B0604020202020204" pitchFamily="34" charset="0"/>
+              <a:buChar char="•"/>
+            </a:pPr>
+            <a:r>
+              <a:rPr lang="en-US" dirty="0"/>
+              <a:t>LLMs for fault detection</a:t>
+            </a:r>
+          </a:p>
+          <a:p>
+            <a:pPr marL="742950" lvl="1" indent="-285750">
+              <a:buFont typeface="Arial" panose="020B0604020202020204" pitchFamily="34" charset="0"/>
+              <a:buChar char="•"/>
+            </a:pPr>
+            <a:r>
+              <a:rPr lang="en-US" dirty="0"/>
+              <a:t>Anomaly detection and fault isolation techniques</a:t>
+            </a:r>
+          </a:p>
+          <a:p>
+            <a:pPr>
+              <a:buFont typeface="Arial" panose="020B0604020202020204" pitchFamily="34" charset="0"/>
+              <a:buChar char="•"/>
+            </a:pPr>
+            <a:r>
+              <a:rPr lang="en-US" dirty="0"/>
+              <a:t>Fault isolation, identification of best practices and current limitations in existing solutions</a:t>
+            </a:r>
+          </a:p>
+          <a:p>
+            <a:pPr>
+              <a:buNone/>
+            </a:pPr>
+            <a:endParaRPr lang="en-US" b="1" dirty="0"/>
+          </a:p>
+          <a:p>
+            <a:pPr>
+              <a:buNone/>
+            </a:pPr>
+            <a:r>
+              <a:rPr lang="en-US" b="1" dirty="0"/>
+              <a:t>Technological Evaluation (Partially Completed)</a:t>
+            </a:r>
+          </a:p>
+          <a:p>
+            <a:pPr>
+              <a:buFont typeface="Arial" panose="020B0604020202020204" pitchFamily="34" charset="0"/>
+              <a:buChar char="•"/>
+            </a:pPr>
+            <a:r>
+              <a:rPr lang="en-US" dirty="0"/>
+              <a:t>Comparison of existing LLM models</a:t>
+            </a:r>
+          </a:p>
+          <a:p>
+            <a:pPr>
+              <a:buFont typeface="Arial" panose="020B0604020202020204" pitchFamily="34" charset="0"/>
+              <a:buChar char="•"/>
+            </a:pPr>
+            <a:r>
+              <a:rPr lang="en-US" dirty="0"/>
+              <a:t>Study of hardware and software requirements for implementing LLM-based diagnostic frameworks</a:t>
+            </a:r>
+          </a:p>
+          <a:p>
+            <a:pPr>
+              <a:buFont typeface="Arial" panose="020B0604020202020204" pitchFamily="34" charset="0"/>
+              <a:buChar char="•"/>
+            </a:pPr>
+            <a:r>
+              <a:rPr lang="en-US" dirty="0"/>
+              <a:t>Definition of necessary toolchains</a:t>
+            </a:r>
+          </a:p>
+          <a:p>
+            <a:pPr>
+              <a:buNone/>
+            </a:pPr>
+            <a:endParaRPr lang="en-US" b="1" dirty="0"/>
+          </a:p>
+          <a:p>
+            <a:pPr>
+              <a:buNone/>
+            </a:pPr>
+            <a:r>
+              <a:rPr lang="en-US" b="1" dirty="0"/>
+              <a:t>Report Development</a:t>
+            </a:r>
+          </a:p>
+          <a:p>
+            <a:pPr>
+              <a:buFont typeface="Arial" panose="020B0604020202020204" pitchFamily="34" charset="0"/>
+              <a:buChar char="•"/>
+            </a:pPr>
+            <a:r>
+              <a:rPr lang="en-US" b="1" dirty="0"/>
+              <a:t>Structure of the report:</a:t>
+            </a:r>
+            <a:endParaRPr lang="en-US" dirty="0"/>
+          </a:p>
+          <a:p>
+            <a:pPr marL="742950" lvl="1" indent="-285750">
+              <a:buFont typeface="Arial" panose="020B0604020202020204" pitchFamily="34" charset="0"/>
+              <a:buChar char="•"/>
+            </a:pPr>
+            <a:r>
+              <a:rPr lang="en-US" dirty="0"/>
+              <a:t>Introduction and context</a:t>
+            </a:r>
+          </a:p>
+          <a:p>
+            <a:pPr marL="742950" lvl="1" indent="-285750">
+              <a:buFont typeface="Arial" panose="020B0604020202020204" pitchFamily="34" charset="0"/>
+              <a:buChar char="•"/>
+            </a:pPr>
+            <a:r>
+              <a:rPr lang="en-US" dirty="0"/>
+              <a:t>State of the art</a:t>
+            </a:r>
+          </a:p>
+          <a:p>
+            <a:pPr marL="742950" lvl="1" indent="-285750">
+              <a:buFont typeface="Arial" panose="020B0604020202020204" pitchFamily="34" charset="0"/>
+              <a:buChar char="•"/>
+            </a:pPr>
+            <a:r>
+              <a:rPr lang="en-US" dirty="0"/>
+              <a:t>Overview of analyzed technologies</a:t>
+            </a:r>
+          </a:p>
+          <a:p>
+            <a:pPr marL="742950" lvl="1" indent="-285750">
+              <a:buFont typeface="Arial" panose="020B0604020202020204" pitchFamily="34" charset="0"/>
+              <a:buChar char="•"/>
+            </a:pPr>
+            <a:r>
+              <a:rPr lang="en-US" dirty="0"/>
+              <a:t>Comparison and results of the analysis</a:t>
             </a:r>
           </a:p>
         </p:txBody>
@@ -41523,7 +41742,7 @@
     </p:spTree>
     <p:extLst>
       <p:ext uri="{BB962C8B-B14F-4D97-AF65-F5344CB8AC3E}">
-        <p14:creationId xmlns:p14="http://schemas.microsoft.com/office/powerpoint/2010/main" val="2834207350"/>
+        <p14:creationId xmlns:p14="http://schemas.microsoft.com/office/powerpoint/2010/main" val="149665698"/>
       </p:ext>
     </p:extLst>
   </p:cSld>
@@ -41534,6 +41753,244 @@
 </file>
 
 <file path=ppt/slides/slide4.xml><?xml version="1.0" encoding="utf-8"?>
+<p:sld xmlns:a="http://schemas.openxmlformats.org/drawingml/2006/main" xmlns:r="http://schemas.openxmlformats.org/officeDocument/2006/relationships" xmlns:p="http://schemas.openxmlformats.org/presentationml/2006/main">
+  <p:cSld>
+    <p:spTree>
+      <p:nvGrpSpPr>
+        <p:cNvPr id="1" name=""/>
+        <p:cNvGrpSpPr/>
+        <p:nvPr/>
+      </p:nvGrpSpPr>
+      <p:grpSpPr>
+        <a:xfrm>
+          <a:off x="0" y="0"/>
+          <a:ext cx="0" cy="0"/>
+          <a:chOff x="0" y="0"/>
+          <a:chExt cx="0" cy="0"/>
+        </a:xfrm>
+      </p:grpSpPr>
+      <p:sp>
+        <p:nvSpPr>
+          <p:cNvPr id="2" name="Segnaposto piè di pagina 1">
+            <a:extLst>
+              <a:ext uri="{FF2B5EF4-FFF2-40B4-BE49-F238E27FC236}">
+                <a16:creationId xmlns:a16="http://schemas.microsoft.com/office/drawing/2014/main" id="{F34FD32C-40F1-17E5-BFCE-414B362FED86}"/>
+              </a:ext>
+            </a:extLst>
+          </p:cNvPr>
+          <p:cNvSpPr>
+            <a:spLocks noGrp="1"/>
+          </p:cNvSpPr>
+          <p:nvPr>
+            <p:ph type="ftr" sz="quarter" idx="3"/>
+          </p:nvPr>
+        </p:nvSpPr>
+        <p:spPr/>
+        <p:txBody>
+          <a:bodyPr/>
+          <a:lstStyle/>
+          <a:p>
+            <a:r>
+              <a:rPr lang="en-US" noProof="0" dirty="0"/>
+              <a:t>Reference</a:t>
+            </a:r>
+          </a:p>
+        </p:txBody>
+      </p:sp>
+      <p:sp>
+        <p:nvSpPr>
+          <p:cNvPr id="3" name="Segnaposto numero diapositiva 2">
+            <a:extLst>
+              <a:ext uri="{FF2B5EF4-FFF2-40B4-BE49-F238E27FC236}">
+                <a16:creationId xmlns:a16="http://schemas.microsoft.com/office/drawing/2014/main" id="{5C42C062-8BFC-6B9A-41E7-A757A8442452}"/>
+              </a:ext>
+            </a:extLst>
+          </p:cNvPr>
+          <p:cNvSpPr>
+            <a:spLocks noGrp="1"/>
+          </p:cNvSpPr>
+          <p:nvPr>
+            <p:ph type="sldNum" sz="quarter" idx="4"/>
+          </p:nvPr>
+        </p:nvSpPr>
+        <p:spPr/>
+        <p:txBody>
+          <a:bodyPr/>
+          <a:lstStyle/>
+          <a:p>
+            <a:fld id="{500E0521-425D-DD45-BED6-A99962E298FC}" type="slidenum">
+              <a:rPr lang="en-US" noProof="0" smtClean="0"/>
+              <a:pPr/>
+              <a:t>4</a:t>
+            </a:fld>
+            <a:endParaRPr lang="en-US" noProof="0" dirty="0"/>
+          </a:p>
+        </p:txBody>
+      </p:sp>
+      <p:sp>
+        <p:nvSpPr>
+          <p:cNvPr id="4" name="Titolo 3">
+            <a:extLst>
+              <a:ext uri="{FF2B5EF4-FFF2-40B4-BE49-F238E27FC236}">
+                <a16:creationId xmlns:a16="http://schemas.microsoft.com/office/drawing/2014/main" id="{AFAE6C53-FD02-8F04-7599-20294A79A959}"/>
+              </a:ext>
+            </a:extLst>
+          </p:cNvPr>
+          <p:cNvSpPr>
+            <a:spLocks noGrp="1"/>
+          </p:cNvSpPr>
+          <p:nvPr>
+            <p:ph type="title"/>
+          </p:nvPr>
+        </p:nvSpPr>
+        <p:spPr/>
+        <p:txBody>
+          <a:bodyPr>
+            <a:normAutofit/>
+          </a:bodyPr>
+          <a:lstStyle/>
+          <a:p>
+            <a:r>
+              <a:rPr lang="en-US" noProof="0" dirty="0"/>
+              <a:t>Components</a:t>
+            </a:r>
+          </a:p>
+        </p:txBody>
+      </p:sp>
+      <p:sp>
+        <p:nvSpPr>
+          <p:cNvPr id="7" name="Segnaposto contenuto 6">
+            <a:extLst>
+              <a:ext uri="{FF2B5EF4-FFF2-40B4-BE49-F238E27FC236}">
+                <a16:creationId xmlns:a16="http://schemas.microsoft.com/office/drawing/2014/main" id="{89BCD81A-F9B0-A4FB-CF43-72E11B929F1B}"/>
+              </a:ext>
+            </a:extLst>
+          </p:cNvPr>
+          <p:cNvSpPr>
+            <a:spLocks noGrp="1"/>
+          </p:cNvSpPr>
+          <p:nvPr>
+            <p:ph idx="26"/>
+          </p:nvPr>
+        </p:nvSpPr>
+        <p:spPr>
+          <a:xfrm>
+            <a:off x="257969" y="987552"/>
+            <a:ext cx="6933406" cy="3511996"/>
+          </a:xfrm>
+        </p:spPr>
+        <p:txBody>
+          <a:bodyPr>
+            <a:normAutofit/>
+          </a:bodyPr>
+          <a:lstStyle/>
+          <a:p>
+            <a:r>
+              <a:rPr lang="en-US" b="1" noProof="0" dirty="0"/>
+              <a:t>Console</a:t>
+            </a:r>
+          </a:p>
+          <a:p>
+            <a:pPr marL="285739" lvl="1" indent="0">
+              <a:buNone/>
+            </a:pPr>
+            <a:r>
+              <a:rPr lang="en-US" noProof="0" dirty="0"/>
+              <a:t>computer equipped with a monitor, keyboard, and mouse, allowing operators to interact with a system</a:t>
+            </a:r>
+            <a:endParaRPr lang="en-US" b="1" noProof="0" dirty="0"/>
+          </a:p>
+          <a:p>
+            <a:r>
+              <a:rPr lang="en-US" b="1" noProof="0" dirty="0"/>
+              <a:t>Switch</a:t>
+            </a:r>
+          </a:p>
+          <a:p>
+            <a:pPr marL="285739" lvl="1" indent="0">
+              <a:buNone/>
+            </a:pPr>
+            <a:r>
+              <a:rPr lang="en-US" noProof="0" dirty="0"/>
+              <a:t>a networking device that connects multiple computers or devices, efficiently managing data traffic within a network</a:t>
+            </a:r>
+          </a:p>
+          <a:p>
+            <a:r>
+              <a:rPr lang="en-US" b="1" noProof="0" dirty="0"/>
+              <a:t>Workstation</a:t>
+            </a:r>
+          </a:p>
+          <a:p>
+            <a:pPr marL="285739" lvl="1" indent="0">
+              <a:buNone/>
+            </a:pPr>
+            <a:r>
+              <a:rPr lang="en-US" noProof="0" dirty="0"/>
+              <a:t>A high-performance computer</a:t>
+            </a:r>
+          </a:p>
+          <a:p>
+            <a:r>
+              <a:rPr lang="en-US" b="1" noProof="0" dirty="0"/>
+              <a:t>SBC (Single Board Computer)</a:t>
+            </a:r>
+          </a:p>
+          <a:p>
+            <a:pPr marL="285739" lvl="1" indent="0">
+              <a:buNone/>
+            </a:pPr>
+            <a:r>
+              <a:rPr lang="en-US" noProof="0" dirty="0"/>
+              <a:t>A compact computer with all essential components (CPU, memory, I/O) integrated onto a single board, used in embedded systems.</a:t>
+            </a:r>
+          </a:p>
+          <a:p>
+            <a:r>
+              <a:rPr lang="en-US" b="1" noProof="0" dirty="0"/>
+              <a:t>NAS (Network Attached Storage)</a:t>
+            </a:r>
+          </a:p>
+          <a:p>
+            <a:pPr marL="285739" lvl="1" indent="0">
+              <a:buNone/>
+            </a:pPr>
+            <a:r>
+              <a:rPr lang="en-US" noProof="0" dirty="0"/>
+              <a:t>A dedicated storage device connected to a network, allowing multiple users to store and access files remotely.</a:t>
+            </a:r>
+          </a:p>
+          <a:p>
+            <a:r>
+              <a:rPr lang="en-US" b="1" noProof="0" dirty="0"/>
+              <a:t>Server</a:t>
+            </a:r>
+          </a:p>
+          <a:p>
+            <a:pPr marL="285739" lvl="1" indent="0">
+              <a:buNone/>
+            </a:pPr>
+            <a:r>
+              <a:rPr lang="en-US" noProof="0" dirty="0"/>
+              <a:t>A powerful computer that provides services or resources to other computers, managing data, applications, or networks.</a:t>
+            </a:r>
+          </a:p>
+        </p:txBody>
+      </p:sp>
+    </p:spTree>
+    <p:extLst>
+      <p:ext uri="{BB962C8B-B14F-4D97-AF65-F5344CB8AC3E}">
+        <p14:creationId xmlns:p14="http://schemas.microsoft.com/office/powerpoint/2010/main" val="3092189695"/>
+      </p:ext>
+    </p:extLst>
+  </p:cSld>
+  <p:clrMapOvr>
+    <a:masterClrMapping/>
+  </p:clrMapOvr>
+</p:sld>
+</file>
+
+<file path=ppt/slides/slide5.xml><?xml version="1.0" encoding="utf-8"?>
 <p:sld xmlns:a="http://schemas.openxmlformats.org/drawingml/2006/main" xmlns:r="http://schemas.openxmlformats.org/officeDocument/2006/relationships" xmlns:p="http://schemas.openxmlformats.org/presentationml/2006/main">
   <p:cSld>
     <p:spTree>
@@ -41602,7 +42059,7 @@
             <a:fld id="{500E0521-425D-DD45-BED6-A99962E298FC}" type="slidenum">
               <a:rPr lang="en-US" noProof="0" smtClean="0"/>
               <a:pPr/>
-              <a:t>4</a:t>
+              <a:t>5</a:t>
             </a:fld>
             <a:endParaRPr lang="en-US" noProof="0" dirty="0"/>
           </a:p>
@@ -48387,7 +48844,7 @@
 </p:sld>
 </file>
 
-<file path=ppt/slides/slide5.xml><?xml version="1.0" encoding="utf-8"?>
+<file path=ppt/slides/slide6.xml><?xml version="1.0" encoding="utf-8"?>
 <p:sld xmlns:a="http://schemas.openxmlformats.org/drawingml/2006/main" xmlns:r="http://schemas.openxmlformats.org/officeDocument/2006/relationships" xmlns:p="http://schemas.openxmlformats.org/presentationml/2006/main">
   <p:cSld>
     <p:spTree>
@@ -48462,7 +48919,7 @@
             <a:fld id="{500E0521-425D-DD45-BED6-A99962E298FC}" type="slidenum">
               <a:rPr lang="en-US" noProof="0" smtClean="0"/>
               <a:pPr/>
-              <a:t>5</a:t>
+              <a:t>6</a:t>
             </a:fld>
             <a:endParaRPr lang="en-US" noProof="0" dirty="0"/>
           </a:p>
@@ -51309,7 +51766,7 @@
 </p:sld>
 </file>
 
-<file path=ppt/slides/slide6.xml><?xml version="1.0" encoding="utf-8"?>
+<file path=ppt/slides/slide7.xml><?xml version="1.0" encoding="utf-8"?>
 <p:sld xmlns:a="http://schemas.openxmlformats.org/drawingml/2006/main" xmlns:r="http://schemas.openxmlformats.org/officeDocument/2006/relationships" xmlns:p="http://schemas.openxmlformats.org/presentationml/2006/main">
   <p:cSld>
     <p:spTree>
@@ -51384,7 +51841,7 @@
             <a:fld id="{500E0521-425D-DD45-BED6-A99962E298FC}" type="slidenum">
               <a:rPr lang="en-US" noProof="0" smtClean="0"/>
               <a:pPr/>
-              <a:t>6</a:t>
+              <a:t>7</a:t>
             </a:fld>
             <a:endParaRPr lang="en-US" noProof="0" dirty="0"/>
           </a:p>
@@ -53801,484 +54258,6 @@
 </p:sld>
 </file>
 
-<file path=ppt/slides/slide7.xml><?xml version="1.0" encoding="utf-8"?>
-<p:sld xmlns:a="http://schemas.openxmlformats.org/drawingml/2006/main" xmlns:r="http://schemas.openxmlformats.org/officeDocument/2006/relationships" xmlns:p="http://schemas.openxmlformats.org/presentationml/2006/main">
-  <p:cSld>
-    <p:spTree>
-      <p:nvGrpSpPr>
-        <p:cNvPr id="1" name=""/>
-        <p:cNvGrpSpPr/>
-        <p:nvPr/>
-      </p:nvGrpSpPr>
-      <p:grpSpPr>
-        <a:xfrm>
-          <a:off x="0" y="0"/>
-          <a:ext cx="0" cy="0"/>
-          <a:chOff x="0" y="0"/>
-          <a:chExt cx="0" cy="0"/>
-        </a:xfrm>
-      </p:grpSpPr>
-      <p:sp>
-        <p:nvSpPr>
-          <p:cNvPr id="2" name="Segnaposto piè di pagina 1">
-            <a:extLst>
-              <a:ext uri="{FF2B5EF4-FFF2-40B4-BE49-F238E27FC236}">
-                <a16:creationId xmlns:a16="http://schemas.microsoft.com/office/drawing/2014/main" id="{F34FD32C-40F1-17E5-BFCE-414B362FED86}"/>
-              </a:ext>
-            </a:extLst>
-          </p:cNvPr>
-          <p:cNvSpPr>
-            <a:spLocks noGrp="1"/>
-          </p:cNvSpPr>
-          <p:nvPr>
-            <p:ph type="ftr" sz="quarter" idx="3"/>
-          </p:nvPr>
-        </p:nvSpPr>
-        <p:spPr/>
-        <p:txBody>
-          <a:bodyPr/>
-          <a:lstStyle/>
-          <a:p>
-            <a:r>
-              <a:rPr lang="en-US" noProof="0" dirty="0"/>
-              <a:t>Reference</a:t>
-            </a:r>
-          </a:p>
-        </p:txBody>
-      </p:sp>
-      <p:sp>
-        <p:nvSpPr>
-          <p:cNvPr id="3" name="Segnaposto numero diapositiva 2">
-            <a:extLst>
-              <a:ext uri="{FF2B5EF4-FFF2-40B4-BE49-F238E27FC236}">
-                <a16:creationId xmlns:a16="http://schemas.microsoft.com/office/drawing/2014/main" id="{5C42C062-8BFC-6B9A-41E7-A757A8442452}"/>
-              </a:ext>
-            </a:extLst>
-          </p:cNvPr>
-          <p:cNvSpPr>
-            <a:spLocks noGrp="1"/>
-          </p:cNvSpPr>
-          <p:nvPr>
-            <p:ph type="sldNum" sz="quarter" idx="4"/>
-          </p:nvPr>
-        </p:nvSpPr>
-        <p:spPr/>
-        <p:txBody>
-          <a:bodyPr/>
-          <a:lstStyle/>
-          <a:p>
-            <a:fld id="{500E0521-425D-DD45-BED6-A99962E298FC}" type="slidenum">
-              <a:rPr lang="en-US" noProof="0" smtClean="0"/>
-              <a:pPr/>
-              <a:t>7</a:t>
-            </a:fld>
-            <a:endParaRPr lang="en-US" noProof="0" dirty="0"/>
-          </a:p>
-        </p:txBody>
-      </p:sp>
-      <p:sp>
-        <p:nvSpPr>
-          <p:cNvPr id="4" name="Titolo 3">
-            <a:extLst>
-              <a:ext uri="{FF2B5EF4-FFF2-40B4-BE49-F238E27FC236}">
-                <a16:creationId xmlns:a16="http://schemas.microsoft.com/office/drawing/2014/main" id="{AFAE6C53-FD02-8F04-7599-20294A79A959}"/>
-              </a:ext>
-            </a:extLst>
-          </p:cNvPr>
-          <p:cNvSpPr>
-            <a:spLocks noGrp="1"/>
-          </p:cNvSpPr>
-          <p:nvPr>
-            <p:ph type="title"/>
-          </p:nvPr>
-        </p:nvSpPr>
-        <p:spPr/>
-        <p:txBody>
-          <a:bodyPr>
-            <a:normAutofit/>
-          </a:bodyPr>
-          <a:lstStyle/>
-          <a:p>
-            <a:r>
-              <a:rPr lang="en-US" noProof="0" dirty="0"/>
-              <a:t>Components</a:t>
-            </a:r>
-          </a:p>
-        </p:txBody>
-      </p:sp>
-      <p:sp>
-        <p:nvSpPr>
-          <p:cNvPr id="7" name="Segnaposto contenuto 6">
-            <a:extLst>
-              <a:ext uri="{FF2B5EF4-FFF2-40B4-BE49-F238E27FC236}">
-                <a16:creationId xmlns:a16="http://schemas.microsoft.com/office/drawing/2014/main" id="{89BCD81A-F9B0-A4FB-CF43-72E11B929F1B}"/>
-              </a:ext>
-            </a:extLst>
-          </p:cNvPr>
-          <p:cNvSpPr>
-            <a:spLocks noGrp="1"/>
-          </p:cNvSpPr>
-          <p:nvPr>
-            <p:ph idx="26"/>
-          </p:nvPr>
-        </p:nvSpPr>
-        <p:spPr>
-          <a:xfrm>
-            <a:off x="257969" y="987552"/>
-            <a:ext cx="6933406" cy="3511996"/>
-          </a:xfrm>
-        </p:spPr>
-        <p:txBody>
-          <a:bodyPr>
-            <a:normAutofit/>
-          </a:bodyPr>
-          <a:lstStyle/>
-          <a:p>
-            <a:r>
-              <a:rPr lang="en-US" b="1" noProof="0" dirty="0"/>
-              <a:t>Console</a:t>
-            </a:r>
-          </a:p>
-          <a:p>
-            <a:pPr marL="285739" lvl="1" indent="0">
-              <a:buNone/>
-            </a:pPr>
-            <a:r>
-              <a:rPr lang="en-US" noProof="0" dirty="0"/>
-              <a:t>computer equipped with a monitor, keyboard, and mouse, allowing operators to interact with a system</a:t>
-            </a:r>
-            <a:endParaRPr lang="en-US" b="1" noProof="0" dirty="0"/>
-          </a:p>
-          <a:p>
-            <a:r>
-              <a:rPr lang="en-US" b="1" noProof="0" dirty="0"/>
-              <a:t>Switch</a:t>
-            </a:r>
-          </a:p>
-          <a:p>
-            <a:pPr marL="285739" lvl="1" indent="0">
-              <a:buNone/>
-            </a:pPr>
-            <a:r>
-              <a:rPr lang="en-US" noProof="0" dirty="0"/>
-              <a:t>a networking device that connects multiple computers or devices, efficiently managing data traffic within a network</a:t>
-            </a:r>
-          </a:p>
-          <a:p>
-            <a:r>
-              <a:rPr lang="en-US" b="1" noProof="0" dirty="0"/>
-              <a:t>Workstation</a:t>
-            </a:r>
-          </a:p>
-          <a:p>
-            <a:pPr marL="285739" lvl="1" indent="0">
-              <a:buNone/>
-            </a:pPr>
-            <a:r>
-              <a:rPr lang="en-US" noProof="0" dirty="0"/>
-              <a:t>A high-performance computer</a:t>
-            </a:r>
-          </a:p>
-          <a:p>
-            <a:r>
-              <a:rPr lang="en-US" b="1" noProof="0" dirty="0"/>
-              <a:t>SBC (Single Board Computer)</a:t>
-            </a:r>
-          </a:p>
-          <a:p>
-            <a:pPr marL="285739" lvl="1" indent="0">
-              <a:buNone/>
-            </a:pPr>
-            <a:r>
-              <a:rPr lang="en-US" noProof="0" dirty="0"/>
-              <a:t>A compact computer with all essential components (CPU, memory, I/O) integrated onto a single board, used in embedded systems.</a:t>
-            </a:r>
-          </a:p>
-          <a:p>
-            <a:r>
-              <a:rPr lang="en-US" b="1" noProof="0" dirty="0"/>
-              <a:t>NAS (Network Attached Storage)</a:t>
-            </a:r>
-          </a:p>
-          <a:p>
-            <a:pPr marL="285739" lvl="1" indent="0">
-              <a:buNone/>
-            </a:pPr>
-            <a:r>
-              <a:rPr lang="en-US" noProof="0" dirty="0"/>
-              <a:t>A dedicated storage device connected to a network, allowing multiple users to store and access files remotely.</a:t>
-            </a:r>
-          </a:p>
-          <a:p>
-            <a:r>
-              <a:rPr lang="en-US" b="1" noProof="0" dirty="0"/>
-              <a:t>Server</a:t>
-            </a:r>
-          </a:p>
-          <a:p>
-            <a:pPr marL="285739" lvl="1" indent="0">
-              <a:buNone/>
-            </a:pPr>
-            <a:r>
-              <a:rPr lang="en-US" noProof="0" dirty="0"/>
-              <a:t>A powerful computer that provides services or resources to other computers, managing data, applications, or networks.</a:t>
-            </a:r>
-          </a:p>
-        </p:txBody>
-      </p:sp>
-    </p:spTree>
-    <p:extLst>
-      <p:ext uri="{BB962C8B-B14F-4D97-AF65-F5344CB8AC3E}">
-        <p14:creationId xmlns:p14="http://schemas.microsoft.com/office/powerpoint/2010/main" val="3092189695"/>
-      </p:ext>
-    </p:extLst>
-  </p:cSld>
-  <p:clrMapOvr>
-    <a:masterClrMapping/>
-  </p:clrMapOvr>
-</p:sld>
-</file>
-
-<file path=ppt/slides/slide8.xml><?xml version="1.0" encoding="utf-8"?>
-<p:sld xmlns:a="http://schemas.openxmlformats.org/drawingml/2006/main" xmlns:r="http://schemas.openxmlformats.org/officeDocument/2006/relationships" xmlns:p="http://schemas.openxmlformats.org/presentationml/2006/main">
-  <p:cSld>
-    <p:spTree>
-      <p:nvGrpSpPr>
-        <p:cNvPr id="1" name=""/>
-        <p:cNvGrpSpPr/>
-        <p:nvPr/>
-      </p:nvGrpSpPr>
-      <p:grpSpPr>
-        <a:xfrm>
-          <a:off x="0" y="0"/>
-          <a:ext cx="0" cy="0"/>
-          <a:chOff x="0" y="0"/>
-          <a:chExt cx="0" cy="0"/>
-        </a:xfrm>
-      </p:grpSpPr>
-      <p:sp>
-        <p:nvSpPr>
-          <p:cNvPr id="2" name="Segnaposto piè di pagina 1">
-            <a:extLst>
-              <a:ext uri="{FF2B5EF4-FFF2-40B4-BE49-F238E27FC236}">
-                <a16:creationId xmlns:a16="http://schemas.microsoft.com/office/drawing/2014/main" id="{C44EB215-1F7B-3EBF-D79E-F87D96D22DF9}"/>
-              </a:ext>
-            </a:extLst>
-          </p:cNvPr>
-          <p:cNvSpPr>
-            <a:spLocks noGrp="1"/>
-          </p:cNvSpPr>
-          <p:nvPr>
-            <p:ph type="ftr" sz="quarter" idx="3"/>
-          </p:nvPr>
-        </p:nvSpPr>
-        <p:spPr/>
-        <p:txBody>
-          <a:bodyPr/>
-          <a:lstStyle/>
-          <a:p>
-            <a:r>
-              <a:rPr lang="en-US" noProof="0" dirty="0"/>
-              <a:t>Reference</a:t>
-            </a:r>
-          </a:p>
-        </p:txBody>
-      </p:sp>
-      <p:sp>
-        <p:nvSpPr>
-          <p:cNvPr id="3" name="Segnaposto numero diapositiva 2">
-            <a:extLst>
-              <a:ext uri="{FF2B5EF4-FFF2-40B4-BE49-F238E27FC236}">
-                <a16:creationId xmlns:a16="http://schemas.microsoft.com/office/drawing/2014/main" id="{1D2A9F76-D498-25D6-2F5C-EF61D2FA38FE}"/>
-              </a:ext>
-            </a:extLst>
-          </p:cNvPr>
-          <p:cNvSpPr>
-            <a:spLocks noGrp="1"/>
-          </p:cNvSpPr>
-          <p:nvPr>
-            <p:ph type="sldNum" sz="quarter" idx="4"/>
-          </p:nvPr>
-        </p:nvSpPr>
-        <p:spPr/>
-        <p:txBody>
-          <a:bodyPr/>
-          <a:lstStyle/>
-          <a:p>
-            <a:fld id="{500E0521-425D-DD45-BED6-A99962E298FC}" type="slidenum">
-              <a:rPr lang="en-US" noProof="0" smtClean="0"/>
-              <a:pPr/>
-              <a:t>8</a:t>
-            </a:fld>
-            <a:endParaRPr lang="en-US" noProof="0" dirty="0"/>
-          </a:p>
-        </p:txBody>
-      </p:sp>
-      <p:sp>
-        <p:nvSpPr>
-          <p:cNvPr id="4" name="Titolo 3">
-            <a:extLst>
-              <a:ext uri="{FF2B5EF4-FFF2-40B4-BE49-F238E27FC236}">
-                <a16:creationId xmlns:a16="http://schemas.microsoft.com/office/drawing/2014/main" id="{263FEFB7-EDCC-CFA3-014C-BC24B6E70E37}"/>
-              </a:ext>
-            </a:extLst>
-          </p:cNvPr>
-          <p:cNvSpPr>
-            <a:spLocks noGrp="1"/>
-          </p:cNvSpPr>
-          <p:nvPr>
-            <p:ph type="title"/>
-          </p:nvPr>
-        </p:nvSpPr>
-        <p:spPr/>
-        <p:txBody>
-          <a:bodyPr/>
-          <a:lstStyle/>
-          <a:p>
-            <a:r>
-              <a:rPr lang="en-US" noProof="0" dirty="0"/>
-              <a:t>Operative steps</a:t>
-            </a:r>
-          </a:p>
-        </p:txBody>
-      </p:sp>
-      <p:sp>
-        <p:nvSpPr>
-          <p:cNvPr id="7" name="Segnaposto contenuto 6">
-            <a:extLst>
-              <a:ext uri="{FF2B5EF4-FFF2-40B4-BE49-F238E27FC236}">
-                <a16:creationId xmlns:a16="http://schemas.microsoft.com/office/drawing/2014/main" id="{8A79A431-067C-52E3-1272-EAAD7B001DD7}"/>
-              </a:ext>
-            </a:extLst>
-          </p:cNvPr>
-          <p:cNvSpPr>
-            <a:spLocks noGrp="1"/>
-          </p:cNvSpPr>
-          <p:nvPr>
-            <p:ph idx="26"/>
-          </p:nvPr>
-        </p:nvSpPr>
-        <p:spPr>
-          <a:xfrm>
-            <a:off x="257969" y="983556"/>
-            <a:ext cx="6933406" cy="3515992"/>
-          </a:xfrm>
-        </p:spPr>
-        <p:txBody>
-          <a:bodyPr/>
-          <a:lstStyle/>
-          <a:p>
-            <a:pPr>
-              <a:buNone/>
-            </a:pPr>
-            <a:r>
-              <a:rPr lang="en-US" b="1" noProof="0" dirty="0"/>
-              <a:t>Step One - Evaluating LLM Understanding of the System Schema</a:t>
-            </a:r>
-          </a:p>
-          <a:p>
-            <a:pPr>
-              <a:buFont typeface="Arial" panose="020B0604020202020204" pitchFamily="34" charset="0"/>
-              <a:buChar char="•"/>
-            </a:pPr>
-            <a:r>
-              <a:rPr lang="en-US" noProof="0" dirty="0"/>
-              <a:t>Assess whether the LLM can comprehend the hardware system structure and interconnections.</a:t>
-            </a:r>
-          </a:p>
-          <a:p>
-            <a:pPr>
-              <a:buFont typeface="Arial" panose="020B0604020202020204" pitchFamily="34" charset="0"/>
-              <a:buChar char="•"/>
-            </a:pPr>
-            <a:r>
-              <a:rPr lang="en-US" noProof="0" dirty="0"/>
-              <a:t>Determine whether a tabular or descriptive representation is more effective for training the model.</a:t>
-            </a:r>
-          </a:p>
-          <a:p>
-            <a:pPr>
-              <a:buFont typeface="Arial" panose="020B0604020202020204" pitchFamily="34" charset="0"/>
-              <a:buChar char="•"/>
-            </a:pPr>
-            <a:r>
-              <a:rPr lang="en-US" noProof="0" dirty="0"/>
-              <a:t>Test whether the model can infer dependencies between components and recognize interconnection patterns.</a:t>
-            </a:r>
-          </a:p>
-          <a:p>
-            <a:pPr>
-              <a:buNone/>
-            </a:pPr>
-            <a:r>
-              <a:rPr lang="en-US" b="1" noProof="0" dirty="0"/>
-              <a:t>Purpose:</a:t>
-            </a:r>
-            <a:r>
-              <a:rPr lang="en-US" noProof="0" dirty="0"/>
-              <a:t> Validate whether the model accurately understands the system and its relationships before optimizing its diagnostic capabilities.</a:t>
-            </a:r>
-          </a:p>
-          <a:p>
-            <a:pPr>
-              <a:buNone/>
-            </a:pPr>
-            <a:endParaRPr lang="en-US" noProof="0" dirty="0"/>
-          </a:p>
-          <a:p>
-            <a:pPr>
-              <a:buNone/>
-            </a:pPr>
-            <a:r>
-              <a:rPr lang="en-US" b="1" noProof="0" dirty="0"/>
-              <a:t>Step Two - Developing Simulated Scenarios for Dataset Generation</a:t>
-            </a:r>
-          </a:p>
-          <a:p>
-            <a:pPr>
-              <a:buFont typeface="Arial" panose="020B0604020202020204" pitchFamily="34" charset="0"/>
-              <a:buChar char="•"/>
-            </a:pPr>
-            <a:r>
-              <a:rPr lang="en-US" noProof="0" dirty="0"/>
-              <a:t>Design realistic fault scenarios to feed into the LLM.</a:t>
-            </a:r>
-          </a:p>
-          <a:p>
-            <a:pPr>
-              <a:buFont typeface="Arial" panose="020B0604020202020204" pitchFamily="34" charset="0"/>
-              <a:buChar char="•"/>
-            </a:pPr>
-            <a:r>
-              <a:rPr lang="en-US" noProof="0" dirty="0"/>
-              <a:t>Use a simulator to generate structured training data tailored to system diagnostics.</a:t>
-            </a:r>
-          </a:p>
-          <a:p>
-            <a:pPr>
-              <a:buFont typeface="Arial" panose="020B0604020202020204" pitchFamily="34" charset="0"/>
-              <a:buChar char="•"/>
-            </a:pPr>
-            <a:r>
-              <a:rPr lang="en-US" noProof="0" dirty="0"/>
-              <a:t>Contextualize scenarios to improve the model’s ability to predict and isolate faults.</a:t>
-            </a:r>
-          </a:p>
-        </p:txBody>
-      </p:sp>
-    </p:spTree>
-    <p:extLst>
-      <p:ext uri="{BB962C8B-B14F-4D97-AF65-F5344CB8AC3E}">
-        <p14:creationId xmlns:p14="http://schemas.microsoft.com/office/powerpoint/2010/main" val="1544366349"/>
-      </p:ext>
-    </p:extLst>
-  </p:cSld>
-  <p:clrMapOvr>
-    <a:masterClrMapping/>
-  </p:clrMapOvr>
-</p:sld>
-</file>
-
 <file path=ppt/theme/theme1.xml><?xml version="1.0" encoding="utf-8"?>
 <a:theme xmlns:a="http://schemas.openxmlformats.org/drawingml/2006/main" name="MBDA 2022 - Layout for chapter">
   <a:themeElements>
@@ -55872,172 +55851,4 @@
     </a:ext>
   </a:extLst>
 </a:theme>
-</file>
-
-<file path=customXml/item1.xml><?xml version="1.0" encoding="utf-8"?>
-<ct:contentTypeSchema xmlns:ct="http://schemas.microsoft.com/office/2006/metadata/contentType" xmlns:ma="http://schemas.microsoft.com/office/2006/metadata/properties/metaAttributes" ct:_="" ma:_="" ma:contentTypeName="Document" ma:contentTypeID="0x010100C742EF4E5439F44C8903F3CCFB98FCE1" ma:contentTypeVersion="0" ma:contentTypeDescription="Crée un document." ma:contentTypeScope="" ma:versionID="4b33b2e4613f2b740a8e8310e87d2088">
-  <xsd:schema xmlns:xsd="http://www.w3.org/2001/XMLSchema" xmlns:xs="http://www.w3.org/2001/XMLSchema" xmlns:p="http://schemas.microsoft.com/office/2006/metadata/properties" targetNamespace="http://schemas.microsoft.com/office/2006/metadata/properties" ma:root="true" ma:fieldsID="757f17c183c8e1c5f7b0cab674a623cb">
-    <xsd:element name="properties">
-      <xsd:complexType>
-        <xsd:sequence>
-          <xsd:element name="documentManagement">
-            <xsd:complexType>
-              <xsd:all/>
-            </xsd:complexType>
-          </xsd:element>
-        </xsd:sequence>
-      </xsd:complexType>
-    </xsd:element>
-  </xsd:schema>
-  <xsd:schema xmlns="http://schemas.openxmlformats.org/package/2006/metadata/core-properties" xmlns:xsd="http://www.w3.org/2001/XMLSchema" xmlns:xsi="http://www.w3.org/2001/XMLSchema-instance" xmlns:dc="http://purl.org/dc/elements/1.1/" xmlns:dcterms="http://purl.org/dc/terms/" xmlns:odoc="http://schemas.microsoft.com/internal/obd" targetNamespace="http://schemas.openxmlformats.org/package/2006/metadata/core-properties" elementFormDefault="qualified" attributeFormDefault="unqualified" blockDefault="#all">
-    <xsd:import namespace="http://purl.org/dc/elements/1.1/" schemaLocation="http://dublincore.org/schemas/xmls/qdc/2003/04/02/dc.xsd"/>
-    <xsd:import namespace="http://purl.org/dc/terms/" schemaLocation="http://dublincore.org/schemas/xmls/qdc/2003/04/02/dcterms.xsd"/>
-    <xsd:element name="coreProperties" type="CT_coreProperties"/>
-    <xsd:complexType name="CT_coreProperties">
-      <xsd:all>
-        <xsd:element ref="dc:creator" minOccurs="0" maxOccurs="1"/>
-        <xsd:element ref="dcterms:created" minOccurs="0" maxOccurs="1"/>
-        <xsd:element ref="dc:identifier" minOccurs="0" maxOccurs="1"/>
-        <xsd:element name="contentType" minOccurs="0" maxOccurs="1" type="xsd:string" ma:index="0" ma:displayName="Type de contenu"/>
-        <xsd:element ref="dc:title" minOccurs="0" maxOccurs="1" ma:index="4" ma:displayName="Titre"/>
-        <xsd:element ref="dc:subject" minOccurs="0" maxOccurs="1"/>
-        <xsd:element ref="dc:description" minOccurs="0" maxOccurs="1"/>
-        <xsd:element name="keywords" minOccurs="0" maxOccurs="1" type="xsd:string"/>
-        <xsd:element ref="dc:language" minOccurs="0" maxOccurs="1"/>
-        <xsd:element name="category" minOccurs="0" maxOccurs="1" type="xsd:string"/>
-        <xsd:element name="version" minOccurs="0" maxOccurs="1" type="xsd:string"/>
-        <xsd:element name="revision" minOccurs="0" maxOccurs="1" type="xsd:string">
-          <xsd:annotation>
-            <xsd:documentation>
-                        This value indicates the number of saves or revisions. The application is responsible for updating this value after each revision.
-                    </xsd:documentation>
-          </xsd:annotation>
-        </xsd:element>
-        <xsd:element name="lastModifiedBy" minOccurs="0" maxOccurs="1" type="xsd:string"/>
-        <xsd:element ref="dcterms:modified" minOccurs="0" maxOccurs="1"/>
-        <xsd:element name="contentStatus" minOccurs="0" maxOccurs="1" type="xsd:string"/>
-      </xsd:all>
-    </xsd:complexType>
-  </xsd:schema>
-  <xs:schema xmlns:pc="http://schemas.microsoft.com/office/infopath/2007/PartnerControls" xmlns:xs="http://www.w3.org/2001/XMLSchema" targetNamespace="http://schemas.microsoft.com/office/infopath/2007/PartnerControls" elementFormDefault="qualified" attributeFormDefault="unqualified">
-    <xs:element name="Person">
-      <xs:complexType>
-        <xs:sequence>
-          <xs:element ref="pc:DisplayName" minOccurs="0"/>
-          <xs:element ref="pc:AccountId" minOccurs="0"/>
-          <xs:element ref="pc:AccountType" minOccurs="0"/>
-        </xs:sequence>
-      </xs:complexType>
-    </xs:element>
-    <xs:element name="DisplayName" type="xs:string"/>
-    <xs:element name="AccountId" type="xs:string"/>
-    <xs:element name="AccountType" type="xs:string"/>
-    <xs:element name="BDCAssociatedEntity">
-      <xs:complexType>
-        <xs:sequence>
-          <xs:element ref="pc:BDCEntity" minOccurs="0" maxOccurs="unbounded"/>
-        </xs:sequence>
-        <xs:attribute ref="pc:EntityNamespace"/>
-        <xs:attribute ref="pc:EntityName"/>
-        <xs:attribute ref="pc:SystemInstanceName"/>
-        <xs:attribute ref="pc:AssociationName"/>
-      </xs:complexType>
-    </xs:element>
-    <xs:attribute name="EntityNamespace" type="xs:string"/>
-    <xs:attribute name="EntityName" type="xs:string"/>
-    <xs:attribute name="SystemInstanceName" type="xs:string"/>
-    <xs:attribute name="AssociationName" type="xs:string"/>
-    <xs:element name="BDCEntity">
-      <xs:complexType>
-        <xs:sequence>
-          <xs:element ref="pc:EntityDisplayName" minOccurs="0"/>
-          <xs:element ref="pc:EntityInstanceReference" minOccurs="0"/>
-          <xs:element ref="pc:EntityId1" minOccurs="0"/>
-          <xs:element ref="pc:EntityId2" minOccurs="0"/>
-          <xs:element ref="pc:EntityId3" minOccurs="0"/>
-          <xs:element ref="pc:EntityId4" minOccurs="0"/>
-          <xs:element ref="pc:EntityId5" minOccurs="0"/>
-        </xs:sequence>
-      </xs:complexType>
-    </xs:element>
-    <xs:element name="EntityDisplayName" type="xs:string"/>
-    <xs:element name="EntityInstanceReference" type="xs:string"/>
-    <xs:element name="EntityId1" type="xs:string"/>
-    <xs:element name="EntityId2" type="xs:string"/>
-    <xs:element name="EntityId3" type="xs:string"/>
-    <xs:element name="EntityId4" type="xs:string"/>
-    <xs:element name="EntityId5" type="xs:string"/>
-    <xs:element name="Terms">
-      <xs:complexType>
-        <xs:sequence>
-          <xs:element ref="pc:TermInfo" minOccurs="0" maxOccurs="unbounded"/>
-        </xs:sequence>
-      </xs:complexType>
-    </xs:element>
-    <xs:element name="TermInfo">
-      <xs:complexType>
-        <xs:sequence>
-          <xs:element ref="pc:TermName" minOccurs="0"/>
-          <xs:element ref="pc:TermId" minOccurs="0"/>
-        </xs:sequence>
-      </xs:complexType>
-    </xs:element>
-    <xs:element name="TermName" type="xs:string"/>
-    <xs:element name="TermId" type="xs:string"/>
-  </xs:schema>
-</ct:contentTypeSchema>
-</file>
-
-<file path=customXml/item2.xml><?xml version="1.0" encoding="utf-8"?>
-<p:properties xmlns:p="http://schemas.microsoft.com/office/2006/metadata/properties" xmlns:xsi="http://www.w3.org/2001/XMLSchema-instance" xmlns:pc="http://schemas.microsoft.com/office/infopath/2007/PartnerControls">
-  <documentManagement/>
-</p:properties>
-</file>
-
-<file path=customXml/item3.xml><?xml version="1.0" encoding="utf-8"?>
-<?mso-contentType ?>
-<FormTemplates xmlns="http://schemas.microsoft.com/sharepoint/v3/contenttype/forms">
-  <Display>DocumentLibraryForm</Display>
-  <Edit>DocumentLibraryForm</Edit>
-  <New>DocumentLibraryForm</New>
-</FormTemplates>
-</file>
-
-<file path=customXml/itemProps1.xml><?xml version="1.0" encoding="utf-8"?>
-<ds:datastoreItem xmlns:ds="http://schemas.openxmlformats.org/officeDocument/2006/customXml" ds:itemID="{2C1057E4-8D6E-4158-A963-7FE7DB4B8D8A}">
-  <ds:schemaRefs>
-    <ds:schemaRef ds:uri="http://schemas.microsoft.com/office/2006/metadata/contentType"/>
-    <ds:schemaRef ds:uri="http://schemas.microsoft.com/office/2006/metadata/properties/metaAttributes"/>
-    <ds:schemaRef ds:uri="http://www.w3.org/2001/XMLSchema"/>
-    <ds:schemaRef ds:uri="http://schemas.microsoft.com/office/2006/metadata/properties"/>
-    <ds:schemaRef ds:uri="http://schemas.openxmlformats.org/package/2006/metadata/core-properties"/>
-    <ds:schemaRef ds:uri="http://purl.org/dc/elements/1.1/"/>
-    <ds:schemaRef ds:uri="http://purl.org/dc/terms/"/>
-    <ds:schemaRef ds:uri="http://schemas.microsoft.com/internal/obd"/>
-    <ds:schemaRef ds:uri="http://schemas.microsoft.com/office/infopath/2007/PartnerControls"/>
-  </ds:schemaRefs>
-</ds:datastoreItem>
-</file>
-
-<file path=customXml/itemProps2.xml><?xml version="1.0" encoding="utf-8"?>
-<ds:datastoreItem xmlns:ds="http://schemas.openxmlformats.org/officeDocument/2006/customXml" ds:itemID="{23B6992B-7B9D-4423-9AA1-4557F2A2D8FB}">
-  <ds:schemaRefs>
-    <ds:schemaRef ds:uri="http://purl.org/dc/elements/1.1/"/>
-    <ds:schemaRef ds:uri="http://schemas.microsoft.com/office/2006/metadata/properties"/>
-    <ds:schemaRef ds:uri="http://purl.org/dc/terms/"/>
-    <ds:schemaRef ds:uri="http://schemas.openxmlformats.org/package/2006/metadata/core-properties"/>
-    <ds:schemaRef ds:uri="http://schemas.microsoft.com/office/2006/documentManagement/types"/>
-    <ds:schemaRef ds:uri="http://schemas.microsoft.com/office/infopath/2007/PartnerControls"/>
-    <ds:schemaRef ds:uri="http://www.w3.org/XML/1998/namespace"/>
-    <ds:schemaRef ds:uri="http://purl.org/dc/dcmitype/"/>
-  </ds:schemaRefs>
-</ds:datastoreItem>
-</file>
-
-<file path=customXml/itemProps3.xml><?xml version="1.0" encoding="utf-8"?>
-<ds:datastoreItem xmlns:ds="http://schemas.openxmlformats.org/officeDocument/2006/customXml" ds:itemID="{C8359B68-3A07-473A-8B77-A623612D8069}">
-  <ds:schemaRefs>
-    <ds:schemaRef ds:uri="http://schemas.microsoft.com/sharepoint/v3/contenttype/forms"/>
-  </ds:schemaRefs>
-</ds:datastoreItem>
 </file>
--- a/prompts_engineering/ICL_MBDA_Thesis_Gianvenuti.pptx
+++ b/prompts_engineering/ICL_MBDA_Thesis_Gianvenuti.pptx
@@ -9,34 +9,44 @@
     <p:sldMasterId id="2147483692" r:id="rId5"/>
   </p:sldMasterIdLst>
   <p:notesMasterIdLst>
-    <p:notesMasterId r:id="rId13"/>
+    <p:notesMasterId r:id="rId23"/>
   </p:notesMasterIdLst>
   <p:handoutMasterIdLst>
-    <p:handoutMasterId r:id="rId14"/>
+    <p:handoutMasterId r:id="rId24"/>
   </p:handoutMasterIdLst>
   <p:sldIdLst>
     <p:sldId id="556" r:id="rId6"/>
     <p:sldId id="560" r:id="rId7"/>
     <p:sldId id="557" r:id="rId8"/>
-    <p:sldId id="561" r:id="rId9"/>
+    <p:sldId id="564" r:id="rId9"/>
     <p:sldId id="559" r:id="rId10"/>
-    <p:sldId id="563" r:id="rId11"/>
-    <p:sldId id="562" r:id="rId12"/>
+    <p:sldId id="561" r:id="rId11"/>
+    <p:sldId id="567" r:id="rId12"/>
+    <p:sldId id="568" r:id="rId13"/>
+    <p:sldId id="563" r:id="rId14"/>
+    <p:sldId id="569" r:id="rId15"/>
+    <p:sldId id="570" r:id="rId16"/>
+    <p:sldId id="571" r:id="rId17"/>
+    <p:sldId id="572" r:id="rId18"/>
+    <p:sldId id="573" r:id="rId19"/>
+    <p:sldId id="565" r:id="rId20"/>
+    <p:sldId id="566" r:id="rId21"/>
+    <p:sldId id="562" r:id="rId22"/>
   </p:sldIdLst>
   <p:sldSz cx="9144000" cy="5143500" type="screen16x9"/>
   <p:notesSz cx="6808788" cy="9940925"/>
   <p:embeddedFontLst>
     <p:embeddedFont>
       <p:font typeface="Lato" panose="020F0502020204030203" pitchFamily="34" charset="0"/>
-      <p:regular r:id="rId15"/>
-      <p:bold r:id="rId16"/>
-      <p:italic r:id="rId17"/>
-      <p:boldItalic r:id="rId18"/>
+      <p:regular r:id="rId25"/>
+      <p:bold r:id="rId26"/>
+      <p:italic r:id="rId27"/>
+      <p:boldItalic r:id="rId28"/>
     </p:embeddedFont>
     <p:embeddedFont>
       <p:font typeface="Lato Medium" panose="020F0502020204030203" pitchFamily="34" charset="0"/>
-      <p:regular r:id="rId19"/>
-      <p:italic r:id="rId20"/>
+      <p:regular r:id="rId29"/>
+      <p:italic r:id="rId30"/>
     </p:embeddedFont>
   </p:embeddedFontLst>
   <p:defaultTextStyle>
@@ -786,6 +796,38 @@
           <a:bodyPr/>
           <a:lstStyle/>
           <a:p>
+            <a:r>
+              <a:rPr lang="it-IT" dirty="0"/>
+              <a:t>Dall’attività delle settimane precedenti si è visto che con l’in-</a:t>
+            </a:r>
+            <a:r>
+              <a:rPr lang="it-IT" dirty="0" err="1"/>
+              <a:t>context</a:t>
+            </a:r>
+            <a:r>
+              <a:rPr lang="it-IT" dirty="0"/>
+              <a:t> learning è possibile controllare/limitare l’output del modello ad uno spazio ridotto di possibili valori. è quindi possibile insegnargli come rispondere agendo sul prompt, senza andare a modificare i pesi del modello. </a:t>
+            </a:r>
+          </a:p>
+          <a:p>
+            <a:endParaRPr lang="it-IT" dirty="0"/>
+          </a:p>
+          <a:p>
+            <a:r>
+              <a:rPr lang="it-IT" dirty="0"/>
+              <a:t>Ed inoltre </a:t>
+            </a:r>
+            <a:r>
+              <a:rPr lang="it-IT" dirty="0" err="1"/>
+              <a:t>finetunare</a:t>
+            </a:r>
+            <a:r>
+              <a:rPr lang="it-IT" dirty="0"/>
+              <a:t> un modello può essere molto costoso in termini di risorse e richiede molti dati.</a:t>
+            </a:r>
+            <a:endParaRPr lang="en-GB" dirty="0"/>
+          </a:p>
+          <a:p>
             <a:endParaRPr lang="en-GB" dirty="0"/>
           </a:p>
         </p:txBody>
@@ -817,6 +859,414 @@
     <p:extLst>
       <p:ext uri="{BB962C8B-B14F-4D97-AF65-F5344CB8AC3E}">
         <p14:creationId xmlns:p14="http://schemas.microsoft.com/office/powerpoint/2010/main" val="930236855"/>
+      </p:ext>
+    </p:extLst>
+  </p:cSld>
+  <p:clrMapOvr>
+    <a:masterClrMapping/>
+  </p:clrMapOvr>
+</p:notes>
+</file>
+
+<file path=ppt/notesSlides/notesSlide10.xml><?xml version="1.0" encoding="utf-8"?>
+<p:notes xmlns:a="http://schemas.openxmlformats.org/drawingml/2006/main" xmlns:r="http://schemas.openxmlformats.org/officeDocument/2006/relationships" xmlns:p="http://schemas.openxmlformats.org/presentationml/2006/main">
+  <p:cSld>
+    <p:spTree>
+      <p:nvGrpSpPr>
+        <p:cNvPr id="1" name="">
+          <a:extLst>
+            <a:ext uri="{FF2B5EF4-FFF2-40B4-BE49-F238E27FC236}">
+              <a16:creationId xmlns:a16="http://schemas.microsoft.com/office/drawing/2014/main" id="{66AE9B31-270C-9C22-40B2-595BDF4CC3D5}"/>
+            </a:ext>
+          </a:extLst>
+        </p:cNvPr>
+        <p:cNvGrpSpPr/>
+        <p:nvPr/>
+      </p:nvGrpSpPr>
+      <p:grpSpPr>
+        <a:xfrm>
+          <a:off x="0" y="0"/>
+          <a:ext cx="0" cy="0"/>
+          <a:chOff x="0" y="0"/>
+          <a:chExt cx="0" cy="0"/>
+        </a:xfrm>
+      </p:grpSpPr>
+      <p:sp>
+        <p:nvSpPr>
+          <p:cNvPr id="2" name="Slide Image Placeholder 1">
+            <a:extLst>
+              <a:ext uri="{FF2B5EF4-FFF2-40B4-BE49-F238E27FC236}">
+                <a16:creationId xmlns:a16="http://schemas.microsoft.com/office/drawing/2014/main" id="{28612F73-1071-4EE3-9CC6-287D9BF83DB3}"/>
+              </a:ext>
+            </a:extLst>
+          </p:cNvPr>
+          <p:cNvSpPr>
+            <a:spLocks noGrp="1" noRot="1" noChangeAspect="1"/>
+          </p:cNvSpPr>
+          <p:nvPr>
+            <p:ph type="sldImg"/>
+          </p:nvPr>
+        </p:nvSpPr>
+        <p:spPr/>
+      </p:sp>
+      <p:sp>
+        <p:nvSpPr>
+          <p:cNvPr id="3" name="Notes Placeholder 2">
+            <a:extLst>
+              <a:ext uri="{FF2B5EF4-FFF2-40B4-BE49-F238E27FC236}">
+                <a16:creationId xmlns:a16="http://schemas.microsoft.com/office/drawing/2014/main" id="{9F18525D-8E60-17A3-FED7-A5332833F801}"/>
+              </a:ext>
+            </a:extLst>
+          </p:cNvPr>
+          <p:cNvSpPr>
+            <a:spLocks noGrp="1"/>
+          </p:cNvSpPr>
+          <p:nvPr>
+            <p:ph type="body" idx="1"/>
+          </p:nvPr>
+        </p:nvSpPr>
+        <p:spPr/>
+        <p:txBody>
+          <a:bodyPr/>
+          <a:lstStyle/>
+          <a:p>
+            <a:endParaRPr lang="en-GB" dirty="0"/>
+          </a:p>
+        </p:txBody>
+      </p:sp>
+      <p:sp>
+        <p:nvSpPr>
+          <p:cNvPr id="4" name="Slide Number Placeholder 3">
+            <a:extLst>
+              <a:ext uri="{FF2B5EF4-FFF2-40B4-BE49-F238E27FC236}">
+                <a16:creationId xmlns:a16="http://schemas.microsoft.com/office/drawing/2014/main" id="{8B1F5C99-FC70-F5CA-F9E0-DD4427998131}"/>
+              </a:ext>
+            </a:extLst>
+          </p:cNvPr>
+          <p:cNvSpPr>
+            <a:spLocks noGrp="1"/>
+          </p:cNvSpPr>
+          <p:nvPr>
+            <p:ph type="sldNum" sz="quarter" idx="5"/>
+          </p:nvPr>
+        </p:nvSpPr>
+        <p:spPr/>
+        <p:txBody>
+          <a:bodyPr/>
+          <a:lstStyle/>
+          <a:p>
+            <a:fld id="{FCE787DF-8F4B-4F18-9094-9E830052A33F}" type="slidenum">
+              <a:rPr lang="en-GB" smtClean="0"/>
+              <a:t>14</a:t>
+            </a:fld>
+            <a:endParaRPr lang="en-GB" dirty="0"/>
+          </a:p>
+        </p:txBody>
+      </p:sp>
+    </p:spTree>
+    <p:extLst>
+      <p:ext uri="{BB962C8B-B14F-4D97-AF65-F5344CB8AC3E}">
+        <p14:creationId xmlns:p14="http://schemas.microsoft.com/office/powerpoint/2010/main" val="2967365490"/>
+      </p:ext>
+    </p:extLst>
+  </p:cSld>
+  <p:clrMapOvr>
+    <a:masterClrMapping/>
+  </p:clrMapOvr>
+</p:notes>
+</file>
+
+<file path=ppt/notesSlides/notesSlide11.xml><?xml version="1.0" encoding="utf-8"?>
+<p:notes xmlns:a="http://schemas.openxmlformats.org/drawingml/2006/main" xmlns:r="http://schemas.openxmlformats.org/officeDocument/2006/relationships" xmlns:p="http://schemas.openxmlformats.org/presentationml/2006/main">
+  <p:cSld>
+    <p:spTree>
+      <p:nvGrpSpPr>
+        <p:cNvPr id="1" name="">
+          <a:extLst>
+            <a:ext uri="{FF2B5EF4-FFF2-40B4-BE49-F238E27FC236}">
+              <a16:creationId xmlns:a16="http://schemas.microsoft.com/office/drawing/2014/main" id="{F7A9B1ED-9111-337D-CFB1-53EF7BE64C65}"/>
+            </a:ext>
+          </a:extLst>
+        </p:cNvPr>
+        <p:cNvGrpSpPr/>
+        <p:nvPr/>
+      </p:nvGrpSpPr>
+      <p:grpSpPr>
+        <a:xfrm>
+          <a:off x="0" y="0"/>
+          <a:ext cx="0" cy="0"/>
+          <a:chOff x="0" y="0"/>
+          <a:chExt cx="0" cy="0"/>
+        </a:xfrm>
+      </p:grpSpPr>
+      <p:sp>
+        <p:nvSpPr>
+          <p:cNvPr id="2" name="Slide Image Placeholder 1">
+            <a:extLst>
+              <a:ext uri="{FF2B5EF4-FFF2-40B4-BE49-F238E27FC236}">
+                <a16:creationId xmlns:a16="http://schemas.microsoft.com/office/drawing/2014/main" id="{B04A8F80-7208-3907-608B-93D930053E9F}"/>
+              </a:ext>
+            </a:extLst>
+          </p:cNvPr>
+          <p:cNvSpPr>
+            <a:spLocks noGrp="1" noRot="1" noChangeAspect="1"/>
+          </p:cNvSpPr>
+          <p:nvPr>
+            <p:ph type="sldImg"/>
+          </p:nvPr>
+        </p:nvSpPr>
+        <p:spPr/>
+      </p:sp>
+      <p:sp>
+        <p:nvSpPr>
+          <p:cNvPr id="3" name="Notes Placeholder 2">
+            <a:extLst>
+              <a:ext uri="{FF2B5EF4-FFF2-40B4-BE49-F238E27FC236}">
+                <a16:creationId xmlns:a16="http://schemas.microsoft.com/office/drawing/2014/main" id="{6602EA6A-B5B3-53B0-83FF-E8430EA851C0}"/>
+              </a:ext>
+            </a:extLst>
+          </p:cNvPr>
+          <p:cNvSpPr>
+            <a:spLocks noGrp="1"/>
+          </p:cNvSpPr>
+          <p:nvPr>
+            <p:ph type="body" idx="1"/>
+          </p:nvPr>
+        </p:nvSpPr>
+        <p:spPr/>
+        <p:txBody>
+          <a:bodyPr/>
+          <a:lstStyle/>
+          <a:p>
+            <a:endParaRPr lang="en-GB" dirty="0"/>
+          </a:p>
+        </p:txBody>
+      </p:sp>
+      <p:sp>
+        <p:nvSpPr>
+          <p:cNvPr id="4" name="Slide Number Placeholder 3">
+            <a:extLst>
+              <a:ext uri="{FF2B5EF4-FFF2-40B4-BE49-F238E27FC236}">
+                <a16:creationId xmlns:a16="http://schemas.microsoft.com/office/drawing/2014/main" id="{25F6DF28-98D5-171D-2480-B5F14C99F104}"/>
+              </a:ext>
+            </a:extLst>
+          </p:cNvPr>
+          <p:cNvSpPr>
+            <a:spLocks noGrp="1"/>
+          </p:cNvSpPr>
+          <p:nvPr>
+            <p:ph type="sldNum" sz="quarter" idx="5"/>
+          </p:nvPr>
+        </p:nvSpPr>
+        <p:spPr/>
+        <p:txBody>
+          <a:bodyPr/>
+          <a:lstStyle/>
+          <a:p>
+            <a:fld id="{FCE787DF-8F4B-4F18-9094-9E830052A33F}" type="slidenum">
+              <a:rPr lang="en-GB" smtClean="0"/>
+              <a:t>15</a:t>
+            </a:fld>
+            <a:endParaRPr lang="en-GB" dirty="0"/>
+          </a:p>
+        </p:txBody>
+      </p:sp>
+    </p:spTree>
+    <p:extLst>
+      <p:ext uri="{BB962C8B-B14F-4D97-AF65-F5344CB8AC3E}">
+        <p14:creationId xmlns:p14="http://schemas.microsoft.com/office/powerpoint/2010/main" val="1423238179"/>
+      </p:ext>
+    </p:extLst>
+  </p:cSld>
+  <p:clrMapOvr>
+    <a:masterClrMapping/>
+  </p:clrMapOvr>
+</p:notes>
+</file>
+
+<file path=ppt/notesSlides/notesSlide12.xml><?xml version="1.0" encoding="utf-8"?>
+<p:notes xmlns:a="http://schemas.openxmlformats.org/drawingml/2006/main" xmlns:r="http://schemas.openxmlformats.org/officeDocument/2006/relationships" xmlns:p="http://schemas.openxmlformats.org/presentationml/2006/main">
+  <p:cSld>
+    <p:spTree>
+      <p:nvGrpSpPr>
+        <p:cNvPr id="1" name="">
+          <a:extLst>
+            <a:ext uri="{FF2B5EF4-FFF2-40B4-BE49-F238E27FC236}">
+              <a16:creationId xmlns:a16="http://schemas.microsoft.com/office/drawing/2014/main" id="{1507305B-3BCD-6F00-BBDC-6CCD41AAF2F1}"/>
+            </a:ext>
+          </a:extLst>
+        </p:cNvPr>
+        <p:cNvGrpSpPr/>
+        <p:nvPr/>
+      </p:nvGrpSpPr>
+      <p:grpSpPr>
+        <a:xfrm>
+          <a:off x="0" y="0"/>
+          <a:ext cx="0" cy="0"/>
+          <a:chOff x="0" y="0"/>
+          <a:chExt cx="0" cy="0"/>
+        </a:xfrm>
+      </p:grpSpPr>
+      <p:sp>
+        <p:nvSpPr>
+          <p:cNvPr id="2" name="Slide Image Placeholder 1">
+            <a:extLst>
+              <a:ext uri="{FF2B5EF4-FFF2-40B4-BE49-F238E27FC236}">
+                <a16:creationId xmlns:a16="http://schemas.microsoft.com/office/drawing/2014/main" id="{0EFE6EB3-AFAC-1089-A6C7-D3373CE58852}"/>
+              </a:ext>
+            </a:extLst>
+          </p:cNvPr>
+          <p:cNvSpPr>
+            <a:spLocks noGrp="1" noRot="1" noChangeAspect="1"/>
+          </p:cNvSpPr>
+          <p:nvPr>
+            <p:ph type="sldImg"/>
+          </p:nvPr>
+        </p:nvSpPr>
+        <p:spPr/>
+      </p:sp>
+      <p:sp>
+        <p:nvSpPr>
+          <p:cNvPr id="3" name="Notes Placeholder 2">
+            <a:extLst>
+              <a:ext uri="{FF2B5EF4-FFF2-40B4-BE49-F238E27FC236}">
+                <a16:creationId xmlns:a16="http://schemas.microsoft.com/office/drawing/2014/main" id="{6FDD2067-4E9F-5197-313D-52AE80FB8268}"/>
+              </a:ext>
+            </a:extLst>
+          </p:cNvPr>
+          <p:cNvSpPr>
+            <a:spLocks noGrp="1"/>
+          </p:cNvSpPr>
+          <p:nvPr>
+            <p:ph type="body" idx="1"/>
+          </p:nvPr>
+        </p:nvSpPr>
+        <p:spPr/>
+        <p:txBody>
+          <a:bodyPr/>
+          <a:lstStyle/>
+          <a:p>
+            <a:endParaRPr lang="en-GB" dirty="0"/>
+          </a:p>
+        </p:txBody>
+      </p:sp>
+      <p:sp>
+        <p:nvSpPr>
+          <p:cNvPr id="4" name="Slide Number Placeholder 3">
+            <a:extLst>
+              <a:ext uri="{FF2B5EF4-FFF2-40B4-BE49-F238E27FC236}">
+                <a16:creationId xmlns:a16="http://schemas.microsoft.com/office/drawing/2014/main" id="{6E99E45C-9F38-95E5-DDFB-C4445F875186}"/>
+              </a:ext>
+            </a:extLst>
+          </p:cNvPr>
+          <p:cNvSpPr>
+            <a:spLocks noGrp="1"/>
+          </p:cNvSpPr>
+          <p:nvPr>
+            <p:ph type="sldNum" sz="quarter" idx="5"/>
+          </p:nvPr>
+        </p:nvSpPr>
+        <p:spPr/>
+        <p:txBody>
+          <a:bodyPr/>
+          <a:lstStyle/>
+          <a:p>
+            <a:fld id="{FCE787DF-8F4B-4F18-9094-9E830052A33F}" type="slidenum">
+              <a:rPr lang="en-GB" smtClean="0"/>
+              <a:t>16</a:t>
+            </a:fld>
+            <a:endParaRPr lang="en-GB" dirty="0"/>
+          </a:p>
+        </p:txBody>
+      </p:sp>
+    </p:spTree>
+    <p:extLst>
+      <p:ext uri="{BB962C8B-B14F-4D97-AF65-F5344CB8AC3E}">
+        <p14:creationId xmlns:p14="http://schemas.microsoft.com/office/powerpoint/2010/main" val="970290304"/>
+      </p:ext>
+    </p:extLst>
+  </p:cSld>
+  <p:clrMapOvr>
+    <a:masterClrMapping/>
+  </p:clrMapOvr>
+</p:notes>
+</file>
+
+<file path=ppt/notesSlides/notesSlide13.xml><?xml version="1.0" encoding="utf-8"?>
+<p:notes xmlns:a="http://schemas.openxmlformats.org/drawingml/2006/main" xmlns:r="http://schemas.openxmlformats.org/officeDocument/2006/relationships" xmlns:p="http://schemas.openxmlformats.org/presentationml/2006/main">
+  <p:cSld>
+    <p:spTree>
+      <p:nvGrpSpPr>
+        <p:cNvPr id="1" name=""/>
+        <p:cNvGrpSpPr/>
+        <p:nvPr/>
+      </p:nvGrpSpPr>
+      <p:grpSpPr>
+        <a:xfrm>
+          <a:off x="0" y="0"/>
+          <a:ext cx="0" cy="0"/>
+          <a:chOff x="0" y="0"/>
+          <a:chExt cx="0" cy="0"/>
+        </a:xfrm>
+      </p:grpSpPr>
+      <p:sp>
+        <p:nvSpPr>
+          <p:cNvPr id="2" name="Slide Image Placeholder 1"/>
+          <p:cNvSpPr>
+            <a:spLocks noGrp="1" noRot="1" noChangeAspect="1"/>
+          </p:cNvSpPr>
+          <p:nvPr>
+            <p:ph type="sldImg"/>
+          </p:nvPr>
+        </p:nvSpPr>
+        <p:spPr/>
+      </p:sp>
+      <p:sp>
+        <p:nvSpPr>
+          <p:cNvPr id="3" name="Notes Placeholder 2"/>
+          <p:cNvSpPr>
+            <a:spLocks noGrp="1"/>
+          </p:cNvSpPr>
+          <p:nvPr>
+            <p:ph type="body" idx="1"/>
+          </p:nvPr>
+        </p:nvSpPr>
+        <p:spPr/>
+        <p:txBody>
+          <a:bodyPr/>
+          <a:lstStyle/>
+          <a:p>
+            <a:endParaRPr lang="en-GB" dirty="0"/>
+          </a:p>
+        </p:txBody>
+      </p:sp>
+      <p:sp>
+        <p:nvSpPr>
+          <p:cNvPr id="4" name="Slide Number Placeholder 3"/>
+          <p:cNvSpPr>
+            <a:spLocks noGrp="1"/>
+          </p:cNvSpPr>
+          <p:nvPr>
+            <p:ph type="sldNum" sz="quarter" idx="5"/>
+          </p:nvPr>
+        </p:nvSpPr>
+        <p:spPr/>
+        <p:txBody>
+          <a:bodyPr/>
+          <a:lstStyle/>
+          <a:p>
+            <a:fld id="{FCE787DF-8F4B-4F18-9094-9E830052A33F}" type="slidenum">
+              <a:rPr lang="en-GB" smtClean="0"/>
+              <a:t>17</a:t>
+            </a:fld>
+            <a:endParaRPr lang="en-GB" dirty="0"/>
+          </a:p>
+        </p:txBody>
+      </p:sp>
+    </p:spTree>
+    <p:extLst>
+      <p:ext uri="{BB962C8B-B14F-4D97-AF65-F5344CB8AC3E}">
+        <p14:creationId xmlns:p14="http://schemas.microsoft.com/office/powerpoint/2010/main" val="1948361243"/>
       </p:ext>
     </p:extLst>
   </p:cSld>
@@ -870,35 +1320,6 @@
           <a:bodyPr/>
           <a:lstStyle/>
           <a:p>
-            <a:r>
-              <a:rPr lang="it-IT" dirty="0"/>
-              <a:t>Dall’attività delle settimane precedenti si è visto che con l’in-</a:t>
-            </a:r>
-            <a:r>
-              <a:rPr lang="it-IT" dirty="0" err="1"/>
-              <a:t>context</a:t>
-            </a:r>
-            <a:r>
-              <a:rPr lang="it-IT" dirty="0"/>
-              <a:t> learning è possibile controllare/limitare l’output del modello ad uno spazio ridotto di possibili valori. è quindi possibile insegnargli come rispondere agendo sul prompt, senza andare a modificare i pesi del modello. </a:t>
-            </a:r>
-          </a:p>
-          <a:p>
-            <a:endParaRPr lang="it-IT" dirty="0"/>
-          </a:p>
-          <a:p>
-            <a:r>
-              <a:rPr lang="it-IT" dirty="0"/>
-              <a:t>Ed inoltre </a:t>
-            </a:r>
-            <a:r>
-              <a:rPr lang="it-IT" dirty="0" err="1"/>
-              <a:t>finetunare</a:t>
-            </a:r>
-            <a:r>
-              <a:rPr lang="it-IT" dirty="0"/>
-              <a:t> un modello può essere molto costoso in termini di risorse e richiede molti dati.</a:t>
-            </a:r>
             <a:endParaRPr lang="en-GB" dirty="0"/>
           </a:p>
         </p:txBody>
@@ -930,6 +1351,762 @@
     <p:extLst>
       <p:ext uri="{BB962C8B-B14F-4D97-AF65-F5344CB8AC3E}">
         <p14:creationId xmlns:p14="http://schemas.microsoft.com/office/powerpoint/2010/main" val="1494480195"/>
+      </p:ext>
+    </p:extLst>
+  </p:cSld>
+  <p:clrMapOvr>
+    <a:masterClrMapping/>
+  </p:clrMapOvr>
+</p:notes>
+</file>
+
+<file path=ppt/notesSlides/notesSlide3.xml><?xml version="1.0" encoding="utf-8"?>
+<p:notes xmlns:a="http://schemas.openxmlformats.org/drawingml/2006/main" xmlns:r="http://schemas.openxmlformats.org/officeDocument/2006/relationships" xmlns:p="http://schemas.openxmlformats.org/presentationml/2006/main">
+  <p:cSld>
+    <p:spTree>
+      <p:nvGrpSpPr>
+        <p:cNvPr id="1" name="">
+          <a:extLst>
+            <a:ext uri="{FF2B5EF4-FFF2-40B4-BE49-F238E27FC236}">
+              <a16:creationId xmlns:a16="http://schemas.microsoft.com/office/drawing/2014/main" id="{573E9ADD-75D7-371E-2063-1668E6277E7D}"/>
+            </a:ext>
+          </a:extLst>
+        </p:cNvPr>
+        <p:cNvGrpSpPr/>
+        <p:nvPr/>
+      </p:nvGrpSpPr>
+      <p:grpSpPr>
+        <a:xfrm>
+          <a:off x="0" y="0"/>
+          <a:ext cx="0" cy="0"/>
+          <a:chOff x="0" y="0"/>
+          <a:chExt cx="0" cy="0"/>
+        </a:xfrm>
+      </p:grpSpPr>
+      <p:sp>
+        <p:nvSpPr>
+          <p:cNvPr id="2" name="Slide Image Placeholder 1">
+            <a:extLst>
+              <a:ext uri="{FF2B5EF4-FFF2-40B4-BE49-F238E27FC236}">
+                <a16:creationId xmlns:a16="http://schemas.microsoft.com/office/drawing/2014/main" id="{A6E57FC2-B102-7497-83F4-CAE0899ABDDD}"/>
+              </a:ext>
+            </a:extLst>
+          </p:cNvPr>
+          <p:cNvSpPr>
+            <a:spLocks noGrp="1" noRot="1" noChangeAspect="1"/>
+          </p:cNvSpPr>
+          <p:nvPr>
+            <p:ph type="sldImg"/>
+          </p:nvPr>
+        </p:nvSpPr>
+        <p:spPr/>
+      </p:sp>
+      <p:sp>
+        <p:nvSpPr>
+          <p:cNvPr id="3" name="Notes Placeholder 2">
+            <a:extLst>
+              <a:ext uri="{FF2B5EF4-FFF2-40B4-BE49-F238E27FC236}">
+                <a16:creationId xmlns:a16="http://schemas.microsoft.com/office/drawing/2014/main" id="{1C130EFE-C8F2-70CA-C5AE-A683DCF8A40F}"/>
+              </a:ext>
+            </a:extLst>
+          </p:cNvPr>
+          <p:cNvSpPr>
+            <a:spLocks noGrp="1"/>
+          </p:cNvSpPr>
+          <p:nvPr>
+            <p:ph type="body" idx="1"/>
+          </p:nvPr>
+        </p:nvSpPr>
+        <p:spPr/>
+        <p:txBody>
+          <a:bodyPr/>
+          <a:lstStyle/>
+          <a:p>
+            <a:endParaRPr lang="en-GB" dirty="0"/>
+          </a:p>
+        </p:txBody>
+      </p:sp>
+      <p:sp>
+        <p:nvSpPr>
+          <p:cNvPr id="4" name="Slide Number Placeholder 3">
+            <a:extLst>
+              <a:ext uri="{FF2B5EF4-FFF2-40B4-BE49-F238E27FC236}">
+                <a16:creationId xmlns:a16="http://schemas.microsoft.com/office/drawing/2014/main" id="{7858895B-53FC-4A9B-3580-8DD754391D2A}"/>
+              </a:ext>
+            </a:extLst>
+          </p:cNvPr>
+          <p:cNvSpPr>
+            <a:spLocks noGrp="1"/>
+          </p:cNvSpPr>
+          <p:nvPr>
+            <p:ph type="sldNum" sz="quarter" idx="5"/>
+          </p:nvPr>
+        </p:nvSpPr>
+        <p:spPr/>
+        <p:txBody>
+          <a:bodyPr/>
+          <a:lstStyle/>
+          <a:p>
+            <a:fld id="{FCE787DF-8F4B-4F18-9094-9E830052A33F}" type="slidenum">
+              <a:rPr lang="en-GB" smtClean="0"/>
+              <a:t>4</a:t>
+            </a:fld>
+            <a:endParaRPr lang="en-GB" dirty="0"/>
+          </a:p>
+        </p:txBody>
+      </p:sp>
+    </p:spTree>
+    <p:extLst>
+      <p:ext uri="{BB962C8B-B14F-4D97-AF65-F5344CB8AC3E}">
+        <p14:creationId xmlns:p14="http://schemas.microsoft.com/office/powerpoint/2010/main" val="3196541605"/>
+      </p:ext>
+    </p:extLst>
+  </p:cSld>
+  <p:clrMapOvr>
+    <a:masterClrMapping/>
+  </p:clrMapOvr>
+</p:notes>
+</file>
+
+<file path=ppt/notesSlides/notesSlide4.xml><?xml version="1.0" encoding="utf-8"?>
+<p:notes xmlns:a="http://schemas.openxmlformats.org/drawingml/2006/main" xmlns:r="http://schemas.openxmlformats.org/officeDocument/2006/relationships" xmlns:p="http://schemas.openxmlformats.org/presentationml/2006/main">
+  <p:cSld>
+    <p:spTree>
+      <p:nvGrpSpPr>
+        <p:cNvPr id="1" name="">
+          <a:extLst>
+            <a:ext uri="{FF2B5EF4-FFF2-40B4-BE49-F238E27FC236}">
+              <a16:creationId xmlns:a16="http://schemas.microsoft.com/office/drawing/2014/main" id="{8F8C8602-83CC-0201-59A7-202C4AD62AC4}"/>
+            </a:ext>
+          </a:extLst>
+        </p:cNvPr>
+        <p:cNvGrpSpPr/>
+        <p:nvPr/>
+      </p:nvGrpSpPr>
+      <p:grpSpPr>
+        <a:xfrm>
+          <a:off x="0" y="0"/>
+          <a:ext cx="0" cy="0"/>
+          <a:chOff x="0" y="0"/>
+          <a:chExt cx="0" cy="0"/>
+        </a:xfrm>
+      </p:grpSpPr>
+      <p:sp>
+        <p:nvSpPr>
+          <p:cNvPr id="2" name="Slide Image Placeholder 1">
+            <a:extLst>
+              <a:ext uri="{FF2B5EF4-FFF2-40B4-BE49-F238E27FC236}">
+                <a16:creationId xmlns:a16="http://schemas.microsoft.com/office/drawing/2014/main" id="{49EB99FE-711C-CDCF-DB65-76F99EBA4DA2}"/>
+              </a:ext>
+            </a:extLst>
+          </p:cNvPr>
+          <p:cNvSpPr>
+            <a:spLocks noGrp="1" noRot="1" noChangeAspect="1"/>
+          </p:cNvSpPr>
+          <p:nvPr>
+            <p:ph type="sldImg"/>
+          </p:nvPr>
+        </p:nvSpPr>
+        <p:spPr/>
+      </p:sp>
+      <p:sp>
+        <p:nvSpPr>
+          <p:cNvPr id="3" name="Notes Placeholder 2">
+            <a:extLst>
+              <a:ext uri="{FF2B5EF4-FFF2-40B4-BE49-F238E27FC236}">
+                <a16:creationId xmlns:a16="http://schemas.microsoft.com/office/drawing/2014/main" id="{0A908BCE-E2F8-692D-0D4E-822737D594F5}"/>
+              </a:ext>
+            </a:extLst>
+          </p:cNvPr>
+          <p:cNvSpPr>
+            <a:spLocks noGrp="1"/>
+          </p:cNvSpPr>
+          <p:nvPr>
+            <p:ph type="body" idx="1"/>
+          </p:nvPr>
+        </p:nvSpPr>
+        <p:spPr/>
+        <p:txBody>
+          <a:bodyPr/>
+          <a:lstStyle/>
+          <a:p>
+            <a:endParaRPr lang="en-GB" dirty="0"/>
+          </a:p>
+        </p:txBody>
+      </p:sp>
+      <p:sp>
+        <p:nvSpPr>
+          <p:cNvPr id="4" name="Slide Number Placeholder 3">
+            <a:extLst>
+              <a:ext uri="{FF2B5EF4-FFF2-40B4-BE49-F238E27FC236}">
+                <a16:creationId xmlns:a16="http://schemas.microsoft.com/office/drawing/2014/main" id="{55434418-4F29-253E-2D98-F26821DCF3FE}"/>
+              </a:ext>
+            </a:extLst>
+          </p:cNvPr>
+          <p:cNvSpPr>
+            <a:spLocks noGrp="1"/>
+          </p:cNvSpPr>
+          <p:nvPr>
+            <p:ph type="sldNum" sz="quarter" idx="5"/>
+          </p:nvPr>
+        </p:nvSpPr>
+        <p:spPr/>
+        <p:txBody>
+          <a:bodyPr/>
+          <a:lstStyle/>
+          <a:p>
+            <a:fld id="{FCE787DF-8F4B-4F18-9094-9E830052A33F}" type="slidenum">
+              <a:rPr lang="en-GB" smtClean="0"/>
+              <a:t>7</a:t>
+            </a:fld>
+            <a:endParaRPr lang="en-GB" dirty="0"/>
+          </a:p>
+        </p:txBody>
+      </p:sp>
+    </p:spTree>
+    <p:extLst>
+      <p:ext uri="{BB962C8B-B14F-4D97-AF65-F5344CB8AC3E}">
+        <p14:creationId xmlns:p14="http://schemas.microsoft.com/office/powerpoint/2010/main" val="4039809939"/>
+      </p:ext>
+    </p:extLst>
+  </p:cSld>
+  <p:clrMapOvr>
+    <a:masterClrMapping/>
+  </p:clrMapOvr>
+</p:notes>
+</file>
+
+<file path=ppt/notesSlides/notesSlide5.xml><?xml version="1.0" encoding="utf-8"?>
+<p:notes xmlns:a="http://schemas.openxmlformats.org/drawingml/2006/main" xmlns:r="http://schemas.openxmlformats.org/officeDocument/2006/relationships" xmlns:p="http://schemas.openxmlformats.org/presentationml/2006/main">
+  <p:cSld>
+    <p:spTree>
+      <p:nvGrpSpPr>
+        <p:cNvPr id="1" name="">
+          <a:extLst>
+            <a:ext uri="{FF2B5EF4-FFF2-40B4-BE49-F238E27FC236}">
+              <a16:creationId xmlns:a16="http://schemas.microsoft.com/office/drawing/2014/main" id="{2DE6BD0C-4F9E-941B-4AD4-A5F1872D97F6}"/>
+            </a:ext>
+          </a:extLst>
+        </p:cNvPr>
+        <p:cNvGrpSpPr/>
+        <p:nvPr/>
+      </p:nvGrpSpPr>
+      <p:grpSpPr>
+        <a:xfrm>
+          <a:off x="0" y="0"/>
+          <a:ext cx="0" cy="0"/>
+          <a:chOff x="0" y="0"/>
+          <a:chExt cx="0" cy="0"/>
+        </a:xfrm>
+      </p:grpSpPr>
+      <p:sp>
+        <p:nvSpPr>
+          <p:cNvPr id="2" name="Slide Image Placeholder 1">
+            <a:extLst>
+              <a:ext uri="{FF2B5EF4-FFF2-40B4-BE49-F238E27FC236}">
+                <a16:creationId xmlns:a16="http://schemas.microsoft.com/office/drawing/2014/main" id="{46103539-E75F-A912-C41B-1EE35396F4B5}"/>
+              </a:ext>
+            </a:extLst>
+          </p:cNvPr>
+          <p:cNvSpPr>
+            <a:spLocks noGrp="1" noRot="1" noChangeAspect="1"/>
+          </p:cNvSpPr>
+          <p:nvPr>
+            <p:ph type="sldImg"/>
+          </p:nvPr>
+        </p:nvSpPr>
+        <p:spPr/>
+      </p:sp>
+      <p:sp>
+        <p:nvSpPr>
+          <p:cNvPr id="3" name="Notes Placeholder 2">
+            <a:extLst>
+              <a:ext uri="{FF2B5EF4-FFF2-40B4-BE49-F238E27FC236}">
+                <a16:creationId xmlns:a16="http://schemas.microsoft.com/office/drawing/2014/main" id="{8C15E5C3-E4CA-7DC7-5193-F6596AACD20B}"/>
+              </a:ext>
+            </a:extLst>
+          </p:cNvPr>
+          <p:cNvSpPr>
+            <a:spLocks noGrp="1"/>
+          </p:cNvSpPr>
+          <p:nvPr>
+            <p:ph type="body" idx="1"/>
+          </p:nvPr>
+        </p:nvSpPr>
+        <p:spPr/>
+        <p:txBody>
+          <a:bodyPr/>
+          <a:lstStyle/>
+          <a:p>
+            <a:endParaRPr lang="en-GB" dirty="0"/>
+          </a:p>
+        </p:txBody>
+      </p:sp>
+      <p:sp>
+        <p:nvSpPr>
+          <p:cNvPr id="4" name="Slide Number Placeholder 3">
+            <a:extLst>
+              <a:ext uri="{FF2B5EF4-FFF2-40B4-BE49-F238E27FC236}">
+                <a16:creationId xmlns:a16="http://schemas.microsoft.com/office/drawing/2014/main" id="{3D16B5AC-D584-AAB2-3125-C053A42CFC7E}"/>
+              </a:ext>
+            </a:extLst>
+          </p:cNvPr>
+          <p:cNvSpPr>
+            <a:spLocks noGrp="1"/>
+          </p:cNvSpPr>
+          <p:nvPr>
+            <p:ph type="sldNum" sz="quarter" idx="5"/>
+          </p:nvPr>
+        </p:nvSpPr>
+        <p:spPr/>
+        <p:txBody>
+          <a:bodyPr/>
+          <a:lstStyle/>
+          <a:p>
+            <a:fld id="{FCE787DF-8F4B-4F18-9094-9E830052A33F}" type="slidenum">
+              <a:rPr lang="en-GB" smtClean="0"/>
+              <a:t>8</a:t>
+            </a:fld>
+            <a:endParaRPr lang="en-GB" dirty="0"/>
+          </a:p>
+        </p:txBody>
+      </p:sp>
+    </p:spTree>
+    <p:extLst>
+      <p:ext uri="{BB962C8B-B14F-4D97-AF65-F5344CB8AC3E}">
+        <p14:creationId xmlns:p14="http://schemas.microsoft.com/office/powerpoint/2010/main" val="3857890739"/>
+      </p:ext>
+    </p:extLst>
+  </p:cSld>
+  <p:clrMapOvr>
+    <a:masterClrMapping/>
+  </p:clrMapOvr>
+</p:notes>
+</file>
+
+<file path=ppt/notesSlides/notesSlide6.xml><?xml version="1.0" encoding="utf-8"?>
+<p:notes xmlns:a="http://schemas.openxmlformats.org/drawingml/2006/main" xmlns:r="http://schemas.openxmlformats.org/officeDocument/2006/relationships" xmlns:p="http://schemas.openxmlformats.org/presentationml/2006/main">
+  <p:cSld>
+    <p:spTree>
+      <p:nvGrpSpPr>
+        <p:cNvPr id="1" name="">
+          <a:extLst>
+            <a:ext uri="{FF2B5EF4-FFF2-40B4-BE49-F238E27FC236}">
+              <a16:creationId xmlns:a16="http://schemas.microsoft.com/office/drawing/2014/main" id="{008EF61D-315B-5AB2-FCAB-F103E20866C2}"/>
+            </a:ext>
+          </a:extLst>
+        </p:cNvPr>
+        <p:cNvGrpSpPr/>
+        <p:nvPr/>
+      </p:nvGrpSpPr>
+      <p:grpSpPr>
+        <a:xfrm>
+          <a:off x="0" y="0"/>
+          <a:ext cx="0" cy="0"/>
+          <a:chOff x="0" y="0"/>
+          <a:chExt cx="0" cy="0"/>
+        </a:xfrm>
+      </p:grpSpPr>
+      <p:sp>
+        <p:nvSpPr>
+          <p:cNvPr id="2" name="Slide Image Placeholder 1">
+            <a:extLst>
+              <a:ext uri="{FF2B5EF4-FFF2-40B4-BE49-F238E27FC236}">
+                <a16:creationId xmlns:a16="http://schemas.microsoft.com/office/drawing/2014/main" id="{93560C0E-140E-A3AE-6A3B-4CC33D73E492}"/>
+              </a:ext>
+            </a:extLst>
+          </p:cNvPr>
+          <p:cNvSpPr>
+            <a:spLocks noGrp="1" noRot="1" noChangeAspect="1"/>
+          </p:cNvSpPr>
+          <p:nvPr>
+            <p:ph type="sldImg"/>
+          </p:nvPr>
+        </p:nvSpPr>
+        <p:spPr/>
+      </p:sp>
+      <p:sp>
+        <p:nvSpPr>
+          <p:cNvPr id="3" name="Notes Placeholder 2">
+            <a:extLst>
+              <a:ext uri="{FF2B5EF4-FFF2-40B4-BE49-F238E27FC236}">
+                <a16:creationId xmlns:a16="http://schemas.microsoft.com/office/drawing/2014/main" id="{FB769F6A-D891-E6F9-EBBE-D8193DDDEC7A}"/>
+              </a:ext>
+            </a:extLst>
+          </p:cNvPr>
+          <p:cNvSpPr>
+            <a:spLocks noGrp="1"/>
+          </p:cNvSpPr>
+          <p:nvPr>
+            <p:ph type="body" idx="1"/>
+          </p:nvPr>
+        </p:nvSpPr>
+        <p:spPr/>
+        <p:txBody>
+          <a:bodyPr/>
+          <a:lstStyle/>
+          <a:p>
+            <a:endParaRPr lang="en-GB" dirty="0"/>
+          </a:p>
+        </p:txBody>
+      </p:sp>
+      <p:sp>
+        <p:nvSpPr>
+          <p:cNvPr id="4" name="Slide Number Placeholder 3">
+            <a:extLst>
+              <a:ext uri="{FF2B5EF4-FFF2-40B4-BE49-F238E27FC236}">
+                <a16:creationId xmlns:a16="http://schemas.microsoft.com/office/drawing/2014/main" id="{367A1E45-A481-192B-C503-CEAD3A1A6FC9}"/>
+              </a:ext>
+            </a:extLst>
+          </p:cNvPr>
+          <p:cNvSpPr>
+            <a:spLocks noGrp="1"/>
+          </p:cNvSpPr>
+          <p:nvPr>
+            <p:ph type="sldNum" sz="quarter" idx="5"/>
+          </p:nvPr>
+        </p:nvSpPr>
+        <p:spPr/>
+        <p:txBody>
+          <a:bodyPr/>
+          <a:lstStyle/>
+          <a:p>
+            <a:fld id="{FCE787DF-8F4B-4F18-9094-9E830052A33F}" type="slidenum">
+              <a:rPr lang="en-GB" smtClean="0"/>
+              <a:t>10</a:t>
+            </a:fld>
+            <a:endParaRPr lang="en-GB" dirty="0"/>
+          </a:p>
+        </p:txBody>
+      </p:sp>
+    </p:spTree>
+    <p:extLst>
+      <p:ext uri="{BB962C8B-B14F-4D97-AF65-F5344CB8AC3E}">
+        <p14:creationId xmlns:p14="http://schemas.microsoft.com/office/powerpoint/2010/main" val="1089296392"/>
+      </p:ext>
+    </p:extLst>
+  </p:cSld>
+  <p:clrMapOvr>
+    <a:masterClrMapping/>
+  </p:clrMapOvr>
+</p:notes>
+</file>
+
+<file path=ppt/notesSlides/notesSlide7.xml><?xml version="1.0" encoding="utf-8"?>
+<p:notes xmlns:a="http://schemas.openxmlformats.org/drawingml/2006/main" xmlns:r="http://schemas.openxmlformats.org/officeDocument/2006/relationships" xmlns:p="http://schemas.openxmlformats.org/presentationml/2006/main">
+  <p:cSld>
+    <p:spTree>
+      <p:nvGrpSpPr>
+        <p:cNvPr id="1" name="">
+          <a:extLst>
+            <a:ext uri="{FF2B5EF4-FFF2-40B4-BE49-F238E27FC236}">
+              <a16:creationId xmlns:a16="http://schemas.microsoft.com/office/drawing/2014/main" id="{80DF5845-7342-12CD-4F2C-CE78D71D20E8}"/>
+            </a:ext>
+          </a:extLst>
+        </p:cNvPr>
+        <p:cNvGrpSpPr/>
+        <p:nvPr/>
+      </p:nvGrpSpPr>
+      <p:grpSpPr>
+        <a:xfrm>
+          <a:off x="0" y="0"/>
+          <a:ext cx="0" cy="0"/>
+          <a:chOff x="0" y="0"/>
+          <a:chExt cx="0" cy="0"/>
+        </a:xfrm>
+      </p:grpSpPr>
+      <p:sp>
+        <p:nvSpPr>
+          <p:cNvPr id="2" name="Slide Image Placeholder 1">
+            <a:extLst>
+              <a:ext uri="{FF2B5EF4-FFF2-40B4-BE49-F238E27FC236}">
+                <a16:creationId xmlns:a16="http://schemas.microsoft.com/office/drawing/2014/main" id="{05A5D0F8-C826-84DF-CD82-365207DA4B8C}"/>
+              </a:ext>
+            </a:extLst>
+          </p:cNvPr>
+          <p:cNvSpPr>
+            <a:spLocks noGrp="1" noRot="1" noChangeAspect="1"/>
+          </p:cNvSpPr>
+          <p:nvPr>
+            <p:ph type="sldImg"/>
+          </p:nvPr>
+        </p:nvSpPr>
+        <p:spPr/>
+      </p:sp>
+      <p:sp>
+        <p:nvSpPr>
+          <p:cNvPr id="3" name="Notes Placeholder 2">
+            <a:extLst>
+              <a:ext uri="{FF2B5EF4-FFF2-40B4-BE49-F238E27FC236}">
+                <a16:creationId xmlns:a16="http://schemas.microsoft.com/office/drawing/2014/main" id="{14F310A4-708D-95C1-0B06-541A38BABB0A}"/>
+              </a:ext>
+            </a:extLst>
+          </p:cNvPr>
+          <p:cNvSpPr>
+            <a:spLocks noGrp="1"/>
+          </p:cNvSpPr>
+          <p:nvPr>
+            <p:ph type="body" idx="1"/>
+          </p:nvPr>
+        </p:nvSpPr>
+        <p:spPr/>
+        <p:txBody>
+          <a:bodyPr/>
+          <a:lstStyle/>
+          <a:p>
+            <a:endParaRPr lang="en-GB" dirty="0"/>
+          </a:p>
+        </p:txBody>
+      </p:sp>
+      <p:sp>
+        <p:nvSpPr>
+          <p:cNvPr id="4" name="Slide Number Placeholder 3">
+            <a:extLst>
+              <a:ext uri="{FF2B5EF4-FFF2-40B4-BE49-F238E27FC236}">
+                <a16:creationId xmlns:a16="http://schemas.microsoft.com/office/drawing/2014/main" id="{559C938C-25AD-5C7B-0D47-7297E6A403CB}"/>
+              </a:ext>
+            </a:extLst>
+          </p:cNvPr>
+          <p:cNvSpPr>
+            <a:spLocks noGrp="1"/>
+          </p:cNvSpPr>
+          <p:nvPr>
+            <p:ph type="sldNum" sz="quarter" idx="5"/>
+          </p:nvPr>
+        </p:nvSpPr>
+        <p:spPr/>
+        <p:txBody>
+          <a:bodyPr/>
+          <a:lstStyle/>
+          <a:p>
+            <a:fld id="{FCE787DF-8F4B-4F18-9094-9E830052A33F}" type="slidenum">
+              <a:rPr lang="en-GB" smtClean="0"/>
+              <a:t>11</a:t>
+            </a:fld>
+            <a:endParaRPr lang="en-GB" dirty="0"/>
+          </a:p>
+        </p:txBody>
+      </p:sp>
+    </p:spTree>
+    <p:extLst>
+      <p:ext uri="{BB962C8B-B14F-4D97-AF65-F5344CB8AC3E}">
+        <p14:creationId xmlns:p14="http://schemas.microsoft.com/office/powerpoint/2010/main" val="2336317791"/>
+      </p:ext>
+    </p:extLst>
+  </p:cSld>
+  <p:clrMapOvr>
+    <a:masterClrMapping/>
+  </p:clrMapOvr>
+</p:notes>
+</file>
+
+<file path=ppt/notesSlides/notesSlide8.xml><?xml version="1.0" encoding="utf-8"?>
+<p:notes xmlns:a="http://schemas.openxmlformats.org/drawingml/2006/main" xmlns:r="http://schemas.openxmlformats.org/officeDocument/2006/relationships" xmlns:p="http://schemas.openxmlformats.org/presentationml/2006/main">
+  <p:cSld>
+    <p:spTree>
+      <p:nvGrpSpPr>
+        <p:cNvPr id="1" name="">
+          <a:extLst>
+            <a:ext uri="{FF2B5EF4-FFF2-40B4-BE49-F238E27FC236}">
+              <a16:creationId xmlns:a16="http://schemas.microsoft.com/office/drawing/2014/main" id="{5FBEEDAC-41A8-6C0C-3EC9-B6D93B21FC9A}"/>
+            </a:ext>
+          </a:extLst>
+        </p:cNvPr>
+        <p:cNvGrpSpPr/>
+        <p:nvPr/>
+      </p:nvGrpSpPr>
+      <p:grpSpPr>
+        <a:xfrm>
+          <a:off x="0" y="0"/>
+          <a:ext cx="0" cy="0"/>
+          <a:chOff x="0" y="0"/>
+          <a:chExt cx="0" cy="0"/>
+        </a:xfrm>
+      </p:grpSpPr>
+      <p:sp>
+        <p:nvSpPr>
+          <p:cNvPr id="2" name="Slide Image Placeholder 1">
+            <a:extLst>
+              <a:ext uri="{FF2B5EF4-FFF2-40B4-BE49-F238E27FC236}">
+                <a16:creationId xmlns:a16="http://schemas.microsoft.com/office/drawing/2014/main" id="{8745E6A0-7D7F-6AFF-5E61-4EB02BB018AF}"/>
+              </a:ext>
+            </a:extLst>
+          </p:cNvPr>
+          <p:cNvSpPr>
+            <a:spLocks noGrp="1" noRot="1" noChangeAspect="1"/>
+          </p:cNvSpPr>
+          <p:nvPr>
+            <p:ph type="sldImg"/>
+          </p:nvPr>
+        </p:nvSpPr>
+        <p:spPr/>
+      </p:sp>
+      <p:sp>
+        <p:nvSpPr>
+          <p:cNvPr id="3" name="Notes Placeholder 2">
+            <a:extLst>
+              <a:ext uri="{FF2B5EF4-FFF2-40B4-BE49-F238E27FC236}">
+                <a16:creationId xmlns:a16="http://schemas.microsoft.com/office/drawing/2014/main" id="{D34B046E-8837-4B5F-CDC1-8062374F3330}"/>
+              </a:ext>
+            </a:extLst>
+          </p:cNvPr>
+          <p:cNvSpPr>
+            <a:spLocks noGrp="1"/>
+          </p:cNvSpPr>
+          <p:nvPr>
+            <p:ph type="body" idx="1"/>
+          </p:nvPr>
+        </p:nvSpPr>
+        <p:spPr/>
+        <p:txBody>
+          <a:bodyPr/>
+          <a:lstStyle/>
+          <a:p>
+            <a:endParaRPr lang="en-GB" dirty="0"/>
+          </a:p>
+        </p:txBody>
+      </p:sp>
+      <p:sp>
+        <p:nvSpPr>
+          <p:cNvPr id="4" name="Slide Number Placeholder 3">
+            <a:extLst>
+              <a:ext uri="{FF2B5EF4-FFF2-40B4-BE49-F238E27FC236}">
+                <a16:creationId xmlns:a16="http://schemas.microsoft.com/office/drawing/2014/main" id="{E819803D-7F41-0744-F375-244E59512065}"/>
+              </a:ext>
+            </a:extLst>
+          </p:cNvPr>
+          <p:cNvSpPr>
+            <a:spLocks noGrp="1"/>
+          </p:cNvSpPr>
+          <p:nvPr>
+            <p:ph type="sldNum" sz="quarter" idx="5"/>
+          </p:nvPr>
+        </p:nvSpPr>
+        <p:spPr/>
+        <p:txBody>
+          <a:bodyPr/>
+          <a:lstStyle/>
+          <a:p>
+            <a:fld id="{FCE787DF-8F4B-4F18-9094-9E830052A33F}" type="slidenum">
+              <a:rPr lang="en-GB" smtClean="0"/>
+              <a:t>12</a:t>
+            </a:fld>
+            <a:endParaRPr lang="en-GB" dirty="0"/>
+          </a:p>
+        </p:txBody>
+      </p:sp>
+    </p:spTree>
+    <p:extLst>
+      <p:ext uri="{BB962C8B-B14F-4D97-AF65-F5344CB8AC3E}">
+        <p14:creationId xmlns:p14="http://schemas.microsoft.com/office/powerpoint/2010/main" val="4015772664"/>
+      </p:ext>
+    </p:extLst>
+  </p:cSld>
+  <p:clrMapOvr>
+    <a:masterClrMapping/>
+  </p:clrMapOvr>
+</p:notes>
+</file>
+
+<file path=ppt/notesSlides/notesSlide9.xml><?xml version="1.0" encoding="utf-8"?>
+<p:notes xmlns:a="http://schemas.openxmlformats.org/drawingml/2006/main" xmlns:r="http://schemas.openxmlformats.org/officeDocument/2006/relationships" xmlns:p="http://schemas.openxmlformats.org/presentationml/2006/main">
+  <p:cSld>
+    <p:spTree>
+      <p:nvGrpSpPr>
+        <p:cNvPr id="1" name="">
+          <a:extLst>
+            <a:ext uri="{FF2B5EF4-FFF2-40B4-BE49-F238E27FC236}">
+              <a16:creationId xmlns:a16="http://schemas.microsoft.com/office/drawing/2014/main" id="{43FFA1CC-70B2-3794-60E5-4A0F6B29EEAA}"/>
+            </a:ext>
+          </a:extLst>
+        </p:cNvPr>
+        <p:cNvGrpSpPr/>
+        <p:nvPr/>
+      </p:nvGrpSpPr>
+      <p:grpSpPr>
+        <a:xfrm>
+          <a:off x="0" y="0"/>
+          <a:ext cx="0" cy="0"/>
+          <a:chOff x="0" y="0"/>
+          <a:chExt cx="0" cy="0"/>
+        </a:xfrm>
+      </p:grpSpPr>
+      <p:sp>
+        <p:nvSpPr>
+          <p:cNvPr id="2" name="Slide Image Placeholder 1">
+            <a:extLst>
+              <a:ext uri="{FF2B5EF4-FFF2-40B4-BE49-F238E27FC236}">
+                <a16:creationId xmlns:a16="http://schemas.microsoft.com/office/drawing/2014/main" id="{7349B4B6-6BCE-05B1-AA8D-FAD76551EF75}"/>
+              </a:ext>
+            </a:extLst>
+          </p:cNvPr>
+          <p:cNvSpPr>
+            <a:spLocks noGrp="1" noRot="1" noChangeAspect="1"/>
+          </p:cNvSpPr>
+          <p:nvPr>
+            <p:ph type="sldImg"/>
+          </p:nvPr>
+        </p:nvSpPr>
+        <p:spPr/>
+      </p:sp>
+      <p:sp>
+        <p:nvSpPr>
+          <p:cNvPr id="3" name="Notes Placeholder 2">
+            <a:extLst>
+              <a:ext uri="{FF2B5EF4-FFF2-40B4-BE49-F238E27FC236}">
+                <a16:creationId xmlns:a16="http://schemas.microsoft.com/office/drawing/2014/main" id="{1C286551-E50F-5A8F-B0C3-5AC0D17670BE}"/>
+              </a:ext>
+            </a:extLst>
+          </p:cNvPr>
+          <p:cNvSpPr>
+            <a:spLocks noGrp="1"/>
+          </p:cNvSpPr>
+          <p:nvPr>
+            <p:ph type="body" idx="1"/>
+          </p:nvPr>
+        </p:nvSpPr>
+        <p:spPr/>
+        <p:txBody>
+          <a:bodyPr/>
+          <a:lstStyle/>
+          <a:p>
+            <a:endParaRPr lang="en-GB" dirty="0"/>
+          </a:p>
+        </p:txBody>
+      </p:sp>
+      <p:sp>
+        <p:nvSpPr>
+          <p:cNvPr id="4" name="Slide Number Placeholder 3">
+            <a:extLst>
+              <a:ext uri="{FF2B5EF4-FFF2-40B4-BE49-F238E27FC236}">
+                <a16:creationId xmlns:a16="http://schemas.microsoft.com/office/drawing/2014/main" id="{7FC7DD10-68E5-BD8C-CCDA-A32088D14039}"/>
+              </a:ext>
+            </a:extLst>
+          </p:cNvPr>
+          <p:cNvSpPr>
+            <a:spLocks noGrp="1"/>
+          </p:cNvSpPr>
+          <p:nvPr>
+            <p:ph type="sldNum" sz="quarter" idx="5"/>
+          </p:nvPr>
+        </p:nvSpPr>
+        <p:spPr/>
+        <p:txBody>
+          <a:bodyPr/>
+          <a:lstStyle/>
+          <a:p>
+            <a:fld id="{FCE787DF-8F4B-4F18-9094-9E830052A33F}" type="slidenum">
+              <a:rPr lang="en-GB" smtClean="0"/>
+              <a:t>13</a:t>
+            </a:fld>
+            <a:endParaRPr lang="en-GB" dirty="0"/>
+          </a:p>
+        </p:txBody>
+      </p:sp>
+    </p:spTree>
+    <p:extLst>
+      <p:ext uri="{BB962C8B-B14F-4D97-AF65-F5344CB8AC3E}">
+        <p14:creationId xmlns:p14="http://schemas.microsoft.com/office/powerpoint/2010/main" val="1943974287"/>
       </p:ext>
     </p:extLst>
   </p:cSld>
@@ -41221,6 +42398,3741 @@
 </p:sld>
 </file>
 
+<file path=ppt/slides/slide10.xml><?xml version="1.0" encoding="utf-8"?>
+<p:sld xmlns:a="http://schemas.openxmlformats.org/drawingml/2006/main" xmlns:r="http://schemas.openxmlformats.org/officeDocument/2006/relationships" xmlns:p="http://schemas.openxmlformats.org/presentationml/2006/main">
+  <p:cSld>
+    <p:spTree>
+      <p:nvGrpSpPr>
+        <p:cNvPr id="1" name="">
+          <a:extLst>
+            <a:ext uri="{FF2B5EF4-FFF2-40B4-BE49-F238E27FC236}">
+              <a16:creationId xmlns:a16="http://schemas.microsoft.com/office/drawing/2014/main" id="{5BF14270-5B0E-D3B9-9790-AD2AA50CC24D}"/>
+            </a:ext>
+          </a:extLst>
+        </p:cNvPr>
+        <p:cNvGrpSpPr/>
+        <p:nvPr/>
+      </p:nvGrpSpPr>
+      <p:grpSpPr>
+        <a:xfrm>
+          <a:off x="0" y="0"/>
+          <a:ext cx="0" cy="0"/>
+          <a:chOff x="0" y="0"/>
+          <a:chExt cx="0" cy="0"/>
+        </a:xfrm>
+      </p:grpSpPr>
+      <p:sp>
+        <p:nvSpPr>
+          <p:cNvPr id="2" name="Segnaposto piè di pagina 1">
+            <a:extLst>
+              <a:ext uri="{FF2B5EF4-FFF2-40B4-BE49-F238E27FC236}">
+                <a16:creationId xmlns:a16="http://schemas.microsoft.com/office/drawing/2014/main" id="{C2B4792F-0B1B-41DA-E09C-8A70B0EE4783}"/>
+              </a:ext>
+            </a:extLst>
+          </p:cNvPr>
+          <p:cNvSpPr>
+            <a:spLocks noGrp="1"/>
+          </p:cNvSpPr>
+          <p:nvPr>
+            <p:ph type="ftr" sz="quarter" idx="3"/>
+          </p:nvPr>
+        </p:nvSpPr>
+        <p:spPr/>
+        <p:txBody>
+          <a:bodyPr/>
+          <a:lstStyle/>
+          <a:p>
+            <a:r>
+              <a:rPr lang="en-US" noProof="0" dirty="0"/>
+              <a:t>Reference</a:t>
+            </a:r>
+          </a:p>
+        </p:txBody>
+      </p:sp>
+      <p:sp>
+        <p:nvSpPr>
+          <p:cNvPr id="3" name="Segnaposto numero diapositiva 2">
+            <a:extLst>
+              <a:ext uri="{FF2B5EF4-FFF2-40B4-BE49-F238E27FC236}">
+                <a16:creationId xmlns:a16="http://schemas.microsoft.com/office/drawing/2014/main" id="{0B378E47-40EF-FFE7-6865-569F854BE962}"/>
+              </a:ext>
+            </a:extLst>
+          </p:cNvPr>
+          <p:cNvSpPr>
+            <a:spLocks noGrp="1"/>
+          </p:cNvSpPr>
+          <p:nvPr>
+            <p:ph type="sldNum" sz="quarter" idx="4"/>
+          </p:nvPr>
+        </p:nvSpPr>
+        <p:spPr/>
+        <p:txBody>
+          <a:bodyPr/>
+          <a:lstStyle/>
+          <a:p>
+            <a:fld id="{500E0521-425D-DD45-BED6-A99962E298FC}" type="slidenum">
+              <a:rPr lang="en-US" noProof="0" smtClean="0"/>
+              <a:pPr/>
+              <a:t>10</a:t>
+            </a:fld>
+            <a:endParaRPr lang="en-US" noProof="0" dirty="0"/>
+          </a:p>
+        </p:txBody>
+      </p:sp>
+      <p:sp>
+        <p:nvSpPr>
+          <p:cNvPr id="4" name="Titolo 3">
+            <a:extLst>
+              <a:ext uri="{FF2B5EF4-FFF2-40B4-BE49-F238E27FC236}">
+                <a16:creationId xmlns:a16="http://schemas.microsoft.com/office/drawing/2014/main" id="{28DFCC07-A16B-6268-F457-812FB930CDFB}"/>
+              </a:ext>
+            </a:extLst>
+          </p:cNvPr>
+          <p:cNvSpPr>
+            <a:spLocks noGrp="1"/>
+          </p:cNvSpPr>
+          <p:nvPr>
+            <p:ph type="title"/>
+          </p:nvPr>
+        </p:nvSpPr>
+        <p:spPr/>
+        <p:txBody>
+          <a:bodyPr/>
+          <a:lstStyle/>
+          <a:p>
+            <a:r>
+              <a:rPr lang="en-US" noProof="0" dirty="0"/>
+              <a:t>Textual representation</a:t>
+            </a:r>
+          </a:p>
+        </p:txBody>
+      </p:sp>
+      <p:sp>
+        <p:nvSpPr>
+          <p:cNvPr id="8" name="Segnaposto contenuto 6">
+            <a:extLst>
+              <a:ext uri="{FF2B5EF4-FFF2-40B4-BE49-F238E27FC236}">
+                <a16:creationId xmlns:a16="http://schemas.microsoft.com/office/drawing/2014/main" id="{74BF6F40-AE8C-B6FA-B958-F134ADF5FD59}"/>
+              </a:ext>
+            </a:extLst>
+          </p:cNvPr>
+          <p:cNvSpPr>
+            <a:spLocks noGrp="1"/>
+          </p:cNvSpPr>
+          <p:nvPr>
+            <p:ph idx="26"/>
+          </p:nvPr>
+        </p:nvSpPr>
+        <p:spPr>
+          <a:xfrm>
+            <a:off x="257969" y="1084900"/>
+            <a:ext cx="6933406" cy="3414648"/>
+          </a:xfrm>
+        </p:spPr>
+        <p:txBody>
+          <a:bodyPr>
+            <a:normAutofit/>
+          </a:bodyPr>
+          <a:lstStyle/>
+          <a:p>
+            <a:pPr>
+              <a:buNone/>
+            </a:pPr>
+            <a:r>
+              <a:rPr lang="en-US" b="1" noProof="0" dirty="0"/>
+              <a:t>D</a:t>
+            </a:r>
+          </a:p>
+          <a:p>
+            <a:pPr>
+              <a:buFont typeface="Arial" panose="020B0604020202020204" pitchFamily="34" charset="0"/>
+              <a:buChar char="•"/>
+            </a:pPr>
+            <a:r>
+              <a:rPr lang="en-US" noProof="0" dirty="0"/>
+              <a:t>An</a:t>
+            </a:r>
+          </a:p>
+          <a:p>
+            <a:pPr marL="0" indent="0">
+              <a:buNone/>
+            </a:pPr>
+            <a:endParaRPr lang="en-US" b="1" noProof="0" dirty="0"/>
+          </a:p>
+        </p:txBody>
+      </p:sp>
+    </p:spTree>
+    <p:extLst>
+      <p:ext uri="{BB962C8B-B14F-4D97-AF65-F5344CB8AC3E}">
+        <p14:creationId xmlns:p14="http://schemas.microsoft.com/office/powerpoint/2010/main" val="3626618763"/>
+      </p:ext>
+    </p:extLst>
+  </p:cSld>
+  <p:clrMapOvr>
+    <a:masterClrMapping/>
+  </p:clrMapOvr>
+</p:sld>
+</file>
+
+<file path=ppt/slides/slide11.xml><?xml version="1.0" encoding="utf-8"?>
+<p:sld xmlns:a="http://schemas.openxmlformats.org/drawingml/2006/main" xmlns:r="http://schemas.openxmlformats.org/officeDocument/2006/relationships" xmlns:p="http://schemas.openxmlformats.org/presentationml/2006/main">
+  <p:cSld>
+    <p:spTree>
+      <p:nvGrpSpPr>
+        <p:cNvPr id="1" name="">
+          <a:extLst>
+            <a:ext uri="{FF2B5EF4-FFF2-40B4-BE49-F238E27FC236}">
+              <a16:creationId xmlns:a16="http://schemas.microsoft.com/office/drawing/2014/main" id="{3FE3A26C-EFC9-9434-7E68-7BB5C57DC028}"/>
+            </a:ext>
+          </a:extLst>
+        </p:cNvPr>
+        <p:cNvGrpSpPr/>
+        <p:nvPr/>
+      </p:nvGrpSpPr>
+      <p:grpSpPr>
+        <a:xfrm>
+          <a:off x="0" y="0"/>
+          <a:ext cx="0" cy="0"/>
+          <a:chOff x="0" y="0"/>
+          <a:chExt cx="0" cy="0"/>
+        </a:xfrm>
+      </p:grpSpPr>
+      <p:sp>
+        <p:nvSpPr>
+          <p:cNvPr id="2" name="Segnaposto piè di pagina 1">
+            <a:extLst>
+              <a:ext uri="{FF2B5EF4-FFF2-40B4-BE49-F238E27FC236}">
+                <a16:creationId xmlns:a16="http://schemas.microsoft.com/office/drawing/2014/main" id="{7D3FD6F5-15C0-C2C8-CE10-8C745AC92D4A}"/>
+              </a:ext>
+            </a:extLst>
+          </p:cNvPr>
+          <p:cNvSpPr>
+            <a:spLocks noGrp="1"/>
+          </p:cNvSpPr>
+          <p:nvPr>
+            <p:ph type="ftr" sz="quarter" idx="3"/>
+          </p:nvPr>
+        </p:nvSpPr>
+        <p:spPr/>
+        <p:txBody>
+          <a:bodyPr/>
+          <a:lstStyle/>
+          <a:p>
+            <a:r>
+              <a:rPr lang="en-US" noProof="0" dirty="0"/>
+              <a:t>Reference</a:t>
+            </a:r>
+          </a:p>
+        </p:txBody>
+      </p:sp>
+      <p:sp>
+        <p:nvSpPr>
+          <p:cNvPr id="3" name="Segnaposto numero diapositiva 2">
+            <a:extLst>
+              <a:ext uri="{FF2B5EF4-FFF2-40B4-BE49-F238E27FC236}">
+                <a16:creationId xmlns:a16="http://schemas.microsoft.com/office/drawing/2014/main" id="{CFDDAF14-144D-7F8E-38E9-ABE85411A709}"/>
+              </a:ext>
+            </a:extLst>
+          </p:cNvPr>
+          <p:cNvSpPr>
+            <a:spLocks noGrp="1"/>
+          </p:cNvSpPr>
+          <p:nvPr>
+            <p:ph type="sldNum" sz="quarter" idx="4"/>
+          </p:nvPr>
+        </p:nvSpPr>
+        <p:spPr/>
+        <p:txBody>
+          <a:bodyPr/>
+          <a:lstStyle/>
+          <a:p>
+            <a:fld id="{500E0521-425D-DD45-BED6-A99962E298FC}" type="slidenum">
+              <a:rPr lang="en-US" noProof="0" smtClean="0"/>
+              <a:pPr/>
+              <a:t>11</a:t>
+            </a:fld>
+            <a:endParaRPr lang="en-US" noProof="0" dirty="0"/>
+          </a:p>
+        </p:txBody>
+      </p:sp>
+      <p:sp>
+        <p:nvSpPr>
+          <p:cNvPr id="4" name="Titolo 3">
+            <a:extLst>
+              <a:ext uri="{FF2B5EF4-FFF2-40B4-BE49-F238E27FC236}">
+                <a16:creationId xmlns:a16="http://schemas.microsoft.com/office/drawing/2014/main" id="{FB8EEAFC-5C15-E149-F935-59FE91406A17}"/>
+              </a:ext>
+            </a:extLst>
+          </p:cNvPr>
+          <p:cNvSpPr>
+            <a:spLocks noGrp="1"/>
+          </p:cNvSpPr>
+          <p:nvPr>
+            <p:ph type="title"/>
+          </p:nvPr>
+        </p:nvSpPr>
+        <p:spPr/>
+        <p:txBody>
+          <a:bodyPr/>
+          <a:lstStyle/>
+          <a:p>
+            <a:r>
+              <a:rPr lang="en-US" dirty="0"/>
+              <a:t>Json</a:t>
+            </a:r>
+            <a:r>
+              <a:rPr lang="en-US" noProof="0" dirty="0"/>
+              <a:t> representation</a:t>
+            </a:r>
+          </a:p>
+        </p:txBody>
+      </p:sp>
+      <p:sp>
+        <p:nvSpPr>
+          <p:cNvPr id="8" name="Segnaposto contenuto 6">
+            <a:extLst>
+              <a:ext uri="{FF2B5EF4-FFF2-40B4-BE49-F238E27FC236}">
+                <a16:creationId xmlns:a16="http://schemas.microsoft.com/office/drawing/2014/main" id="{1001EE63-F09C-851A-B62F-542AE8ECCD8A}"/>
+              </a:ext>
+            </a:extLst>
+          </p:cNvPr>
+          <p:cNvSpPr>
+            <a:spLocks noGrp="1"/>
+          </p:cNvSpPr>
+          <p:nvPr>
+            <p:ph idx="26"/>
+          </p:nvPr>
+        </p:nvSpPr>
+        <p:spPr>
+          <a:xfrm>
+            <a:off x="257969" y="1084900"/>
+            <a:ext cx="6933406" cy="3414648"/>
+          </a:xfrm>
+        </p:spPr>
+        <p:txBody>
+          <a:bodyPr>
+            <a:normAutofit/>
+          </a:bodyPr>
+          <a:lstStyle/>
+          <a:p>
+            <a:pPr>
+              <a:buNone/>
+            </a:pPr>
+            <a:r>
+              <a:rPr lang="en-US" b="1" noProof="0" dirty="0"/>
+              <a:t>D</a:t>
+            </a:r>
+          </a:p>
+          <a:p>
+            <a:pPr>
+              <a:buFont typeface="Arial" panose="020B0604020202020204" pitchFamily="34" charset="0"/>
+              <a:buChar char="•"/>
+            </a:pPr>
+            <a:r>
+              <a:rPr lang="en-US" noProof="0" dirty="0"/>
+              <a:t>An</a:t>
+            </a:r>
+          </a:p>
+          <a:p>
+            <a:pPr marL="0" indent="0">
+              <a:buNone/>
+            </a:pPr>
+            <a:endParaRPr lang="en-US" b="1" noProof="0" dirty="0"/>
+          </a:p>
+        </p:txBody>
+      </p:sp>
+    </p:spTree>
+    <p:extLst>
+      <p:ext uri="{BB962C8B-B14F-4D97-AF65-F5344CB8AC3E}">
+        <p14:creationId xmlns:p14="http://schemas.microsoft.com/office/powerpoint/2010/main" val="2455949188"/>
+      </p:ext>
+    </p:extLst>
+  </p:cSld>
+  <p:clrMapOvr>
+    <a:masterClrMapping/>
+  </p:clrMapOvr>
+</p:sld>
+</file>
+
+<file path=ppt/slides/slide12.xml><?xml version="1.0" encoding="utf-8"?>
+<p:sld xmlns:a="http://schemas.openxmlformats.org/drawingml/2006/main" xmlns:r="http://schemas.openxmlformats.org/officeDocument/2006/relationships" xmlns:p="http://schemas.openxmlformats.org/presentationml/2006/main">
+  <p:cSld>
+    <p:spTree>
+      <p:nvGrpSpPr>
+        <p:cNvPr id="1" name="">
+          <a:extLst>
+            <a:ext uri="{FF2B5EF4-FFF2-40B4-BE49-F238E27FC236}">
+              <a16:creationId xmlns:a16="http://schemas.microsoft.com/office/drawing/2014/main" id="{B0A7A64A-430F-CA9F-4544-A6955151C42E}"/>
+            </a:ext>
+          </a:extLst>
+        </p:cNvPr>
+        <p:cNvGrpSpPr/>
+        <p:nvPr/>
+      </p:nvGrpSpPr>
+      <p:grpSpPr>
+        <a:xfrm>
+          <a:off x="0" y="0"/>
+          <a:ext cx="0" cy="0"/>
+          <a:chOff x="0" y="0"/>
+          <a:chExt cx="0" cy="0"/>
+        </a:xfrm>
+      </p:grpSpPr>
+      <p:sp>
+        <p:nvSpPr>
+          <p:cNvPr id="2" name="Segnaposto piè di pagina 1">
+            <a:extLst>
+              <a:ext uri="{FF2B5EF4-FFF2-40B4-BE49-F238E27FC236}">
+                <a16:creationId xmlns:a16="http://schemas.microsoft.com/office/drawing/2014/main" id="{07ADE03C-BFB4-2BDF-B908-BA66B051834A}"/>
+              </a:ext>
+            </a:extLst>
+          </p:cNvPr>
+          <p:cNvSpPr>
+            <a:spLocks noGrp="1"/>
+          </p:cNvSpPr>
+          <p:nvPr>
+            <p:ph type="ftr" sz="quarter" idx="3"/>
+          </p:nvPr>
+        </p:nvSpPr>
+        <p:spPr/>
+        <p:txBody>
+          <a:bodyPr/>
+          <a:lstStyle/>
+          <a:p>
+            <a:r>
+              <a:rPr lang="en-US" noProof="0" dirty="0"/>
+              <a:t>Reference</a:t>
+            </a:r>
+          </a:p>
+        </p:txBody>
+      </p:sp>
+      <p:sp>
+        <p:nvSpPr>
+          <p:cNvPr id="3" name="Segnaposto numero diapositiva 2">
+            <a:extLst>
+              <a:ext uri="{FF2B5EF4-FFF2-40B4-BE49-F238E27FC236}">
+                <a16:creationId xmlns:a16="http://schemas.microsoft.com/office/drawing/2014/main" id="{80F10ECE-FF9E-E814-7BFF-48B60441FF5D}"/>
+              </a:ext>
+            </a:extLst>
+          </p:cNvPr>
+          <p:cNvSpPr>
+            <a:spLocks noGrp="1"/>
+          </p:cNvSpPr>
+          <p:nvPr>
+            <p:ph type="sldNum" sz="quarter" idx="4"/>
+          </p:nvPr>
+        </p:nvSpPr>
+        <p:spPr/>
+        <p:txBody>
+          <a:bodyPr/>
+          <a:lstStyle/>
+          <a:p>
+            <a:fld id="{500E0521-425D-DD45-BED6-A99962E298FC}" type="slidenum">
+              <a:rPr lang="en-US" noProof="0" smtClean="0"/>
+              <a:pPr/>
+              <a:t>12</a:t>
+            </a:fld>
+            <a:endParaRPr lang="en-US" noProof="0" dirty="0"/>
+          </a:p>
+        </p:txBody>
+      </p:sp>
+      <p:sp>
+        <p:nvSpPr>
+          <p:cNvPr id="4" name="Titolo 3">
+            <a:extLst>
+              <a:ext uri="{FF2B5EF4-FFF2-40B4-BE49-F238E27FC236}">
+                <a16:creationId xmlns:a16="http://schemas.microsoft.com/office/drawing/2014/main" id="{AA642839-00C4-D089-02DA-A61BA3DF498B}"/>
+              </a:ext>
+            </a:extLst>
+          </p:cNvPr>
+          <p:cNvSpPr>
+            <a:spLocks noGrp="1"/>
+          </p:cNvSpPr>
+          <p:nvPr>
+            <p:ph type="title"/>
+          </p:nvPr>
+        </p:nvSpPr>
+        <p:spPr/>
+        <p:txBody>
+          <a:bodyPr/>
+          <a:lstStyle/>
+          <a:p>
+            <a:r>
+              <a:rPr lang="en-US" noProof="0" dirty="0"/>
+              <a:t>Tabular representation</a:t>
+            </a:r>
+          </a:p>
+        </p:txBody>
+      </p:sp>
+      <p:sp>
+        <p:nvSpPr>
+          <p:cNvPr id="8" name="Segnaposto contenuto 6">
+            <a:extLst>
+              <a:ext uri="{FF2B5EF4-FFF2-40B4-BE49-F238E27FC236}">
+                <a16:creationId xmlns:a16="http://schemas.microsoft.com/office/drawing/2014/main" id="{9745CCCA-79A1-1C0C-3483-D3D9E05D575E}"/>
+              </a:ext>
+            </a:extLst>
+          </p:cNvPr>
+          <p:cNvSpPr>
+            <a:spLocks noGrp="1"/>
+          </p:cNvSpPr>
+          <p:nvPr>
+            <p:ph idx="26"/>
+          </p:nvPr>
+        </p:nvSpPr>
+        <p:spPr>
+          <a:xfrm>
+            <a:off x="257969" y="1084900"/>
+            <a:ext cx="6933406" cy="3414648"/>
+          </a:xfrm>
+        </p:spPr>
+        <p:txBody>
+          <a:bodyPr>
+            <a:normAutofit/>
+          </a:bodyPr>
+          <a:lstStyle/>
+          <a:p>
+            <a:pPr>
+              <a:buNone/>
+            </a:pPr>
+            <a:r>
+              <a:rPr lang="en-US" b="1" noProof="0" dirty="0"/>
+              <a:t>D</a:t>
+            </a:r>
+          </a:p>
+          <a:p>
+            <a:pPr>
+              <a:buFont typeface="Arial" panose="020B0604020202020204" pitchFamily="34" charset="0"/>
+              <a:buChar char="•"/>
+            </a:pPr>
+            <a:r>
+              <a:rPr lang="en-US" noProof="0" dirty="0"/>
+              <a:t>An</a:t>
+            </a:r>
+          </a:p>
+          <a:p>
+            <a:pPr marL="0" indent="0">
+              <a:buNone/>
+            </a:pPr>
+            <a:endParaRPr lang="en-US" b="1" noProof="0" dirty="0"/>
+          </a:p>
+        </p:txBody>
+      </p:sp>
+    </p:spTree>
+    <p:extLst>
+      <p:ext uri="{BB962C8B-B14F-4D97-AF65-F5344CB8AC3E}">
+        <p14:creationId xmlns:p14="http://schemas.microsoft.com/office/powerpoint/2010/main" val="2446085386"/>
+      </p:ext>
+    </p:extLst>
+  </p:cSld>
+  <p:clrMapOvr>
+    <a:masterClrMapping/>
+  </p:clrMapOvr>
+</p:sld>
+</file>
+
+<file path=ppt/slides/slide13.xml><?xml version="1.0" encoding="utf-8"?>
+<p:sld xmlns:a="http://schemas.openxmlformats.org/drawingml/2006/main" xmlns:r="http://schemas.openxmlformats.org/officeDocument/2006/relationships" xmlns:p="http://schemas.openxmlformats.org/presentationml/2006/main">
+  <p:cSld>
+    <p:spTree>
+      <p:nvGrpSpPr>
+        <p:cNvPr id="1" name="">
+          <a:extLst>
+            <a:ext uri="{FF2B5EF4-FFF2-40B4-BE49-F238E27FC236}">
+              <a16:creationId xmlns:a16="http://schemas.microsoft.com/office/drawing/2014/main" id="{EB717918-DC2F-7381-02DA-48579A74097A}"/>
+            </a:ext>
+          </a:extLst>
+        </p:cNvPr>
+        <p:cNvGrpSpPr/>
+        <p:nvPr/>
+      </p:nvGrpSpPr>
+      <p:grpSpPr>
+        <a:xfrm>
+          <a:off x="0" y="0"/>
+          <a:ext cx="0" cy="0"/>
+          <a:chOff x="0" y="0"/>
+          <a:chExt cx="0" cy="0"/>
+        </a:xfrm>
+      </p:grpSpPr>
+      <p:sp>
+        <p:nvSpPr>
+          <p:cNvPr id="2" name="Segnaposto piè di pagina 1">
+            <a:extLst>
+              <a:ext uri="{FF2B5EF4-FFF2-40B4-BE49-F238E27FC236}">
+                <a16:creationId xmlns:a16="http://schemas.microsoft.com/office/drawing/2014/main" id="{A2F2A977-CD34-CE13-9196-93DE16E828CC}"/>
+              </a:ext>
+            </a:extLst>
+          </p:cNvPr>
+          <p:cNvSpPr>
+            <a:spLocks noGrp="1"/>
+          </p:cNvSpPr>
+          <p:nvPr>
+            <p:ph type="ftr" sz="quarter" idx="3"/>
+          </p:nvPr>
+        </p:nvSpPr>
+        <p:spPr/>
+        <p:txBody>
+          <a:bodyPr/>
+          <a:lstStyle/>
+          <a:p>
+            <a:r>
+              <a:rPr lang="en-US" noProof="0" dirty="0"/>
+              <a:t>Reference</a:t>
+            </a:r>
+          </a:p>
+        </p:txBody>
+      </p:sp>
+      <p:sp>
+        <p:nvSpPr>
+          <p:cNvPr id="3" name="Segnaposto numero diapositiva 2">
+            <a:extLst>
+              <a:ext uri="{FF2B5EF4-FFF2-40B4-BE49-F238E27FC236}">
+                <a16:creationId xmlns:a16="http://schemas.microsoft.com/office/drawing/2014/main" id="{58A8E2DA-E39C-DCF8-FAE0-BF93E5DC3388}"/>
+              </a:ext>
+            </a:extLst>
+          </p:cNvPr>
+          <p:cNvSpPr>
+            <a:spLocks noGrp="1"/>
+          </p:cNvSpPr>
+          <p:nvPr>
+            <p:ph type="sldNum" sz="quarter" idx="4"/>
+          </p:nvPr>
+        </p:nvSpPr>
+        <p:spPr/>
+        <p:txBody>
+          <a:bodyPr/>
+          <a:lstStyle/>
+          <a:p>
+            <a:fld id="{500E0521-425D-DD45-BED6-A99962E298FC}" type="slidenum">
+              <a:rPr lang="en-US" noProof="0" smtClean="0"/>
+              <a:pPr/>
+              <a:t>13</a:t>
+            </a:fld>
+            <a:endParaRPr lang="en-US" noProof="0" dirty="0"/>
+          </a:p>
+        </p:txBody>
+      </p:sp>
+      <p:sp>
+        <p:nvSpPr>
+          <p:cNvPr id="4" name="Titolo 3">
+            <a:extLst>
+              <a:ext uri="{FF2B5EF4-FFF2-40B4-BE49-F238E27FC236}">
+                <a16:creationId xmlns:a16="http://schemas.microsoft.com/office/drawing/2014/main" id="{C8FD3ED3-72D7-855F-ED41-DB4BE52002EF}"/>
+              </a:ext>
+            </a:extLst>
+          </p:cNvPr>
+          <p:cNvSpPr>
+            <a:spLocks noGrp="1"/>
+          </p:cNvSpPr>
+          <p:nvPr>
+            <p:ph type="title"/>
+          </p:nvPr>
+        </p:nvSpPr>
+        <p:spPr/>
+        <p:txBody>
+          <a:bodyPr/>
+          <a:lstStyle/>
+          <a:p>
+            <a:r>
+              <a:rPr lang="en-US" dirty="0"/>
+              <a:t>Questions format</a:t>
+            </a:r>
+            <a:endParaRPr lang="en-US" noProof="0" dirty="0"/>
+          </a:p>
+        </p:txBody>
+      </p:sp>
+      <p:sp>
+        <p:nvSpPr>
+          <p:cNvPr id="8" name="Segnaposto contenuto 6">
+            <a:extLst>
+              <a:ext uri="{FF2B5EF4-FFF2-40B4-BE49-F238E27FC236}">
+                <a16:creationId xmlns:a16="http://schemas.microsoft.com/office/drawing/2014/main" id="{E637C6E6-16E7-F4F2-AA9C-A53BB5429E7E}"/>
+              </a:ext>
+            </a:extLst>
+          </p:cNvPr>
+          <p:cNvSpPr>
+            <a:spLocks noGrp="1"/>
+          </p:cNvSpPr>
+          <p:nvPr>
+            <p:ph idx="26"/>
+          </p:nvPr>
+        </p:nvSpPr>
+        <p:spPr>
+          <a:xfrm>
+            <a:off x="257969" y="1084900"/>
+            <a:ext cx="6933406" cy="3414648"/>
+          </a:xfrm>
+        </p:spPr>
+        <p:txBody>
+          <a:bodyPr>
+            <a:normAutofit/>
+          </a:bodyPr>
+          <a:lstStyle/>
+          <a:p>
+            <a:pPr>
+              <a:buNone/>
+            </a:pPr>
+            <a:r>
+              <a:rPr lang="en-US" b="1" noProof="0" dirty="0"/>
+              <a:t>D</a:t>
+            </a:r>
+          </a:p>
+          <a:p>
+            <a:pPr>
+              <a:buFont typeface="Arial" panose="020B0604020202020204" pitchFamily="34" charset="0"/>
+              <a:buChar char="•"/>
+            </a:pPr>
+            <a:r>
+              <a:rPr lang="en-US" noProof="0" dirty="0"/>
+              <a:t>An</a:t>
+            </a:r>
+          </a:p>
+          <a:p>
+            <a:pPr marL="0" indent="0">
+              <a:buNone/>
+            </a:pPr>
+            <a:endParaRPr lang="en-US" b="1" noProof="0" dirty="0"/>
+          </a:p>
+        </p:txBody>
+      </p:sp>
+    </p:spTree>
+    <p:extLst>
+      <p:ext uri="{BB962C8B-B14F-4D97-AF65-F5344CB8AC3E}">
+        <p14:creationId xmlns:p14="http://schemas.microsoft.com/office/powerpoint/2010/main" val="347965252"/>
+      </p:ext>
+    </p:extLst>
+  </p:cSld>
+  <p:clrMapOvr>
+    <a:masterClrMapping/>
+  </p:clrMapOvr>
+</p:sld>
+</file>
+
+<file path=ppt/slides/slide14.xml><?xml version="1.0" encoding="utf-8"?>
+<p:sld xmlns:a="http://schemas.openxmlformats.org/drawingml/2006/main" xmlns:r="http://schemas.openxmlformats.org/officeDocument/2006/relationships" xmlns:p="http://schemas.openxmlformats.org/presentationml/2006/main">
+  <p:cSld>
+    <p:spTree>
+      <p:nvGrpSpPr>
+        <p:cNvPr id="1" name="">
+          <a:extLst>
+            <a:ext uri="{FF2B5EF4-FFF2-40B4-BE49-F238E27FC236}">
+              <a16:creationId xmlns:a16="http://schemas.microsoft.com/office/drawing/2014/main" id="{2C671426-97C8-F34B-EC87-71532171BE0D}"/>
+            </a:ext>
+          </a:extLst>
+        </p:cNvPr>
+        <p:cNvGrpSpPr/>
+        <p:nvPr/>
+      </p:nvGrpSpPr>
+      <p:grpSpPr>
+        <a:xfrm>
+          <a:off x="0" y="0"/>
+          <a:ext cx="0" cy="0"/>
+          <a:chOff x="0" y="0"/>
+          <a:chExt cx="0" cy="0"/>
+        </a:xfrm>
+      </p:grpSpPr>
+      <p:sp>
+        <p:nvSpPr>
+          <p:cNvPr id="2" name="Segnaposto piè di pagina 1">
+            <a:extLst>
+              <a:ext uri="{FF2B5EF4-FFF2-40B4-BE49-F238E27FC236}">
+                <a16:creationId xmlns:a16="http://schemas.microsoft.com/office/drawing/2014/main" id="{A5794A61-0449-715C-9E9E-BD21064FC016}"/>
+              </a:ext>
+            </a:extLst>
+          </p:cNvPr>
+          <p:cNvSpPr>
+            <a:spLocks noGrp="1"/>
+          </p:cNvSpPr>
+          <p:nvPr>
+            <p:ph type="ftr" sz="quarter" idx="3"/>
+          </p:nvPr>
+        </p:nvSpPr>
+        <p:spPr/>
+        <p:txBody>
+          <a:bodyPr/>
+          <a:lstStyle/>
+          <a:p>
+            <a:r>
+              <a:rPr lang="en-US" noProof="0" dirty="0"/>
+              <a:t>Reference</a:t>
+            </a:r>
+          </a:p>
+        </p:txBody>
+      </p:sp>
+      <p:sp>
+        <p:nvSpPr>
+          <p:cNvPr id="3" name="Segnaposto numero diapositiva 2">
+            <a:extLst>
+              <a:ext uri="{FF2B5EF4-FFF2-40B4-BE49-F238E27FC236}">
+                <a16:creationId xmlns:a16="http://schemas.microsoft.com/office/drawing/2014/main" id="{1BF2E0A2-B711-B772-48A0-725C497C1E25}"/>
+              </a:ext>
+            </a:extLst>
+          </p:cNvPr>
+          <p:cNvSpPr>
+            <a:spLocks noGrp="1"/>
+          </p:cNvSpPr>
+          <p:nvPr>
+            <p:ph type="sldNum" sz="quarter" idx="4"/>
+          </p:nvPr>
+        </p:nvSpPr>
+        <p:spPr/>
+        <p:txBody>
+          <a:bodyPr/>
+          <a:lstStyle/>
+          <a:p>
+            <a:fld id="{500E0521-425D-DD45-BED6-A99962E298FC}" type="slidenum">
+              <a:rPr lang="en-US" noProof="0" smtClean="0"/>
+              <a:pPr/>
+              <a:t>14</a:t>
+            </a:fld>
+            <a:endParaRPr lang="en-US" noProof="0" dirty="0"/>
+          </a:p>
+        </p:txBody>
+      </p:sp>
+      <p:sp>
+        <p:nvSpPr>
+          <p:cNvPr id="4" name="Titolo 3">
+            <a:extLst>
+              <a:ext uri="{FF2B5EF4-FFF2-40B4-BE49-F238E27FC236}">
+                <a16:creationId xmlns:a16="http://schemas.microsoft.com/office/drawing/2014/main" id="{E7F678B7-BB41-09D2-5BE9-AD8A0FA54050}"/>
+              </a:ext>
+            </a:extLst>
+          </p:cNvPr>
+          <p:cNvSpPr>
+            <a:spLocks noGrp="1"/>
+          </p:cNvSpPr>
+          <p:nvPr>
+            <p:ph type="title"/>
+          </p:nvPr>
+        </p:nvSpPr>
+        <p:spPr/>
+        <p:txBody>
+          <a:bodyPr/>
+          <a:lstStyle/>
+          <a:p>
+            <a:r>
+              <a:rPr lang="en-US" dirty="0"/>
+              <a:t>Questions dataset </a:t>
+            </a:r>
+            <a:r>
+              <a:rPr lang="en-US"/>
+              <a:t>, accuracy</a:t>
+            </a:r>
+            <a:endParaRPr lang="en-US" noProof="0" dirty="0"/>
+          </a:p>
+        </p:txBody>
+      </p:sp>
+      <p:sp>
+        <p:nvSpPr>
+          <p:cNvPr id="8" name="Segnaposto contenuto 6">
+            <a:extLst>
+              <a:ext uri="{FF2B5EF4-FFF2-40B4-BE49-F238E27FC236}">
+                <a16:creationId xmlns:a16="http://schemas.microsoft.com/office/drawing/2014/main" id="{7A9488E1-B7EF-13E9-E1D1-A6511225688C}"/>
+              </a:ext>
+            </a:extLst>
+          </p:cNvPr>
+          <p:cNvSpPr>
+            <a:spLocks noGrp="1"/>
+          </p:cNvSpPr>
+          <p:nvPr>
+            <p:ph idx="26"/>
+          </p:nvPr>
+        </p:nvSpPr>
+        <p:spPr>
+          <a:xfrm>
+            <a:off x="257969" y="1084900"/>
+            <a:ext cx="6933406" cy="3414648"/>
+          </a:xfrm>
+        </p:spPr>
+        <p:txBody>
+          <a:bodyPr>
+            <a:normAutofit/>
+          </a:bodyPr>
+          <a:lstStyle/>
+          <a:p>
+            <a:pPr>
+              <a:buNone/>
+            </a:pPr>
+            <a:r>
+              <a:rPr lang="en-US" b="1" noProof="0" dirty="0"/>
+              <a:t>D</a:t>
+            </a:r>
+          </a:p>
+          <a:p>
+            <a:pPr>
+              <a:buFont typeface="Arial" panose="020B0604020202020204" pitchFamily="34" charset="0"/>
+              <a:buChar char="•"/>
+            </a:pPr>
+            <a:r>
+              <a:rPr lang="en-US" noProof="0" dirty="0"/>
+              <a:t>An</a:t>
+            </a:r>
+          </a:p>
+          <a:p>
+            <a:pPr marL="0" indent="0">
+              <a:buNone/>
+            </a:pPr>
+            <a:endParaRPr lang="en-US" b="1" noProof="0" dirty="0"/>
+          </a:p>
+        </p:txBody>
+      </p:sp>
+    </p:spTree>
+    <p:extLst>
+      <p:ext uri="{BB962C8B-B14F-4D97-AF65-F5344CB8AC3E}">
+        <p14:creationId xmlns:p14="http://schemas.microsoft.com/office/powerpoint/2010/main" val="1665598004"/>
+      </p:ext>
+    </p:extLst>
+  </p:cSld>
+  <p:clrMapOvr>
+    <a:masterClrMapping/>
+  </p:clrMapOvr>
+</p:sld>
+</file>
+
+<file path=ppt/slides/slide15.xml><?xml version="1.0" encoding="utf-8"?>
+<p:sld xmlns:a="http://schemas.openxmlformats.org/drawingml/2006/main" xmlns:r="http://schemas.openxmlformats.org/officeDocument/2006/relationships" xmlns:p="http://schemas.openxmlformats.org/presentationml/2006/main">
+  <p:cSld>
+    <p:spTree>
+      <p:nvGrpSpPr>
+        <p:cNvPr id="1" name="">
+          <a:extLst>
+            <a:ext uri="{FF2B5EF4-FFF2-40B4-BE49-F238E27FC236}">
+              <a16:creationId xmlns:a16="http://schemas.microsoft.com/office/drawing/2014/main" id="{7BCAF48F-3ABE-97D0-727C-B9FC542AFC57}"/>
+            </a:ext>
+          </a:extLst>
+        </p:cNvPr>
+        <p:cNvGrpSpPr/>
+        <p:nvPr/>
+      </p:nvGrpSpPr>
+      <p:grpSpPr>
+        <a:xfrm>
+          <a:off x="0" y="0"/>
+          <a:ext cx="0" cy="0"/>
+          <a:chOff x="0" y="0"/>
+          <a:chExt cx="0" cy="0"/>
+        </a:xfrm>
+      </p:grpSpPr>
+      <p:sp>
+        <p:nvSpPr>
+          <p:cNvPr id="2" name="Segnaposto piè di pagina 1">
+            <a:extLst>
+              <a:ext uri="{FF2B5EF4-FFF2-40B4-BE49-F238E27FC236}">
+                <a16:creationId xmlns:a16="http://schemas.microsoft.com/office/drawing/2014/main" id="{13658BC1-C4E3-A9C7-FD8E-7626A6CB0FAA}"/>
+              </a:ext>
+            </a:extLst>
+          </p:cNvPr>
+          <p:cNvSpPr>
+            <a:spLocks noGrp="1"/>
+          </p:cNvSpPr>
+          <p:nvPr>
+            <p:ph type="ftr" sz="quarter" idx="3"/>
+          </p:nvPr>
+        </p:nvSpPr>
+        <p:spPr/>
+        <p:txBody>
+          <a:bodyPr/>
+          <a:lstStyle/>
+          <a:p>
+            <a:r>
+              <a:rPr lang="en-US" noProof="0" dirty="0"/>
+              <a:t>Reference</a:t>
+            </a:r>
+          </a:p>
+        </p:txBody>
+      </p:sp>
+      <p:sp>
+        <p:nvSpPr>
+          <p:cNvPr id="3" name="Segnaposto numero diapositiva 2">
+            <a:extLst>
+              <a:ext uri="{FF2B5EF4-FFF2-40B4-BE49-F238E27FC236}">
+                <a16:creationId xmlns:a16="http://schemas.microsoft.com/office/drawing/2014/main" id="{E6C951CD-76DB-3B0B-813F-CEA2FC8F60FD}"/>
+              </a:ext>
+            </a:extLst>
+          </p:cNvPr>
+          <p:cNvSpPr>
+            <a:spLocks noGrp="1"/>
+          </p:cNvSpPr>
+          <p:nvPr>
+            <p:ph type="sldNum" sz="quarter" idx="4"/>
+          </p:nvPr>
+        </p:nvSpPr>
+        <p:spPr/>
+        <p:txBody>
+          <a:bodyPr/>
+          <a:lstStyle/>
+          <a:p>
+            <a:fld id="{500E0521-425D-DD45-BED6-A99962E298FC}" type="slidenum">
+              <a:rPr lang="en-US" noProof="0" smtClean="0"/>
+              <a:pPr/>
+              <a:t>15</a:t>
+            </a:fld>
+            <a:endParaRPr lang="en-US" noProof="0" dirty="0"/>
+          </a:p>
+        </p:txBody>
+      </p:sp>
+      <p:sp>
+        <p:nvSpPr>
+          <p:cNvPr id="4" name="Titolo 3">
+            <a:extLst>
+              <a:ext uri="{FF2B5EF4-FFF2-40B4-BE49-F238E27FC236}">
+                <a16:creationId xmlns:a16="http://schemas.microsoft.com/office/drawing/2014/main" id="{F259793B-09BD-FD91-17C1-17039EC8E8B8}"/>
+              </a:ext>
+            </a:extLst>
+          </p:cNvPr>
+          <p:cNvSpPr>
+            <a:spLocks noGrp="1"/>
+          </p:cNvSpPr>
+          <p:nvPr>
+            <p:ph type="title"/>
+          </p:nvPr>
+        </p:nvSpPr>
+        <p:spPr/>
+        <p:txBody>
+          <a:bodyPr/>
+          <a:lstStyle/>
+          <a:p>
+            <a:r>
+              <a:rPr lang="en-US" noProof="0" dirty="0"/>
+              <a:t>Llama results</a:t>
+            </a:r>
+          </a:p>
+        </p:txBody>
+      </p:sp>
+      <p:sp>
+        <p:nvSpPr>
+          <p:cNvPr id="8" name="Segnaposto contenuto 6">
+            <a:extLst>
+              <a:ext uri="{FF2B5EF4-FFF2-40B4-BE49-F238E27FC236}">
+                <a16:creationId xmlns:a16="http://schemas.microsoft.com/office/drawing/2014/main" id="{DA477928-CB0C-151B-FBEA-AADB27BF4582}"/>
+              </a:ext>
+            </a:extLst>
+          </p:cNvPr>
+          <p:cNvSpPr>
+            <a:spLocks noGrp="1"/>
+          </p:cNvSpPr>
+          <p:nvPr>
+            <p:ph idx="26"/>
+          </p:nvPr>
+        </p:nvSpPr>
+        <p:spPr>
+          <a:xfrm>
+            <a:off x="257969" y="1084900"/>
+            <a:ext cx="6933406" cy="3414648"/>
+          </a:xfrm>
+        </p:spPr>
+        <p:txBody>
+          <a:bodyPr>
+            <a:normAutofit/>
+          </a:bodyPr>
+          <a:lstStyle/>
+          <a:p>
+            <a:pPr>
+              <a:buNone/>
+            </a:pPr>
+            <a:r>
+              <a:rPr lang="en-US" b="1" noProof="0" dirty="0"/>
+              <a:t>D</a:t>
+            </a:r>
+          </a:p>
+          <a:p>
+            <a:pPr>
+              <a:buFont typeface="Arial" panose="020B0604020202020204" pitchFamily="34" charset="0"/>
+              <a:buChar char="•"/>
+            </a:pPr>
+            <a:r>
+              <a:rPr lang="en-US" noProof="0" dirty="0"/>
+              <a:t>An</a:t>
+            </a:r>
+          </a:p>
+          <a:p>
+            <a:pPr marL="0" indent="0">
+              <a:buNone/>
+            </a:pPr>
+            <a:endParaRPr lang="en-US" b="1" noProof="0" dirty="0"/>
+          </a:p>
+        </p:txBody>
+      </p:sp>
+    </p:spTree>
+    <p:extLst>
+      <p:ext uri="{BB962C8B-B14F-4D97-AF65-F5344CB8AC3E}">
+        <p14:creationId xmlns:p14="http://schemas.microsoft.com/office/powerpoint/2010/main" val="1479458209"/>
+      </p:ext>
+    </p:extLst>
+  </p:cSld>
+  <p:clrMapOvr>
+    <a:masterClrMapping/>
+  </p:clrMapOvr>
+</p:sld>
+</file>
+
+<file path=ppt/slides/slide16.xml><?xml version="1.0" encoding="utf-8"?>
+<p:sld xmlns:a="http://schemas.openxmlformats.org/drawingml/2006/main" xmlns:r="http://schemas.openxmlformats.org/officeDocument/2006/relationships" xmlns:p="http://schemas.openxmlformats.org/presentationml/2006/main">
+  <p:cSld>
+    <p:spTree>
+      <p:nvGrpSpPr>
+        <p:cNvPr id="1" name="">
+          <a:extLst>
+            <a:ext uri="{FF2B5EF4-FFF2-40B4-BE49-F238E27FC236}">
+              <a16:creationId xmlns:a16="http://schemas.microsoft.com/office/drawing/2014/main" id="{CEBD5503-F74F-0ED7-333A-240F9100F19A}"/>
+            </a:ext>
+          </a:extLst>
+        </p:cNvPr>
+        <p:cNvGrpSpPr/>
+        <p:nvPr/>
+      </p:nvGrpSpPr>
+      <p:grpSpPr>
+        <a:xfrm>
+          <a:off x="0" y="0"/>
+          <a:ext cx="0" cy="0"/>
+          <a:chOff x="0" y="0"/>
+          <a:chExt cx="0" cy="0"/>
+        </a:xfrm>
+      </p:grpSpPr>
+      <p:sp>
+        <p:nvSpPr>
+          <p:cNvPr id="2" name="Segnaposto piè di pagina 1">
+            <a:extLst>
+              <a:ext uri="{FF2B5EF4-FFF2-40B4-BE49-F238E27FC236}">
+                <a16:creationId xmlns:a16="http://schemas.microsoft.com/office/drawing/2014/main" id="{926A74D5-6E9D-957D-2EBB-B798AAB7F416}"/>
+              </a:ext>
+            </a:extLst>
+          </p:cNvPr>
+          <p:cNvSpPr>
+            <a:spLocks noGrp="1"/>
+          </p:cNvSpPr>
+          <p:nvPr>
+            <p:ph type="ftr" sz="quarter" idx="3"/>
+          </p:nvPr>
+        </p:nvSpPr>
+        <p:spPr/>
+        <p:txBody>
+          <a:bodyPr/>
+          <a:lstStyle/>
+          <a:p>
+            <a:r>
+              <a:rPr lang="en-US" noProof="0" dirty="0"/>
+              <a:t>Reference</a:t>
+            </a:r>
+          </a:p>
+        </p:txBody>
+      </p:sp>
+      <p:sp>
+        <p:nvSpPr>
+          <p:cNvPr id="3" name="Segnaposto numero diapositiva 2">
+            <a:extLst>
+              <a:ext uri="{FF2B5EF4-FFF2-40B4-BE49-F238E27FC236}">
+                <a16:creationId xmlns:a16="http://schemas.microsoft.com/office/drawing/2014/main" id="{6A96820B-6DBC-C18D-A33B-8CC33C2CC9A3}"/>
+              </a:ext>
+            </a:extLst>
+          </p:cNvPr>
+          <p:cNvSpPr>
+            <a:spLocks noGrp="1"/>
+          </p:cNvSpPr>
+          <p:nvPr>
+            <p:ph type="sldNum" sz="quarter" idx="4"/>
+          </p:nvPr>
+        </p:nvSpPr>
+        <p:spPr/>
+        <p:txBody>
+          <a:bodyPr/>
+          <a:lstStyle/>
+          <a:p>
+            <a:fld id="{500E0521-425D-DD45-BED6-A99962E298FC}" type="slidenum">
+              <a:rPr lang="en-US" noProof="0" smtClean="0"/>
+              <a:pPr/>
+              <a:t>16</a:t>
+            </a:fld>
+            <a:endParaRPr lang="en-US" noProof="0" dirty="0"/>
+          </a:p>
+        </p:txBody>
+      </p:sp>
+      <p:sp>
+        <p:nvSpPr>
+          <p:cNvPr id="4" name="Titolo 3">
+            <a:extLst>
+              <a:ext uri="{FF2B5EF4-FFF2-40B4-BE49-F238E27FC236}">
+                <a16:creationId xmlns:a16="http://schemas.microsoft.com/office/drawing/2014/main" id="{98D63231-4D42-32C5-60E8-70AEF2344481}"/>
+              </a:ext>
+            </a:extLst>
+          </p:cNvPr>
+          <p:cNvSpPr>
+            <a:spLocks noGrp="1"/>
+          </p:cNvSpPr>
+          <p:nvPr>
+            <p:ph type="title"/>
+          </p:nvPr>
+        </p:nvSpPr>
+        <p:spPr/>
+        <p:txBody>
+          <a:bodyPr/>
+          <a:lstStyle/>
+          <a:p>
+            <a:r>
+              <a:rPr lang="en-US" dirty="0"/>
+              <a:t>Phi results</a:t>
+            </a:r>
+            <a:endParaRPr lang="en-US" noProof="0" dirty="0"/>
+          </a:p>
+        </p:txBody>
+      </p:sp>
+      <p:sp>
+        <p:nvSpPr>
+          <p:cNvPr id="8" name="Segnaposto contenuto 6">
+            <a:extLst>
+              <a:ext uri="{FF2B5EF4-FFF2-40B4-BE49-F238E27FC236}">
+                <a16:creationId xmlns:a16="http://schemas.microsoft.com/office/drawing/2014/main" id="{AD229AFC-DA23-4223-8792-93330286B39C}"/>
+              </a:ext>
+            </a:extLst>
+          </p:cNvPr>
+          <p:cNvSpPr>
+            <a:spLocks noGrp="1"/>
+          </p:cNvSpPr>
+          <p:nvPr>
+            <p:ph idx="26"/>
+          </p:nvPr>
+        </p:nvSpPr>
+        <p:spPr>
+          <a:xfrm>
+            <a:off x="257969" y="1084900"/>
+            <a:ext cx="6933406" cy="3414648"/>
+          </a:xfrm>
+        </p:spPr>
+        <p:txBody>
+          <a:bodyPr>
+            <a:normAutofit/>
+          </a:bodyPr>
+          <a:lstStyle/>
+          <a:p>
+            <a:pPr>
+              <a:buNone/>
+            </a:pPr>
+            <a:r>
+              <a:rPr lang="en-US" b="1" noProof="0" dirty="0"/>
+              <a:t>D</a:t>
+            </a:r>
+          </a:p>
+          <a:p>
+            <a:pPr>
+              <a:buFont typeface="Arial" panose="020B0604020202020204" pitchFamily="34" charset="0"/>
+              <a:buChar char="•"/>
+            </a:pPr>
+            <a:r>
+              <a:rPr lang="en-US" noProof="0" dirty="0"/>
+              <a:t>An</a:t>
+            </a:r>
+          </a:p>
+          <a:p>
+            <a:pPr marL="0" indent="0">
+              <a:buNone/>
+            </a:pPr>
+            <a:endParaRPr lang="en-US" b="1" noProof="0" dirty="0"/>
+          </a:p>
+        </p:txBody>
+      </p:sp>
+    </p:spTree>
+    <p:extLst>
+      <p:ext uri="{BB962C8B-B14F-4D97-AF65-F5344CB8AC3E}">
+        <p14:creationId xmlns:p14="http://schemas.microsoft.com/office/powerpoint/2010/main" val="1438331752"/>
+      </p:ext>
+    </p:extLst>
+  </p:cSld>
+  <p:clrMapOvr>
+    <a:masterClrMapping/>
+  </p:clrMapOvr>
+</p:sld>
+</file>
+
+<file path=ppt/slides/slide17.xml><?xml version="1.0" encoding="utf-8"?>
+<p:sld xmlns:a="http://schemas.openxmlformats.org/drawingml/2006/main" xmlns:r="http://schemas.openxmlformats.org/officeDocument/2006/relationships" xmlns:p="http://schemas.openxmlformats.org/presentationml/2006/main">
+  <p:cSld>
+    <p:spTree>
+      <p:nvGrpSpPr>
+        <p:cNvPr id="1" name="">
+          <a:extLst>
+            <a:ext uri="{FF2B5EF4-FFF2-40B4-BE49-F238E27FC236}">
+              <a16:creationId xmlns:a16="http://schemas.microsoft.com/office/drawing/2014/main" id="{DC0B144D-BD54-5B0B-911C-7EBA6186B88E}"/>
+            </a:ext>
+          </a:extLst>
+        </p:cNvPr>
+        <p:cNvGrpSpPr/>
+        <p:nvPr/>
+      </p:nvGrpSpPr>
+      <p:grpSpPr>
+        <a:xfrm>
+          <a:off x="0" y="0"/>
+          <a:ext cx="0" cy="0"/>
+          <a:chOff x="0" y="0"/>
+          <a:chExt cx="0" cy="0"/>
+        </a:xfrm>
+      </p:grpSpPr>
+      <p:sp>
+        <p:nvSpPr>
+          <p:cNvPr id="2" name="Segnaposto piè di pagina 1">
+            <a:extLst>
+              <a:ext uri="{FF2B5EF4-FFF2-40B4-BE49-F238E27FC236}">
+                <a16:creationId xmlns:a16="http://schemas.microsoft.com/office/drawing/2014/main" id="{1FF22F60-3441-1940-5839-5170F93F8303}"/>
+              </a:ext>
+            </a:extLst>
+          </p:cNvPr>
+          <p:cNvSpPr>
+            <a:spLocks noGrp="1"/>
+          </p:cNvSpPr>
+          <p:nvPr>
+            <p:ph type="ftr" sz="quarter" idx="3"/>
+          </p:nvPr>
+        </p:nvSpPr>
+        <p:spPr/>
+        <p:txBody>
+          <a:bodyPr/>
+          <a:lstStyle/>
+          <a:p>
+            <a:r>
+              <a:rPr lang="en-US" noProof="0" dirty="0"/>
+              <a:t>Reference</a:t>
+            </a:r>
+          </a:p>
+        </p:txBody>
+      </p:sp>
+      <p:sp>
+        <p:nvSpPr>
+          <p:cNvPr id="3" name="Segnaposto numero diapositiva 2">
+            <a:extLst>
+              <a:ext uri="{FF2B5EF4-FFF2-40B4-BE49-F238E27FC236}">
+                <a16:creationId xmlns:a16="http://schemas.microsoft.com/office/drawing/2014/main" id="{1E69E552-CA57-BDEE-67C7-B7C4F7BFB70C}"/>
+              </a:ext>
+            </a:extLst>
+          </p:cNvPr>
+          <p:cNvSpPr>
+            <a:spLocks noGrp="1"/>
+          </p:cNvSpPr>
+          <p:nvPr>
+            <p:ph type="sldNum" sz="quarter" idx="4"/>
+          </p:nvPr>
+        </p:nvSpPr>
+        <p:spPr/>
+        <p:txBody>
+          <a:bodyPr/>
+          <a:lstStyle/>
+          <a:p>
+            <a:fld id="{500E0521-425D-DD45-BED6-A99962E298FC}" type="slidenum">
+              <a:rPr lang="en-US" noProof="0" smtClean="0"/>
+              <a:pPr/>
+              <a:t>17</a:t>
+            </a:fld>
+            <a:endParaRPr lang="en-US" noProof="0" dirty="0"/>
+          </a:p>
+        </p:txBody>
+      </p:sp>
+      <p:sp>
+        <p:nvSpPr>
+          <p:cNvPr id="4" name="Titolo 3">
+            <a:extLst>
+              <a:ext uri="{FF2B5EF4-FFF2-40B4-BE49-F238E27FC236}">
+                <a16:creationId xmlns:a16="http://schemas.microsoft.com/office/drawing/2014/main" id="{9F433257-5C87-A04E-12CE-AC35AC56653D}"/>
+              </a:ext>
+            </a:extLst>
+          </p:cNvPr>
+          <p:cNvSpPr>
+            <a:spLocks noGrp="1"/>
+          </p:cNvSpPr>
+          <p:nvPr>
+            <p:ph type="title"/>
+          </p:nvPr>
+        </p:nvSpPr>
+        <p:spPr/>
+        <p:txBody>
+          <a:bodyPr>
+            <a:normAutofit/>
+          </a:bodyPr>
+          <a:lstStyle/>
+          <a:p>
+            <a:r>
+              <a:rPr lang="en-US" noProof="0" dirty="0"/>
+              <a:t>Demo System </a:t>
+            </a:r>
+          </a:p>
+        </p:txBody>
+      </p:sp>
+      <p:grpSp>
+        <p:nvGrpSpPr>
+          <p:cNvPr id="11" name="Gruppo 10">
+            <a:extLst>
+              <a:ext uri="{FF2B5EF4-FFF2-40B4-BE49-F238E27FC236}">
+                <a16:creationId xmlns:a16="http://schemas.microsoft.com/office/drawing/2014/main" id="{028DC0B0-62A2-9879-D0AF-486F4E626D18}"/>
+              </a:ext>
+            </a:extLst>
+          </p:cNvPr>
+          <p:cNvGrpSpPr/>
+          <p:nvPr/>
+        </p:nvGrpSpPr>
+        <p:grpSpPr>
+          <a:xfrm>
+            <a:off x="1518836" y="1138118"/>
+            <a:ext cx="945355" cy="504886"/>
+            <a:chOff x="746149" y="1111909"/>
+            <a:chExt cx="1141173" cy="648288"/>
+          </a:xfrm>
+        </p:grpSpPr>
+        <p:sp>
+          <p:nvSpPr>
+            <p:cNvPr id="8" name="Rettangolo 7">
+              <a:extLst>
+                <a:ext uri="{FF2B5EF4-FFF2-40B4-BE49-F238E27FC236}">
+                  <a16:creationId xmlns:a16="http://schemas.microsoft.com/office/drawing/2014/main" id="{8201C3A5-1605-A50D-682C-02D84BB24A2E}"/>
+                </a:ext>
+              </a:extLst>
+            </p:cNvPr>
+            <p:cNvSpPr/>
+            <p:nvPr/>
+          </p:nvSpPr>
+          <p:spPr>
+            <a:xfrm>
+              <a:off x="746150" y="1111909"/>
+              <a:ext cx="1141172" cy="648288"/>
+            </a:xfrm>
+            <a:prstGeom prst="rect">
+              <a:avLst/>
+            </a:prstGeom>
+          </p:spPr>
+          <p:style>
+            <a:lnRef idx="2">
+              <a:schemeClr val="accent2"/>
+            </a:lnRef>
+            <a:fillRef idx="1">
+              <a:schemeClr val="lt1"/>
+            </a:fillRef>
+            <a:effectRef idx="0">
+              <a:schemeClr val="accent2"/>
+            </a:effectRef>
+            <a:fontRef idx="minor">
+              <a:schemeClr val="dk1"/>
+            </a:fontRef>
+          </p:style>
+          <p:txBody>
+            <a:bodyPr rtlCol="0" anchor="ctr"/>
+            <a:lstStyle/>
+            <a:p>
+              <a:pPr algn="ctr"/>
+              <a:r>
+                <a:rPr lang="en-US" noProof="0" dirty="0"/>
+                <a:t>Console 1</a:t>
+              </a:r>
+            </a:p>
+          </p:txBody>
+        </p:sp>
+        <p:sp>
+          <p:nvSpPr>
+            <p:cNvPr id="9" name="Rettangolo 8">
+              <a:extLst>
+                <a:ext uri="{FF2B5EF4-FFF2-40B4-BE49-F238E27FC236}">
+                  <a16:creationId xmlns:a16="http://schemas.microsoft.com/office/drawing/2014/main" id="{9326B9D0-D571-C346-4DB0-23C13760D75D}"/>
+                </a:ext>
+              </a:extLst>
+            </p:cNvPr>
+            <p:cNvSpPr/>
+            <p:nvPr/>
+          </p:nvSpPr>
+          <p:spPr>
+            <a:xfrm>
+              <a:off x="746149" y="1590162"/>
+              <a:ext cx="584563" cy="170035"/>
+            </a:xfrm>
+            <a:prstGeom prst="rect">
+              <a:avLst/>
+            </a:prstGeom>
+          </p:spPr>
+          <p:style>
+            <a:lnRef idx="2">
+              <a:schemeClr val="accent1">
+                <a:shade val="15000"/>
+              </a:schemeClr>
+            </a:lnRef>
+            <a:fillRef idx="1">
+              <a:schemeClr val="accent1"/>
+            </a:fillRef>
+            <a:effectRef idx="0">
+              <a:schemeClr val="accent1"/>
+            </a:effectRef>
+            <a:fontRef idx="minor">
+              <a:schemeClr val="lt1"/>
+            </a:fontRef>
+          </p:style>
+          <p:txBody>
+            <a:bodyPr rtlCol="0" anchor="ctr"/>
+            <a:lstStyle/>
+            <a:p>
+              <a:pPr algn="ctr"/>
+              <a:r>
+                <a:rPr lang="en-US" sz="700" noProof="0" dirty="0"/>
+                <a:t>eth0</a:t>
+              </a:r>
+            </a:p>
+          </p:txBody>
+        </p:sp>
+      </p:grpSp>
+      <p:grpSp>
+        <p:nvGrpSpPr>
+          <p:cNvPr id="12" name="Gruppo 11">
+            <a:extLst>
+              <a:ext uri="{FF2B5EF4-FFF2-40B4-BE49-F238E27FC236}">
+                <a16:creationId xmlns:a16="http://schemas.microsoft.com/office/drawing/2014/main" id="{2C47223B-C3F0-B665-D866-82723BDAD68C}"/>
+              </a:ext>
+            </a:extLst>
+          </p:cNvPr>
+          <p:cNvGrpSpPr/>
+          <p:nvPr/>
+        </p:nvGrpSpPr>
+        <p:grpSpPr>
+          <a:xfrm>
+            <a:off x="2724938" y="1138118"/>
+            <a:ext cx="945355" cy="504886"/>
+            <a:chOff x="746149" y="1111909"/>
+            <a:chExt cx="1141173" cy="648288"/>
+          </a:xfrm>
+        </p:grpSpPr>
+        <p:sp>
+          <p:nvSpPr>
+            <p:cNvPr id="13" name="Rettangolo 12">
+              <a:extLst>
+                <a:ext uri="{FF2B5EF4-FFF2-40B4-BE49-F238E27FC236}">
+                  <a16:creationId xmlns:a16="http://schemas.microsoft.com/office/drawing/2014/main" id="{278508A4-61A5-0A50-1479-C67185E5C0B7}"/>
+                </a:ext>
+              </a:extLst>
+            </p:cNvPr>
+            <p:cNvSpPr/>
+            <p:nvPr/>
+          </p:nvSpPr>
+          <p:spPr>
+            <a:xfrm>
+              <a:off x="746150" y="1111909"/>
+              <a:ext cx="1141172" cy="648288"/>
+            </a:xfrm>
+            <a:prstGeom prst="rect">
+              <a:avLst/>
+            </a:prstGeom>
+          </p:spPr>
+          <p:style>
+            <a:lnRef idx="2">
+              <a:schemeClr val="accent2"/>
+            </a:lnRef>
+            <a:fillRef idx="1">
+              <a:schemeClr val="lt1"/>
+            </a:fillRef>
+            <a:effectRef idx="0">
+              <a:schemeClr val="accent2"/>
+            </a:effectRef>
+            <a:fontRef idx="minor">
+              <a:schemeClr val="dk1"/>
+            </a:fontRef>
+          </p:style>
+          <p:txBody>
+            <a:bodyPr rtlCol="0" anchor="ctr"/>
+            <a:lstStyle/>
+            <a:p>
+              <a:pPr algn="ctr"/>
+              <a:r>
+                <a:rPr lang="en-US" noProof="0" dirty="0"/>
+                <a:t>Console 2</a:t>
+              </a:r>
+            </a:p>
+          </p:txBody>
+        </p:sp>
+        <p:sp>
+          <p:nvSpPr>
+            <p:cNvPr id="14" name="Rettangolo 13">
+              <a:extLst>
+                <a:ext uri="{FF2B5EF4-FFF2-40B4-BE49-F238E27FC236}">
+                  <a16:creationId xmlns:a16="http://schemas.microsoft.com/office/drawing/2014/main" id="{09150082-05BB-60E1-C518-1BD08D3A0AD7}"/>
+                </a:ext>
+              </a:extLst>
+            </p:cNvPr>
+            <p:cNvSpPr/>
+            <p:nvPr/>
+          </p:nvSpPr>
+          <p:spPr>
+            <a:xfrm>
+              <a:off x="746149" y="1590162"/>
+              <a:ext cx="584563" cy="170035"/>
+            </a:xfrm>
+            <a:prstGeom prst="rect">
+              <a:avLst/>
+            </a:prstGeom>
+          </p:spPr>
+          <p:style>
+            <a:lnRef idx="2">
+              <a:schemeClr val="accent1">
+                <a:shade val="15000"/>
+              </a:schemeClr>
+            </a:lnRef>
+            <a:fillRef idx="1">
+              <a:schemeClr val="accent1"/>
+            </a:fillRef>
+            <a:effectRef idx="0">
+              <a:schemeClr val="accent1"/>
+            </a:effectRef>
+            <a:fontRef idx="minor">
+              <a:schemeClr val="lt1"/>
+            </a:fontRef>
+          </p:style>
+          <p:txBody>
+            <a:bodyPr rtlCol="0" anchor="ctr"/>
+            <a:lstStyle/>
+            <a:p>
+              <a:pPr algn="ctr"/>
+              <a:r>
+                <a:rPr lang="en-US" sz="700" noProof="0" dirty="0"/>
+                <a:t>eth0</a:t>
+              </a:r>
+            </a:p>
+          </p:txBody>
+        </p:sp>
+      </p:grpSp>
+      <p:grpSp>
+        <p:nvGrpSpPr>
+          <p:cNvPr id="67" name="Gruppo 66">
+            <a:extLst>
+              <a:ext uri="{FF2B5EF4-FFF2-40B4-BE49-F238E27FC236}">
+                <a16:creationId xmlns:a16="http://schemas.microsoft.com/office/drawing/2014/main" id="{7D361D9D-F833-B06D-64A8-9ABCF1165A8E}"/>
+              </a:ext>
+            </a:extLst>
+          </p:cNvPr>
+          <p:cNvGrpSpPr/>
+          <p:nvPr/>
+        </p:nvGrpSpPr>
+        <p:grpSpPr>
+          <a:xfrm>
+            <a:off x="1788810" y="2189045"/>
+            <a:ext cx="1881483" cy="1076089"/>
+            <a:chOff x="3002107" y="2397518"/>
+            <a:chExt cx="1881483" cy="1076089"/>
+          </a:xfrm>
+        </p:grpSpPr>
+        <p:sp>
+          <p:nvSpPr>
+            <p:cNvPr id="19" name="Rettangolo 18">
+              <a:extLst>
+                <a:ext uri="{FF2B5EF4-FFF2-40B4-BE49-F238E27FC236}">
+                  <a16:creationId xmlns:a16="http://schemas.microsoft.com/office/drawing/2014/main" id="{1C2B2FAE-9A17-961B-0D21-9B6365415D6F}"/>
+                </a:ext>
+              </a:extLst>
+            </p:cNvPr>
+            <p:cNvSpPr/>
+            <p:nvPr/>
+          </p:nvSpPr>
+          <p:spPr>
+            <a:xfrm>
+              <a:off x="3010037" y="2652137"/>
+              <a:ext cx="1865623" cy="560643"/>
+            </a:xfrm>
+            <a:prstGeom prst="rect">
+              <a:avLst/>
+            </a:prstGeom>
+          </p:spPr>
+          <p:style>
+            <a:lnRef idx="2">
+              <a:schemeClr val="accent2"/>
+            </a:lnRef>
+            <a:fillRef idx="1">
+              <a:schemeClr val="lt1"/>
+            </a:fillRef>
+            <a:effectRef idx="0">
+              <a:schemeClr val="accent2"/>
+            </a:effectRef>
+            <a:fontRef idx="minor">
+              <a:schemeClr val="dk1"/>
+            </a:fontRef>
+          </p:style>
+          <p:txBody>
+            <a:bodyPr rtlCol="0" anchor="ctr"/>
+            <a:lstStyle/>
+            <a:p>
+              <a:pPr algn="ctr"/>
+              <a:r>
+                <a:rPr lang="en-US" noProof="0" dirty="0"/>
+                <a:t>SWITCH1</a:t>
+              </a:r>
+            </a:p>
+          </p:txBody>
+        </p:sp>
+        <p:sp>
+          <p:nvSpPr>
+            <p:cNvPr id="42" name="Rettangolo 41">
+              <a:extLst>
+                <a:ext uri="{FF2B5EF4-FFF2-40B4-BE49-F238E27FC236}">
+                  <a16:creationId xmlns:a16="http://schemas.microsoft.com/office/drawing/2014/main" id="{F8794659-DEB0-EB41-C224-49C8C86B6128}"/>
+                </a:ext>
+              </a:extLst>
+            </p:cNvPr>
+            <p:cNvSpPr/>
+            <p:nvPr/>
+          </p:nvSpPr>
+          <p:spPr>
+            <a:xfrm>
+              <a:off x="3002107" y="2397518"/>
+              <a:ext cx="197153" cy="254619"/>
+            </a:xfrm>
+            <a:prstGeom prst="rect">
+              <a:avLst/>
+            </a:prstGeom>
+          </p:spPr>
+          <p:style>
+            <a:lnRef idx="2">
+              <a:schemeClr val="accent1">
+                <a:shade val="15000"/>
+              </a:schemeClr>
+            </a:lnRef>
+            <a:fillRef idx="1">
+              <a:schemeClr val="accent1"/>
+            </a:fillRef>
+            <a:effectRef idx="0">
+              <a:schemeClr val="accent1"/>
+            </a:effectRef>
+            <a:fontRef idx="minor">
+              <a:schemeClr val="lt1"/>
+            </a:fontRef>
+          </p:style>
+          <p:txBody>
+            <a:bodyPr vert="vert" rtlCol="0" anchor="ctr"/>
+            <a:lstStyle/>
+            <a:p>
+              <a:pPr algn="ctr"/>
+              <a:r>
+                <a:rPr lang="en-US" sz="700" noProof="0" dirty="0">
+                  <a:solidFill>
+                    <a:srgbClr val="FFFFFF"/>
+                  </a:solidFill>
+                  <a:effectLst/>
+                  <a:latin typeface="Lato" panose="020F0502020204030203" pitchFamily="34" charset="0"/>
+                </a:rPr>
+                <a:t>1</a:t>
+              </a:r>
+              <a:endParaRPr lang="en-US" sz="1000" noProof="0" dirty="0"/>
+            </a:p>
+          </p:txBody>
+        </p:sp>
+        <p:sp>
+          <p:nvSpPr>
+            <p:cNvPr id="43" name="Rettangolo 42">
+              <a:extLst>
+                <a:ext uri="{FF2B5EF4-FFF2-40B4-BE49-F238E27FC236}">
+                  <a16:creationId xmlns:a16="http://schemas.microsoft.com/office/drawing/2014/main" id="{AD866319-B5C3-1159-12DA-F93FCA2F4520}"/>
+                </a:ext>
+              </a:extLst>
+            </p:cNvPr>
+            <p:cNvSpPr/>
+            <p:nvPr/>
+          </p:nvSpPr>
+          <p:spPr>
+            <a:xfrm>
+              <a:off x="3154507" y="2397518"/>
+              <a:ext cx="197153" cy="254619"/>
+            </a:xfrm>
+            <a:prstGeom prst="rect">
+              <a:avLst/>
+            </a:prstGeom>
+          </p:spPr>
+          <p:style>
+            <a:lnRef idx="2">
+              <a:schemeClr val="accent1">
+                <a:shade val="15000"/>
+              </a:schemeClr>
+            </a:lnRef>
+            <a:fillRef idx="1">
+              <a:schemeClr val="accent1"/>
+            </a:fillRef>
+            <a:effectRef idx="0">
+              <a:schemeClr val="accent1"/>
+            </a:effectRef>
+            <a:fontRef idx="minor">
+              <a:schemeClr val="lt1"/>
+            </a:fontRef>
+          </p:style>
+          <p:txBody>
+            <a:bodyPr vert="vert" rtlCol="0" anchor="ctr"/>
+            <a:lstStyle/>
+            <a:p>
+              <a:pPr algn="ctr"/>
+              <a:r>
+                <a:rPr lang="en-US" sz="700" noProof="0" dirty="0">
+                  <a:solidFill>
+                    <a:srgbClr val="FFFFFF"/>
+                  </a:solidFill>
+                  <a:latin typeface="Lato" panose="020F0502020204030203" pitchFamily="34" charset="0"/>
+                </a:rPr>
+                <a:t>2</a:t>
+              </a:r>
+              <a:endParaRPr lang="en-US" sz="1000" noProof="0" dirty="0"/>
+            </a:p>
+          </p:txBody>
+        </p:sp>
+        <p:sp>
+          <p:nvSpPr>
+            <p:cNvPr id="44" name="Rettangolo 43">
+              <a:extLst>
+                <a:ext uri="{FF2B5EF4-FFF2-40B4-BE49-F238E27FC236}">
+                  <a16:creationId xmlns:a16="http://schemas.microsoft.com/office/drawing/2014/main" id="{CFEB09EF-9EDB-07B7-D2D6-9882D6057D53}"/>
+                </a:ext>
+              </a:extLst>
+            </p:cNvPr>
+            <p:cNvSpPr/>
+            <p:nvPr/>
+          </p:nvSpPr>
+          <p:spPr>
+            <a:xfrm>
+              <a:off x="3306907" y="2397518"/>
+              <a:ext cx="197153" cy="254619"/>
+            </a:xfrm>
+            <a:prstGeom prst="rect">
+              <a:avLst/>
+            </a:prstGeom>
+          </p:spPr>
+          <p:style>
+            <a:lnRef idx="2">
+              <a:schemeClr val="accent1">
+                <a:shade val="15000"/>
+              </a:schemeClr>
+            </a:lnRef>
+            <a:fillRef idx="1">
+              <a:schemeClr val="accent1"/>
+            </a:fillRef>
+            <a:effectRef idx="0">
+              <a:schemeClr val="accent1"/>
+            </a:effectRef>
+            <a:fontRef idx="minor">
+              <a:schemeClr val="lt1"/>
+            </a:fontRef>
+          </p:style>
+          <p:txBody>
+            <a:bodyPr vert="vert" rtlCol="0" anchor="ctr"/>
+            <a:lstStyle/>
+            <a:p>
+              <a:pPr algn="ctr"/>
+              <a:r>
+                <a:rPr lang="en-US" sz="700" noProof="0" dirty="0">
+                  <a:solidFill>
+                    <a:srgbClr val="FFFFFF"/>
+                  </a:solidFill>
+                  <a:latin typeface="Lato" panose="020F0502020204030203" pitchFamily="34" charset="0"/>
+                </a:rPr>
+                <a:t>3</a:t>
+              </a:r>
+              <a:endParaRPr lang="en-US" sz="1000" noProof="0" dirty="0"/>
+            </a:p>
+          </p:txBody>
+        </p:sp>
+        <p:sp>
+          <p:nvSpPr>
+            <p:cNvPr id="45" name="Rettangolo 44">
+              <a:extLst>
+                <a:ext uri="{FF2B5EF4-FFF2-40B4-BE49-F238E27FC236}">
+                  <a16:creationId xmlns:a16="http://schemas.microsoft.com/office/drawing/2014/main" id="{ADE14FB9-C3DA-1034-5187-73793B5CDF46}"/>
+                </a:ext>
+              </a:extLst>
+            </p:cNvPr>
+            <p:cNvSpPr/>
+            <p:nvPr/>
+          </p:nvSpPr>
+          <p:spPr>
+            <a:xfrm>
+              <a:off x="3459307" y="2397518"/>
+              <a:ext cx="197153" cy="254619"/>
+            </a:xfrm>
+            <a:prstGeom prst="rect">
+              <a:avLst/>
+            </a:prstGeom>
+          </p:spPr>
+          <p:style>
+            <a:lnRef idx="2">
+              <a:schemeClr val="accent1">
+                <a:shade val="15000"/>
+              </a:schemeClr>
+            </a:lnRef>
+            <a:fillRef idx="1">
+              <a:schemeClr val="accent1"/>
+            </a:fillRef>
+            <a:effectRef idx="0">
+              <a:schemeClr val="accent1"/>
+            </a:effectRef>
+            <a:fontRef idx="minor">
+              <a:schemeClr val="lt1"/>
+            </a:fontRef>
+          </p:style>
+          <p:txBody>
+            <a:bodyPr vert="vert" rtlCol="0" anchor="ctr"/>
+            <a:lstStyle/>
+            <a:p>
+              <a:pPr algn="ctr"/>
+              <a:r>
+                <a:rPr lang="en-US" sz="700" noProof="0" dirty="0">
+                  <a:solidFill>
+                    <a:srgbClr val="FFFFFF"/>
+                  </a:solidFill>
+                  <a:latin typeface="Lato" panose="020F0502020204030203" pitchFamily="34" charset="0"/>
+                </a:rPr>
+                <a:t>4</a:t>
+              </a:r>
+              <a:endParaRPr lang="en-US" sz="1000" noProof="0" dirty="0"/>
+            </a:p>
+          </p:txBody>
+        </p:sp>
+        <p:sp>
+          <p:nvSpPr>
+            <p:cNvPr id="46" name="Rettangolo 45">
+              <a:extLst>
+                <a:ext uri="{FF2B5EF4-FFF2-40B4-BE49-F238E27FC236}">
+                  <a16:creationId xmlns:a16="http://schemas.microsoft.com/office/drawing/2014/main" id="{DDE0CF30-F19E-F647-133A-94856394F8A3}"/>
+                </a:ext>
+              </a:extLst>
+            </p:cNvPr>
+            <p:cNvSpPr/>
+            <p:nvPr/>
+          </p:nvSpPr>
+          <p:spPr>
+            <a:xfrm>
+              <a:off x="3611707" y="2397518"/>
+              <a:ext cx="197153" cy="254619"/>
+            </a:xfrm>
+            <a:prstGeom prst="rect">
+              <a:avLst/>
+            </a:prstGeom>
+          </p:spPr>
+          <p:style>
+            <a:lnRef idx="2">
+              <a:schemeClr val="accent1">
+                <a:shade val="15000"/>
+              </a:schemeClr>
+            </a:lnRef>
+            <a:fillRef idx="1">
+              <a:schemeClr val="accent1"/>
+            </a:fillRef>
+            <a:effectRef idx="0">
+              <a:schemeClr val="accent1"/>
+            </a:effectRef>
+            <a:fontRef idx="minor">
+              <a:schemeClr val="lt1"/>
+            </a:fontRef>
+          </p:style>
+          <p:txBody>
+            <a:bodyPr vert="vert" rtlCol="0" anchor="ctr"/>
+            <a:lstStyle/>
+            <a:p>
+              <a:pPr algn="ctr"/>
+              <a:r>
+                <a:rPr lang="en-US" sz="700" noProof="0" dirty="0">
+                  <a:solidFill>
+                    <a:srgbClr val="FFFFFF"/>
+                  </a:solidFill>
+                  <a:latin typeface="Lato" panose="020F0502020204030203" pitchFamily="34" charset="0"/>
+                </a:rPr>
+                <a:t>5</a:t>
+              </a:r>
+              <a:endParaRPr lang="en-US" sz="1000" noProof="0" dirty="0"/>
+            </a:p>
+          </p:txBody>
+        </p:sp>
+        <p:sp>
+          <p:nvSpPr>
+            <p:cNvPr id="47" name="Rettangolo 46">
+              <a:extLst>
+                <a:ext uri="{FF2B5EF4-FFF2-40B4-BE49-F238E27FC236}">
+                  <a16:creationId xmlns:a16="http://schemas.microsoft.com/office/drawing/2014/main" id="{882442DD-49E2-28BD-BF67-3FA438C60476}"/>
+                </a:ext>
+              </a:extLst>
+            </p:cNvPr>
+            <p:cNvSpPr/>
+            <p:nvPr/>
+          </p:nvSpPr>
+          <p:spPr>
+            <a:xfrm>
+              <a:off x="3764107" y="2397518"/>
+              <a:ext cx="197153" cy="254619"/>
+            </a:xfrm>
+            <a:prstGeom prst="rect">
+              <a:avLst/>
+            </a:prstGeom>
+          </p:spPr>
+          <p:style>
+            <a:lnRef idx="2">
+              <a:schemeClr val="accent1">
+                <a:shade val="15000"/>
+              </a:schemeClr>
+            </a:lnRef>
+            <a:fillRef idx="1">
+              <a:schemeClr val="accent1"/>
+            </a:fillRef>
+            <a:effectRef idx="0">
+              <a:schemeClr val="accent1"/>
+            </a:effectRef>
+            <a:fontRef idx="minor">
+              <a:schemeClr val="lt1"/>
+            </a:fontRef>
+          </p:style>
+          <p:txBody>
+            <a:bodyPr vert="vert" rtlCol="0" anchor="ctr"/>
+            <a:lstStyle/>
+            <a:p>
+              <a:pPr algn="ctr"/>
+              <a:r>
+                <a:rPr lang="en-US" sz="700" noProof="0" dirty="0"/>
+                <a:t>6</a:t>
+              </a:r>
+            </a:p>
+          </p:txBody>
+        </p:sp>
+        <p:sp>
+          <p:nvSpPr>
+            <p:cNvPr id="48" name="Rettangolo 47">
+              <a:extLst>
+                <a:ext uri="{FF2B5EF4-FFF2-40B4-BE49-F238E27FC236}">
+                  <a16:creationId xmlns:a16="http://schemas.microsoft.com/office/drawing/2014/main" id="{9A0A190E-F98A-76F5-B239-D0324999AA5A}"/>
+                </a:ext>
+              </a:extLst>
+            </p:cNvPr>
+            <p:cNvSpPr/>
+            <p:nvPr/>
+          </p:nvSpPr>
+          <p:spPr>
+            <a:xfrm>
+              <a:off x="3916507" y="2397518"/>
+              <a:ext cx="197153" cy="254619"/>
+            </a:xfrm>
+            <a:prstGeom prst="rect">
+              <a:avLst/>
+            </a:prstGeom>
+          </p:spPr>
+          <p:style>
+            <a:lnRef idx="2">
+              <a:schemeClr val="accent1">
+                <a:shade val="15000"/>
+              </a:schemeClr>
+            </a:lnRef>
+            <a:fillRef idx="1">
+              <a:schemeClr val="accent1"/>
+            </a:fillRef>
+            <a:effectRef idx="0">
+              <a:schemeClr val="accent1"/>
+            </a:effectRef>
+            <a:fontRef idx="minor">
+              <a:schemeClr val="lt1"/>
+            </a:fontRef>
+          </p:style>
+          <p:txBody>
+            <a:bodyPr vert="vert" rtlCol="0" anchor="ctr"/>
+            <a:lstStyle/>
+            <a:p>
+              <a:pPr algn="ctr"/>
+              <a:r>
+                <a:rPr lang="en-US" sz="700" noProof="0" dirty="0">
+                  <a:solidFill>
+                    <a:srgbClr val="FFFFFF"/>
+                  </a:solidFill>
+                  <a:effectLst/>
+                  <a:latin typeface="Lato" panose="020F0502020204030203" pitchFamily="34" charset="0"/>
+                </a:rPr>
+                <a:t>7</a:t>
+              </a:r>
+              <a:endParaRPr lang="en-US" sz="1000" noProof="0" dirty="0"/>
+            </a:p>
+          </p:txBody>
+        </p:sp>
+        <p:sp>
+          <p:nvSpPr>
+            <p:cNvPr id="49" name="Rettangolo 48">
+              <a:extLst>
+                <a:ext uri="{FF2B5EF4-FFF2-40B4-BE49-F238E27FC236}">
+                  <a16:creationId xmlns:a16="http://schemas.microsoft.com/office/drawing/2014/main" id="{000CBB80-7BF3-885D-A7B0-79F9F879C6B0}"/>
+                </a:ext>
+              </a:extLst>
+            </p:cNvPr>
+            <p:cNvSpPr/>
+            <p:nvPr/>
+          </p:nvSpPr>
+          <p:spPr>
+            <a:xfrm>
+              <a:off x="4068907" y="2397518"/>
+              <a:ext cx="197153" cy="254619"/>
+            </a:xfrm>
+            <a:prstGeom prst="rect">
+              <a:avLst/>
+            </a:prstGeom>
+          </p:spPr>
+          <p:style>
+            <a:lnRef idx="2">
+              <a:schemeClr val="accent1">
+                <a:shade val="15000"/>
+              </a:schemeClr>
+            </a:lnRef>
+            <a:fillRef idx="1">
+              <a:schemeClr val="accent1"/>
+            </a:fillRef>
+            <a:effectRef idx="0">
+              <a:schemeClr val="accent1"/>
+            </a:effectRef>
+            <a:fontRef idx="minor">
+              <a:schemeClr val="lt1"/>
+            </a:fontRef>
+          </p:style>
+          <p:txBody>
+            <a:bodyPr vert="vert" rtlCol="0" anchor="ctr"/>
+            <a:lstStyle/>
+            <a:p>
+              <a:pPr algn="ctr"/>
+              <a:r>
+                <a:rPr lang="en-US" sz="700" noProof="0" dirty="0">
+                  <a:solidFill>
+                    <a:srgbClr val="FFFFFF"/>
+                  </a:solidFill>
+                  <a:effectLst/>
+                  <a:latin typeface="Lato" panose="020F0502020204030203" pitchFamily="34" charset="0"/>
+                </a:rPr>
+                <a:t>8</a:t>
+              </a:r>
+              <a:endParaRPr lang="en-US" sz="1000" noProof="0" dirty="0"/>
+            </a:p>
+          </p:txBody>
+        </p:sp>
+        <p:sp>
+          <p:nvSpPr>
+            <p:cNvPr id="50" name="Rettangolo 49">
+              <a:extLst>
+                <a:ext uri="{FF2B5EF4-FFF2-40B4-BE49-F238E27FC236}">
+                  <a16:creationId xmlns:a16="http://schemas.microsoft.com/office/drawing/2014/main" id="{8472536C-2B2A-45CE-3EC3-A8EAB8DD9821}"/>
+                </a:ext>
+              </a:extLst>
+            </p:cNvPr>
+            <p:cNvSpPr/>
+            <p:nvPr/>
+          </p:nvSpPr>
+          <p:spPr>
+            <a:xfrm>
+              <a:off x="4221307" y="2397518"/>
+              <a:ext cx="197153" cy="254619"/>
+            </a:xfrm>
+            <a:prstGeom prst="rect">
+              <a:avLst/>
+            </a:prstGeom>
+          </p:spPr>
+          <p:style>
+            <a:lnRef idx="2">
+              <a:schemeClr val="accent1">
+                <a:shade val="15000"/>
+              </a:schemeClr>
+            </a:lnRef>
+            <a:fillRef idx="1">
+              <a:schemeClr val="accent1"/>
+            </a:fillRef>
+            <a:effectRef idx="0">
+              <a:schemeClr val="accent1"/>
+            </a:effectRef>
+            <a:fontRef idx="minor">
+              <a:schemeClr val="lt1"/>
+            </a:fontRef>
+          </p:style>
+          <p:txBody>
+            <a:bodyPr vert="vert" rtlCol="0" anchor="ctr"/>
+            <a:lstStyle/>
+            <a:p>
+              <a:pPr algn="ctr"/>
+              <a:r>
+                <a:rPr lang="en-US" sz="700" noProof="0" dirty="0">
+                  <a:solidFill>
+                    <a:srgbClr val="FFFFFF"/>
+                  </a:solidFill>
+                  <a:effectLst/>
+                  <a:latin typeface="Lato" panose="020F0502020204030203" pitchFamily="34" charset="0"/>
+                </a:rPr>
+                <a:t>9</a:t>
+              </a:r>
+              <a:endParaRPr lang="en-US" sz="1000" noProof="0" dirty="0"/>
+            </a:p>
+          </p:txBody>
+        </p:sp>
+        <p:sp>
+          <p:nvSpPr>
+            <p:cNvPr id="51" name="Rettangolo 50">
+              <a:extLst>
+                <a:ext uri="{FF2B5EF4-FFF2-40B4-BE49-F238E27FC236}">
+                  <a16:creationId xmlns:a16="http://schemas.microsoft.com/office/drawing/2014/main" id="{9EFA3268-25CB-2BDB-8451-91D47DD9A7AC}"/>
+                </a:ext>
+              </a:extLst>
+            </p:cNvPr>
+            <p:cNvSpPr/>
+            <p:nvPr/>
+          </p:nvSpPr>
+          <p:spPr>
+            <a:xfrm>
+              <a:off x="4373707" y="2397518"/>
+              <a:ext cx="197153" cy="254619"/>
+            </a:xfrm>
+            <a:prstGeom prst="rect">
+              <a:avLst/>
+            </a:prstGeom>
+          </p:spPr>
+          <p:style>
+            <a:lnRef idx="2">
+              <a:schemeClr val="accent1">
+                <a:shade val="15000"/>
+              </a:schemeClr>
+            </a:lnRef>
+            <a:fillRef idx="1">
+              <a:schemeClr val="accent1"/>
+            </a:fillRef>
+            <a:effectRef idx="0">
+              <a:schemeClr val="accent1"/>
+            </a:effectRef>
+            <a:fontRef idx="minor">
+              <a:schemeClr val="lt1"/>
+            </a:fontRef>
+          </p:style>
+          <p:txBody>
+            <a:bodyPr vert="vert" rtlCol="0" anchor="ctr"/>
+            <a:lstStyle/>
+            <a:p>
+              <a:pPr algn="ctr"/>
+              <a:r>
+                <a:rPr lang="en-US" sz="700" noProof="0" dirty="0">
+                  <a:solidFill>
+                    <a:srgbClr val="FFFFFF"/>
+                  </a:solidFill>
+                  <a:effectLst/>
+                  <a:latin typeface="Lato" panose="020F0502020204030203" pitchFamily="34" charset="0"/>
+                </a:rPr>
+                <a:t>10</a:t>
+              </a:r>
+              <a:endParaRPr lang="en-US" sz="1000" noProof="0" dirty="0"/>
+            </a:p>
+          </p:txBody>
+        </p:sp>
+        <p:sp>
+          <p:nvSpPr>
+            <p:cNvPr id="52" name="Rettangolo 51">
+              <a:extLst>
+                <a:ext uri="{FF2B5EF4-FFF2-40B4-BE49-F238E27FC236}">
+                  <a16:creationId xmlns:a16="http://schemas.microsoft.com/office/drawing/2014/main" id="{4F4222F6-4204-B79C-3DB2-1CE21911D6B4}"/>
+                </a:ext>
+              </a:extLst>
+            </p:cNvPr>
+            <p:cNvSpPr/>
+            <p:nvPr/>
+          </p:nvSpPr>
+          <p:spPr>
+            <a:xfrm>
+              <a:off x="4526107" y="2397518"/>
+              <a:ext cx="197153" cy="254619"/>
+            </a:xfrm>
+            <a:prstGeom prst="rect">
+              <a:avLst/>
+            </a:prstGeom>
+          </p:spPr>
+          <p:style>
+            <a:lnRef idx="2">
+              <a:schemeClr val="accent1">
+                <a:shade val="15000"/>
+              </a:schemeClr>
+            </a:lnRef>
+            <a:fillRef idx="1">
+              <a:schemeClr val="accent1"/>
+            </a:fillRef>
+            <a:effectRef idx="0">
+              <a:schemeClr val="accent1"/>
+            </a:effectRef>
+            <a:fontRef idx="minor">
+              <a:schemeClr val="lt1"/>
+            </a:fontRef>
+          </p:style>
+          <p:txBody>
+            <a:bodyPr vert="vert" rtlCol="0" anchor="ctr"/>
+            <a:lstStyle/>
+            <a:p>
+              <a:pPr algn="ctr"/>
+              <a:r>
+                <a:rPr lang="en-US" sz="700" noProof="0" dirty="0">
+                  <a:solidFill>
+                    <a:srgbClr val="FFFFFF"/>
+                  </a:solidFill>
+                  <a:effectLst/>
+                  <a:latin typeface="Lato" panose="020F0502020204030203" pitchFamily="34" charset="0"/>
+                </a:rPr>
+                <a:t>11</a:t>
+              </a:r>
+              <a:endParaRPr lang="en-US" sz="1000" noProof="0" dirty="0"/>
+            </a:p>
+          </p:txBody>
+        </p:sp>
+        <p:sp>
+          <p:nvSpPr>
+            <p:cNvPr id="53" name="Rettangolo 52">
+              <a:extLst>
+                <a:ext uri="{FF2B5EF4-FFF2-40B4-BE49-F238E27FC236}">
+                  <a16:creationId xmlns:a16="http://schemas.microsoft.com/office/drawing/2014/main" id="{1669B2B2-C361-C6C3-DB99-BD69A7CDC55C}"/>
+                </a:ext>
+              </a:extLst>
+            </p:cNvPr>
+            <p:cNvSpPr/>
+            <p:nvPr/>
+          </p:nvSpPr>
+          <p:spPr>
+            <a:xfrm>
+              <a:off x="4678507" y="2397518"/>
+              <a:ext cx="197153" cy="254619"/>
+            </a:xfrm>
+            <a:prstGeom prst="rect">
+              <a:avLst/>
+            </a:prstGeom>
+          </p:spPr>
+          <p:style>
+            <a:lnRef idx="2">
+              <a:schemeClr val="accent1">
+                <a:shade val="15000"/>
+              </a:schemeClr>
+            </a:lnRef>
+            <a:fillRef idx="1">
+              <a:schemeClr val="accent1"/>
+            </a:fillRef>
+            <a:effectRef idx="0">
+              <a:schemeClr val="accent1"/>
+            </a:effectRef>
+            <a:fontRef idx="minor">
+              <a:schemeClr val="lt1"/>
+            </a:fontRef>
+          </p:style>
+          <p:txBody>
+            <a:bodyPr vert="vert" rtlCol="0" anchor="ctr"/>
+            <a:lstStyle/>
+            <a:p>
+              <a:pPr algn="ctr"/>
+              <a:r>
+                <a:rPr lang="en-US" sz="700" noProof="0" dirty="0">
+                  <a:solidFill>
+                    <a:srgbClr val="FFFFFF"/>
+                  </a:solidFill>
+                  <a:effectLst/>
+                  <a:latin typeface="Lato" panose="020F0502020204030203" pitchFamily="34" charset="0"/>
+                </a:rPr>
+                <a:t>12</a:t>
+              </a:r>
+              <a:endParaRPr lang="en-US" sz="1000" noProof="0" dirty="0"/>
+            </a:p>
+          </p:txBody>
+        </p:sp>
+        <p:sp>
+          <p:nvSpPr>
+            <p:cNvPr id="55" name="Rettangolo 54">
+              <a:extLst>
+                <a:ext uri="{FF2B5EF4-FFF2-40B4-BE49-F238E27FC236}">
+                  <a16:creationId xmlns:a16="http://schemas.microsoft.com/office/drawing/2014/main" id="{B0FC1E3A-6299-80F2-7E95-CF2F6FF2518D}"/>
+                </a:ext>
+              </a:extLst>
+            </p:cNvPr>
+            <p:cNvSpPr/>
+            <p:nvPr/>
+          </p:nvSpPr>
+          <p:spPr>
+            <a:xfrm>
+              <a:off x="3013447" y="3218988"/>
+              <a:ext cx="197153" cy="254619"/>
+            </a:xfrm>
+            <a:prstGeom prst="rect">
+              <a:avLst/>
+            </a:prstGeom>
+          </p:spPr>
+          <p:style>
+            <a:lnRef idx="2">
+              <a:schemeClr val="accent1">
+                <a:shade val="15000"/>
+              </a:schemeClr>
+            </a:lnRef>
+            <a:fillRef idx="1">
+              <a:schemeClr val="accent1"/>
+            </a:fillRef>
+            <a:effectRef idx="0">
+              <a:schemeClr val="accent1"/>
+            </a:effectRef>
+            <a:fontRef idx="minor">
+              <a:schemeClr val="lt1"/>
+            </a:fontRef>
+          </p:style>
+          <p:txBody>
+            <a:bodyPr vert="vert" rtlCol="0" anchor="ctr"/>
+            <a:lstStyle/>
+            <a:p>
+              <a:pPr algn="ctr"/>
+              <a:r>
+                <a:rPr lang="en-US" sz="700" noProof="0" dirty="0">
+                  <a:solidFill>
+                    <a:srgbClr val="FFFFFF"/>
+                  </a:solidFill>
+                  <a:effectLst/>
+                  <a:latin typeface="Lato" panose="020F0502020204030203" pitchFamily="34" charset="0"/>
+                </a:rPr>
+                <a:t>24</a:t>
+              </a:r>
+              <a:endParaRPr lang="en-US" sz="1000" noProof="0" dirty="0"/>
+            </a:p>
+          </p:txBody>
+        </p:sp>
+        <p:sp>
+          <p:nvSpPr>
+            <p:cNvPr id="56" name="Rettangolo 55">
+              <a:extLst>
+                <a:ext uri="{FF2B5EF4-FFF2-40B4-BE49-F238E27FC236}">
+                  <a16:creationId xmlns:a16="http://schemas.microsoft.com/office/drawing/2014/main" id="{69285BB2-0BCE-39E3-E081-5FF4E65B1C5D}"/>
+                </a:ext>
+              </a:extLst>
+            </p:cNvPr>
+            <p:cNvSpPr/>
+            <p:nvPr/>
+          </p:nvSpPr>
+          <p:spPr>
+            <a:xfrm>
+              <a:off x="3165847" y="3218988"/>
+              <a:ext cx="197153" cy="254619"/>
+            </a:xfrm>
+            <a:prstGeom prst="rect">
+              <a:avLst/>
+            </a:prstGeom>
+          </p:spPr>
+          <p:style>
+            <a:lnRef idx="2">
+              <a:schemeClr val="accent1">
+                <a:shade val="15000"/>
+              </a:schemeClr>
+            </a:lnRef>
+            <a:fillRef idx="1">
+              <a:schemeClr val="accent1"/>
+            </a:fillRef>
+            <a:effectRef idx="0">
+              <a:schemeClr val="accent1"/>
+            </a:effectRef>
+            <a:fontRef idx="minor">
+              <a:schemeClr val="lt1"/>
+            </a:fontRef>
+          </p:style>
+          <p:txBody>
+            <a:bodyPr vert="vert" rtlCol="0" anchor="ctr"/>
+            <a:lstStyle/>
+            <a:p>
+              <a:pPr algn="ctr"/>
+              <a:r>
+                <a:rPr lang="en-US" sz="700" noProof="0" dirty="0">
+                  <a:solidFill>
+                    <a:srgbClr val="FFFFFF"/>
+                  </a:solidFill>
+                  <a:latin typeface="Lato" panose="020F0502020204030203" pitchFamily="34" charset="0"/>
+                </a:rPr>
+                <a:t>23</a:t>
+              </a:r>
+              <a:endParaRPr lang="en-US" sz="1000" noProof="0" dirty="0"/>
+            </a:p>
+          </p:txBody>
+        </p:sp>
+        <p:sp>
+          <p:nvSpPr>
+            <p:cNvPr id="57" name="Rettangolo 56">
+              <a:extLst>
+                <a:ext uri="{FF2B5EF4-FFF2-40B4-BE49-F238E27FC236}">
+                  <a16:creationId xmlns:a16="http://schemas.microsoft.com/office/drawing/2014/main" id="{93D68C45-8EA6-295B-387E-3EFC40FED2F1}"/>
+                </a:ext>
+              </a:extLst>
+            </p:cNvPr>
+            <p:cNvSpPr/>
+            <p:nvPr/>
+          </p:nvSpPr>
+          <p:spPr>
+            <a:xfrm>
+              <a:off x="3318247" y="3218988"/>
+              <a:ext cx="197153" cy="254619"/>
+            </a:xfrm>
+            <a:prstGeom prst="rect">
+              <a:avLst/>
+            </a:prstGeom>
+          </p:spPr>
+          <p:style>
+            <a:lnRef idx="2">
+              <a:schemeClr val="accent1">
+                <a:shade val="15000"/>
+              </a:schemeClr>
+            </a:lnRef>
+            <a:fillRef idx="1">
+              <a:schemeClr val="accent1"/>
+            </a:fillRef>
+            <a:effectRef idx="0">
+              <a:schemeClr val="accent1"/>
+            </a:effectRef>
+            <a:fontRef idx="minor">
+              <a:schemeClr val="lt1"/>
+            </a:fontRef>
+          </p:style>
+          <p:txBody>
+            <a:bodyPr vert="vert" rtlCol="0" anchor="ctr"/>
+            <a:lstStyle/>
+            <a:p>
+              <a:pPr algn="ctr"/>
+              <a:r>
+                <a:rPr lang="en-US" sz="700" noProof="0" dirty="0">
+                  <a:solidFill>
+                    <a:srgbClr val="FFFFFF"/>
+                  </a:solidFill>
+                  <a:latin typeface="Lato" panose="020F0502020204030203" pitchFamily="34" charset="0"/>
+                </a:rPr>
+                <a:t>22</a:t>
+              </a:r>
+              <a:endParaRPr lang="en-US" sz="1000" noProof="0" dirty="0"/>
+            </a:p>
+          </p:txBody>
+        </p:sp>
+        <p:sp>
+          <p:nvSpPr>
+            <p:cNvPr id="58" name="Rettangolo 57">
+              <a:extLst>
+                <a:ext uri="{FF2B5EF4-FFF2-40B4-BE49-F238E27FC236}">
+                  <a16:creationId xmlns:a16="http://schemas.microsoft.com/office/drawing/2014/main" id="{5191FC84-A54E-4752-1A43-CFC047CE37D4}"/>
+                </a:ext>
+              </a:extLst>
+            </p:cNvPr>
+            <p:cNvSpPr/>
+            <p:nvPr/>
+          </p:nvSpPr>
+          <p:spPr>
+            <a:xfrm>
+              <a:off x="3470647" y="3218988"/>
+              <a:ext cx="197153" cy="254619"/>
+            </a:xfrm>
+            <a:prstGeom prst="rect">
+              <a:avLst/>
+            </a:prstGeom>
+          </p:spPr>
+          <p:style>
+            <a:lnRef idx="2">
+              <a:schemeClr val="accent1">
+                <a:shade val="15000"/>
+              </a:schemeClr>
+            </a:lnRef>
+            <a:fillRef idx="1">
+              <a:schemeClr val="accent1"/>
+            </a:fillRef>
+            <a:effectRef idx="0">
+              <a:schemeClr val="accent1"/>
+            </a:effectRef>
+            <a:fontRef idx="minor">
+              <a:schemeClr val="lt1"/>
+            </a:fontRef>
+          </p:style>
+          <p:txBody>
+            <a:bodyPr vert="vert" rtlCol="0" anchor="ctr"/>
+            <a:lstStyle/>
+            <a:p>
+              <a:pPr algn="ctr"/>
+              <a:r>
+                <a:rPr lang="en-US" sz="700" noProof="0" dirty="0">
+                  <a:solidFill>
+                    <a:srgbClr val="FFFFFF"/>
+                  </a:solidFill>
+                  <a:latin typeface="Lato" panose="020F0502020204030203" pitchFamily="34" charset="0"/>
+                </a:rPr>
+                <a:t>21</a:t>
+              </a:r>
+              <a:endParaRPr lang="en-US" sz="1000" noProof="0" dirty="0"/>
+            </a:p>
+          </p:txBody>
+        </p:sp>
+        <p:sp>
+          <p:nvSpPr>
+            <p:cNvPr id="59" name="Rettangolo 58">
+              <a:extLst>
+                <a:ext uri="{FF2B5EF4-FFF2-40B4-BE49-F238E27FC236}">
+                  <a16:creationId xmlns:a16="http://schemas.microsoft.com/office/drawing/2014/main" id="{6A00C759-1E9B-4EF9-AF96-2428463D805D}"/>
+                </a:ext>
+              </a:extLst>
+            </p:cNvPr>
+            <p:cNvSpPr/>
+            <p:nvPr/>
+          </p:nvSpPr>
+          <p:spPr>
+            <a:xfrm>
+              <a:off x="3623047" y="3218988"/>
+              <a:ext cx="197153" cy="254619"/>
+            </a:xfrm>
+            <a:prstGeom prst="rect">
+              <a:avLst/>
+            </a:prstGeom>
+          </p:spPr>
+          <p:style>
+            <a:lnRef idx="2">
+              <a:schemeClr val="accent1">
+                <a:shade val="15000"/>
+              </a:schemeClr>
+            </a:lnRef>
+            <a:fillRef idx="1">
+              <a:schemeClr val="accent1"/>
+            </a:fillRef>
+            <a:effectRef idx="0">
+              <a:schemeClr val="accent1"/>
+            </a:effectRef>
+            <a:fontRef idx="minor">
+              <a:schemeClr val="lt1"/>
+            </a:fontRef>
+          </p:style>
+          <p:txBody>
+            <a:bodyPr vert="vert" rtlCol="0" anchor="ctr"/>
+            <a:lstStyle/>
+            <a:p>
+              <a:pPr algn="ctr"/>
+              <a:r>
+                <a:rPr lang="en-US" sz="700" noProof="0" dirty="0">
+                  <a:solidFill>
+                    <a:srgbClr val="FFFFFF"/>
+                  </a:solidFill>
+                  <a:latin typeface="Lato" panose="020F0502020204030203" pitchFamily="34" charset="0"/>
+                </a:rPr>
+                <a:t>20</a:t>
+              </a:r>
+              <a:endParaRPr lang="en-US" sz="1000" noProof="0" dirty="0"/>
+            </a:p>
+          </p:txBody>
+        </p:sp>
+        <p:sp>
+          <p:nvSpPr>
+            <p:cNvPr id="60" name="Rettangolo 59">
+              <a:extLst>
+                <a:ext uri="{FF2B5EF4-FFF2-40B4-BE49-F238E27FC236}">
+                  <a16:creationId xmlns:a16="http://schemas.microsoft.com/office/drawing/2014/main" id="{28378AAB-2B90-676D-4466-069BC7649F8C}"/>
+                </a:ext>
+              </a:extLst>
+            </p:cNvPr>
+            <p:cNvSpPr/>
+            <p:nvPr/>
+          </p:nvSpPr>
+          <p:spPr>
+            <a:xfrm>
+              <a:off x="3775447" y="3218988"/>
+              <a:ext cx="197153" cy="254619"/>
+            </a:xfrm>
+            <a:prstGeom prst="rect">
+              <a:avLst/>
+            </a:prstGeom>
+          </p:spPr>
+          <p:style>
+            <a:lnRef idx="2">
+              <a:schemeClr val="accent1">
+                <a:shade val="15000"/>
+              </a:schemeClr>
+            </a:lnRef>
+            <a:fillRef idx="1">
+              <a:schemeClr val="accent1"/>
+            </a:fillRef>
+            <a:effectRef idx="0">
+              <a:schemeClr val="accent1"/>
+            </a:effectRef>
+            <a:fontRef idx="minor">
+              <a:schemeClr val="lt1"/>
+            </a:fontRef>
+          </p:style>
+          <p:txBody>
+            <a:bodyPr vert="vert" rtlCol="0" anchor="ctr"/>
+            <a:lstStyle/>
+            <a:p>
+              <a:pPr algn="ctr"/>
+              <a:r>
+                <a:rPr lang="en-US" sz="700" noProof="0" dirty="0"/>
+                <a:t>19</a:t>
+              </a:r>
+            </a:p>
+          </p:txBody>
+        </p:sp>
+        <p:sp>
+          <p:nvSpPr>
+            <p:cNvPr id="61" name="Rettangolo 60">
+              <a:extLst>
+                <a:ext uri="{FF2B5EF4-FFF2-40B4-BE49-F238E27FC236}">
+                  <a16:creationId xmlns:a16="http://schemas.microsoft.com/office/drawing/2014/main" id="{738EA1D3-6646-B7A3-C918-2F2B4BC34010}"/>
+                </a:ext>
+              </a:extLst>
+            </p:cNvPr>
+            <p:cNvSpPr/>
+            <p:nvPr/>
+          </p:nvSpPr>
+          <p:spPr>
+            <a:xfrm>
+              <a:off x="3927847" y="3218988"/>
+              <a:ext cx="197153" cy="254619"/>
+            </a:xfrm>
+            <a:prstGeom prst="rect">
+              <a:avLst/>
+            </a:prstGeom>
+          </p:spPr>
+          <p:style>
+            <a:lnRef idx="2">
+              <a:schemeClr val="accent1">
+                <a:shade val="15000"/>
+              </a:schemeClr>
+            </a:lnRef>
+            <a:fillRef idx="1">
+              <a:schemeClr val="accent1"/>
+            </a:fillRef>
+            <a:effectRef idx="0">
+              <a:schemeClr val="accent1"/>
+            </a:effectRef>
+            <a:fontRef idx="minor">
+              <a:schemeClr val="lt1"/>
+            </a:fontRef>
+          </p:style>
+          <p:txBody>
+            <a:bodyPr vert="vert" rtlCol="0" anchor="ctr"/>
+            <a:lstStyle/>
+            <a:p>
+              <a:pPr algn="ctr"/>
+              <a:r>
+                <a:rPr lang="en-US" sz="700" noProof="0" dirty="0">
+                  <a:solidFill>
+                    <a:srgbClr val="FFFFFF"/>
+                  </a:solidFill>
+                  <a:effectLst/>
+                  <a:latin typeface="Lato" panose="020F0502020204030203" pitchFamily="34" charset="0"/>
+                </a:rPr>
+                <a:t>18</a:t>
+              </a:r>
+              <a:endParaRPr lang="en-US" sz="1000" noProof="0" dirty="0"/>
+            </a:p>
+          </p:txBody>
+        </p:sp>
+        <p:sp>
+          <p:nvSpPr>
+            <p:cNvPr id="62" name="Rettangolo 61">
+              <a:extLst>
+                <a:ext uri="{FF2B5EF4-FFF2-40B4-BE49-F238E27FC236}">
+                  <a16:creationId xmlns:a16="http://schemas.microsoft.com/office/drawing/2014/main" id="{846235DD-92FF-ED3A-A685-43EDBB989CF8}"/>
+                </a:ext>
+              </a:extLst>
+            </p:cNvPr>
+            <p:cNvSpPr/>
+            <p:nvPr/>
+          </p:nvSpPr>
+          <p:spPr>
+            <a:xfrm>
+              <a:off x="4080247" y="3218988"/>
+              <a:ext cx="197153" cy="254619"/>
+            </a:xfrm>
+            <a:prstGeom prst="rect">
+              <a:avLst/>
+            </a:prstGeom>
+          </p:spPr>
+          <p:style>
+            <a:lnRef idx="2">
+              <a:schemeClr val="accent1">
+                <a:shade val="15000"/>
+              </a:schemeClr>
+            </a:lnRef>
+            <a:fillRef idx="1">
+              <a:schemeClr val="accent1"/>
+            </a:fillRef>
+            <a:effectRef idx="0">
+              <a:schemeClr val="accent1"/>
+            </a:effectRef>
+            <a:fontRef idx="minor">
+              <a:schemeClr val="lt1"/>
+            </a:fontRef>
+          </p:style>
+          <p:txBody>
+            <a:bodyPr vert="vert" rtlCol="0" anchor="ctr"/>
+            <a:lstStyle/>
+            <a:p>
+              <a:pPr algn="ctr"/>
+              <a:r>
+                <a:rPr lang="en-US" sz="700" noProof="0" dirty="0">
+                  <a:solidFill>
+                    <a:srgbClr val="FFFFFF"/>
+                  </a:solidFill>
+                  <a:effectLst/>
+                  <a:latin typeface="Lato" panose="020F0502020204030203" pitchFamily="34" charset="0"/>
+                </a:rPr>
+                <a:t>17</a:t>
+              </a:r>
+              <a:endParaRPr lang="en-US" sz="1000" noProof="0" dirty="0"/>
+            </a:p>
+          </p:txBody>
+        </p:sp>
+        <p:sp>
+          <p:nvSpPr>
+            <p:cNvPr id="63" name="Rettangolo 62">
+              <a:extLst>
+                <a:ext uri="{FF2B5EF4-FFF2-40B4-BE49-F238E27FC236}">
+                  <a16:creationId xmlns:a16="http://schemas.microsoft.com/office/drawing/2014/main" id="{3D2FDAAA-DC6D-6CCC-3C42-E18B5866FEE5}"/>
+                </a:ext>
+              </a:extLst>
+            </p:cNvPr>
+            <p:cNvSpPr/>
+            <p:nvPr/>
+          </p:nvSpPr>
+          <p:spPr>
+            <a:xfrm>
+              <a:off x="4232647" y="3218988"/>
+              <a:ext cx="197153" cy="254619"/>
+            </a:xfrm>
+            <a:prstGeom prst="rect">
+              <a:avLst/>
+            </a:prstGeom>
+          </p:spPr>
+          <p:style>
+            <a:lnRef idx="2">
+              <a:schemeClr val="accent1">
+                <a:shade val="15000"/>
+              </a:schemeClr>
+            </a:lnRef>
+            <a:fillRef idx="1">
+              <a:schemeClr val="accent1"/>
+            </a:fillRef>
+            <a:effectRef idx="0">
+              <a:schemeClr val="accent1"/>
+            </a:effectRef>
+            <a:fontRef idx="minor">
+              <a:schemeClr val="lt1"/>
+            </a:fontRef>
+          </p:style>
+          <p:txBody>
+            <a:bodyPr vert="vert" rtlCol="0" anchor="ctr"/>
+            <a:lstStyle/>
+            <a:p>
+              <a:pPr algn="ctr"/>
+              <a:r>
+                <a:rPr lang="en-US" sz="700" noProof="0" dirty="0">
+                  <a:solidFill>
+                    <a:srgbClr val="FFFFFF"/>
+                  </a:solidFill>
+                  <a:latin typeface="Lato" panose="020F0502020204030203" pitchFamily="34" charset="0"/>
+                </a:rPr>
+                <a:t>16</a:t>
+              </a:r>
+              <a:endParaRPr lang="en-US" sz="1000" noProof="0" dirty="0"/>
+            </a:p>
+          </p:txBody>
+        </p:sp>
+        <p:sp>
+          <p:nvSpPr>
+            <p:cNvPr id="64" name="Rettangolo 63">
+              <a:extLst>
+                <a:ext uri="{FF2B5EF4-FFF2-40B4-BE49-F238E27FC236}">
+                  <a16:creationId xmlns:a16="http://schemas.microsoft.com/office/drawing/2014/main" id="{21CED7B6-293C-535C-3A71-F1A3F57969C7}"/>
+                </a:ext>
+              </a:extLst>
+            </p:cNvPr>
+            <p:cNvSpPr/>
+            <p:nvPr/>
+          </p:nvSpPr>
+          <p:spPr>
+            <a:xfrm>
+              <a:off x="4385047" y="3218988"/>
+              <a:ext cx="197153" cy="254619"/>
+            </a:xfrm>
+            <a:prstGeom prst="rect">
+              <a:avLst/>
+            </a:prstGeom>
+          </p:spPr>
+          <p:style>
+            <a:lnRef idx="2">
+              <a:schemeClr val="accent1">
+                <a:shade val="15000"/>
+              </a:schemeClr>
+            </a:lnRef>
+            <a:fillRef idx="1">
+              <a:schemeClr val="accent1"/>
+            </a:fillRef>
+            <a:effectRef idx="0">
+              <a:schemeClr val="accent1"/>
+            </a:effectRef>
+            <a:fontRef idx="minor">
+              <a:schemeClr val="lt1"/>
+            </a:fontRef>
+          </p:style>
+          <p:txBody>
+            <a:bodyPr vert="vert" rtlCol="0" anchor="ctr"/>
+            <a:lstStyle/>
+            <a:p>
+              <a:pPr algn="ctr"/>
+              <a:r>
+                <a:rPr lang="en-US" sz="700" noProof="0" dirty="0">
+                  <a:solidFill>
+                    <a:srgbClr val="FFFFFF"/>
+                  </a:solidFill>
+                  <a:effectLst/>
+                  <a:latin typeface="Lato" panose="020F0502020204030203" pitchFamily="34" charset="0"/>
+                </a:rPr>
+                <a:t>15</a:t>
+              </a:r>
+              <a:endParaRPr lang="en-US" sz="1000" noProof="0" dirty="0"/>
+            </a:p>
+          </p:txBody>
+        </p:sp>
+        <p:sp>
+          <p:nvSpPr>
+            <p:cNvPr id="65" name="Rettangolo 64">
+              <a:extLst>
+                <a:ext uri="{FF2B5EF4-FFF2-40B4-BE49-F238E27FC236}">
+                  <a16:creationId xmlns:a16="http://schemas.microsoft.com/office/drawing/2014/main" id="{691775C8-BE9E-2584-D996-E3889A7AC5BF}"/>
+                </a:ext>
+              </a:extLst>
+            </p:cNvPr>
+            <p:cNvSpPr/>
+            <p:nvPr/>
+          </p:nvSpPr>
+          <p:spPr>
+            <a:xfrm>
+              <a:off x="4537447" y="3218988"/>
+              <a:ext cx="197153" cy="254619"/>
+            </a:xfrm>
+            <a:prstGeom prst="rect">
+              <a:avLst/>
+            </a:prstGeom>
+          </p:spPr>
+          <p:style>
+            <a:lnRef idx="2">
+              <a:schemeClr val="accent1">
+                <a:shade val="15000"/>
+              </a:schemeClr>
+            </a:lnRef>
+            <a:fillRef idx="1">
+              <a:schemeClr val="accent1"/>
+            </a:fillRef>
+            <a:effectRef idx="0">
+              <a:schemeClr val="accent1"/>
+            </a:effectRef>
+            <a:fontRef idx="minor">
+              <a:schemeClr val="lt1"/>
+            </a:fontRef>
+          </p:style>
+          <p:txBody>
+            <a:bodyPr vert="vert" rtlCol="0" anchor="ctr"/>
+            <a:lstStyle/>
+            <a:p>
+              <a:pPr algn="ctr"/>
+              <a:r>
+                <a:rPr lang="en-US" sz="700" noProof="0" dirty="0">
+                  <a:solidFill>
+                    <a:srgbClr val="FFFFFF"/>
+                  </a:solidFill>
+                  <a:effectLst/>
+                  <a:latin typeface="Lato" panose="020F0502020204030203" pitchFamily="34" charset="0"/>
+                </a:rPr>
+                <a:t>14</a:t>
+              </a:r>
+              <a:endParaRPr lang="en-US" sz="1000" noProof="0" dirty="0"/>
+            </a:p>
+          </p:txBody>
+        </p:sp>
+        <p:sp>
+          <p:nvSpPr>
+            <p:cNvPr id="66" name="Rettangolo 65">
+              <a:extLst>
+                <a:ext uri="{FF2B5EF4-FFF2-40B4-BE49-F238E27FC236}">
+                  <a16:creationId xmlns:a16="http://schemas.microsoft.com/office/drawing/2014/main" id="{6040F464-E946-BB30-0E6D-BC1BB4ADCF5C}"/>
+                </a:ext>
+              </a:extLst>
+            </p:cNvPr>
+            <p:cNvSpPr/>
+            <p:nvPr/>
+          </p:nvSpPr>
+          <p:spPr>
+            <a:xfrm>
+              <a:off x="4689847" y="3218988"/>
+              <a:ext cx="193743" cy="254619"/>
+            </a:xfrm>
+            <a:prstGeom prst="rect">
+              <a:avLst/>
+            </a:prstGeom>
+          </p:spPr>
+          <p:style>
+            <a:lnRef idx="2">
+              <a:schemeClr val="accent1">
+                <a:shade val="15000"/>
+              </a:schemeClr>
+            </a:lnRef>
+            <a:fillRef idx="1">
+              <a:schemeClr val="accent1"/>
+            </a:fillRef>
+            <a:effectRef idx="0">
+              <a:schemeClr val="accent1"/>
+            </a:effectRef>
+            <a:fontRef idx="minor">
+              <a:schemeClr val="lt1"/>
+            </a:fontRef>
+          </p:style>
+          <p:txBody>
+            <a:bodyPr vert="vert" rtlCol="0" anchor="ctr"/>
+            <a:lstStyle/>
+            <a:p>
+              <a:pPr algn="ctr"/>
+              <a:r>
+                <a:rPr lang="en-US" sz="700" noProof="0" dirty="0">
+                  <a:solidFill>
+                    <a:srgbClr val="FFFFFF"/>
+                  </a:solidFill>
+                  <a:effectLst/>
+                  <a:latin typeface="Lato" panose="020F0502020204030203" pitchFamily="34" charset="0"/>
+                </a:rPr>
+                <a:t>13</a:t>
+              </a:r>
+              <a:endParaRPr lang="en-US" sz="1000" noProof="0" dirty="0"/>
+            </a:p>
+          </p:txBody>
+        </p:sp>
+      </p:grpSp>
+      <p:cxnSp>
+        <p:nvCxnSpPr>
+          <p:cNvPr id="95" name="Connettore a gomito 94">
+            <a:extLst>
+              <a:ext uri="{FF2B5EF4-FFF2-40B4-BE49-F238E27FC236}">
+                <a16:creationId xmlns:a16="http://schemas.microsoft.com/office/drawing/2014/main" id="{DAECAD83-0D62-A98E-D56D-669BC0D20B5F}"/>
+              </a:ext>
+            </a:extLst>
+          </p:cNvPr>
+          <p:cNvCxnSpPr>
+            <a:cxnSpLocks/>
+            <a:stCxn id="42" idx="0"/>
+            <a:endCxn id="9" idx="2"/>
+          </p:cNvCxnSpPr>
+          <p:nvPr/>
+        </p:nvCxnSpPr>
+        <p:spPr>
+          <a:xfrm rot="16200000" flipV="1">
+            <a:off x="1551156" y="1852813"/>
+            <a:ext cx="546041" cy="126423"/>
+          </a:xfrm>
+          <a:prstGeom prst="bentConnector3">
+            <a:avLst>
+              <a:gd name="adj1" fmla="val 82366"/>
+            </a:avLst>
+          </a:prstGeom>
+        </p:spPr>
+        <p:style>
+          <a:lnRef idx="1">
+            <a:schemeClr val="accent1"/>
+          </a:lnRef>
+          <a:fillRef idx="0">
+            <a:schemeClr val="accent1"/>
+          </a:fillRef>
+          <a:effectRef idx="0">
+            <a:schemeClr val="accent1"/>
+          </a:effectRef>
+          <a:fontRef idx="minor">
+            <a:schemeClr val="tx1"/>
+          </a:fontRef>
+        </p:style>
+      </p:cxnSp>
+      <p:cxnSp>
+        <p:nvCxnSpPr>
+          <p:cNvPr id="109" name="Connettore a gomito 108">
+            <a:extLst>
+              <a:ext uri="{FF2B5EF4-FFF2-40B4-BE49-F238E27FC236}">
+                <a16:creationId xmlns:a16="http://schemas.microsoft.com/office/drawing/2014/main" id="{FBA9D46E-E138-1741-E7C5-8155F5F92672}"/>
+              </a:ext>
+            </a:extLst>
+          </p:cNvPr>
+          <p:cNvCxnSpPr>
+            <a:cxnSpLocks/>
+            <a:stCxn id="14" idx="2"/>
+            <a:endCxn id="43" idx="0"/>
+          </p:cNvCxnSpPr>
+          <p:nvPr/>
+        </p:nvCxnSpPr>
+        <p:spPr>
+          <a:xfrm rot="5400000">
+            <a:off x="2230407" y="1452385"/>
+            <a:ext cx="546041" cy="927279"/>
+          </a:xfrm>
+          <a:prstGeom prst="bentConnector3">
+            <a:avLst>
+              <a:gd name="adj1" fmla="val 16227"/>
+            </a:avLst>
+          </a:prstGeom>
+        </p:spPr>
+        <p:style>
+          <a:lnRef idx="1">
+            <a:schemeClr val="accent1"/>
+          </a:lnRef>
+          <a:fillRef idx="0">
+            <a:schemeClr val="accent1"/>
+          </a:fillRef>
+          <a:effectRef idx="0">
+            <a:schemeClr val="accent1"/>
+          </a:effectRef>
+          <a:fontRef idx="minor">
+            <a:schemeClr val="tx1"/>
+          </a:fontRef>
+        </p:style>
+      </p:cxnSp>
+      <p:grpSp>
+        <p:nvGrpSpPr>
+          <p:cNvPr id="126" name="Gruppo 125">
+            <a:extLst>
+              <a:ext uri="{FF2B5EF4-FFF2-40B4-BE49-F238E27FC236}">
+                <a16:creationId xmlns:a16="http://schemas.microsoft.com/office/drawing/2014/main" id="{6195381B-2656-2CA0-2EA8-AF548F9AD2EE}"/>
+              </a:ext>
+            </a:extLst>
+          </p:cNvPr>
+          <p:cNvGrpSpPr/>
+          <p:nvPr/>
+        </p:nvGrpSpPr>
+        <p:grpSpPr>
+          <a:xfrm>
+            <a:off x="4319146" y="2621190"/>
+            <a:ext cx="949894" cy="421626"/>
+            <a:chOff x="4069716" y="642470"/>
+            <a:chExt cx="949894" cy="421626"/>
+          </a:xfrm>
+        </p:grpSpPr>
+        <p:grpSp>
+          <p:nvGrpSpPr>
+            <p:cNvPr id="122" name="Gruppo 121">
+              <a:extLst>
+                <a:ext uri="{FF2B5EF4-FFF2-40B4-BE49-F238E27FC236}">
+                  <a16:creationId xmlns:a16="http://schemas.microsoft.com/office/drawing/2014/main" id="{4AE8A80B-2999-BE14-E05E-7836CBD514AF}"/>
+                </a:ext>
+              </a:extLst>
+            </p:cNvPr>
+            <p:cNvGrpSpPr/>
+            <p:nvPr/>
+          </p:nvGrpSpPr>
+          <p:grpSpPr>
+            <a:xfrm>
+              <a:off x="4069716" y="642470"/>
+              <a:ext cx="945355" cy="421626"/>
+              <a:chOff x="746149" y="1218817"/>
+              <a:chExt cx="1141173" cy="541380"/>
+            </a:xfrm>
+          </p:grpSpPr>
+          <p:sp>
+            <p:nvSpPr>
+              <p:cNvPr id="123" name="Rettangolo 122">
+                <a:extLst>
+                  <a:ext uri="{FF2B5EF4-FFF2-40B4-BE49-F238E27FC236}">
+                    <a16:creationId xmlns:a16="http://schemas.microsoft.com/office/drawing/2014/main" id="{4FD6C1CF-5494-31E7-9D0E-91D9EE9CC0E7}"/>
+                  </a:ext>
+                </a:extLst>
+              </p:cNvPr>
+              <p:cNvSpPr/>
+              <p:nvPr/>
+            </p:nvSpPr>
+            <p:spPr>
+              <a:xfrm>
+                <a:off x="746150" y="1218817"/>
+                <a:ext cx="1141172" cy="541380"/>
+              </a:xfrm>
+              <a:prstGeom prst="rect">
+                <a:avLst/>
+              </a:prstGeom>
+            </p:spPr>
+            <p:style>
+              <a:lnRef idx="2">
+                <a:schemeClr val="accent2"/>
+              </a:lnRef>
+              <a:fillRef idx="1">
+                <a:schemeClr val="lt1"/>
+              </a:fillRef>
+              <a:effectRef idx="0">
+                <a:schemeClr val="accent2"/>
+              </a:effectRef>
+              <a:fontRef idx="minor">
+                <a:schemeClr val="dk1"/>
+              </a:fontRef>
+            </p:style>
+            <p:txBody>
+              <a:bodyPr rtlCol="0" anchor="t" anchorCtr="0"/>
+              <a:lstStyle/>
+              <a:p>
+                <a:pPr algn="ctr"/>
+                <a:r>
+                  <a:rPr lang="en-US" sz="900" noProof="0" dirty="0"/>
+                  <a:t>Workstation 1</a:t>
+                </a:r>
+              </a:p>
+            </p:txBody>
+          </p:sp>
+          <p:sp>
+            <p:nvSpPr>
+              <p:cNvPr id="124" name="Rettangolo 123">
+                <a:extLst>
+                  <a:ext uri="{FF2B5EF4-FFF2-40B4-BE49-F238E27FC236}">
+                    <a16:creationId xmlns:a16="http://schemas.microsoft.com/office/drawing/2014/main" id="{0858D048-4EF3-98D8-4B9E-97B3454BB9F3}"/>
+                  </a:ext>
+                </a:extLst>
+              </p:cNvPr>
+              <p:cNvSpPr/>
+              <p:nvPr/>
+            </p:nvSpPr>
+            <p:spPr>
+              <a:xfrm>
+                <a:off x="746149" y="1529225"/>
+                <a:ext cx="584563" cy="230972"/>
+              </a:xfrm>
+              <a:prstGeom prst="rect">
+                <a:avLst/>
+              </a:prstGeom>
+            </p:spPr>
+            <p:style>
+              <a:lnRef idx="2">
+                <a:schemeClr val="accent1">
+                  <a:shade val="15000"/>
+                </a:schemeClr>
+              </a:lnRef>
+              <a:fillRef idx="1">
+                <a:schemeClr val="accent1"/>
+              </a:fillRef>
+              <a:effectRef idx="0">
+                <a:schemeClr val="accent1"/>
+              </a:effectRef>
+              <a:fontRef idx="minor">
+                <a:schemeClr val="lt1"/>
+              </a:fontRef>
+            </p:style>
+            <p:txBody>
+              <a:bodyPr rtlCol="0" anchor="t" anchorCtr="0"/>
+              <a:lstStyle/>
+              <a:p>
+                <a:pPr algn="ctr"/>
+                <a:r>
+                  <a:rPr lang="en-US" sz="700" noProof="0" dirty="0"/>
+                  <a:t>eth0</a:t>
+                </a:r>
+              </a:p>
+            </p:txBody>
+          </p:sp>
+        </p:grpSp>
+        <p:sp>
+          <p:nvSpPr>
+            <p:cNvPr id="125" name="Rettangolo 124">
+              <a:extLst>
+                <a:ext uri="{FF2B5EF4-FFF2-40B4-BE49-F238E27FC236}">
+                  <a16:creationId xmlns:a16="http://schemas.microsoft.com/office/drawing/2014/main" id="{A6F42B88-67A0-36DE-4196-69D1F7431283}"/>
+                </a:ext>
+              </a:extLst>
+            </p:cNvPr>
+            <p:cNvSpPr/>
+            <p:nvPr/>
+          </p:nvSpPr>
+          <p:spPr>
+            <a:xfrm>
+              <a:off x="4535354" y="884215"/>
+              <a:ext cx="484256" cy="179881"/>
+            </a:xfrm>
+            <a:prstGeom prst="rect">
+              <a:avLst/>
+            </a:prstGeom>
+          </p:spPr>
+          <p:style>
+            <a:lnRef idx="2">
+              <a:schemeClr val="accent1">
+                <a:shade val="15000"/>
+              </a:schemeClr>
+            </a:lnRef>
+            <a:fillRef idx="1">
+              <a:schemeClr val="accent1"/>
+            </a:fillRef>
+            <a:effectRef idx="0">
+              <a:schemeClr val="accent1"/>
+            </a:effectRef>
+            <a:fontRef idx="minor">
+              <a:schemeClr val="lt1"/>
+            </a:fontRef>
+          </p:style>
+          <p:txBody>
+            <a:bodyPr rtlCol="0" anchor="t" anchorCtr="0"/>
+            <a:lstStyle/>
+            <a:p>
+              <a:pPr algn="ctr"/>
+              <a:r>
+                <a:rPr lang="en-US" sz="700" noProof="0" dirty="0"/>
+                <a:t>eth1</a:t>
+              </a:r>
+            </a:p>
+          </p:txBody>
+        </p:sp>
+      </p:grpSp>
+      <p:grpSp>
+        <p:nvGrpSpPr>
+          <p:cNvPr id="138" name="Gruppo 137">
+            <a:extLst>
+              <a:ext uri="{FF2B5EF4-FFF2-40B4-BE49-F238E27FC236}">
+                <a16:creationId xmlns:a16="http://schemas.microsoft.com/office/drawing/2014/main" id="{8376623C-3B2A-0606-4D88-ED3454009333}"/>
+              </a:ext>
+            </a:extLst>
+          </p:cNvPr>
+          <p:cNvGrpSpPr/>
+          <p:nvPr/>
+        </p:nvGrpSpPr>
+        <p:grpSpPr>
+          <a:xfrm>
+            <a:off x="3931041" y="1138118"/>
+            <a:ext cx="949894" cy="421626"/>
+            <a:chOff x="4069716" y="642470"/>
+            <a:chExt cx="949894" cy="421626"/>
+          </a:xfrm>
+        </p:grpSpPr>
+        <p:grpSp>
+          <p:nvGrpSpPr>
+            <p:cNvPr id="139" name="Gruppo 138">
+              <a:extLst>
+                <a:ext uri="{FF2B5EF4-FFF2-40B4-BE49-F238E27FC236}">
+                  <a16:creationId xmlns:a16="http://schemas.microsoft.com/office/drawing/2014/main" id="{E39F0FCF-EF01-3A98-5017-3EF77FFADA80}"/>
+                </a:ext>
+              </a:extLst>
+            </p:cNvPr>
+            <p:cNvGrpSpPr/>
+            <p:nvPr/>
+          </p:nvGrpSpPr>
+          <p:grpSpPr>
+            <a:xfrm>
+              <a:off x="4069716" y="642470"/>
+              <a:ext cx="945355" cy="421626"/>
+              <a:chOff x="746149" y="1218817"/>
+              <a:chExt cx="1141173" cy="541380"/>
+            </a:xfrm>
+          </p:grpSpPr>
+          <p:sp>
+            <p:nvSpPr>
+              <p:cNvPr id="141" name="Rettangolo 140">
+                <a:extLst>
+                  <a:ext uri="{FF2B5EF4-FFF2-40B4-BE49-F238E27FC236}">
+                    <a16:creationId xmlns:a16="http://schemas.microsoft.com/office/drawing/2014/main" id="{6AFCF820-AF22-765A-19DC-DE159E0A3EC0}"/>
+                  </a:ext>
+                </a:extLst>
+              </p:cNvPr>
+              <p:cNvSpPr/>
+              <p:nvPr/>
+            </p:nvSpPr>
+            <p:spPr>
+              <a:xfrm>
+                <a:off x="746150" y="1218817"/>
+                <a:ext cx="1141172" cy="541380"/>
+              </a:xfrm>
+              <a:prstGeom prst="rect">
+                <a:avLst/>
+              </a:prstGeom>
+            </p:spPr>
+            <p:style>
+              <a:lnRef idx="2">
+                <a:schemeClr val="accent2"/>
+              </a:lnRef>
+              <a:fillRef idx="1">
+                <a:schemeClr val="lt1"/>
+              </a:fillRef>
+              <a:effectRef idx="0">
+                <a:schemeClr val="accent2"/>
+              </a:effectRef>
+              <a:fontRef idx="minor">
+                <a:schemeClr val="dk1"/>
+              </a:fontRef>
+            </p:style>
+            <p:txBody>
+              <a:bodyPr rtlCol="0" anchor="t" anchorCtr="0"/>
+              <a:lstStyle/>
+              <a:p>
+                <a:pPr algn="ctr"/>
+                <a:r>
+                  <a:rPr lang="en-US" sz="900" noProof="0" dirty="0"/>
+                  <a:t>NAS</a:t>
+                </a:r>
+              </a:p>
+            </p:txBody>
+          </p:sp>
+          <p:sp>
+            <p:nvSpPr>
+              <p:cNvPr id="142" name="Rettangolo 141">
+                <a:extLst>
+                  <a:ext uri="{FF2B5EF4-FFF2-40B4-BE49-F238E27FC236}">
+                    <a16:creationId xmlns:a16="http://schemas.microsoft.com/office/drawing/2014/main" id="{F4AD1724-2D52-720E-37CD-20509E794951}"/>
+                  </a:ext>
+                </a:extLst>
+              </p:cNvPr>
+              <p:cNvSpPr/>
+              <p:nvPr/>
+            </p:nvSpPr>
+            <p:spPr>
+              <a:xfrm>
+                <a:off x="746149" y="1529225"/>
+                <a:ext cx="584563" cy="230972"/>
+              </a:xfrm>
+              <a:prstGeom prst="rect">
+                <a:avLst/>
+              </a:prstGeom>
+            </p:spPr>
+            <p:style>
+              <a:lnRef idx="2">
+                <a:schemeClr val="accent1">
+                  <a:shade val="15000"/>
+                </a:schemeClr>
+              </a:lnRef>
+              <a:fillRef idx="1">
+                <a:schemeClr val="accent1"/>
+              </a:fillRef>
+              <a:effectRef idx="0">
+                <a:schemeClr val="accent1"/>
+              </a:effectRef>
+              <a:fontRef idx="minor">
+                <a:schemeClr val="lt1"/>
+              </a:fontRef>
+            </p:style>
+            <p:txBody>
+              <a:bodyPr rtlCol="0" anchor="t" anchorCtr="0"/>
+              <a:lstStyle/>
+              <a:p>
+                <a:pPr algn="ctr"/>
+                <a:r>
+                  <a:rPr lang="en-US" sz="700" noProof="0" dirty="0"/>
+                  <a:t>eth0</a:t>
+                </a:r>
+              </a:p>
+            </p:txBody>
+          </p:sp>
+        </p:grpSp>
+        <p:sp>
+          <p:nvSpPr>
+            <p:cNvPr id="140" name="Rettangolo 139">
+              <a:extLst>
+                <a:ext uri="{FF2B5EF4-FFF2-40B4-BE49-F238E27FC236}">
+                  <a16:creationId xmlns:a16="http://schemas.microsoft.com/office/drawing/2014/main" id="{9D9BB073-EA60-0186-B0BC-4D2EFE5418F4}"/>
+                </a:ext>
+              </a:extLst>
+            </p:cNvPr>
+            <p:cNvSpPr/>
+            <p:nvPr/>
+          </p:nvSpPr>
+          <p:spPr>
+            <a:xfrm>
+              <a:off x="4535354" y="884215"/>
+              <a:ext cx="484256" cy="179881"/>
+            </a:xfrm>
+            <a:prstGeom prst="rect">
+              <a:avLst/>
+            </a:prstGeom>
+          </p:spPr>
+          <p:style>
+            <a:lnRef idx="2">
+              <a:schemeClr val="accent1">
+                <a:shade val="15000"/>
+              </a:schemeClr>
+            </a:lnRef>
+            <a:fillRef idx="1">
+              <a:schemeClr val="accent1"/>
+            </a:fillRef>
+            <a:effectRef idx="0">
+              <a:schemeClr val="accent1"/>
+            </a:effectRef>
+            <a:fontRef idx="minor">
+              <a:schemeClr val="lt1"/>
+            </a:fontRef>
+          </p:style>
+          <p:txBody>
+            <a:bodyPr rtlCol="0" anchor="t" anchorCtr="0"/>
+            <a:lstStyle/>
+            <a:p>
+              <a:pPr algn="ctr"/>
+              <a:r>
+                <a:rPr lang="en-US" sz="700" noProof="0" dirty="0"/>
+                <a:t>eth1</a:t>
+              </a:r>
+            </a:p>
+          </p:txBody>
+        </p:sp>
+      </p:grpSp>
+      <p:cxnSp>
+        <p:nvCxnSpPr>
+          <p:cNvPr id="144" name="Connettore a gomito 143">
+            <a:extLst>
+              <a:ext uri="{FF2B5EF4-FFF2-40B4-BE49-F238E27FC236}">
+                <a16:creationId xmlns:a16="http://schemas.microsoft.com/office/drawing/2014/main" id="{0F4E384F-FCFA-B896-83C8-AFDF85C7CBBB}"/>
+              </a:ext>
+            </a:extLst>
+          </p:cNvPr>
+          <p:cNvCxnSpPr>
+            <a:cxnSpLocks/>
+            <a:stCxn id="124" idx="2"/>
+            <a:endCxn id="53" idx="0"/>
+          </p:cNvCxnSpPr>
+          <p:nvPr/>
+        </p:nvCxnSpPr>
+        <p:spPr>
+          <a:xfrm rot="5400000" flipH="1">
+            <a:off x="3635645" y="2117188"/>
+            <a:ext cx="853771" cy="997487"/>
+          </a:xfrm>
+          <a:prstGeom prst="bentConnector5">
+            <a:avLst>
+              <a:gd name="adj1" fmla="val -26775"/>
+              <a:gd name="adj2" fmla="val 57196"/>
+              <a:gd name="adj3" fmla="val 126775"/>
+            </a:avLst>
+          </a:prstGeom>
+        </p:spPr>
+        <p:style>
+          <a:lnRef idx="1">
+            <a:schemeClr val="accent1"/>
+          </a:lnRef>
+          <a:fillRef idx="0">
+            <a:schemeClr val="accent1"/>
+          </a:fillRef>
+          <a:effectRef idx="0">
+            <a:schemeClr val="accent1"/>
+          </a:effectRef>
+          <a:fontRef idx="minor">
+            <a:schemeClr val="tx1"/>
+          </a:fontRef>
+        </p:style>
+      </p:cxnSp>
+      <p:cxnSp>
+        <p:nvCxnSpPr>
+          <p:cNvPr id="149" name="Connettore a gomito 148">
+            <a:extLst>
+              <a:ext uri="{FF2B5EF4-FFF2-40B4-BE49-F238E27FC236}">
+                <a16:creationId xmlns:a16="http://schemas.microsoft.com/office/drawing/2014/main" id="{E643CE2D-E868-79E6-26F5-91FAF0F99D66}"/>
+              </a:ext>
+            </a:extLst>
+          </p:cNvPr>
+          <p:cNvCxnSpPr>
+            <a:cxnSpLocks/>
+            <a:stCxn id="125" idx="2"/>
+            <a:endCxn id="66" idx="2"/>
+          </p:cNvCxnSpPr>
+          <p:nvPr/>
+        </p:nvCxnSpPr>
+        <p:spPr>
+          <a:xfrm rot="5400000">
+            <a:off x="4189008" y="2427230"/>
+            <a:ext cx="222318" cy="1453490"/>
+          </a:xfrm>
+          <a:prstGeom prst="bentConnector3">
+            <a:avLst>
+              <a:gd name="adj1" fmla="val 202826"/>
+            </a:avLst>
+          </a:prstGeom>
+        </p:spPr>
+        <p:style>
+          <a:lnRef idx="1">
+            <a:schemeClr val="accent1"/>
+          </a:lnRef>
+          <a:fillRef idx="0">
+            <a:schemeClr val="accent1"/>
+          </a:fillRef>
+          <a:effectRef idx="0">
+            <a:schemeClr val="accent1"/>
+          </a:effectRef>
+          <a:fontRef idx="minor">
+            <a:schemeClr val="tx1"/>
+          </a:fontRef>
+        </p:style>
+      </p:cxnSp>
+      <p:cxnSp>
+        <p:nvCxnSpPr>
+          <p:cNvPr id="180" name="Connettore a gomito 179">
+            <a:extLst>
+              <a:ext uri="{FF2B5EF4-FFF2-40B4-BE49-F238E27FC236}">
+                <a16:creationId xmlns:a16="http://schemas.microsoft.com/office/drawing/2014/main" id="{29A3A150-A5C5-4552-2D7C-BDF1156BF35D}"/>
+              </a:ext>
+            </a:extLst>
+          </p:cNvPr>
+          <p:cNvCxnSpPr>
+            <a:cxnSpLocks/>
+            <a:stCxn id="142" idx="2"/>
+            <a:endCxn id="52" idx="0"/>
+          </p:cNvCxnSpPr>
+          <p:nvPr/>
+        </p:nvCxnSpPr>
+        <p:spPr>
+          <a:xfrm rot="5400000">
+            <a:off x="3477628" y="1493503"/>
+            <a:ext cx="629301" cy="761782"/>
+          </a:xfrm>
+          <a:prstGeom prst="bentConnector3">
+            <a:avLst>
+              <a:gd name="adj1" fmla="val 50000"/>
+            </a:avLst>
+          </a:prstGeom>
+        </p:spPr>
+        <p:style>
+          <a:lnRef idx="1">
+            <a:schemeClr val="accent1"/>
+          </a:lnRef>
+          <a:fillRef idx="0">
+            <a:schemeClr val="accent1"/>
+          </a:fillRef>
+          <a:effectRef idx="0">
+            <a:schemeClr val="accent1"/>
+          </a:effectRef>
+          <a:fontRef idx="minor">
+            <a:schemeClr val="tx1"/>
+          </a:fontRef>
+        </p:style>
+      </p:cxnSp>
+      <p:grpSp>
+        <p:nvGrpSpPr>
+          <p:cNvPr id="194" name="Gruppo 193">
+            <a:extLst>
+              <a:ext uri="{FF2B5EF4-FFF2-40B4-BE49-F238E27FC236}">
+                <a16:creationId xmlns:a16="http://schemas.microsoft.com/office/drawing/2014/main" id="{69A935F0-5370-5276-D0BE-1F2317D2C5A3}"/>
+              </a:ext>
+            </a:extLst>
+          </p:cNvPr>
+          <p:cNvGrpSpPr/>
+          <p:nvPr/>
+        </p:nvGrpSpPr>
+        <p:grpSpPr>
+          <a:xfrm>
+            <a:off x="2069456" y="3819427"/>
+            <a:ext cx="945355" cy="421626"/>
+            <a:chOff x="746149" y="1218817"/>
+            <a:chExt cx="1141173" cy="541380"/>
+          </a:xfrm>
+        </p:grpSpPr>
+        <p:sp>
+          <p:nvSpPr>
+            <p:cNvPr id="196" name="Rettangolo 195">
+              <a:extLst>
+                <a:ext uri="{FF2B5EF4-FFF2-40B4-BE49-F238E27FC236}">
+                  <a16:creationId xmlns:a16="http://schemas.microsoft.com/office/drawing/2014/main" id="{07B3F538-2678-B092-A602-F5B33631723B}"/>
+                </a:ext>
+              </a:extLst>
+            </p:cNvPr>
+            <p:cNvSpPr/>
+            <p:nvPr/>
+          </p:nvSpPr>
+          <p:spPr>
+            <a:xfrm>
+              <a:off x="746150" y="1218817"/>
+              <a:ext cx="1141172" cy="541380"/>
+            </a:xfrm>
+            <a:prstGeom prst="rect">
+              <a:avLst/>
+            </a:prstGeom>
+          </p:spPr>
+          <p:style>
+            <a:lnRef idx="2">
+              <a:schemeClr val="accent2"/>
+            </a:lnRef>
+            <a:fillRef idx="1">
+              <a:schemeClr val="lt1"/>
+            </a:fillRef>
+            <a:effectRef idx="0">
+              <a:schemeClr val="accent2"/>
+            </a:effectRef>
+            <a:fontRef idx="minor">
+              <a:schemeClr val="dk1"/>
+            </a:fontRef>
+          </p:style>
+          <p:txBody>
+            <a:bodyPr rtlCol="0" anchor="t" anchorCtr="0"/>
+            <a:lstStyle/>
+            <a:p>
+              <a:pPr algn="ctr"/>
+              <a:r>
+                <a:rPr lang="en-US" sz="900" noProof="0" dirty="0"/>
+                <a:t>SERVER</a:t>
+              </a:r>
+            </a:p>
+          </p:txBody>
+        </p:sp>
+        <p:sp>
+          <p:nvSpPr>
+            <p:cNvPr id="197" name="Rettangolo 196">
+              <a:extLst>
+                <a:ext uri="{FF2B5EF4-FFF2-40B4-BE49-F238E27FC236}">
+                  <a16:creationId xmlns:a16="http://schemas.microsoft.com/office/drawing/2014/main" id="{247FC21D-7246-1354-576E-0907552ADF29}"/>
+                </a:ext>
+              </a:extLst>
+            </p:cNvPr>
+            <p:cNvSpPr/>
+            <p:nvPr/>
+          </p:nvSpPr>
+          <p:spPr>
+            <a:xfrm>
+              <a:off x="746149" y="1529225"/>
+              <a:ext cx="584563" cy="230972"/>
+            </a:xfrm>
+            <a:prstGeom prst="rect">
+              <a:avLst/>
+            </a:prstGeom>
+          </p:spPr>
+          <p:style>
+            <a:lnRef idx="2">
+              <a:schemeClr val="accent1">
+                <a:shade val="15000"/>
+              </a:schemeClr>
+            </a:lnRef>
+            <a:fillRef idx="1">
+              <a:schemeClr val="accent1"/>
+            </a:fillRef>
+            <a:effectRef idx="0">
+              <a:schemeClr val="accent1"/>
+            </a:effectRef>
+            <a:fontRef idx="minor">
+              <a:schemeClr val="lt1"/>
+            </a:fontRef>
+          </p:style>
+          <p:txBody>
+            <a:bodyPr rtlCol="0" anchor="t" anchorCtr="0"/>
+            <a:lstStyle/>
+            <a:p>
+              <a:pPr algn="ctr"/>
+              <a:r>
+                <a:rPr lang="en-US" sz="700" noProof="0" dirty="0"/>
+                <a:t>Eth0</a:t>
+              </a:r>
+            </a:p>
+          </p:txBody>
+        </p:sp>
+      </p:grpSp>
+      <p:cxnSp>
+        <p:nvCxnSpPr>
+          <p:cNvPr id="199" name="Connettore a gomito 198">
+            <a:extLst>
+              <a:ext uri="{FF2B5EF4-FFF2-40B4-BE49-F238E27FC236}">
+                <a16:creationId xmlns:a16="http://schemas.microsoft.com/office/drawing/2014/main" id="{C4139FFF-A6FA-AE6E-D94D-63E40B1134FF}"/>
+              </a:ext>
+            </a:extLst>
+          </p:cNvPr>
+          <p:cNvCxnSpPr>
+            <a:cxnSpLocks/>
+            <a:stCxn id="197" idx="2"/>
+            <a:endCxn id="55" idx="2"/>
+          </p:cNvCxnSpPr>
+          <p:nvPr/>
+        </p:nvCxnSpPr>
+        <p:spPr>
+          <a:xfrm rot="5400000" flipH="1">
+            <a:off x="1617196" y="3546666"/>
+            <a:ext cx="975919" cy="412857"/>
+          </a:xfrm>
+          <a:prstGeom prst="bentConnector3">
+            <a:avLst>
+              <a:gd name="adj1" fmla="val -23424"/>
+            </a:avLst>
+          </a:prstGeom>
+        </p:spPr>
+        <p:style>
+          <a:lnRef idx="1">
+            <a:schemeClr val="accent1"/>
+          </a:lnRef>
+          <a:fillRef idx="0">
+            <a:schemeClr val="accent1"/>
+          </a:fillRef>
+          <a:effectRef idx="0">
+            <a:schemeClr val="accent1"/>
+          </a:effectRef>
+          <a:fontRef idx="minor">
+            <a:schemeClr val="tx1"/>
+          </a:fontRef>
+        </p:style>
+      </p:cxnSp>
+    </p:spTree>
+    <p:extLst>
+      <p:ext uri="{BB962C8B-B14F-4D97-AF65-F5344CB8AC3E}">
+        <p14:creationId xmlns:p14="http://schemas.microsoft.com/office/powerpoint/2010/main" val="2979626660"/>
+      </p:ext>
+    </p:extLst>
+  </p:cSld>
+  <p:clrMapOvr>
+    <a:masterClrMapping/>
+  </p:clrMapOvr>
+</p:sld>
+</file>
+
 <file path=ppt/slides/slide2.xml><?xml version="1.0" encoding="utf-8"?>
 <p:sld xmlns:a="http://schemas.openxmlformats.org/drawingml/2006/main" xmlns:r="http://schemas.openxmlformats.org/officeDocument/2006/relationships" xmlns:p="http://schemas.openxmlformats.org/presentationml/2006/main">
   <p:cSld>
@@ -41357,10 +46269,9 @@
               <a:buNone/>
             </a:pPr>
             <a:r>
-              <a:rPr lang="en-US" b="1" dirty="0"/>
+              <a:rPr lang="en-US" b="1" noProof="0" dirty="0"/>
               <a:t>Operative steps</a:t>
             </a:r>
-            <a:endParaRPr lang="en-US" b="1" noProof="0" dirty="0"/>
           </a:p>
           <a:p>
             <a:pPr>
@@ -41465,10 +46376,9 @@
           <a:lstStyle/>
           <a:p>
             <a:r>
-              <a:rPr lang="en-GB"/>
+              <a:rPr lang="en-US" noProof="0" dirty="0"/>
               <a:t>Reference</a:t>
             </a:r>
-            <a:endParaRPr lang="en-GB" dirty="0"/>
           </a:p>
         </p:txBody>
       </p:sp>
@@ -41494,11 +46404,11 @@
           <a:lstStyle/>
           <a:p>
             <a:fld id="{500E0521-425D-DD45-BED6-A99962E298FC}" type="slidenum">
-              <a:rPr lang="en-GB" smtClean="0"/>
+              <a:rPr lang="en-US" noProof="0" smtClean="0"/>
               <a:pPr/>
               <a:t>3</a:t>
             </a:fld>
-            <a:endParaRPr lang="en-GB" dirty="0"/>
+            <a:endParaRPr lang="en-US" noProof="0" dirty="0"/>
           </a:p>
         </p:txBody>
       </p:sp>
@@ -41524,7 +46434,7 @@
           <a:lstStyle/>
           <a:p>
             <a:r>
-              <a:rPr lang="it-IT" dirty="0"/>
+              <a:rPr lang="en-US" noProof="0" dirty="0"/>
               <a:t>Preliminary Activities</a:t>
             </a:r>
           </a:p>
@@ -41554,7 +46464,7 @@
         </p:spPr>
         <p:txBody>
           <a:bodyPr>
-            <a:normAutofit fontScale="85000" lnSpcReduction="20000"/>
+            <a:normAutofit/>
           </a:bodyPr>
           <a:lstStyle/>
           <a:p>
@@ -41562,7 +46472,7 @@
               <a:buNone/>
             </a:pPr>
             <a:r>
-              <a:rPr lang="en-US" b="1" dirty="0"/>
+              <a:rPr lang="en-US" b="1" noProof="0" dirty="0"/>
               <a:t>State of the Art &amp; Literature Review</a:t>
             </a:r>
           </a:p>
@@ -41572,170 +46482,15 @@
               <a:buChar char="•"/>
             </a:pPr>
             <a:r>
-              <a:rPr lang="en-US" dirty="0"/>
-              <a:t>Analysis of academic publications, technical articles, and white papers on:</a:t>
-            </a:r>
-          </a:p>
-          <a:p>
-            <a:pPr marL="742950" lvl="1" indent="-285750">
-              <a:buFont typeface="Arial" panose="020B0604020202020204" pitchFamily="34" charset="0"/>
-              <a:buChar char="•"/>
-            </a:pPr>
-            <a:r>
-              <a:rPr lang="en-US" dirty="0"/>
-              <a:t>Hardware diagnostics</a:t>
-            </a:r>
-          </a:p>
-          <a:p>
-            <a:pPr marL="742950" lvl="1" indent="-285750">
-              <a:buFont typeface="Arial" panose="020B0604020202020204" pitchFamily="34" charset="0"/>
-              <a:buChar char="•"/>
-            </a:pPr>
-            <a:r>
-              <a:rPr lang="en-US" dirty="0"/>
-              <a:t>LLMs applied to unstructured data analysis</a:t>
-            </a:r>
-          </a:p>
-          <a:p>
-            <a:pPr marL="742950" lvl="1" indent="-285750">
-              <a:buFont typeface="Arial" panose="020B0604020202020204" pitchFamily="34" charset="0"/>
-              <a:buChar char="•"/>
-            </a:pPr>
-            <a:r>
-              <a:rPr lang="en-US" dirty="0"/>
-              <a:t>LLMs for fault detection</a:t>
-            </a:r>
-          </a:p>
-          <a:p>
-            <a:pPr marL="742950" lvl="1" indent="-285750">
-              <a:buFont typeface="Arial" panose="020B0604020202020204" pitchFamily="34" charset="0"/>
-              <a:buChar char="•"/>
-            </a:pPr>
-            <a:r>
-              <a:rPr lang="en-US" dirty="0"/>
-              <a:t>Anomaly detection and fault isolation techniques</a:t>
-            </a:r>
-          </a:p>
-          <a:p>
-            <a:pPr>
-              <a:buFont typeface="Arial" panose="020B0604020202020204" pitchFamily="34" charset="0"/>
-              <a:buChar char="•"/>
-            </a:pPr>
-            <a:r>
-              <a:rPr lang="en-US" dirty="0"/>
-              <a:t>Fault isolation, identification of best practices and current limitations in existing solutions</a:t>
-            </a:r>
-          </a:p>
-          <a:p>
-            <a:pPr>
+              <a:rPr lang="en-US" noProof="0" dirty="0"/>
+              <a:t>An</a:t>
+            </a:r>
+          </a:p>
+          <a:p>
+            <a:pPr marL="0" indent="0">
               <a:buNone/>
             </a:pPr>
-            <a:endParaRPr lang="en-US" b="1" dirty="0"/>
-          </a:p>
-          <a:p>
-            <a:pPr>
-              <a:buNone/>
-            </a:pPr>
-            <a:r>
-              <a:rPr lang="en-US" b="1" dirty="0"/>
-              <a:t>Technological Evaluation (Partially Completed)</a:t>
-            </a:r>
-          </a:p>
-          <a:p>
-            <a:pPr>
-              <a:buFont typeface="Arial" panose="020B0604020202020204" pitchFamily="34" charset="0"/>
-              <a:buChar char="•"/>
-            </a:pPr>
-            <a:r>
-              <a:rPr lang="en-US" dirty="0"/>
-              <a:t>Comparison of existing LLM models</a:t>
-            </a:r>
-          </a:p>
-          <a:p>
-            <a:pPr>
-              <a:buFont typeface="Arial" panose="020B0604020202020204" pitchFamily="34" charset="0"/>
-              <a:buChar char="•"/>
-            </a:pPr>
-            <a:r>
-              <a:rPr lang="en-US" dirty="0"/>
-              <a:t>Study of hardware and software requirements for implementing LLM-based diagnostic frameworks</a:t>
-            </a:r>
-          </a:p>
-          <a:p>
-            <a:pPr>
-              <a:buFont typeface="Arial" panose="020B0604020202020204" pitchFamily="34" charset="0"/>
-              <a:buChar char="•"/>
-            </a:pPr>
-            <a:r>
-              <a:rPr lang="en-US" dirty="0"/>
-              <a:t>Definition of necessary toolchains</a:t>
-            </a:r>
-          </a:p>
-          <a:p>
-            <a:pPr>
-              <a:buNone/>
-            </a:pPr>
-            <a:endParaRPr lang="en-US" b="1" dirty="0"/>
-          </a:p>
-          <a:p>
-            <a:pPr>
-              <a:buNone/>
-            </a:pPr>
-            <a:r>
-              <a:rPr lang="en-US" b="1" dirty="0"/>
-              <a:t>Report Development</a:t>
-            </a:r>
-          </a:p>
-          <a:p>
-            <a:pPr>
-              <a:buFont typeface="Arial" panose="020B0604020202020204" pitchFamily="34" charset="0"/>
-              <a:buChar char="•"/>
-            </a:pPr>
-            <a:r>
-              <a:rPr lang="en-US" b="1" dirty="0"/>
-              <a:t>Structure of the report:</a:t>
-            </a:r>
-            <a:endParaRPr lang="en-US" dirty="0"/>
-          </a:p>
-          <a:p>
-            <a:pPr marL="742950" lvl="1" indent="-285750">
-              <a:buFont typeface="Arial" panose="020B0604020202020204" pitchFamily="34" charset="0"/>
-              <a:buChar char="•"/>
-            </a:pPr>
-            <a:r>
-              <a:rPr lang="en-US" dirty="0"/>
-              <a:t>Introduction and context</a:t>
-            </a:r>
-          </a:p>
-          <a:p>
-            <a:pPr marL="742950" lvl="1" indent="-285750">
-              <a:buFont typeface="Arial" panose="020B0604020202020204" pitchFamily="34" charset="0"/>
-              <a:buChar char="•"/>
-            </a:pPr>
-            <a:r>
-              <a:rPr lang="en-US" dirty="0"/>
-              <a:t>State of the art</a:t>
-            </a:r>
-          </a:p>
-          <a:p>
-            <a:pPr marL="742950" lvl="1" indent="-285750">
-              <a:buFont typeface="Arial" panose="020B0604020202020204" pitchFamily="34" charset="0"/>
-              <a:buChar char="•"/>
-            </a:pPr>
-            <a:r>
-              <a:rPr lang="en-US" dirty="0"/>
-              <a:t>Overview of analyzed technologies</a:t>
-            </a:r>
-          </a:p>
-          <a:p>
-            <a:pPr marL="742950" lvl="1" indent="-285750">
-              <a:buFont typeface="Arial" panose="020B0604020202020204" pitchFamily="34" charset="0"/>
-              <a:buChar char="•"/>
-            </a:pPr>
-            <a:r>
-              <a:rPr lang="en-US" dirty="0"/>
-              <a:t>Comparison and results of the analysis</a:t>
-            </a:r>
+            <a:endParaRPr lang="en-US" b="1" noProof="0" dirty="0"/>
           </a:p>
         </p:txBody>
       </p:sp>
@@ -41757,7 +46512,13 @@
   <p:cSld>
     <p:spTree>
       <p:nvGrpSpPr>
-        <p:cNvPr id="1" name=""/>
+        <p:cNvPr id="1" name="">
+          <a:extLst>
+            <a:ext uri="{FF2B5EF4-FFF2-40B4-BE49-F238E27FC236}">
+              <a16:creationId xmlns:a16="http://schemas.microsoft.com/office/drawing/2014/main" id="{2B1D1949-0583-E4C2-1E02-03F76D07DBF7}"/>
+            </a:ext>
+          </a:extLst>
+        </p:cNvPr>
         <p:cNvGrpSpPr/>
         <p:nvPr/>
       </p:nvGrpSpPr>
@@ -41774,7 +46535,7 @@
           <p:cNvPr id="2" name="Segnaposto piè di pagina 1">
             <a:extLst>
               <a:ext uri="{FF2B5EF4-FFF2-40B4-BE49-F238E27FC236}">
-                <a16:creationId xmlns:a16="http://schemas.microsoft.com/office/drawing/2014/main" id="{F34FD32C-40F1-17E5-BFCE-414B362FED86}"/>
+                <a16:creationId xmlns:a16="http://schemas.microsoft.com/office/drawing/2014/main" id="{6EF77DE9-6DCE-D1DF-3F52-23A1C29D79B0}"/>
               </a:ext>
             </a:extLst>
           </p:cNvPr>
@@ -41802,7 +46563,7 @@
           <p:cNvPr id="3" name="Segnaposto numero diapositiva 2">
             <a:extLst>
               <a:ext uri="{FF2B5EF4-FFF2-40B4-BE49-F238E27FC236}">
-                <a16:creationId xmlns:a16="http://schemas.microsoft.com/office/drawing/2014/main" id="{5C42C062-8BFC-6B9A-41E7-A757A8442452}"/>
+                <a16:creationId xmlns:a16="http://schemas.microsoft.com/office/drawing/2014/main" id="{51E8CF91-905C-5C9D-7C0B-57903951CD50}"/>
               </a:ext>
             </a:extLst>
           </p:cNvPr>
@@ -41832,7 +46593,7 @@
           <p:cNvPr id="4" name="Titolo 3">
             <a:extLst>
               <a:ext uri="{FF2B5EF4-FFF2-40B4-BE49-F238E27FC236}">
-                <a16:creationId xmlns:a16="http://schemas.microsoft.com/office/drawing/2014/main" id="{AFAE6C53-FD02-8F04-7599-20294A79A959}"/>
+                <a16:creationId xmlns:a16="http://schemas.microsoft.com/office/drawing/2014/main" id="{41C1077C-AFC6-BA4C-34E0-3B1382ED545F}"/>
               </a:ext>
             </a:extLst>
           </p:cNvPr>
@@ -41845,24 +46606,22 @@
         </p:nvSpPr>
         <p:spPr/>
         <p:txBody>
-          <a:bodyPr>
-            <a:normAutofit/>
-          </a:bodyPr>
+          <a:bodyPr/>
           <a:lstStyle/>
           <a:p>
             <a:r>
               <a:rPr lang="en-US" noProof="0" dirty="0"/>
-              <a:t>Components</a:t>
+              <a:t>In-Context Learning and Prompt Engineering</a:t>
             </a:r>
           </a:p>
         </p:txBody>
       </p:sp>
       <p:sp>
         <p:nvSpPr>
-          <p:cNvPr id="7" name="Segnaposto contenuto 6">
+          <p:cNvPr id="8" name="Segnaposto contenuto 6">
             <a:extLst>
               <a:ext uri="{FF2B5EF4-FFF2-40B4-BE49-F238E27FC236}">
-                <a16:creationId xmlns:a16="http://schemas.microsoft.com/office/drawing/2014/main" id="{89BCD81A-F9B0-A4FB-CF43-72E11B929F1B}"/>
+                <a16:creationId xmlns:a16="http://schemas.microsoft.com/office/drawing/2014/main" id="{78D0F08D-A5B2-6ED7-045C-66E1DB378406}"/>
               </a:ext>
             </a:extLst>
           </p:cNvPr>
@@ -41875,8 +46634,8 @@
         </p:nvSpPr>
         <p:spPr>
           <a:xfrm>
-            <a:off x="257969" y="987552"/>
-            <a:ext cx="6933406" cy="3511996"/>
+            <a:off x="257969" y="1084900"/>
+            <a:ext cx="6933406" cy="3414648"/>
           </a:xfrm>
         </p:spPr>
         <p:txBody>
@@ -41885,102 +46644,36 @@
           </a:bodyPr>
           <a:lstStyle/>
           <a:p>
-            <a:r>
-              <a:rPr lang="en-US" b="1" noProof="0" dirty="0"/>
-              <a:t>Console</a:t>
-            </a:r>
-          </a:p>
-          <a:p>
-            <a:pPr marL="285739" lvl="1" indent="0">
+            <a:pPr>
               <a:buNone/>
             </a:pPr>
             <a:r>
+              <a:rPr lang="en-US" b="1" noProof="0" dirty="0"/>
+              <a:t>D</a:t>
+            </a:r>
+          </a:p>
+          <a:p>
+            <a:pPr>
+              <a:buFont typeface="Arial" panose="020B0604020202020204" pitchFamily="34" charset="0"/>
+              <a:buChar char="•"/>
+            </a:pPr>
+            <a:r>
               <a:rPr lang="en-US" noProof="0" dirty="0"/>
-              <a:t>computer equipped with a monitor, keyboard, and mouse, allowing operators to interact with a system</a:t>
-            </a:r>
-            <a:endParaRPr lang="en-US" b="1" noProof="0" dirty="0"/>
-          </a:p>
-          <a:p>
-            <a:r>
-              <a:rPr lang="en-US" b="1" noProof="0" dirty="0"/>
-              <a:t>Switch</a:t>
-            </a:r>
-          </a:p>
-          <a:p>
-            <a:pPr marL="285739" lvl="1" indent="0">
+              <a:t>An</a:t>
+            </a:r>
+          </a:p>
+          <a:p>
+            <a:pPr marL="0" indent="0">
               <a:buNone/>
             </a:pPr>
-            <a:r>
-              <a:rPr lang="en-US" noProof="0" dirty="0"/>
-              <a:t>a networking device that connects multiple computers or devices, efficiently managing data traffic within a network</a:t>
-            </a:r>
-          </a:p>
-          <a:p>
-            <a:r>
-              <a:rPr lang="en-US" b="1" noProof="0" dirty="0"/>
-              <a:t>Workstation</a:t>
-            </a:r>
-          </a:p>
-          <a:p>
-            <a:pPr marL="285739" lvl="1" indent="0">
-              <a:buNone/>
-            </a:pPr>
-            <a:r>
-              <a:rPr lang="en-US" noProof="0" dirty="0"/>
-              <a:t>A high-performance computer</a:t>
-            </a:r>
-          </a:p>
-          <a:p>
-            <a:r>
-              <a:rPr lang="en-US" b="1" noProof="0" dirty="0"/>
-              <a:t>SBC (Single Board Computer)</a:t>
-            </a:r>
-          </a:p>
-          <a:p>
-            <a:pPr marL="285739" lvl="1" indent="0">
-              <a:buNone/>
-            </a:pPr>
-            <a:r>
-              <a:rPr lang="en-US" noProof="0" dirty="0"/>
-              <a:t>A compact computer with all essential components (CPU, memory, I/O) integrated onto a single board, used in embedded systems.</a:t>
-            </a:r>
-          </a:p>
-          <a:p>
-            <a:r>
-              <a:rPr lang="en-US" b="1" noProof="0" dirty="0"/>
-              <a:t>NAS (Network Attached Storage)</a:t>
-            </a:r>
-          </a:p>
-          <a:p>
-            <a:pPr marL="285739" lvl="1" indent="0">
-              <a:buNone/>
-            </a:pPr>
-            <a:r>
-              <a:rPr lang="en-US" noProof="0" dirty="0"/>
-              <a:t>A dedicated storage device connected to a network, allowing multiple users to store and access files remotely.</a:t>
-            </a:r>
-          </a:p>
-          <a:p>
-            <a:r>
-              <a:rPr lang="en-US" b="1" noProof="0" dirty="0"/>
-              <a:t>Server</a:t>
-            </a:r>
-          </a:p>
-          <a:p>
-            <a:pPr marL="285739" lvl="1" indent="0">
-              <a:buNone/>
-            </a:pPr>
-            <a:r>
-              <a:rPr lang="en-US" noProof="0" dirty="0"/>
-              <a:t>A powerful computer that provides services or resources to other computers, managing data, applications, or networks.</a:t>
-            </a:r>
+            <a:endParaRPr lang="en-US" b="1" noProof="0" dirty="0"/>
           </a:p>
         </p:txBody>
       </p:sp>
     </p:spTree>
     <p:extLst>
       <p:ext uri="{BB962C8B-B14F-4D97-AF65-F5344CB8AC3E}">
-        <p14:creationId xmlns:p14="http://schemas.microsoft.com/office/powerpoint/2010/main" val="3092189695"/>
+        <p14:creationId xmlns:p14="http://schemas.microsoft.com/office/powerpoint/2010/main" val="2906492297"/>
       </p:ext>
     </p:extLst>
   </p:cSld>
@@ -48849,6 +53542,596 @@
   <p:cSld>
     <p:spTree>
       <p:nvGrpSpPr>
+        <p:cNvPr id="1" name=""/>
+        <p:cNvGrpSpPr/>
+        <p:nvPr/>
+      </p:nvGrpSpPr>
+      <p:grpSpPr>
+        <a:xfrm>
+          <a:off x="0" y="0"/>
+          <a:ext cx="0" cy="0"/>
+          <a:chOff x="0" y="0"/>
+          <a:chExt cx="0" cy="0"/>
+        </a:xfrm>
+      </p:grpSpPr>
+      <p:sp>
+        <p:nvSpPr>
+          <p:cNvPr id="2" name="Segnaposto piè di pagina 1">
+            <a:extLst>
+              <a:ext uri="{FF2B5EF4-FFF2-40B4-BE49-F238E27FC236}">
+                <a16:creationId xmlns:a16="http://schemas.microsoft.com/office/drawing/2014/main" id="{F34FD32C-40F1-17E5-BFCE-414B362FED86}"/>
+              </a:ext>
+            </a:extLst>
+          </p:cNvPr>
+          <p:cNvSpPr>
+            <a:spLocks noGrp="1"/>
+          </p:cNvSpPr>
+          <p:nvPr>
+            <p:ph type="ftr" sz="quarter" idx="3"/>
+          </p:nvPr>
+        </p:nvSpPr>
+        <p:spPr/>
+        <p:txBody>
+          <a:bodyPr/>
+          <a:lstStyle/>
+          <a:p>
+            <a:r>
+              <a:rPr lang="en-US" noProof="0" dirty="0"/>
+              <a:t>Reference</a:t>
+            </a:r>
+          </a:p>
+        </p:txBody>
+      </p:sp>
+      <p:sp>
+        <p:nvSpPr>
+          <p:cNvPr id="3" name="Segnaposto numero diapositiva 2">
+            <a:extLst>
+              <a:ext uri="{FF2B5EF4-FFF2-40B4-BE49-F238E27FC236}">
+                <a16:creationId xmlns:a16="http://schemas.microsoft.com/office/drawing/2014/main" id="{5C42C062-8BFC-6B9A-41E7-A757A8442452}"/>
+              </a:ext>
+            </a:extLst>
+          </p:cNvPr>
+          <p:cNvSpPr>
+            <a:spLocks noGrp="1"/>
+          </p:cNvSpPr>
+          <p:nvPr>
+            <p:ph type="sldNum" sz="quarter" idx="4"/>
+          </p:nvPr>
+        </p:nvSpPr>
+        <p:spPr/>
+        <p:txBody>
+          <a:bodyPr/>
+          <a:lstStyle/>
+          <a:p>
+            <a:fld id="{500E0521-425D-DD45-BED6-A99962E298FC}" type="slidenum">
+              <a:rPr lang="en-US" noProof="0" smtClean="0"/>
+              <a:pPr/>
+              <a:t>6</a:t>
+            </a:fld>
+            <a:endParaRPr lang="en-US" noProof="0" dirty="0"/>
+          </a:p>
+        </p:txBody>
+      </p:sp>
+      <p:sp>
+        <p:nvSpPr>
+          <p:cNvPr id="4" name="Titolo 3">
+            <a:extLst>
+              <a:ext uri="{FF2B5EF4-FFF2-40B4-BE49-F238E27FC236}">
+                <a16:creationId xmlns:a16="http://schemas.microsoft.com/office/drawing/2014/main" id="{AFAE6C53-FD02-8F04-7599-20294A79A959}"/>
+              </a:ext>
+            </a:extLst>
+          </p:cNvPr>
+          <p:cNvSpPr>
+            <a:spLocks noGrp="1"/>
+          </p:cNvSpPr>
+          <p:nvPr>
+            <p:ph type="title"/>
+          </p:nvPr>
+        </p:nvSpPr>
+        <p:spPr/>
+        <p:txBody>
+          <a:bodyPr>
+            <a:normAutofit/>
+          </a:bodyPr>
+          <a:lstStyle/>
+          <a:p>
+            <a:r>
+              <a:rPr lang="en-US" noProof="0" dirty="0"/>
+              <a:t>Components</a:t>
+            </a:r>
+          </a:p>
+        </p:txBody>
+      </p:sp>
+      <p:sp>
+        <p:nvSpPr>
+          <p:cNvPr id="7" name="Segnaposto contenuto 6">
+            <a:extLst>
+              <a:ext uri="{FF2B5EF4-FFF2-40B4-BE49-F238E27FC236}">
+                <a16:creationId xmlns:a16="http://schemas.microsoft.com/office/drawing/2014/main" id="{89BCD81A-F9B0-A4FB-CF43-72E11B929F1B}"/>
+              </a:ext>
+            </a:extLst>
+          </p:cNvPr>
+          <p:cNvSpPr>
+            <a:spLocks noGrp="1"/>
+          </p:cNvSpPr>
+          <p:nvPr>
+            <p:ph idx="26"/>
+          </p:nvPr>
+        </p:nvSpPr>
+        <p:spPr>
+          <a:xfrm>
+            <a:off x="257969" y="987552"/>
+            <a:ext cx="6933406" cy="3511996"/>
+          </a:xfrm>
+        </p:spPr>
+        <p:txBody>
+          <a:bodyPr>
+            <a:normAutofit/>
+          </a:bodyPr>
+          <a:lstStyle/>
+          <a:p>
+            <a:r>
+              <a:rPr lang="en-US" b="1" noProof="0" dirty="0"/>
+              <a:t>Console</a:t>
+            </a:r>
+          </a:p>
+          <a:p>
+            <a:pPr marL="285739" lvl="1" indent="0">
+              <a:buNone/>
+            </a:pPr>
+            <a:r>
+              <a:rPr lang="en-US" noProof="0" dirty="0"/>
+              <a:t>computer equipped with a monitor, keyboard, and mouse, allowing operators to interact with a system</a:t>
+            </a:r>
+            <a:endParaRPr lang="en-US" b="1" noProof="0" dirty="0"/>
+          </a:p>
+          <a:p>
+            <a:r>
+              <a:rPr lang="en-US" b="1" noProof="0" dirty="0"/>
+              <a:t>Switch</a:t>
+            </a:r>
+          </a:p>
+          <a:p>
+            <a:pPr marL="285739" lvl="1" indent="0">
+              <a:buNone/>
+            </a:pPr>
+            <a:r>
+              <a:rPr lang="en-US" noProof="0" dirty="0"/>
+              <a:t>a networking device that connects multiple computers or devices, efficiently managing data traffic within a network</a:t>
+            </a:r>
+          </a:p>
+          <a:p>
+            <a:r>
+              <a:rPr lang="en-US" b="1" noProof="0" dirty="0"/>
+              <a:t>Workstation</a:t>
+            </a:r>
+          </a:p>
+          <a:p>
+            <a:pPr marL="285739" lvl="1" indent="0">
+              <a:buNone/>
+            </a:pPr>
+            <a:r>
+              <a:rPr lang="en-US" noProof="0" dirty="0"/>
+              <a:t>A high-performance computer</a:t>
+            </a:r>
+          </a:p>
+          <a:p>
+            <a:r>
+              <a:rPr lang="en-US" b="1" noProof="0" dirty="0"/>
+              <a:t>SBC (Single Board Computer)</a:t>
+            </a:r>
+          </a:p>
+          <a:p>
+            <a:pPr marL="285739" lvl="1" indent="0">
+              <a:buNone/>
+            </a:pPr>
+            <a:r>
+              <a:rPr lang="en-US" noProof="0" dirty="0"/>
+              <a:t>A compact computer with all essential components (CPU, memory, I/O) integrated onto a single board, used in embedded systems.</a:t>
+            </a:r>
+          </a:p>
+          <a:p>
+            <a:r>
+              <a:rPr lang="en-US" b="1" noProof="0" dirty="0"/>
+              <a:t>NAS (Network Attached Storage)</a:t>
+            </a:r>
+          </a:p>
+          <a:p>
+            <a:pPr marL="285739" lvl="1" indent="0">
+              <a:buNone/>
+            </a:pPr>
+            <a:r>
+              <a:rPr lang="en-US" noProof="0" dirty="0"/>
+              <a:t>A dedicated storage device connected to a network, allowing multiple users to store and access files remotely.</a:t>
+            </a:r>
+          </a:p>
+          <a:p>
+            <a:r>
+              <a:rPr lang="en-US" b="1" noProof="0" dirty="0"/>
+              <a:t>Server</a:t>
+            </a:r>
+          </a:p>
+          <a:p>
+            <a:pPr marL="285739" lvl="1" indent="0">
+              <a:buNone/>
+            </a:pPr>
+            <a:r>
+              <a:rPr lang="en-US" noProof="0" dirty="0"/>
+              <a:t>A powerful computer that provides services or resources to other computers, managing data, applications, or networks.</a:t>
+            </a:r>
+          </a:p>
+        </p:txBody>
+      </p:sp>
+    </p:spTree>
+    <p:extLst>
+      <p:ext uri="{BB962C8B-B14F-4D97-AF65-F5344CB8AC3E}">
+        <p14:creationId xmlns:p14="http://schemas.microsoft.com/office/powerpoint/2010/main" val="3092189695"/>
+      </p:ext>
+    </p:extLst>
+  </p:cSld>
+  <p:clrMapOvr>
+    <a:masterClrMapping/>
+  </p:clrMapOvr>
+</p:sld>
+</file>
+
+<file path=ppt/slides/slide7.xml><?xml version="1.0" encoding="utf-8"?>
+<p:sld xmlns:a="http://schemas.openxmlformats.org/drawingml/2006/main" xmlns:r="http://schemas.openxmlformats.org/officeDocument/2006/relationships" xmlns:p="http://schemas.openxmlformats.org/presentationml/2006/main">
+  <p:cSld>
+    <p:spTree>
+      <p:nvGrpSpPr>
+        <p:cNvPr id="1" name="">
+          <a:extLst>
+            <a:ext uri="{FF2B5EF4-FFF2-40B4-BE49-F238E27FC236}">
+              <a16:creationId xmlns:a16="http://schemas.microsoft.com/office/drawing/2014/main" id="{2D54A284-CAF1-7682-5F84-A98B48834EEC}"/>
+            </a:ext>
+          </a:extLst>
+        </p:cNvPr>
+        <p:cNvGrpSpPr/>
+        <p:nvPr/>
+      </p:nvGrpSpPr>
+      <p:grpSpPr>
+        <a:xfrm>
+          <a:off x="0" y="0"/>
+          <a:ext cx="0" cy="0"/>
+          <a:chOff x="0" y="0"/>
+          <a:chExt cx="0" cy="0"/>
+        </a:xfrm>
+      </p:grpSpPr>
+      <p:sp>
+        <p:nvSpPr>
+          <p:cNvPr id="2" name="Segnaposto piè di pagina 1">
+            <a:extLst>
+              <a:ext uri="{FF2B5EF4-FFF2-40B4-BE49-F238E27FC236}">
+                <a16:creationId xmlns:a16="http://schemas.microsoft.com/office/drawing/2014/main" id="{093D1A44-0C1F-1C19-CCF8-A5B0FCC9D37E}"/>
+              </a:ext>
+            </a:extLst>
+          </p:cNvPr>
+          <p:cNvSpPr>
+            <a:spLocks noGrp="1"/>
+          </p:cNvSpPr>
+          <p:nvPr>
+            <p:ph type="ftr" sz="quarter" idx="3"/>
+          </p:nvPr>
+        </p:nvSpPr>
+        <p:spPr/>
+        <p:txBody>
+          <a:bodyPr/>
+          <a:lstStyle/>
+          <a:p>
+            <a:r>
+              <a:rPr lang="en-US" noProof="0" dirty="0"/>
+              <a:t>Reference</a:t>
+            </a:r>
+          </a:p>
+        </p:txBody>
+      </p:sp>
+      <p:sp>
+        <p:nvSpPr>
+          <p:cNvPr id="3" name="Segnaposto numero diapositiva 2">
+            <a:extLst>
+              <a:ext uri="{FF2B5EF4-FFF2-40B4-BE49-F238E27FC236}">
+                <a16:creationId xmlns:a16="http://schemas.microsoft.com/office/drawing/2014/main" id="{DA43863D-1B71-4CD8-E924-5857F790455B}"/>
+              </a:ext>
+            </a:extLst>
+          </p:cNvPr>
+          <p:cNvSpPr>
+            <a:spLocks noGrp="1"/>
+          </p:cNvSpPr>
+          <p:nvPr>
+            <p:ph type="sldNum" sz="quarter" idx="4"/>
+          </p:nvPr>
+        </p:nvSpPr>
+        <p:spPr/>
+        <p:txBody>
+          <a:bodyPr/>
+          <a:lstStyle/>
+          <a:p>
+            <a:fld id="{500E0521-425D-DD45-BED6-A99962E298FC}" type="slidenum">
+              <a:rPr lang="en-US" noProof="0" smtClean="0"/>
+              <a:pPr/>
+              <a:t>7</a:t>
+            </a:fld>
+            <a:endParaRPr lang="en-US" noProof="0" dirty="0"/>
+          </a:p>
+        </p:txBody>
+      </p:sp>
+      <p:sp>
+        <p:nvSpPr>
+          <p:cNvPr id="4" name="Titolo 3">
+            <a:extLst>
+              <a:ext uri="{FF2B5EF4-FFF2-40B4-BE49-F238E27FC236}">
+                <a16:creationId xmlns:a16="http://schemas.microsoft.com/office/drawing/2014/main" id="{76567EBE-E04F-335B-5BF7-C248F6E27817}"/>
+              </a:ext>
+            </a:extLst>
+          </p:cNvPr>
+          <p:cNvSpPr>
+            <a:spLocks noGrp="1"/>
+          </p:cNvSpPr>
+          <p:nvPr>
+            <p:ph type="title"/>
+          </p:nvPr>
+        </p:nvSpPr>
+        <p:spPr/>
+        <p:txBody>
+          <a:bodyPr/>
+          <a:lstStyle/>
+          <a:p>
+            <a:r>
+              <a:rPr lang="en-US" noProof="0" dirty="0"/>
+              <a:t>The prompt</a:t>
+            </a:r>
+          </a:p>
+        </p:txBody>
+      </p:sp>
+      <p:sp>
+        <p:nvSpPr>
+          <p:cNvPr id="8" name="Segnaposto contenuto 6">
+            <a:extLst>
+              <a:ext uri="{FF2B5EF4-FFF2-40B4-BE49-F238E27FC236}">
+                <a16:creationId xmlns:a16="http://schemas.microsoft.com/office/drawing/2014/main" id="{F36D0178-EBFA-0D5A-5915-859D16F781D4}"/>
+              </a:ext>
+            </a:extLst>
+          </p:cNvPr>
+          <p:cNvSpPr>
+            <a:spLocks noGrp="1"/>
+          </p:cNvSpPr>
+          <p:nvPr>
+            <p:ph idx="26"/>
+          </p:nvPr>
+        </p:nvSpPr>
+        <p:spPr>
+          <a:xfrm>
+            <a:off x="257969" y="1084900"/>
+            <a:ext cx="6933406" cy="3414648"/>
+          </a:xfrm>
+        </p:spPr>
+        <p:txBody>
+          <a:bodyPr>
+            <a:normAutofit/>
+          </a:bodyPr>
+          <a:lstStyle/>
+          <a:p>
+            <a:pPr>
+              <a:buNone/>
+            </a:pPr>
+            <a:r>
+              <a:rPr lang="en-US" b="1" noProof="0" dirty="0"/>
+              <a:t>D</a:t>
+            </a:r>
+          </a:p>
+          <a:p>
+            <a:pPr>
+              <a:buFont typeface="Arial" panose="020B0604020202020204" pitchFamily="34" charset="0"/>
+              <a:buChar char="•"/>
+            </a:pPr>
+            <a:r>
+              <a:rPr lang="en-US" noProof="0" dirty="0"/>
+              <a:t>An</a:t>
+            </a:r>
+          </a:p>
+          <a:p>
+            <a:pPr marL="0" indent="0">
+              <a:buNone/>
+            </a:pPr>
+            <a:endParaRPr lang="en-US" b="1" noProof="0" dirty="0"/>
+          </a:p>
+        </p:txBody>
+      </p:sp>
+    </p:spTree>
+    <p:extLst>
+      <p:ext uri="{BB962C8B-B14F-4D97-AF65-F5344CB8AC3E}">
+        <p14:creationId xmlns:p14="http://schemas.microsoft.com/office/powerpoint/2010/main" val="257096879"/>
+      </p:ext>
+    </p:extLst>
+  </p:cSld>
+  <p:clrMapOvr>
+    <a:masterClrMapping/>
+  </p:clrMapOvr>
+</p:sld>
+</file>
+
+<file path=ppt/slides/slide8.xml><?xml version="1.0" encoding="utf-8"?>
+<p:sld xmlns:a="http://schemas.openxmlformats.org/drawingml/2006/main" xmlns:r="http://schemas.openxmlformats.org/officeDocument/2006/relationships" xmlns:p="http://schemas.openxmlformats.org/presentationml/2006/main">
+  <p:cSld>
+    <p:spTree>
+      <p:nvGrpSpPr>
+        <p:cNvPr id="1" name="">
+          <a:extLst>
+            <a:ext uri="{FF2B5EF4-FFF2-40B4-BE49-F238E27FC236}">
+              <a16:creationId xmlns:a16="http://schemas.microsoft.com/office/drawing/2014/main" id="{8B32DEE2-4950-80B7-6FB7-61033700236F}"/>
+            </a:ext>
+          </a:extLst>
+        </p:cNvPr>
+        <p:cNvGrpSpPr/>
+        <p:nvPr/>
+      </p:nvGrpSpPr>
+      <p:grpSpPr>
+        <a:xfrm>
+          <a:off x="0" y="0"/>
+          <a:ext cx="0" cy="0"/>
+          <a:chOff x="0" y="0"/>
+          <a:chExt cx="0" cy="0"/>
+        </a:xfrm>
+      </p:grpSpPr>
+      <p:sp>
+        <p:nvSpPr>
+          <p:cNvPr id="2" name="Segnaposto piè di pagina 1">
+            <a:extLst>
+              <a:ext uri="{FF2B5EF4-FFF2-40B4-BE49-F238E27FC236}">
+                <a16:creationId xmlns:a16="http://schemas.microsoft.com/office/drawing/2014/main" id="{FA4AA829-8E48-05EF-F973-98F3ADBD3816}"/>
+              </a:ext>
+            </a:extLst>
+          </p:cNvPr>
+          <p:cNvSpPr>
+            <a:spLocks noGrp="1"/>
+          </p:cNvSpPr>
+          <p:nvPr>
+            <p:ph type="ftr" sz="quarter" idx="3"/>
+          </p:nvPr>
+        </p:nvSpPr>
+        <p:spPr/>
+        <p:txBody>
+          <a:bodyPr/>
+          <a:lstStyle/>
+          <a:p>
+            <a:r>
+              <a:rPr lang="en-US" noProof="0" dirty="0"/>
+              <a:t>Reference</a:t>
+            </a:r>
+          </a:p>
+        </p:txBody>
+      </p:sp>
+      <p:sp>
+        <p:nvSpPr>
+          <p:cNvPr id="3" name="Segnaposto numero diapositiva 2">
+            <a:extLst>
+              <a:ext uri="{FF2B5EF4-FFF2-40B4-BE49-F238E27FC236}">
+                <a16:creationId xmlns:a16="http://schemas.microsoft.com/office/drawing/2014/main" id="{034BB5D7-884F-4D82-6F91-CD9C491B88C4}"/>
+              </a:ext>
+            </a:extLst>
+          </p:cNvPr>
+          <p:cNvSpPr>
+            <a:spLocks noGrp="1"/>
+          </p:cNvSpPr>
+          <p:nvPr>
+            <p:ph type="sldNum" sz="quarter" idx="4"/>
+          </p:nvPr>
+        </p:nvSpPr>
+        <p:spPr/>
+        <p:txBody>
+          <a:bodyPr/>
+          <a:lstStyle/>
+          <a:p>
+            <a:fld id="{500E0521-425D-DD45-BED6-A99962E298FC}" type="slidenum">
+              <a:rPr lang="en-US" noProof="0" smtClean="0"/>
+              <a:pPr/>
+              <a:t>8</a:t>
+            </a:fld>
+            <a:endParaRPr lang="en-US" noProof="0" dirty="0"/>
+          </a:p>
+        </p:txBody>
+      </p:sp>
+      <p:sp>
+        <p:nvSpPr>
+          <p:cNvPr id="4" name="Titolo 3">
+            <a:extLst>
+              <a:ext uri="{FF2B5EF4-FFF2-40B4-BE49-F238E27FC236}">
+                <a16:creationId xmlns:a16="http://schemas.microsoft.com/office/drawing/2014/main" id="{7B804E24-64AE-09CC-F095-68D77396AF78}"/>
+              </a:ext>
+            </a:extLst>
+          </p:cNvPr>
+          <p:cNvSpPr>
+            <a:spLocks noGrp="1"/>
+          </p:cNvSpPr>
+          <p:nvPr>
+            <p:ph type="title"/>
+          </p:nvPr>
+        </p:nvSpPr>
+        <p:spPr/>
+        <p:txBody>
+          <a:bodyPr/>
+          <a:lstStyle/>
+          <a:p>
+            <a:r>
+              <a:rPr lang="en-US" noProof="0" dirty="0"/>
+              <a:t>The naming problem/model limitations</a:t>
+            </a:r>
+          </a:p>
+        </p:txBody>
+      </p:sp>
+      <p:sp>
+        <p:nvSpPr>
+          <p:cNvPr id="8" name="Segnaposto contenuto 6">
+            <a:extLst>
+              <a:ext uri="{FF2B5EF4-FFF2-40B4-BE49-F238E27FC236}">
+                <a16:creationId xmlns:a16="http://schemas.microsoft.com/office/drawing/2014/main" id="{3BFA7399-75D8-22A4-67B5-E54E5ECD2B53}"/>
+              </a:ext>
+            </a:extLst>
+          </p:cNvPr>
+          <p:cNvSpPr>
+            <a:spLocks noGrp="1"/>
+          </p:cNvSpPr>
+          <p:nvPr>
+            <p:ph idx="26"/>
+          </p:nvPr>
+        </p:nvSpPr>
+        <p:spPr>
+          <a:xfrm>
+            <a:off x="257969" y="1084900"/>
+            <a:ext cx="6933406" cy="3414648"/>
+          </a:xfrm>
+        </p:spPr>
+        <p:txBody>
+          <a:bodyPr>
+            <a:normAutofit/>
+          </a:bodyPr>
+          <a:lstStyle/>
+          <a:p>
+            <a:pPr>
+              <a:buNone/>
+            </a:pPr>
+            <a:r>
+              <a:rPr lang="en-US" b="1" noProof="0" dirty="0"/>
+              <a:t>D</a:t>
+            </a:r>
+          </a:p>
+          <a:p>
+            <a:pPr>
+              <a:buFont typeface="Arial" panose="020B0604020202020204" pitchFamily="34" charset="0"/>
+              <a:buChar char="•"/>
+            </a:pPr>
+            <a:r>
+              <a:rPr lang="en-US" noProof="0" dirty="0"/>
+              <a:t>An</a:t>
+            </a:r>
+          </a:p>
+          <a:p>
+            <a:pPr marL="0" indent="0">
+              <a:buNone/>
+            </a:pPr>
+            <a:endParaRPr lang="en-US" b="1" noProof="0" dirty="0"/>
+          </a:p>
+        </p:txBody>
+      </p:sp>
+    </p:spTree>
+    <p:extLst>
+      <p:ext uri="{BB962C8B-B14F-4D97-AF65-F5344CB8AC3E}">
+        <p14:creationId xmlns:p14="http://schemas.microsoft.com/office/powerpoint/2010/main" val="4096796303"/>
+      </p:ext>
+    </p:extLst>
+  </p:cSld>
+  <p:clrMapOvr>
+    <a:masterClrMapping/>
+  </p:clrMapOvr>
+</p:sld>
+</file>
+
+<file path=ppt/slides/slide9.xml><?xml version="1.0" encoding="utf-8"?>
+<p:sld xmlns:a="http://schemas.openxmlformats.org/drawingml/2006/main" xmlns:r="http://schemas.openxmlformats.org/officeDocument/2006/relationships" xmlns:p="http://schemas.openxmlformats.org/presentationml/2006/main">
+  <p:cSld>
+    <p:spTree>
+      <p:nvGrpSpPr>
         <p:cNvPr id="1" name="">
           <a:extLst>
             <a:ext uri="{FF2B5EF4-FFF2-40B4-BE49-F238E27FC236}">
@@ -48919,7 +54202,7 @@
             <a:fld id="{500E0521-425D-DD45-BED6-A99962E298FC}" type="slidenum">
               <a:rPr lang="en-US" noProof="0" smtClean="0"/>
               <a:pPr/>
-              <a:t>6</a:t>
+              <a:t>9</a:t>
             </a:fld>
             <a:endParaRPr lang="en-US" noProof="0" dirty="0"/>
           </a:p>
@@ -51766,2498 +57049,6 @@
 </p:sld>
 </file>
 
-<file path=ppt/slides/slide7.xml><?xml version="1.0" encoding="utf-8"?>
-<p:sld xmlns:a="http://schemas.openxmlformats.org/drawingml/2006/main" xmlns:r="http://schemas.openxmlformats.org/officeDocument/2006/relationships" xmlns:p="http://schemas.openxmlformats.org/presentationml/2006/main">
-  <p:cSld>
-    <p:spTree>
-      <p:nvGrpSpPr>
-        <p:cNvPr id="1" name="">
-          <a:extLst>
-            <a:ext uri="{FF2B5EF4-FFF2-40B4-BE49-F238E27FC236}">
-              <a16:creationId xmlns:a16="http://schemas.microsoft.com/office/drawing/2014/main" id="{DC0B144D-BD54-5B0B-911C-7EBA6186B88E}"/>
-            </a:ext>
-          </a:extLst>
-        </p:cNvPr>
-        <p:cNvGrpSpPr/>
-        <p:nvPr/>
-      </p:nvGrpSpPr>
-      <p:grpSpPr>
-        <a:xfrm>
-          <a:off x="0" y="0"/>
-          <a:ext cx="0" cy="0"/>
-          <a:chOff x="0" y="0"/>
-          <a:chExt cx="0" cy="0"/>
-        </a:xfrm>
-      </p:grpSpPr>
-      <p:sp>
-        <p:nvSpPr>
-          <p:cNvPr id="2" name="Segnaposto piè di pagina 1">
-            <a:extLst>
-              <a:ext uri="{FF2B5EF4-FFF2-40B4-BE49-F238E27FC236}">
-                <a16:creationId xmlns:a16="http://schemas.microsoft.com/office/drawing/2014/main" id="{1FF22F60-3441-1940-5839-5170F93F8303}"/>
-              </a:ext>
-            </a:extLst>
-          </p:cNvPr>
-          <p:cNvSpPr>
-            <a:spLocks noGrp="1"/>
-          </p:cNvSpPr>
-          <p:nvPr>
-            <p:ph type="ftr" sz="quarter" idx="3"/>
-          </p:nvPr>
-        </p:nvSpPr>
-        <p:spPr/>
-        <p:txBody>
-          <a:bodyPr/>
-          <a:lstStyle/>
-          <a:p>
-            <a:r>
-              <a:rPr lang="en-US" noProof="0" dirty="0"/>
-              <a:t>Reference</a:t>
-            </a:r>
-          </a:p>
-        </p:txBody>
-      </p:sp>
-      <p:sp>
-        <p:nvSpPr>
-          <p:cNvPr id="3" name="Segnaposto numero diapositiva 2">
-            <a:extLst>
-              <a:ext uri="{FF2B5EF4-FFF2-40B4-BE49-F238E27FC236}">
-                <a16:creationId xmlns:a16="http://schemas.microsoft.com/office/drawing/2014/main" id="{1E69E552-CA57-BDEE-67C7-B7C4F7BFB70C}"/>
-              </a:ext>
-            </a:extLst>
-          </p:cNvPr>
-          <p:cNvSpPr>
-            <a:spLocks noGrp="1"/>
-          </p:cNvSpPr>
-          <p:nvPr>
-            <p:ph type="sldNum" sz="quarter" idx="4"/>
-          </p:nvPr>
-        </p:nvSpPr>
-        <p:spPr/>
-        <p:txBody>
-          <a:bodyPr/>
-          <a:lstStyle/>
-          <a:p>
-            <a:fld id="{500E0521-425D-DD45-BED6-A99962E298FC}" type="slidenum">
-              <a:rPr lang="en-US" noProof="0" smtClean="0"/>
-              <a:pPr/>
-              <a:t>7</a:t>
-            </a:fld>
-            <a:endParaRPr lang="en-US" noProof="0" dirty="0"/>
-          </a:p>
-        </p:txBody>
-      </p:sp>
-      <p:sp>
-        <p:nvSpPr>
-          <p:cNvPr id="4" name="Titolo 3">
-            <a:extLst>
-              <a:ext uri="{FF2B5EF4-FFF2-40B4-BE49-F238E27FC236}">
-                <a16:creationId xmlns:a16="http://schemas.microsoft.com/office/drawing/2014/main" id="{9F433257-5C87-A04E-12CE-AC35AC56653D}"/>
-              </a:ext>
-            </a:extLst>
-          </p:cNvPr>
-          <p:cNvSpPr>
-            <a:spLocks noGrp="1"/>
-          </p:cNvSpPr>
-          <p:nvPr>
-            <p:ph type="title"/>
-          </p:nvPr>
-        </p:nvSpPr>
-        <p:spPr/>
-        <p:txBody>
-          <a:bodyPr>
-            <a:normAutofit/>
-          </a:bodyPr>
-          <a:lstStyle/>
-          <a:p>
-            <a:r>
-              <a:rPr lang="en-US" noProof="0" dirty="0"/>
-              <a:t>Demo System </a:t>
-            </a:r>
-          </a:p>
-        </p:txBody>
-      </p:sp>
-      <p:grpSp>
-        <p:nvGrpSpPr>
-          <p:cNvPr id="11" name="Gruppo 10">
-            <a:extLst>
-              <a:ext uri="{FF2B5EF4-FFF2-40B4-BE49-F238E27FC236}">
-                <a16:creationId xmlns:a16="http://schemas.microsoft.com/office/drawing/2014/main" id="{028DC0B0-62A2-9879-D0AF-486F4E626D18}"/>
-              </a:ext>
-            </a:extLst>
-          </p:cNvPr>
-          <p:cNvGrpSpPr/>
-          <p:nvPr/>
-        </p:nvGrpSpPr>
-        <p:grpSpPr>
-          <a:xfrm>
-            <a:off x="1518836" y="1138118"/>
-            <a:ext cx="945355" cy="504886"/>
-            <a:chOff x="746149" y="1111909"/>
-            <a:chExt cx="1141173" cy="648288"/>
-          </a:xfrm>
-        </p:grpSpPr>
-        <p:sp>
-          <p:nvSpPr>
-            <p:cNvPr id="8" name="Rettangolo 7">
-              <a:extLst>
-                <a:ext uri="{FF2B5EF4-FFF2-40B4-BE49-F238E27FC236}">
-                  <a16:creationId xmlns:a16="http://schemas.microsoft.com/office/drawing/2014/main" id="{8201C3A5-1605-A50D-682C-02D84BB24A2E}"/>
-                </a:ext>
-              </a:extLst>
-            </p:cNvPr>
-            <p:cNvSpPr/>
-            <p:nvPr/>
-          </p:nvSpPr>
-          <p:spPr>
-            <a:xfrm>
-              <a:off x="746150" y="1111909"/>
-              <a:ext cx="1141172" cy="648288"/>
-            </a:xfrm>
-            <a:prstGeom prst="rect">
-              <a:avLst/>
-            </a:prstGeom>
-          </p:spPr>
-          <p:style>
-            <a:lnRef idx="2">
-              <a:schemeClr val="accent2"/>
-            </a:lnRef>
-            <a:fillRef idx="1">
-              <a:schemeClr val="lt1"/>
-            </a:fillRef>
-            <a:effectRef idx="0">
-              <a:schemeClr val="accent2"/>
-            </a:effectRef>
-            <a:fontRef idx="minor">
-              <a:schemeClr val="dk1"/>
-            </a:fontRef>
-          </p:style>
-          <p:txBody>
-            <a:bodyPr rtlCol="0" anchor="ctr"/>
-            <a:lstStyle/>
-            <a:p>
-              <a:pPr algn="ctr"/>
-              <a:r>
-                <a:rPr lang="en-US" noProof="0" dirty="0"/>
-                <a:t>Console 1</a:t>
-              </a:r>
-            </a:p>
-          </p:txBody>
-        </p:sp>
-        <p:sp>
-          <p:nvSpPr>
-            <p:cNvPr id="9" name="Rettangolo 8">
-              <a:extLst>
-                <a:ext uri="{FF2B5EF4-FFF2-40B4-BE49-F238E27FC236}">
-                  <a16:creationId xmlns:a16="http://schemas.microsoft.com/office/drawing/2014/main" id="{9326B9D0-D571-C346-4DB0-23C13760D75D}"/>
-                </a:ext>
-              </a:extLst>
-            </p:cNvPr>
-            <p:cNvSpPr/>
-            <p:nvPr/>
-          </p:nvSpPr>
-          <p:spPr>
-            <a:xfrm>
-              <a:off x="746149" y="1590162"/>
-              <a:ext cx="584563" cy="170035"/>
-            </a:xfrm>
-            <a:prstGeom prst="rect">
-              <a:avLst/>
-            </a:prstGeom>
-          </p:spPr>
-          <p:style>
-            <a:lnRef idx="2">
-              <a:schemeClr val="accent1">
-                <a:shade val="15000"/>
-              </a:schemeClr>
-            </a:lnRef>
-            <a:fillRef idx="1">
-              <a:schemeClr val="accent1"/>
-            </a:fillRef>
-            <a:effectRef idx="0">
-              <a:schemeClr val="accent1"/>
-            </a:effectRef>
-            <a:fontRef idx="minor">
-              <a:schemeClr val="lt1"/>
-            </a:fontRef>
-          </p:style>
-          <p:txBody>
-            <a:bodyPr rtlCol="0" anchor="ctr"/>
-            <a:lstStyle/>
-            <a:p>
-              <a:pPr algn="ctr"/>
-              <a:r>
-                <a:rPr lang="en-US" sz="700" noProof="0" dirty="0"/>
-                <a:t>eth0</a:t>
-              </a:r>
-            </a:p>
-          </p:txBody>
-        </p:sp>
-      </p:grpSp>
-      <p:grpSp>
-        <p:nvGrpSpPr>
-          <p:cNvPr id="12" name="Gruppo 11">
-            <a:extLst>
-              <a:ext uri="{FF2B5EF4-FFF2-40B4-BE49-F238E27FC236}">
-                <a16:creationId xmlns:a16="http://schemas.microsoft.com/office/drawing/2014/main" id="{2C47223B-C3F0-B665-D866-82723BDAD68C}"/>
-              </a:ext>
-            </a:extLst>
-          </p:cNvPr>
-          <p:cNvGrpSpPr/>
-          <p:nvPr/>
-        </p:nvGrpSpPr>
-        <p:grpSpPr>
-          <a:xfrm>
-            <a:off x="2724938" y="1138118"/>
-            <a:ext cx="945355" cy="504886"/>
-            <a:chOff x="746149" y="1111909"/>
-            <a:chExt cx="1141173" cy="648288"/>
-          </a:xfrm>
-        </p:grpSpPr>
-        <p:sp>
-          <p:nvSpPr>
-            <p:cNvPr id="13" name="Rettangolo 12">
-              <a:extLst>
-                <a:ext uri="{FF2B5EF4-FFF2-40B4-BE49-F238E27FC236}">
-                  <a16:creationId xmlns:a16="http://schemas.microsoft.com/office/drawing/2014/main" id="{278508A4-61A5-0A50-1479-C67185E5C0B7}"/>
-                </a:ext>
-              </a:extLst>
-            </p:cNvPr>
-            <p:cNvSpPr/>
-            <p:nvPr/>
-          </p:nvSpPr>
-          <p:spPr>
-            <a:xfrm>
-              <a:off x="746150" y="1111909"/>
-              <a:ext cx="1141172" cy="648288"/>
-            </a:xfrm>
-            <a:prstGeom prst="rect">
-              <a:avLst/>
-            </a:prstGeom>
-          </p:spPr>
-          <p:style>
-            <a:lnRef idx="2">
-              <a:schemeClr val="accent2"/>
-            </a:lnRef>
-            <a:fillRef idx="1">
-              <a:schemeClr val="lt1"/>
-            </a:fillRef>
-            <a:effectRef idx="0">
-              <a:schemeClr val="accent2"/>
-            </a:effectRef>
-            <a:fontRef idx="minor">
-              <a:schemeClr val="dk1"/>
-            </a:fontRef>
-          </p:style>
-          <p:txBody>
-            <a:bodyPr rtlCol="0" anchor="ctr"/>
-            <a:lstStyle/>
-            <a:p>
-              <a:pPr algn="ctr"/>
-              <a:r>
-                <a:rPr lang="en-US" noProof="0" dirty="0"/>
-                <a:t>Console 2</a:t>
-              </a:r>
-            </a:p>
-          </p:txBody>
-        </p:sp>
-        <p:sp>
-          <p:nvSpPr>
-            <p:cNvPr id="14" name="Rettangolo 13">
-              <a:extLst>
-                <a:ext uri="{FF2B5EF4-FFF2-40B4-BE49-F238E27FC236}">
-                  <a16:creationId xmlns:a16="http://schemas.microsoft.com/office/drawing/2014/main" id="{09150082-05BB-60E1-C518-1BD08D3A0AD7}"/>
-                </a:ext>
-              </a:extLst>
-            </p:cNvPr>
-            <p:cNvSpPr/>
-            <p:nvPr/>
-          </p:nvSpPr>
-          <p:spPr>
-            <a:xfrm>
-              <a:off x="746149" y="1590162"/>
-              <a:ext cx="584563" cy="170035"/>
-            </a:xfrm>
-            <a:prstGeom prst="rect">
-              <a:avLst/>
-            </a:prstGeom>
-          </p:spPr>
-          <p:style>
-            <a:lnRef idx="2">
-              <a:schemeClr val="accent1">
-                <a:shade val="15000"/>
-              </a:schemeClr>
-            </a:lnRef>
-            <a:fillRef idx="1">
-              <a:schemeClr val="accent1"/>
-            </a:fillRef>
-            <a:effectRef idx="0">
-              <a:schemeClr val="accent1"/>
-            </a:effectRef>
-            <a:fontRef idx="minor">
-              <a:schemeClr val="lt1"/>
-            </a:fontRef>
-          </p:style>
-          <p:txBody>
-            <a:bodyPr rtlCol="0" anchor="ctr"/>
-            <a:lstStyle/>
-            <a:p>
-              <a:pPr algn="ctr"/>
-              <a:r>
-                <a:rPr lang="en-US" sz="700" noProof="0" dirty="0"/>
-                <a:t>eth0</a:t>
-              </a:r>
-            </a:p>
-          </p:txBody>
-        </p:sp>
-      </p:grpSp>
-      <p:grpSp>
-        <p:nvGrpSpPr>
-          <p:cNvPr id="67" name="Gruppo 66">
-            <a:extLst>
-              <a:ext uri="{FF2B5EF4-FFF2-40B4-BE49-F238E27FC236}">
-                <a16:creationId xmlns:a16="http://schemas.microsoft.com/office/drawing/2014/main" id="{7D361D9D-F833-B06D-64A8-9ABCF1165A8E}"/>
-              </a:ext>
-            </a:extLst>
-          </p:cNvPr>
-          <p:cNvGrpSpPr/>
-          <p:nvPr/>
-        </p:nvGrpSpPr>
-        <p:grpSpPr>
-          <a:xfrm>
-            <a:off x="1788810" y="2189045"/>
-            <a:ext cx="1881483" cy="1076089"/>
-            <a:chOff x="3002107" y="2397518"/>
-            <a:chExt cx="1881483" cy="1076089"/>
-          </a:xfrm>
-        </p:grpSpPr>
-        <p:sp>
-          <p:nvSpPr>
-            <p:cNvPr id="19" name="Rettangolo 18">
-              <a:extLst>
-                <a:ext uri="{FF2B5EF4-FFF2-40B4-BE49-F238E27FC236}">
-                  <a16:creationId xmlns:a16="http://schemas.microsoft.com/office/drawing/2014/main" id="{1C2B2FAE-9A17-961B-0D21-9B6365415D6F}"/>
-                </a:ext>
-              </a:extLst>
-            </p:cNvPr>
-            <p:cNvSpPr/>
-            <p:nvPr/>
-          </p:nvSpPr>
-          <p:spPr>
-            <a:xfrm>
-              <a:off x="3010037" y="2652137"/>
-              <a:ext cx="1865623" cy="560643"/>
-            </a:xfrm>
-            <a:prstGeom prst="rect">
-              <a:avLst/>
-            </a:prstGeom>
-          </p:spPr>
-          <p:style>
-            <a:lnRef idx="2">
-              <a:schemeClr val="accent2"/>
-            </a:lnRef>
-            <a:fillRef idx="1">
-              <a:schemeClr val="lt1"/>
-            </a:fillRef>
-            <a:effectRef idx="0">
-              <a:schemeClr val="accent2"/>
-            </a:effectRef>
-            <a:fontRef idx="minor">
-              <a:schemeClr val="dk1"/>
-            </a:fontRef>
-          </p:style>
-          <p:txBody>
-            <a:bodyPr rtlCol="0" anchor="ctr"/>
-            <a:lstStyle/>
-            <a:p>
-              <a:pPr algn="ctr"/>
-              <a:r>
-                <a:rPr lang="en-US" noProof="0" dirty="0"/>
-                <a:t>SWITCH1</a:t>
-              </a:r>
-            </a:p>
-          </p:txBody>
-        </p:sp>
-        <p:sp>
-          <p:nvSpPr>
-            <p:cNvPr id="42" name="Rettangolo 41">
-              <a:extLst>
-                <a:ext uri="{FF2B5EF4-FFF2-40B4-BE49-F238E27FC236}">
-                  <a16:creationId xmlns:a16="http://schemas.microsoft.com/office/drawing/2014/main" id="{F8794659-DEB0-EB41-C224-49C8C86B6128}"/>
-                </a:ext>
-              </a:extLst>
-            </p:cNvPr>
-            <p:cNvSpPr/>
-            <p:nvPr/>
-          </p:nvSpPr>
-          <p:spPr>
-            <a:xfrm>
-              <a:off x="3002107" y="2397518"/>
-              <a:ext cx="197153" cy="254619"/>
-            </a:xfrm>
-            <a:prstGeom prst="rect">
-              <a:avLst/>
-            </a:prstGeom>
-          </p:spPr>
-          <p:style>
-            <a:lnRef idx="2">
-              <a:schemeClr val="accent1">
-                <a:shade val="15000"/>
-              </a:schemeClr>
-            </a:lnRef>
-            <a:fillRef idx="1">
-              <a:schemeClr val="accent1"/>
-            </a:fillRef>
-            <a:effectRef idx="0">
-              <a:schemeClr val="accent1"/>
-            </a:effectRef>
-            <a:fontRef idx="minor">
-              <a:schemeClr val="lt1"/>
-            </a:fontRef>
-          </p:style>
-          <p:txBody>
-            <a:bodyPr vert="vert" rtlCol="0" anchor="ctr"/>
-            <a:lstStyle/>
-            <a:p>
-              <a:pPr algn="ctr"/>
-              <a:r>
-                <a:rPr lang="en-US" sz="700" noProof="0" dirty="0">
-                  <a:solidFill>
-                    <a:srgbClr val="FFFFFF"/>
-                  </a:solidFill>
-                  <a:effectLst/>
-                  <a:latin typeface="Lato" panose="020F0502020204030203" pitchFamily="34" charset="0"/>
-                </a:rPr>
-                <a:t>1</a:t>
-              </a:r>
-              <a:endParaRPr lang="en-US" sz="1000" noProof="0" dirty="0"/>
-            </a:p>
-          </p:txBody>
-        </p:sp>
-        <p:sp>
-          <p:nvSpPr>
-            <p:cNvPr id="43" name="Rettangolo 42">
-              <a:extLst>
-                <a:ext uri="{FF2B5EF4-FFF2-40B4-BE49-F238E27FC236}">
-                  <a16:creationId xmlns:a16="http://schemas.microsoft.com/office/drawing/2014/main" id="{AD866319-B5C3-1159-12DA-F93FCA2F4520}"/>
-                </a:ext>
-              </a:extLst>
-            </p:cNvPr>
-            <p:cNvSpPr/>
-            <p:nvPr/>
-          </p:nvSpPr>
-          <p:spPr>
-            <a:xfrm>
-              <a:off x="3154507" y="2397518"/>
-              <a:ext cx="197153" cy="254619"/>
-            </a:xfrm>
-            <a:prstGeom prst="rect">
-              <a:avLst/>
-            </a:prstGeom>
-          </p:spPr>
-          <p:style>
-            <a:lnRef idx="2">
-              <a:schemeClr val="accent1">
-                <a:shade val="15000"/>
-              </a:schemeClr>
-            </a:lnRef>
-            <a:fillRef idx="1">
-              <a:schemeClr val="accent1"/>
-            </a:fillRef>
-            <a:effectRef idx="0">
-              <a:schemeClr val="accent1"/>
-            </a:effectRef>
-            <a:fontRef idx="minor">
-              <a:schemeClr val="lt1"/>
-            </a:fontRef>
-          </p:style>
-          <p:txBody>
-            <a:bodyPr vert="vert" rtlCol="0" anchor="ctr"/>
-            <a:lstStyle/>
-            <a:p>
-              <a:pPr algn="ctr"/>
-              <a:r>
-                <a:rPr lang="en-US" sz="700" noProof="0" dirty="0">
-                  <a:solidFill>
-                    <a:srgbClr val="FFFFFF"/>
-                  </a:solidFill>
-                  <a:latin typeface="Lato" panose="020F0502020204030203" pitchFamily="34" charset="0"/>
-                </a:rPr>
-                <a:t>2</a:t>
-              </a:r>
-              <a:endParaRPr lang="en-US" sz="1000" noProof="0" dirty="0"/>
-            </a:p>
-          </p:txBody>
-        </p:sp>
-        <p:sp>
-          <p:nvSpPr>
-            <p:cNvPr id="44" name="Rettangolo 43">
-              <a:extLst>
-                <a:ext uri="{FF2B5EF4-FFF2-40B4-BE49-F238E27FC236}">
-                  <a16:creationId xmlns:a16="http://schemas.microsoft.com/office/drawing/2014/main" id="{CFEB09EF-9EDB-07B7-D2D6-9882D6057D53}"/>
-                </a:ext>
-              </a:extLst>
-            </p:cNvPr>
-            <p:cNvSpPr/>
-            <p:nvPr/>
-          </p:nvSpPr>
-          <p:spPr>
-            <a:xfrm>
-              <a:off x="3306907" y="2397518"/>
-              <a:ext cx="197153" cy="254619"/>
-            </a:xfrm>
-            <a:prstGeom prst="rect">
-              <a:avLst/>
-            </a:prstGeom>
-          </p:spPr>
-          <p:style>
-            <a:lnRef idx="2">
-              <a:schemeClr val="accent1">
-                <a:shade val="15000"/>
-              </a:schemeClr>
-            </a:lnRef>
-            <a:fillRef idx="1">
-              <a:schemeClr val="accent1"/>
-            </a:fillRef>
-            <a:effectRef idx="0">
-              <a:schemeClr val="accent1"/>
-            </a:effectRef>
-            <a:fontRef idx="minor">
-              <a:schemeClr val="lt1"/>
-            </a:fontRef>
-          </p:style>
-          <p:txBody>
-            <a:bodyPr vert="vert" rtlCol="0" anchor="ctr"/>
-            <a:lstStyle/>
-            <a:p>
-              <a:pPr algn="ctr"/>
-              <a:r>
-                <a:rPr lang="en-US" sz="700" noProof="0" dirty="0">
-                  <a:solidFill>
-                    <a:srgbClr val="FFFFFF"/>
-                  </a:solidFill>
-                  <a:latin typeface="Lato" panose="020F0502020204030203" pitchFamily="34" charset="0"/>
-                </a:rPr>
-                <a:t>3</a:t>
-              </a:r>
-              <a:endParaRPr lang="en-US" sz="1000" noProof="0" dirty="0"/>
-            </a:p>
-          </p:txBody>
-        </p:sp>
-        <p:sp>
-          <p:nvSpPr>
-            <p:cNvPr id="45" name="Rettangolo 44">
-              <a:extLst>
-                <a:ext uri="{FF2B5EF4-FFF2-40B4-BE49-F238E27FC236}">
-                  <a16:creationId xmlns:a16="http://schemas.microsoft.com/office/drawing/2014/main" id="{ADE14FB9-C3DA-1034-5187-73793B5CDF46}"/>
-                </a:ext>
-              </a:extLst>
-            </p:cNvPr>
-            <p:cNvSpPr/>
-            <p:nvPr/>
-          </p:nvSpPr>
-          <p:spPr>
-            <a:xfrm>
-              <a:off x="3459307" y="2397518"/>
-              <a:ext cx="197153" cy="254619"/>
-            </a:xfrm>
-            <a:prstGeom prst="rect">
-              <a:avLst/>
-            </a:prstGeom>
-          </p:spPr>
-          <p:style>
-            <a:lnRef idx="2">
-              <a:schemeClr val="accent1">
-                <a:shade val="15000"/>
-              </a:schemeClr>
-            </a:lnRef>
-            <a:fillRef idx="1">
-              <a:schemeClr val="accent1"/>
-            </a:fillRef>
-            <a:effectRef idx="0">
-              <a:schemeClr val="accent1"/>
-            </a:effectRef>
-            <a:fontRef idx="minor">
-              <a:schemeClr val="lt1"/>
-            </a:fontRef>
-          </p:style>
-          <p:txBody>
-            <a:bodyPr vert="vert" rtlCol="0" anchor="ctr"/>
-            <a:lstStyle/>
-            <a:p>
-              <a:pPr algn="ctr"/>
-              <a:r>
-                <a:rPr lang="en-US" sz="700" noProof="0" dirty="0">
-                  <a:solidFill>
-                    <a:srgbClr val="FFFFFF"/>
-                  </a:solidFill>
-                  <a:latin typeface="Lato" panose="020F0502020204030203" pitchFamily="34" charset="0"/>
-                </a:rPr>
-                <a:t>4</a:t>
-              </a:r>
-              <a:endParaRPr lang="en-US" sz="1000" noProof="0" dirty="0"/>
-            </a:p>
-          </p:txBody>
-        </p:sp>
-        <p:sp>
-          <p:nvSpPr>
-            <p:cNvPr id="46" name="Rettangolo 45">
-              <a:extLst>
-                <a:ext uri="{FF2B5EF4-FFF2-40B4-BE49-F238E27FC236}">
-                  <a16:creationId xmlns:a16="http://schemas.microsoft.com/office/drawing/2014/main" id="{DDE0CF30-F19E-F647-133A-94856394F8A3}"/>
-                </a:ext>
-              </a:extLst>
-            </p:cNvPr>
-            <p:cNvSpPr/>
-            <p:nvPr/>
-          </p:nvSpPr>
-          <p:spPr>
-            <a:xfrm>
-              <a:off x="3611707" y="2397518"/>
-              <a:ext cx="197153" cy="254619"/>
-            </a:xfrm>
-            <a:prstGeom prst="rect">
-              <a:avLst/>
-            </a:prstGeom>
-          </p:spPr>
-          <p:style>
-            <a:lnRef idx="2">
-              <a:schemeClr val="accent1">
-                <a:shade val="15000"/>
-              </a:schemeClr>
-            </a:lnRef>
-            <a:fillRef idx="1">
-              <a:schemeClr val="accent1"/>
-            </a:fillRef>
-            <a:effectRef idx="0">
-              <a:schemeClr val="accent1"/>
-            </a:effectRef>
-            <a:fontRef idx="minor">
-              <a:schemeClr val="lt1"/>
-            </a:fontRef>
-          </p:style>
-          <p:txBody>
-            <a:bodyPr vert="vert" rtlCol="0" anchor="ctr"/>
-            <a:lstStyle/>
-            <a:p>
-              <a:pPr algn="ctr"/>
-              <a:r>
-                <a:rPr lang="en-US" sz="700" noProof="0" dirty="0">
-                  <a:solidFill>
-                    <a:srgbClr val="FFFFFF"/>
-                  </a:solidFill>
-                  <a:latin typeface="Lato" panose="020F0502020204030203" pitchFamily="34" charset="0"/>
-                </a:rPr>
-                <a:t>5</a:t>
-              </a:r>
-              <a:endParaRPr lang="en-US" sz="1000" noProof="0" dirty="0"/>
-            </a:p>
-          </p:txBody>
-        </p:sp>
-        <p:sp>
-          <p:nvSpPr>
-            <p:cNvPr id="47" name="Rettangolo 46">
-              <a:extLst>
-                <a:ext uri="{FF2B5EF4-FFF2-40B4-BE49-F238E27FC236}">
-                  <a16:creationId xmlns:a16="http://schemas.microsoft.com/office/drawing/2014/main" id="{882442DD-49E2-28BD-BF67-3FA438C60476}"/>
-                </a:ext>
-              </a:extLst>
-            </p:cNvPr>
-            <p:cNvSpPr/>
-            <p:nvPr/>
-          </p:nvSpPr>
-          <p:spPr>
-            <a:xfrm>
-              <a:off x="3764107" y="2397518"/>
-              <a:ext cx="197153" cy="254619"/>
-            </a:xfrm>
-            <a:prstGeom prst="rect">
-              <a:avLst/>
-            </a:prstGeom>
-          </p:spPr>
-          <p:style>
-            <a:lnRef idx="2">
-              <a:schemeClr val="accent1">
-                <a:shade val="15000"/>
-              </a:schemeClr>
-            </a:lnRef>
-            <a:fillRef idx="1">
-              <a:schemeClr val="accent1"/>
-            </a:fillRef>
-            <a:effectRef idx="0">
-              <a:schemeClr val="accent1"/>
-            </a:effectRef>
-            <a:fontRef idx="minor">
-              <a:schemeClr val="lt1"/>
-            </a:fontRef>
-          </p:style>
-          <p:txBody>
-            <a:bodyPr vert="vert" rtlCol="0" anchor="ctr"/>
-            <a:lstStyle/>
-            <a:p>
-              <a:pPr algn="ctr"/>
-              <a:r>
-                <a:rPr lang="en-US" sz="700" noProof="0" dirty="0"/>
-                <a:t>6</a:t>
-              </a:r>
-            </a:p>
-          </p:txBody>
-        </p:sp>
-        <p:sp>
-          <p:nvSpPr>
-            <p:cNvPr id="48" name="Rettangolo 47">
-              <a:extLst>
-                <a:ext uri="{FF2B5EF4-FFF2-40B4-BE49-F238E27FC236}">
-                  <a16:creationId xmlns:a16="http://schemas.microsoft.com/office/drawing/2014/main" id="{9A0A190E-F98A-76F5-B239-D0324999AA5A}"/>
-                </a:ext>
-              </a:extLst>
-            </p:cNvPr>
-            <p:cNvSpPr/>
-            <p:nvPr/>
-          </p:nvSpPr>
-          <p:spPr>
-            <a:xfrm>
-              <a:off x="3916507" y="2397518"/>
-              <a:ext cx="197153" cy="254619"/>
-            </a:xfrm>
-            <a:prstGeom prst="rect">
-              <a:avLst/>
-            </a:prstGeom>
-          </p:spPr>
-          <p:style>
-            <a:lnRef idx="2">
-              <a:schemeClr val="accent1">
-                <a:shade val="15000"/>
-              </a:schemeClr>
-            </a:lnRef>
-            <a:fillRef idx="1">
-              <a:schemeClr val="accent1"/>
-            </a:fillRef>
-            <a:effectRef idx="0">
-              <a:schemeClr val="accent1"/>
-            </a:effectRef>
-            <a:fontRef idx="minor">
-              <a:schemeClr val="lt1"/>
-            </a:fontRef>
-          </p:style>
-          <p:txBody>
-            <a:bodyPr vert="vert" rtlCol="0" anchor="ctr"/>
-            <a:lstStyle/>
-            <a:p>
-              <a:pPr algn="ctr"/>
-              <a:r>
-                <a:rPr lang="en-US" sz="700" noProof="0" dirty="0">
-                  <a:solidFill>
-                    <a:srgbClr val="FFFFFF"/>
-                  </a:solidFill>
-                  <a:effectLst/>
-                  <a:latin typeface="Lato" panose="020F0502020204030203" pitchFamily="34" charset="0"/>
-                </a:rPr>
-                <a:t>7</a:t>
-              </a:r>
-              <a:endParaRPr lang="en-US" sz="1000" noProof="0" dirty="0"/>
-            </a:p>
-          </p:txBody>
-        </p:sp>
-        <p:sp>
-          <p:nvSpPr>
-            <p:cNvPr id="49" name="Rettangolo 48">
-              <a:extLst>
-                <a:ext uri="{FF2B5EF4-FFF2-40B4-BE49-F238E27FC236}">
-                  <a16:creationId xmlns:a16="http://schemas.microsoft.com/office/drawing/2014/main" id="{000CBB80-7BF3-885D-A7B0-79F9F879C6B0}"/>
-                </a:ext>
-              </a:extLst>
-            </p:cNvPr>
-            <p:cNvSpPr/>
-            <p:nvPr/>
-          </p:nvSpPr>
-          <p:spPr>
-            <a:xfrm>
-              <a:off x="4068907" y="2397518"/>
-              <a:ext cx="197153" cy="254619"/>
-            </a:xfrm>
-            <a:prstGeom prst="rect">
-              <a:avLst/>
-            </a:prstGeom>
-          </p:spPr>
-          <p:style>
-            <a:lnRef idx="2">
-              <a:schemeClr val="accent1">
-                <a:shade val="15000"/>
-              </a:schemeClr>
-            </a:lnRef>
-            <a:fillRef idx="1">
-              <a:schemeClr val="accent1"/>
-            </a:fillRef>
-            <a:effectRef idx="0">
-              <a:schemeClr val="accent1"/>
-            </a:effectRef>
-            <a:fontRef idx="minor">
-              <a:schemeClr val="lt1"/>
-            </a:fontRef>
-          </p:style>
-          <p:txBody>
-            <a:bodyPr vert="vert" rtlCol="0" anchor="ctr"/>
-            <a:lstStyle/>
-            <a:p>
-              <a:pPr algn="ctr"/>
-              <a:r>
-                <a:rPr lang="en-US" sz="700" noProof="0" dirty="0">
-                  <a:solidFill>
-                    <a:srgbClr val="FFFFFF"/>
-                  </a:solidFill>
-                  <a:effectLst/>
-                  <a:latin typeface="Lato" panose="020F0502020204030203" pitchFamily="34" charset="0"/>
-                </a:rPr>
-                <a:t>8</a:t>
-              </a:r>
-              <a:endParaRPr lang="en-US" sz="1000" noProof="0" dirty="0"/>
-            </a:p>
-          </p:txBody>
-        </p:sp>
-        <p:sp>
-          <p:nvSpPr>
-            <p:cNvPr id="50" name="Rettangolo 49">
-              <a:extLst>
-                <a:ext uri="{FF2B5EF4-FFF2-40B4-BE49-F238E27FC236}">
-                  <a16:creationId xmlns:a16="http://schemas.microsoft.com/office/drawing/2014/main" id="{8472536C-2B2A-45CE-3EC3-A8EAB8DD9821}"/>
-                </a:ext>
-              </a:extLst>
-            </p:cNvPr>
-            <p:cNvSpPr/>
-            <p:nvPr/>
-          </p:nvSpPr>
-          <p:spPr>
-            <a:xfrm>
-              <a:off x="4221307" y="2397518"/>
-              <a:ext cx="197153" cy="254619"/>
-            </a:xfrm>
-            <a:prstGeom prst="rect">
-              <a:avLst/>
-            </a:prstGeom>
-          </p:spPr>
-          <p:style>
-            <a:lnRef idx="2">
-              <a:schemeClr val="accent1">
-                <a:shade val="15000"/>
-              </a:schemeClr>
-            </a:lnRef>
-            <a:fillRef idx="1">
-              <a:schemeClr val="accent1"/>
-            </a:fillRef>
-            <a:effectRef idx="0">
-              <a:schemeClr val="accent1"/>
-            </a:effectRef>
-            <a:fontRef idx="minor">
-              <a:schemeClr val="lt1"/>
-            </a:fontRef>
-          </p:style>
-          <p:txBody>
-            <a:bodyPr vert="vert" rtlCol="0" anchor="ctr"/>
-            <a:lstStyle/>
-            <a:p>
-              <a:pPr algn="ctr"/>
-              <a:r>
-                <a:rPr lang="en-US" sz="700" noProof="0" dirty="0">
-                  <a:solidFill>
-                    <a:srgbClr val="FFFFFF"/>
-                  </a:solidFill>
-                  <a:effectLst/>
-                  <a:latin typeface="Lato" panose="020F0502020204030203" pitchFamily="34" charset="0"/>
-                </a:rPr>
-                <a:t>9</a:t>
-              </a:r>
-              <a:endParaRPr lang="en-US" sz="1000" noProof="0" dirty="0"/>
-            </a:p>
-          </p:txBody>
-        </p:sp>
-        <p:sp>
-          <p:nvSpPr>
-            <p:cNvPr id="51" name="Rettangolo 50">
-              <a:extLst>
-                <a:ext uri="{FF2B5EF4-FFF2-40B4-BE49-F238E27FC236}">
-                  <a16:creationId xmlns:a16="http://schemas.microsoft.com/office/drawing/2014/main" id="{9EFA3268-25CB-2BDB-8451-91D47DD9A7AC}"/>
-                </a:ext>
-              </a:extLst>
-            </p:cNvPr>
-            <p:cNvSpPr/>
-            <p:nvPr/>
-          </p:nvSpPr>
-          <p:spPr>
-            <a:xfrm>
-              <a:off x="4373707" y="2397518"/>
-              <a:ext cx="197153" cy="254619"/>
-            </a:xfrm>
-            <a:prstGeom prst="rect">
-              <a:avLst/>
-            </a:prstGeom>
-          </p:spPr>
-          <p:style>
-            <a:lnRef idx="2">
-              <a:schemeClr val="accent1">
-                <a:shade val="15000"/>
-              </a:schemeClr>
-            </a:lnRef>
-            <a:fillRef idx="1">
-              <a:schemeClr val="accent1"/>
-            </a:fillRef>
-            <a:effectRef idx="0">
-              <a:schemeClr val="accent1"/>
-            </a:effectRef>
-            <a:fontRef idx="minor">
-              <a:schemeClr val="lt1"/>
-            </a:fontRef>
-          </p:style>
-          <p:txBody>
-            <a:bodyPr vert="vert" rtlCol="0" anchor="ctr"/>
-            <a:lstStyle/>
-            <a:p>
-              <a:pPr algn="ctr"/>
-              <a:r>
-                <a:rPr lang="en-US" sz="700" noProof="0" dirty="0">
-                  <a:solidFill>
-                    <a:srgbClr val="FFFFFF"/>
-                  </a:solidFill>
-                  <a:effectLst/>
-                  <a:latin typeface="Lato" panose="020F0502020204030203" pitchFamily="34" charset="0"/>
-                </a:rPr>
-                <a:t>10</a:t>
-              </a:r>
-              <a:endParaRPr lang="en-US" sz="1000" noProof="0" dirty="0"/>
-            </a:p>
-          </p:txBody>
-        </p:sp>
-        <p:sp>
-          <p:nvSpPr>
-            <p:cNvPr id="52" name="Rettangolo 51">
-              <a:extLst>
-                <a:ext uri="{FF2B5EF4-FFF2-40B4-BE49-F238E27FC236}">
-                  <a16:creationId xmlns:a16="http://schemas.microsoft.com/office/drawing/2014/main" id="{4F4222F6-4204-B79C-3DB2-1CE21911D6B4}"/>
-                </a:ext>
-              </a:extLst>
-            </p:cNvPr>
-            <p:cNvSpPr/>
-            <p:nvPr/>
-          </p:nvSpPr>
-          <p:spPr>
-            <a:xfrm>
-              <a:off x="4526107" y="2397518"/>
-              <a:ext cx="197153" cy="254619"/>
-            </a:xfrm>
-            <a:prstGeom prst="rect">
-              <a:avLst/>
-            </a:prstGeom>
-          </p:spPr>
-          <p:style>
-            <a:lnRef idx="2">
-              <a:schemeClr val="accent1">
-                <a:shade val="15000"/>
-              </a:schemeClr>
-            </a:lnRef>
-            <a:fillRef idx="1">
-              <a:schemeClr val="accent1"/>
-            </a:fillRef>
-            <a:effectRef idx="0">
-              <a:schemeClr val="accent1"/>
-            </a:effectRef>
-            <a:fontRef idx="minor">
-              <a:schemeClr val="lt1"/>
-            </a:fontRef>
-          </p:style>
-          <p:txBody>
-            <a:bodyPr vert="vert" rtlCol="0" anchor="ctr"/>
-            <a:lstStyle/>
-            <a:p>
-              <a:pPr algn="ctr"/>
-              <a:r>
-                <a:rPr lang="en-US" sz="700" noProof="0" dirty="0">
-                  <a:solidFill>
-                    <a:srgbClr val="FFFFFF"/>
-                  </a:solidFill>
-                  <a:effectLst/>
-                  <a:latin typeface="Lato" panose="020F0502020204030203" pitchFamily="34" charset="0"/>
-                </a:rPr>
-                <a:t>11</a:t>
-              </a:r>
-              <a:endParaRPr lang="en-US" sz="1000" noProof="0" dirty="0"/>
-            </a:p>
-          </p:txBody>
-        </p:sp>
-        <p:sp>
-          <p:nvSpPr>
-            <p:cNvPr id="53" name="Rettangolo 52">
-              <a:extLst>
-                <a:ext uri="{FF2B5EF4-FFF2-40B4-BE49-F238E27FC236}">
-                  <a16:creationId xmlns:a16="http://schemas.microsoft.com/office/drawing/2014/main" id="{1669B2B2-C361-C6C3-DB99-BD69A7CDC55C}"/>
-                </a:ext>
-              </a:extLst>
-            </p:cNvPr>
-            <p:cNvSpPr/>
-            <p:nvPr/>
-          </p:nvSpPr>
-          <p:spPr>
-            <a:xfrm>
-              <a:off x="4678507" y="2397518"/>
-              <a:ext cx="197153" cy="254619"/>
-            </a:xfrm>
-            <a:prstGeom prst="rect">
-              <a:avLst/>
-            </a:prstGeom>
-          </p:spPr>
-          <p:style>
-            <a:lnRef idx="2">
-              <a:schemeClr val="accent1">
-                <a:shade val="15000"/>
-              </a:schemeClr>
-            </a:lnRef>
-            <a:fillRef idx="1">
-              <a:schemeClr val="accent1"/>
-            </a:fillRef>
-            <a:effectRef idx="0">
-              <a:schemeClr val="accent1"/>
-            </a:effectRef>
-            <a:fontRef idx="minor">
-              <a:schemeClr val="lt1"/>
-            </a:fontRef>
-          </p:style>
-          <p:txBody>
-            <a:bodyPr vert="vert" rtlCol="0" anchor="ctr"/>
-            <a:lstStyle/>
-            <a:p>
-              <a:pPr algn="ctr"/>
-              <a:r>
-                <a:rPr lang="en-US" sz="700" noProof="0" dirty="0">
-                  <a:solidFill>
-                    <a:srgbClr val="FFFFFF"/>
-                  </a:solidFill>
-                  <a:effectLst/>
-                  <a:latin typeface="Lato" panose="020F0502020204030203" pitchFamily="34" charset="0"/>
-                </a:rPr>
-                <a:t>12</a:t>
-              </a:r>
-              <a:endParaRPr lang="en-US" sz="1000" noProof="0" dirty="0"/>
-            </a:p>
-          </p:txBody>
-        </p:sp>
-        <p:sp>
-          <p:nvSpPr>
-            <p:cNvPr id="55" name="Rettangolo 54">
-              <a:extLst>
-                <a:ext uri="{FF2B5EF4-FFF2-40B4-BE49-F238E27FC236}">
-                  <a16:creationId xmlns:a16="http://schemas.microsoft.com/office/drawing/2014/main" id="{B0FC1E3A-6299-80F2-7E95-CF2F6FF2518D}"/>
-                </a:ext>
-              </a:extLst>
-            </p:cNvPr>
-            <p:cNvSpPr/>
-            <p:nvPr/>
-          </p:nvSpPr>
-          <p:spPr>
-            <a:xfrm>
-              <a:off x="3013447" y="3218988"/>
-              <a:ext cx="197153" cy="254619"/>
-            </a:xfrm>
-            <a:prstGeom prst="rect">
-              <a:avLst/>
-            </a:prstGeom>
-          </p:spPr>
-          <p:style>
-            <a:lnRef idx="2">
-              <a:schemeClr val="accent1">
-                <a:shade val="15000"/>
-              </a:schemeClr>
-            </a:lnRef>
-            <a:fillRef idx="1">
-              <a:schemeClr val="accent1"/>
-            </a:fillRef>
-            <a:effectRef idx="0">
-              <a:schemeClr val="accent1"/>
-            </a:effectRef>
-            <a:fontRef idx="minor">
-              <a:schemeClr val="lt1"/>
-            </a:fontRef>
-          </p:style>
-          <p:txBody>
-            <a:bodyPr vert="vert" rtlCol="0" anchor="ctr"/>
-            <a:lstStyle/>
-            <a:p>
-              <a:pPr algn="ctr"/>
-              <a:r>
-                <a:rPr lang="en-US" sz="700" noProof="0" dirty="0">
-                  <a:solidFill>
-                    <a:srgbClr val="FFFFFF"/>
-                  </a:solidFill>
-                  <a:effectLst/>
-                  <a:latin typeface="Lato" panose="020F0502020204030203" pitchFamily="34" charset="0"/>
-                </a:rPr>
-                <a:t>24</a:t>
-              </a:r>
-              <a:endParaRPr lang="en-US" sz="1000" noProof="0" dirty="0"/>
-            </a:p>
-          </p:txBody>
-        </p:sp>
-        <p:sp>
-          <p:nvSpPr>
-            <p:cNvPr id="56" name="Rettangolo 55">
-              <a:extLst>
-                <a:ext uri="{FF2B5EF4-FFF2-40B4-BE49-F238E27FC236}">
-                  <a16:creationId xmlns:a16="http://schemas.microsoft.com/office/drawing/2014/main" id="{69285BB2-0BCE-39E3-E081-5FF4E65B1C5D}"/>
-                </a:ext>
-              </a:extLst>
-            </p:cNvPr>
-            <p:cNvSpPr/>
-            <p:nvPr/>
-          </p:nvSpPr>
-          <p:spPr>
-            <a:xfrm>
-              <a:off x="3165847" y="3218988"/>
-              <a:ext cx="197153" cy="254619"/>
-            </a:xfrm>
-            <a:prstGeom prst="rect">
-              <a:avLst/>
-            </a:prstGeom>
-          </p:spPr>
-          <p:style>
-            <a:lnRef idx="2">
-              <a:schemeClr val="accent1">
-                <a:shade val="15000"/>
-              </a:schemeClr>
-            </a:lnRef>
-            <a:fillRef idx="1">
-              <a:schemeClr val="accent1"/>
-            </a:fillRef>
-            <a:effectRef idx="0">
-              <a:schemeClr val="accent1"/>
-            </a:effectRef>
-            <a:fontRef idx="minor">
-              <a:schemeClr val="lt1"/>
-            </a:fontRef>
-          </p:style>
-          <p:txBody>
-            <a:bodyPr vert="vert" rtlCol="0" anchor="ctr"/>
-            <a:lstStyle/>
-            <a:p>
-              <a:pPr algn="ctr"/>
-              <a:r>
-                <a:rPr lang="en-US" sz="700" noProof="0" dirty="0">
-                  <a:solidFill>
-                    <a:srgbClr val="FFFFFF"/>
-                  </a:solidFill>
-                  <a:latin typeface="Lato" panose="020F0502020204030203" pitchFamily="34" charset="0"/>
-                </a:rPr>
-                <a:t>23</a:t>
-              </a:r>
-              <a:endParaRPr lang="en-US" sz="1000" noProof="0" dirty="0"/>
-            </a:p>
-          </p:txBody>
-        </p:sp>
-        <p:sp>
-          <p:nvSpPr>
-            <p:cNvPr id="57" name="Rettangolo 56">
-              <a:extLst>
-                <a:ext uri="{FF2B5EF4-FFF2-40B4-BE49-F238E27FC236}">
-                  <a16:creationId xmlns:a16="http://schemas.microsoft.com/office/drawing/2014/main" id="{93D68C45-8EA6-295B-387E-3EFC40FED2F1}"/>
-                </a:ext>
-              </a:extLst>
-            </p:cNvPr>
-            <p:cNvSpPr/>
-            <p:nvPr/>
-          </p:nvSpPr>
-          <p:spPr>
-            <a:xfrm>
-              <a:off x="3318247" y="3218988"/>
-              <a:ext cx="197153" cy="254619"/>
-            </a:xfrm>
-            <a:prstGeom prst="rect">
-              <a:avLst/>
-            </a:prstGeom>
-          </p:spPr>
-          <p:style>
-            <a:lnRef idx="2">
-              <a:schemeClr val="accent1">
-                <a:shade val="15000"/>
-              </a:schemeClr>
-            </a:lnRef>
-            <a:fillRef idx="1">
-              <a:schemeClr val="accent1"/>
-            </a:fillRef>
-            <a:effectRef idx="0">
-              <a:schemeClr val="accent1"/>
-            </a:effectRef>
-            <a:fontRef idx="minor">
-              <a:schemeClr val="lt1"/>
-            </a:fontRef>
-          </p:style>
-          <p:txBody>
-            <a:bodyPr vert="vert" rtlCol="0" anchor="ctr"/>
-            <a:lstStyle/>
-            <a:p>
-              <a:pPr algn="ctr"/>
-              <a:r>
-                <a:rPr lang="en-US" sz="700" noProof="0" dirty="0">
-                  <a:solidFill>
-                    <a:srgbClr val="FFFFFF"/>
-                  </a:solidFill>
-                  <a:latin typeface="Lato" panose="020F0502020204030203" pitchFamily="34" charset="0"/>
-                </a:rPr>
-                <a:t>22</a:t>
-              </a:r>
-              <a:endParaRPr lang="en-US" sz="1000" noProof="0" dirty="0"/>
-            </a:p>
-          </p:txBody>
-        </p:sp>
-        <p:sp>
-          <p:nvSpPr>
-            <p:cNvPr id="58" name="Rettangolo 57">
-              <a:extLst>
-                <a:ext uri="{FF2B5EF4-FFF2-40B4-BE49-F238E27FC236}">
-                  <a16:creationId xmlns:a16="http://schemas.microsoft.com/office/drawing/2014/main" id="{5191FC84-A54E-4752-1A43-CFC047CE37D4}"/>
-                </a:ext>
-              </a:extLst>
-            </p:cNvPr>
-            <p:cNvSpPr/>
-            <p:nvPr/>
-          </p:nvSpPr>
-          <p:spPr>
-            <a:xfrm>
-              <a:off x="3470647" y="3218988"/>
-              <a:ext cx="197153" cy="254619"/>
-            </a:xfrm>
-            <a:prstGeom prst="rect">
-              <a:avLst/>
-            </a:prstGeom>
-          </p:spPr>
-          <p:style>
-            <a:lnRef idx="2">
-              <a:schemeClr val="accent1">
-                <a:shade val="15000"/>
-              </a:schemeClr>
-            </a:lnRef>
-            <a:fillRef idx="1">
-              <a:schemeClr val="accent1"/>
-            </a:fillRef>
-            <a:effectRef idx="0">
-              <a:schemeClr val="accent1"/>
-            </a:effectRef>
-            <a:fontRef idx="minor">
-              <a:schemeClr val="lt1"/>
-            </a:fontRef>
-          </p:style>
-          <p:txBody>
-            <a:bodyPr vert="vert" rtlCol="0" anchor="ctr"/>
-            <a:lstStyle/>
-            <a:p>
-              <a:pPr algn="ctr"/>
-              <a:r>
-                <a:rPr lang="en-US" sz="700" noProof="0" dirty="0">
-                  <a:solidFill>
-                    <a:srgbClr val="FFFFFF"/>
-                  </a:solidFill>
-                  <a:latin typeface="Lato" panose="020F0502020204030203" pitchFamily="34" charset="0"/>
-                </a:rPr>
-                <a:t>21</a:t>
-              </a:r>
-              <a:endParaRPr lang="en-US" sz="1000" noProof="0" dirty="0"/>
-            </a:p>
-          </p:txBody>
-        </p:sp>
-        <p:sp>
-          <p:nvSpPr>
-            <p:cNvPr id="59" name="Rettangolo 58">
-              <a:extLst>
-                <a:ext uri="{FF2B5EF4-FFF2-40B4-BE49-F238E27FC236}">
-                  <a16:creationId xmlns:a16="http://schemas.microsoft.com/office/drawing/2014/main" id="{6A00C759-1E9B-4EF9-AF96-2428463D805D}"/>
-                </a:ext>
-              </a:extLst>
-            </p:cNvPr>
-            <p:cNvSpPr/>
-            <p:nvPr/>
-          </p:nvSpPr>
-          <p:spPr>
-            <a:xfrm>
-              <a:off x="3623047" y="3218988"/>
-              <a:ext cx="197153" cy="254619"/>
-            </a:xfrm>
-            <a:prstGeom prst="rect">
-              <a:avLst/>
-            </a:prstGeom>
-          </p:spPr>
-          <p:style>
-            <a:lnRef idx="2">
-              <a:schemeClr val="accent1">
-                <a:shade val="15000"/>
-              </a:schemeClr>
-            </a:lnRef>
-            <a:fillRef idx="1">
-              <a:schemeClr val="accent1"/>
-            </a:fillRef>
-            <a:effectRef idx="0">
-              <a:schemeClr val="accent1"/>
-            </a:effectRef>
-            <a:fontRef idx="minor">
-              <a:schemeClr val="lt1"/>
-            </a:fontRef>
-          </p:style>
-          <p:txBody>
-            <a:bodyPr vert="vert" rtlCol="0" anchor="ctr"/>
-            <a:lstStyle/>
-            <a:p>
-              <a:pPr algn="ctr"/>
-              <a:r>
-                <a:rPr lang="en-US" sz="700" noProof="0" dirty="0">
-                  <a:solidFill>
-                    <a:srgbClr val="FFFFFF"/>
-                  </a:solidFill>
-                  <a:latin typeface="Lato" panose="020F0502020204030203" pitchFamily="34" charset="0"/>
-                </a:rPr>
-                <a:t>20</a:t>
-              </a:r>
-              <a:endParaRPr lang="en-US" sz="1000" noProof="0" dirty="0"/>
-            </a:p>
-          </p:txBody>
-        </p:sp>
-        <p:sp>
-          <p:nvSpPr>
-            <p:cNvPr id="60" name="Rettangolo 59">
-              <a:extLst>
-                <a:ext uri="{FF2B5EF4-FFF2-40B4-BE49-F238E27FC236}">
-                  <a16:creationId xmlns:a16="http://schemas.microsoft.com/office/drawing/2014/main" id="{28378AAB-2B90-676D-4466-069BC7649F8C}"/>
-                </a:ext>
-              </a:extLst>
-            </p:cNvPr>
-            <p:cNvSpPr/>
-            <p:nvPr/>
-          </p:nvSpPr>
-          <p:spPr>
-            <a:xfrm>
-              <a:off x="3775447" y="3218988"/>
-              <a:ext cx="197153" cy="254619"/>
-            </a:xfrm>
-            <a:prstGeom prst="rect">
-              <a:avLst/>
-            </a:prstGeom>
-          </p:spPr>
-          <p:style>
-            <a:lnRef idx="2">
-              <a:schemeClr val="accent1">
-                <a:shade val="15000"/>
-              </a:schemeClr>
-            </a:lnRef>
-            <a:fillRef idx="1">
-              <a:schemeClr val="accent1"/>
-            </a:fillRef>
-            <a:effectRef idx="0">
-              <a:schemeClr val="accent1"/>
-            </a:effectRef>
-            <a:fontRef idx="minor">
-              <a:schemeClr val="lt1"/>
-            </a:fontRef>
-          </p:style>
-          <p:txBody>
-            <a:bodyPr vert="vert" rtlCol="0" anchor="ctr"/>
-            <a:lstStyle/>
-            <a:p>
-              <a:pPr algn="ctr"/>
-              <a:r>
-                <a:rPr lang="en-US" sz="700" noProof="0" dirty="0"/>
-                <a:t>19</a:t>
-              </a:r>
-            </a:p>
-          </p:txBody>
-        </p:sp>
-        <p:sp>
-          <p:nvSpPr>
-            <p:cNvPr id="61" name="Rettangolo 60">
-              <a:extLst>
-                <a:ext uri="{FF2B5EF4-FFF2-40B4-BE49-F238E27FC236}">
-                  <a16:creationId xmlns:a16="http://schemas.microsoft.com/office/drawing/2014/main" id="{738EA1D3-6646-B7A3-C918-2F2B4BC34010}"/>
-                </a:ext>
-              </a:extLst>
-            </p:cNvPr>
-            <p:cNvSpPr/>
-            <p:nvPr/>
-          </p:nvSpPr>
-          <p:spPr>
-            <a:xfrm>
-              <a:off x="3927847" y="3218988"/>
-              <a:ext cx="197153" cy="254619"/>
-            </a:xfrm>
-            <a:prstGeom prst="rect">
-              <a:avLst/>
-            </a:prstGeom>
-          </p:spPr>
-          <p:style>
-            <a:lnRef idx="2">
-              <a:schemeClr val="accent1">
-                <a:shade val="15000"/>
-              </a:schemeClr>
-            </a:lnRef>
-            <a:fillRef idx="1">
-              <a:schemeClr val="accent1"/>
-            </a:fillRef>
-            <a:effectRef idx="0">
-              <a:schemeClr val="accent1"/>
-            </a:effectRef>
-            <a:fontRef idx="minor">
-              <a:schemeClr val="lt1"/>
-            </a:fontRef>
-          </p:style>
-          <p:txBody>
-            <a:bodyPr vert="vert" rtlCol="0" anchor="ctr"/>
-            <a:lstStyle/>
-            <a:p>
-              <a:pPr algn="ctr"/>
-              <a:r>
-                <a:rPr lang="en-US" sz="700" noProof="0" dirty="0">
-                  <a:solidFill>
-                    <a:srgbClr val="FFFFFF"/>
-                  </a:solidFill>
-                  <a:effectLst/>
-                  <a:latin typeface="Lato" panose="020F0502020204030203" pitchFamily="34" charset="0"/>
-                </a:rPr>
-                <a:t>18</a:t>
-              </a:r>
-              <a:endParaRPr lang="en-US" sz="1000" noProof="0" dirty="0"/>
-            </a:p>
-          </p:txBody>
-        </p:sp>
-        <p:sp>
-          <p:nvSpPr>
-            <p:cNvPr id="62" name="Rettangolo 61">
-              <a:extLst>
-                <a:ext uri="{FF2B5EF4-FFF2-40B4-BE49-F238E27FC236}">
-                  <a16:creationId xmlns:a16="http://schemas.microsoft.com/office/drawing/2014/main" id="{846235DD-92FF-ED3A-A685-43EDBB989CF8}"/>
-                </a:ext>
-              </a:extLst>
-            </p:cNvPr>
-            <p:cNvSpPr/>
-            <p:nvPr/>
-          </p:nvSpPr>
-          <p:spPr>
-            <a:xfrm>
-              <a:off x="4080247" y="3218988"/>
-              <a:ext cx="197153" cy="254619"/>
-            </a:xfrm>
-            <a:prstGeom prst="rect">
-              <a:avLst/>
-            </a:prstGeom>
-          </p:spPr>
-          <p:style>
-            <a:lnRef idx="2">
-              <a:schemeClr val="accent1">
-                <a:shade val="15000"/>
-              </a:schemeClr>
-            </a:lnRef>
-            <a:fillRef idx="1">
-              <a:schemeClr val="accent1"/>
-            </a:fillRef>
-            <a:effectRef idx="0">
-              <a:schemeClr val="accent1"/>
-            </a:effectRef>
-            <a:fontRef idx="minor">
-              <a:schemeClr val="lt1"/>
-            </a:fontRef>
-          </p:style>
-          <p:txBody>
-            <a:bodyPr vert="vert" rtlCol="0" anchor="ctr"/>
-            <a:lstStyle/>
-            <a:p>
-              <a:pPr algn="ctr"/>
-              <a:r>
-                <a:rPr lang="en-US" sz="700" noProof="0" dirty="0">
-                  <a:solidFill>
-                    <a:srgbClr val="FFFFFF"/>
-                  </a:solidFill>
-                  <a:effectLst/>
-                  <a:latin typeface="Lato" panose="020F0502020204030203" pitchFamily="34" charset="0"/>
-                </a:rPr>
-                <a:t>17</a:t>
-              </a:r>
-              <a:endParaRPr lang="en-US" sz="1000" noProof="0" dirty="0"/>
-            </a:p>
-          </p:txBody>
-        </p:sp>
-        <p:sp>
-          <p:nvSpPr>
-            <p:cNvPr id="63" name="Rettangolo 62">
-              <a:extLst>
-                <a:ext uri="{FF2B5EF4-FFF2-40B4-BE49-F238E27FC236}">
-                  <a16:creationId xmlns:a16="http://schemas.microsoft.com/office/drawing/2014/main" id="{3D2FDAAA-DC6D-6CCC-3C42-E18B5866FEE5}"/>
-                </a:ext>
-              </a:extLst>
-            </p:cNvPr>
-            <p:cNvSpPr/>
-            <p:nvPr/>
-          </p:nvSpPr>
-          <p:spPr>
-            <a:xfrm>
-              <a:off x="4232647" y="3218988"/>
-              <a:ext cx="197153" cy="254619"/>
-            </a:xfrm>
-            <a:prstGeom prst="rect">
-              <a:avLst/>
-            </a:prstGeom>
-          </p:spPr>
-          <p:style>
-            <a:lnRef idx="2">
-              <a:schemeClr val="accent1">
-                <a:shade val="15000"/>
-              </a:schemeClr>
-            </a:lnRef>
-            <a:fillRef idx="1">
-              <a:schemeClr val="accent1"/>
-            </a:fillRef>
-            <a:effectRef idx="0">
-              <a:schemeClr val="accent1"/>
-            </a:effectRef>
-            <a:fontRef idx="minor">
-              <a:schemeClr val="lt1"/>
-            </a:fontRef>
-          </p:style>
-          <p:txBody>
-            <a:bodyPr vert="vert" rtlCol="0" anchor="ctr"/>
-            <a:lstStyle/>
-            <a:p>
-              <a:pPr algn="ctr"/>
-              <a:r>
-                <a:rPr lang="en-US" sz="700" noProof="0" dirty="0">
-                  <a:solidFill>
-                    <a:srgbClr val="FFFFFF"/>
-                  </a:solidFill>
-                  <a:latin typeface="Lato" panose="020F0502020204030203" pitchFamily="34" charset="0"/>
-                </a:rPr>
-                <a:t>16</a:t>
-              </a:r>
-              <a:endParaRPr lang="en-US" sz="1000" noProof="0" dirty="0"/>
-            </a:p>
-          </p:txBody>
-        </p:sp>
-        <p:sp>
-          <p:nvSpPr>
-            <p:cNvPr id="64" name="Rettangolo 63">
-              <a:extLst>
-                <a:ext uri="{FF2B5EF4-FFF2-40B4-BE49-F238E27FC236}">
-                  <a16:creationId xmlns:a16="http://schemas.microsoft.com/office/drawing/2014/main" id="{21CED7B6-293C-535C-3A71-F1A3F57969C7}"/>
-                </a:ext>
-              </a:extLst>
-            </p:cNvPr>
-            <p:cNvSpPr/>
-            <p:nvPr/>
-          </p:nvSpPr>
-          <p:spPr>
-            <a:xfrm>
-              <a:off x="4385047" y="3218988"/>
-              <a:ext cx="197153" cy="254619"/>
-            </a:xfrm>
-            <a:prstGeom prst="rect">
-              <a:avLst/>
-            </a:prstGeom>
-          </p:spPr>
-          <p:style>
-            <a:lnRef idx="2">
-              <a:schemeClr val="accent1">
-                <a:shade val="15000"/>
-              </a:schemeClr>
-            </a:lnRef>
-            <a:fillRef idx="1">
-              <a:schemeClr val="accent1"/>
-            </a:fillRef>
-            <a:effectRef idx="0">
-              <a:schemeClr val="accent1"/>
-            </a:effectRef>
-            <a:fontRef idx="minor">
-              <a:schemeClr val="lt1"/>
-            </a:fontRef>
-          </p:style>
-          <p:txBody>
-            <a:bodyPr vert="vert" rtlCol="0" anchor="ctr"/>
-            <a:lstStyle/>
-            <a:p>
-              <a:pPr algn="ctr"/>
-              <a:r>
-                <a:rPr lang="en-US" sz="700" noProof="0" dirty="0">
-                  <a:solidFill>
-                    <a:srgbClr val="FFFFFF"/>
-                  </a:solidFill>
-                  <a:effectLst/>
-                  <a:latin typeface="Lato" panose="020F0502020204030203" pitchFamily="34" charset="0"/>
-                </a:rPr>
-                <a:t>15</a:t>
-              </a:r>
-              <a:endParaRPr lang="en-US" sz="1000" noProof="0" dirty="0"/>
-            </a:p>
-          </p:txBody>
-        </p:sp>
-        <p:sp>
-          <p:nvSpPr>
-            <p:cNvPr id="65" name="Rettangolo 64">
-              <a:extLst>
-                <a:ext uri="{FF2B5EF4-FFF2-40B4-BE49-F238E27FC236}">
-                  <a16:creationId xmlns:a16="http://schemas.microsoft.com/office/drawing/2014/main" id="{691775C8-BE9E-2584-D996-E3889A7AC5BF}"/>
-                </a:ext>
-              </a:extLst>
-            </p:cNvPr>
-            <p:cNvSpPr/>
-            <p:nvPr/>
-          </p:nvSpPr>
-          <p:spPr>
-            <a:xfrm>
-              <a:off x="4537447" y="3218988"/>
-              <a:ext cx="197153" cy="254619"/>
-            </a:xfrm>
-            <a:prstGeom prst="rect">
-              <a:avLst/>
-            </a:prstGeom>
-          </p:spPr>
-          <p:style>
-            <a:lnRef idx="2">
-              <a:schemeClr val="accent1">
-                <a:shade val="15000"/>
-              </a:schemeClr>
-            </a:lnRef>
-            <a:fillRef idx="1">
-              <a:schemeClr val="accent1"/>
-            </a:fillRef>
-            <a:effectRef idx="0">
-              <a:schemeClr val="accent1"/>
-            </a:effectRef>
-            <a:fontRef idx="minor">
-              <a:schemeClr val="lt1"/>
-            </a:fontRef>
-          </p:style>
-          <p:txBody>
-            <a:bodyPr vert="vert" rtlCol="0" anchor="ctr"/>
-            <a:lstStyle/>
-            <a:p>
-              <a:pPr algn="ctr"/>
-              <a:r>
-                <a:rPr lang="en-US" sz="700" noProof="0" dirty="0">
-                  <a:solidFill>
-                    <a:srgbClr val="FFFFFF"/>
-                  </a:solidFill>
-                  <a:effectLst/>
-                  <a:latin typeface="Lato" panose="020F0502020204030203" pitchFamily="34" charset="0"/>
-                </a:rPr>
-                <a:t>14</a:t>
-              </a:r>
-              <a:endParaRPr lang="en-US" sz="1000" noProof="0" dirty="0"/>
-            </a:p>
-          </p:txBody>
-        </p:sp>
-        <p:sp>
-          <p:nvSpPr>
-            <p:cNvPr id="66" name="Rettangolo 65">
-              <a:extLst>
-                <a:ext uri="{FF2B5EF4-FFF2-40B4-BE49-F238E27FC236}">
-                  <a16:creationId xmlns:a16="http://schemas.microsoft.com/office/drawing/2014/main" id="{6040F464-E946-BB30-0E6D-BC1BB4ADCF5C}"/>
-                </a:ext>
-              </a:extLst>
-            </p:cNvPr>
-            <p:cNvSpPr/>
-            <p:nvPr/>
-          </p:nvSpPr>
-          <p:spPr>
-            <a:xfrm>
-              <a:off x="4689847" y="3218988"/>
-              <a:ext cx="193743" cy="254619"/>
-            </a:xfrm>
-            <a:prstGeom prst="rect">
-              <a:avLst/>
-            </a:prstGeom>
-          </p:spPr>
-          <p:style>
-            <a:lnRef idx="2">
-              <a:schemeClr val="accent1">
-                <a:shade val="15000"/>
-              </a:schemeClr>
-            </a:lnRef>
-            <a:fillRef idx="1">
-              <a:schemeClr val="accent1"/>
-            </a:fillRef>
-            <a:effectRef idx="0">
-              <a:schemeClr val="accent1"/>
-            </a:effectRef>
-            <a:fontRef idx="minor">
-              <a:schemeClr val="lt1"/>
-            </a:fontRef>
-          </p:style>
-          <p:txBody>
-            <a:bodyPr vert="vert" rtlCol="0" anchor="ctr"/>
-            <a:lstStyle/>
-            <a:p>
-              <a:pPr algn="ctr"/>
-              <a:r>
-                <a:rPr lang="en-US" sz="700" noProof="0" dirty="0">
-                  <a:solidFill>
-                    <a:srgbClr val="FFFFFF"/>
-                  </a:solidFill>
-                  <a:effectLst/>
-                  <a:latin typeface="Lato" panose="020F0502020204030203" pitchFamily="34" charset="0"/>
-                </a:rPr>
-                <a:t>13</a:t>
-              </a:r>
-              <a:endParaRPr lang="en-US" sz="1000" noProof="0" dirty="0"/>
-            </a:p>
-          </p:txBody>
-        </p:sp>
-      </p:grpSp>
-      <p:cxnSp>
-        <p:nvCxnSpPr>
-          <p:cNvPr id="95" name="Connettore a gomito 94">
-            <a:extLst>
-              <a:ext uri="{FF2B5EF4-FFF2-40B4-BE49-F238E27FC236}">
-                <a16:creationId xmlns:a16="http://schemas.microsoft.com/office/drawing/2014/main" id="{DAECAD83-0D62-A98E-D56D-669BC0D20B5F}"/>
-              </a:ext>
-            </a:extLst>
-          </p:cNvPr>
-          <p:cNvCxnSpPr>
-            <a:cxnSpLocks/>
-            <a:stCxn id="42" idx="0"/>
-            <a:endCxn id="9" idx="2"/>
-          </p:cNvCxnSpPr>
-          <p:nvPr/>
-        </p:nvCxnSpPr>
-        <p:spPr>
-          <a:xfrm rot="16200000" flipV="1">
-            <a:off x="1551156" y="1852813"/>
-            <a:ext cx="546041" cy="126423"/>
-          </a:xfrm>
-          <a:prstGeom prst="bentConnector3">
-            <a:avLst>
-              <a:gd name="adj1" fmla="val 82366"/>
-            </a:avLst>
-          </a:prstGeom>
-        </p:spPr>
-        <p:style>
-          <a:lnRef idx="1">
-            <a:schemeClr val="accent1"/>
-          </a:lnRef>
-          <a:fillRef idx="0">
-            <a:schemeClr val="accent1"/>
-          </a:fillRef>
-          <a:effectRef idx="0">
-            <a:schemeClr val="accent1"/>
-          </a:effectRef>
-          <a:fontRef idx="minor">
-            <a:schemeClr val="tx1"/>
-          </a:fontRef>
-        </p:style>
-      </p:cxnSp>
-      <p:cxnSp>
-        <p:nvCxnSpPr>
-          <p:cNvPr id="109" name="Connettore a gomito 108">
-            <a:extLst>
-              <a:ext uri="{FF2B5EF4-FFF2-40B4-BE49-F238E27FC236}">
-                <a16:creationId xmlns:a16="http://schemas.microsoft.com/office/drawing/2014/main" id="{FBA9D46E-E138-1741-E7C5-8155F5F92672}"/>
-              </a:ext>
-            </a:extLst>
-          </p:cNvPr>
-          <p:cNvCxnSpPr>
-            <a:cxnSpLocks/>
-            <a:stCxn id="14" idx="2"/>
-            <a:endCxn id="43" idx="0"/>
-          </p:cNvCxnSpPr>
-          <p:nvPr/>
-        </p:nvCxnSpPr>
-        <p:spPr>
-          <a:xfrm rot="5400000">
-            <a:off x="2230407" y="1452385"/>
-            <a:ext cx="546041" cy="927279"/>
-          </a:xfrm>
-          <a:prstGeom prst="bentConnector3">
-            <a:avLst>
-              <a:gd name="adj1" fmla="val 16227"/>
-            </a:avLst>
-          </a:prstGeom>
-        </p:spPr>
-        <p:style>
-          <a:lnRef idx="1">
-            <a:schemeClr val="accent1"/>
-          </a:lnRef>
-          <a:fillRef idx="0">
-            <a:schemeClr val="accent1"/>
-          </a:fillRef>
-          <a:effectRef idx="0">
-            <a:schemeClr val="accent1"/>
-          </a:effectRef>
-          <a:fontRef idx="minor">
-            <a:schemeClr val="tx1"/>
-          </a:fontRef>
-        </p:style>
-      </p:cxnSp>
-      <p:grpSp>
-        <p:nvGrpSpPr>
-          <p:cNvPr id="126" name="Gruppo 125">
-            <a:extLst>
-              <a:ext uri="{FF2B5EF4-FFF2-40B4-BE49-F238E27FC236}">
-                <a16:creationId xmlns:a16="http://schemas.microsoft.com/office/drawing/2014/main" id="{6195381B-2656-2CA0-2EA8-AF548F9AD2EE}"/>
-              </a:ext>
-            </a:extLst>
-          </p:cNvPr>
-          <p:cNvGrpSpPr/>
-          <p:nvPr/>
-        </p:nvGrpSpPr>
-        <p:grpSpPr>
-          <a:xfrm>
-            <a:off x="4319146" y="2621190"/>
-            <a:ext cx="949894" cy="421626"/>
-            <a:chOff x="4069716" y="642470"/>
-            <a:chExt cx="949894" cy="421626"/>
-          </a:xfrm>
-        </p:grpSpPr>
-        <p:grpSp>
-          <p:nvGrpSpPr>
-            <p:cNvPr id="122" name="Gruppo 121">
-              <a:extLst>
-                <a:ext uri="{FF2B5EF4-FFF2-40B4-BE49-F238E27FC236}">
-                  <a16:creationId xmlns:a16="http://schemas.microsoft.com/office/drawing/2014/main" id="{4AE8A80B-2999-BE14-E05E-7836CBD514AF}"/>
-                </a:ext>
-              </a:extLst>
-            </p:cNvPr>
-            <p:cNvGrpSpPr/>
-            <p:nvPr/>
-          </p:nvGrpSpPr>
-          <p:grpSpPr>
-            <a:xfrm>
-              <a:off x="4069716" y="642470"/>
-              <a:ext cx="945355" cy="421626"/>
-              <a:chOff x="746149" y="1218817"/>
-              <a:chExt cx="1141173" cy="541380"/>
-            </a:xfrm>
-          </p:grpSpPr>
-          <p:sp>
-            <p:nvSpPr>
-              <p:cNvPr id="123" name="Rettangolo 122">
-                <a:extLst>
-                  <a:ext uri="{FF2B5EF4-FFF2-40B4-BE49-F238E27FC236}">
-                    <a16:creationId xmlns:a16="http://schemas.microsoft.com/office/drawing/2014/main" id="{4FD6C1CF-5494-31E7-9D0E-91D9EE9CC0E7}"/>
-                  </a:ext>
-                </a:extLst>
-              </p:cNvPr>
-              <p:cNvSpPr/>
-              <p:nvPr/>
-            </p:nvSpPr>
-            <p:spPr>
-              <a:xfrm>
-                <a:off x="746150" y="1218817"/>
-                <a:ext cx="1141172" cy="541380"/>
-              </a:xfrm>
-              <a:prstGeom prst="rect">
-                <a:avLst/>
-              </a:prstGeom>
-            </p:spPr>
-            <p:style>
-              <a:lnRef idx="2">
-                <a:schemeClr val="accent2"/>
-              </a:lnRef>
-              <a:fillRef idx="1">
-                <a:schemeClr val="lt1"/>
-              </a:fillRef>
-              <a:effectRef idx="0">
-                <a:schemeClr val="accent2"/>
-              </a:effectRef>
-              <a:fontRef idx="minor">
-                <a:schemeClr val="dk1"/>
-              </a:fontRef>
-            </p:style>
-            <p:txBody>
-              <a:bodyPr rtlCol="0" anchor="t" anchorCtr="0"/>
-              <a:lstStyle/>
-              <a:p>
-                <a:pPr algn="ctr"/>
-                <a:r>
-                  <a:rPr lang="en-US" sz="900" noProof="0" dirty="0"/>
-                  <a:t>Workstation 1</a:t>
-                </a:r>
-              </a:p>
-            </p:txBody>
-          </p:sp>
-          <p:sp>
-            <p:nvSpPr>
-              <p:cNvPr id="124" name="Rettangolo 123">
-                <a:extLst>
-                  <a:ext uri="{FF2B5EF4-FFF2-40B4-BE49-F238E27FC236}">
-                    <a16:creationId xmlns:a16="http://schemas.microsoft.com/office/drawing/2014/main" id="{0858D048-4EF3-98D8-4B9E-97B3454BB9F3}"/>
-                  </a:ext>
-                </a:extLst>
-              </p:cNvPr>
-              <p:cNvSpPr/>
-              <p:nvPr/>
-            </p:nvSpPr>
-            <p:spPr>
-              <a:xfrm>
-                <a:off x="746149" y="1529225"/>
-                <a:ext cx="584563" cy="230972"/>
-              </a:xfrm>
-              <a:prstGeom prst="rect">
-                <a:avLst/>
-              </a:prstGeom>
-            </p:spPr>
-            <p:style>
-              <a:lnRef idx="2">
-                <a:schemeClr val="accent1">
-                  <a:shade val="15000"/>
-                </a:schemeClr>
-              </a:lnRef>
-              <a:fillRef idx="1">
-                <a:schemeClr val="accent1"/>
-              </a:fillRef>
-              <a:effectRef idx="0">
-                <a:schemeClr val="accent1"/>
-              </a:effectRef>
-              <a:fontRef idx="minor">
-                <a:schemeClr val="lt1"/>
-              </a:fontRef>
-            </p:style>
-            <p:txBody>
-              <a:bodyPr rtlCol="0" anchor="t" anchorCtr="0"/>
-              <a:lstStyle/>
-              <a:p>
-                <a:pPr algn="ctr"/>
-                <a:r>
-                  <a:rPr lang="en-US" sz="700" noProof="0" dirty="0"/>
-                  <a:t>eth0</a:t>
-                </a:r>
-              </a:p>
-            </p:txBody>
-          </p:sp>
-        </p:grpSp>
-        <p:sp>
-          <p:nvSpPr>
-            <p:cNvPr id="125" name="Rettangolo 124">
-              <a:extLst>
-                <a:ext uri="{FF2B5EF4-FFF2-40B4-BE49-F238E27FC236}">
-                  <a16:creationId xmlns:a16="http://schemas.microsoft.com/office/drawing/2014/main" id="{A6F42B88-67A0-36DE-4196-69D1F7431283}"/>
-                </a:ext>
-              </a:extLst>
-            </p:cNvPr>
-            <p:cNvSpPr/>
-            <p:nvPr/>
-          </p:nvSpPr>
-          <p:spPr>
-            <a:xfrm>
-              <a:off x="4535354" y="884215"/>
-              <a:ext cx="484256" cy="179881"/>
-            </a:xfrm>
-            <a:prstGeom prst="rect">
-              <a:avLst/>
-            </a:prstGeom>
-          </p:spPr>
-          <p:style>
-            <a:lnRef idx="2">
-              <a:schemeClr val="accent1">
-                <a:shade val="15000"/>
-              </a:schemeClr>
-            </a:lnRef>
-            <a:fillRef idx="1">
-              <a:schemeClr val="accent1"/>
-            </a:fillRef>
-            <a:effectRef idx="0">
-              <a:schemeClr val="accent1"/>
-            </a:effectRef>
-            <a:fontRef idx="minor">
-              <a:schemeClr val="lt1"/>
-            </a:fontRef>
-          </p:style>
-          <p:txBody>
-            <a:bodyPr rtlCol="0" anchor="t" anchorCtr="0"/>
-            <a:lstStyle/>
-            <a:p>
-              <a:pPr algn="ctr"/>
-              <a:r>
-                <a:rPr lang="en-US" sz="700" noProof="0" dirty="0"/>
-                <a:t>eth1</a:t>
-              </a:r>
-            </a:p>
-          </p:txBody>
-        </p:sp>
-      </p:grpSp>
-      <p:grpSp>
-        <p:nvGrpSpPr>
-          <p:cNvPr id="138" name="Gruppo 137">
-            <a:extLst>
-              <a:ext uri="{FF2B5EF4-FFF2-40B4-BE49-F238E27FC236}">
-                <a16:creationId xmlns:a16="http://schemas.microsoft.com/office/drawing/2014/main" id="{8376623C-3B2A-0606-4D88-ED3454009333}"/>
-              </a:ext>
-            </a:extLst>
-          </p:cNvPr>
-          <p:cNvGrpSpPr/>
-          <p:nvPr/>
-        </p:nvGrpSpPr>
-        <p:grpSpPr>
-          <a:xfrm>
-            <a:off x="3931041" y="1138118"/>
-            <a:ext cx="949894" cy="421626"/>
-            <a:chOff x="4069716" y="642470"/>
-            <a:chExt cx="949894" cy="421626"/>
-          </a:xfrm>
-        </p:grpSpPr>
-        <p:grpSp>
-          <p:nvGrpSpPr>
-            <p:cNvPr id="139" name="Gruppo 138">
-              <a:extLst>
-                <a:ext uri="{FF2B5EF4-FFF2-40B4-BE49-F238E27FC236}">
-                  <a16:creationId xmlns:a16="http://schemas.microsoft.com/office/drawing/2014/main" id="{E39F0FCF-EF01-3A98-5017-3EF77FFADA80}"/>
-                </a:ext>
-              </a:extLst>
-            </p:cNvPr>
-            <p:cNvGrpSpPr/>
-            <p:nvPr/>
-          </p:nvGrpSpPr>
-          <p:grpSpPr>
-            <a:xfrm>
-              <a:off x="4069716" y="642470"/>
-              <a:ext cx="945355" cy="421626"/>
-              <a:chOff x="746149" y="1218817"/>
-              <a:chExt cx="1141173" cy="541380"/>
-            </a:xfrm>
-          </p:grpSpPr>
-          <p:sp>
-            <p:nvSpPr>
-              <p:cNvPr id="141" name="Rettangolo 140">
-                <a:extLst>
-                  <a:ext uri="{FF2B5EF4-FFF2-40B4-BE49-F238E27FC236}">
-                    <a16:creationId xmlns:a16="http://schemas.microsoft.com/office/drawing/2014/main" id="{6AFCF820-AF22-765A-19DC-DE159E0A3EC0}"/>
-                  </a:ext>
-                </a:extLst>
-              </p:cNvPr>
-              <p:cNvSpPr/>
-              <p:nvPr/>
-            </p:nvSpPr>
-            <p:spPr>
-              <a:xfrm>
-                <a:off x="746150" y="1218817"/>
-                <a:ext cx="1141172" cy="541380"/>
-              </a:xfrm>
-              <a:prstGeom prst="rect">
-                <a:avLst/>
-              </a:prstGeom>
-            </p:spPr>
-            <p:style>
-              <a:lnRef idx="2">
-                <a:schemeClr val="accent2"/>
-              </a:lnRef>
-              <a:fillRef idx="1">
-                <a:schemeClr val="lt1"/>
-              </a:fillRef>
-              <a:effectRef idx="0">
-                <a:schemeClr val="accent2"/>
-              </a:effectRef>
-              <a:fontRef idx="minor">
-                <a:schemeClr val="dk1"/>
-              </a:fontRef>
-            </p:style>
-            <p:txBody>
-              <a:bodyPr rtlCol="0" anchor="t" anchorCtr="0"/>
-              <a:lstStyle/>
-              <a:p>
-                <a:pPr algn="ctr"/>
-                <a:r>
-                  <a:rPr lang="en-US" sz="900" noProof="0" dirty="0"/>
-                  <a:t>NAS</a:t>
-                </a:r>
-              </a:p>
-            </p:txBody>
-          </p:sp>
-          <p:sp>
-            <p:nvSpPr>
-              <p:cNvPr id="142" name="Rettangolo 141">
-                <a:extLst>
-                  <a:ext uri="{FF2B5EF4-FFF2-40B4-BE49-F238E27FC236}">
-                    <a16:creationId xmlns:a16="http://schemas.microsoft.com/office/drawing/2014/main" id="{F4AD1724-2D52-720E-37CD-20509E794951}"/>
-                  </a:ext>
-                </a:extLst>
-              </p:cNvPr>
-              <p:cNvSpPr/>
-              <p:nvPr/>
-            </p:nvSpPr>
-            <p:spPr>
-              <a:xfrm>
-                <a:off x="746149" y="1529225"/>
-                <a:ext cx="584563" cy="230972"/>
-              </a:xfrm>
-              <a:prstGeom prst="rect">
-                <a:avLst/>
-              </a:prstGeom>
-            </p:spPr>
-            <p:style>
-              <a:lnRef idx="2">
-                <a:schemeClr val="accent1">
-                  <a:shade val="15000"/>
-                </a:schemeClr>
-              </a:lnRef>
-              <a:fillRef idx="1">
-                <a:schemeClr val="accent1"/>
-              </a:fillRef>
-              <a:effectRef idx="0">
-                <a:schemeClr val="accent1"/>
-              </a:effectRef>
-              <a:fontRef idx="minor">
-                <a:schemeClr val="lt1"/>
-              </a:fontRef>
-            </p:style>
-            <p:txBody>
-              <a:bodyPr rtlCol="0" anchor="t" anchorCtr="0"/>
-              <a:lstStyle/>
-              <a:p>
-                <a:pPr algn="ctr"/>
-                <a:r>
-                  <a:rPr lang="en-US" sz="700" noProof="0" dirty="0"/>
-                  <a:t>eth0</a:t>
-                </a:r>
-              </a:p>
-            </p:txBody>
-          </p:sp>
-        </p:grpSp>
-        <p:sp>
-          <p:nvSpPr>
-            <p:cNvPr id="140" name="Rettangolo 139">
-              <a:extLst>
-                <a:ext uri="{FF2B5EF4-FFF2-40B4-BE49-F238E27FC236}">
-                  <a16:creationId xmlns:a16="http://schemas.microsoft.com/office/drawing/2014/main" id="{9D9BB073-EA60-0186-B0BC-4D2EFE5418F4}"/>
-                </a:ext>
-              </a:extLst>
-            </p:cNvPr>
-            <p:cNvSpPr/>
-            <p:nvPr/>
-          </p:nvSpPr>
-          <p:spPr>
-            <a:xfrm>
-              <a:off x="4535354" y="884215"/>
-              <a:ext cx="484256" cy="179881"/>
-            </a:xfrm>
-            <a:prstGeom prst="rect">
-              <a:avLst/>
-            </a:prstGeom>
-          </p:spPr>
-          <p:style>
-            <a:lnRef idx="2">
-              <a:schemeClr val="accent1">
-                <a:shade val="15000"/>
-              </a:schemeClr>
-            </a:lnRef>
-            <a:fillRef idx="1">
-              <a:schemeClr val="accent1"/>
-            </a:fillRef>
-            <a:effectRef idx="0">
-              <a:schemeClr val="accent1"/>
-            </a:effectRef>
-            <a:fontRef idx="minor">
-              <a:schemeClr val="lt1"/>
-            </a:fontRef>
-          </p:style>
-          <p:txBody>
-            <a:bodyPr rtlCol="0" anchor="t" anchorCtr="0"/>
-            <a:lstStyle/>
-            <a:p>
-              <a:pPr algn="ctr"/>
-              <a:r>
-                <a:rPr lang="en-US" sz="700" noProof="0" dirty="0"/>
-                <a:t>eth1</a:t>
-              </a:r>
-            </a:p>
-          </p:txBody>
-        </p:sp>
-      </p:grpSp>
-      <p:cxnSp>
-        <p:nvCxnSpPr>
-          <p:cNvPr id="144" name="Connettore a gomito 143">
-            <a:extLst>
-              <a:ext uri="{FF2B5EF4-FFF2-40B4-BE49-F238E27FC236}">
-                <a16:creationId xmlns:a16="http://schemas.microsoft.com/office/drawing/2014/main" id="{0F4E384F-FCFA-B896-83C8-AFDF85C7CBBB}"/>
-              </a:ext>
-            </a:extLst>
-          </p:cNvPr>
-          <p:cNvCxnSpPr>
-            <a:cxnSpLocks/>
-            <a:stCxn id="124" idx="2"/>
-            <a:endCxn id="53" idx="0"/>
-          </p:cNvCxnSpPr>
-          <p:nvPr/>
-        </p:nvCxnSpPr>
-        <p:spPr>
-          <a:xfrm rot="5400000" flipH="1">
-            <a:off x="3635645" y="2117188"/>
-            <a:ext cx="853771" cy="997487"/>
-          </a:xfrm>
-          <a:prstGeom prst="bentConnector5">
-            <a:avLst>
-              <a:gd name="adj1" fmla="val -26775"/>
-              <a:gd name="adj2" fmla="val 57196"/>
-              <a:gd name="adj3" fmla="val 126775"/>
-            </a:avLst>
-          </a:prstGeom>
-        </p:spPr>
-        <p:style>
-          <a:lnRef idx="1">
-            <a:schemeClr val="accent1"/>
-          </a:lnRef>
-          <a:fillRef idx="0">
-            <a:schemeClr val="accent1"/>
-          </a:fillRef>
-          <a:effectRef idx="0">
-            <a:schemeClr val="accent1"/>
-          </a:effectRef>
-          <a:fontRef idx="minor">
-            <a:schemeClr val="tx1"/>
-          </a:fontRef>
-        </p:style>
-      </p:cxnSp>
-      <p:cxnSp>
-        <p:nvCxnSpPr>
-          <p:cNvPr id="149" name="Connettore a gomito 148">
-            <a:extLst>
-              <a:ext uri="{FF2B5EF4-FFF2-40B4-BE49-F238E27FC236}">
-                <a16:creationId xmlns:a16="http://schemas.microsoft.com/office/drawing/2014/main" id="{E643CE2D-E868-79E6-26F5-91FAF0F99D66}"/>
-              </a:ext>
-            </a:extLst>
-          </p:cNvPr>
-          <p:cNvCxnSpPr>
-            <a:cxnSpLocks/>
-            <a:stCxn id="125" idx="2"/>
-            <a:endCxn id="66" idx="2"/>
-          </p:cNvCxnSpPr>
-          <p:nvPr/>
-        </p:nvCxnSpPr>
-        <p:spPr>
-          <a:xfrm rot="5400000">
-            <a:off x="4189008" y="2427230"/>
-            <a:ext cx="222318" cy="1453490"/>
-          </a:xfrm>
-          <a:prstGeom prst="bentConnector3">
-            <a:avLst>
-              <a:gd name="adj1" fmla="val 202826"/>
-            </a:avLst>
-          </a:prstGeom>
-        </p:spPr>
-        <p:style>
-          <a:lnRef idx="1">
-            <a:schemeClr val="accent1"/>
-          </a:lnRef>
-          <a:fillRef idx="0">
-            <a:schemeClr val="accent1"/>
-          </a:fillRef>
-          <a:effectRef idx="0">
-            <a:schemeClr val="accent1"/>
-          </a:effectRef>
-          <a:fontRef idx="minor">
-            <a:schemeClr val="tx1"/>
-          </a:fontRef>
-        </p:style>
-      </p:cxnSp>
-      <p:cxnSp>
-        <p:nvCxnSpPr>
-          <p:cNvPr id="180" name="Connettore a gomito 179">
-            <a:extLst>
-              <a:ext uri="{FF2B5EF4-FFF2-40B4-BE49-F238E27FC236}">
-                <a16:creationId xmlns:a16="http://schemas.microsoft.com/office/drawing/2014/main" id="{29A3A150-A5C5-4552-2D7C-BDF1156BF35D}"/>
-              </a:ext>
-            </a:extLst>
-          </p:cNvPr>
-          <p:cNvCxnSpPr>
-            <a:cxnSpLocks/>
-            <a:stCxn id="142" idx="2"/>
-            <a:endCxn id="52" idx="0"/>
-          </p:cNvCxnSpPr>
-          <p:nvPr/>
-        </p:nvCxnSpPr>
-        <p:spPr>
-          <a:xfrm rot="5400000">
-            <a:off x="3477628" y="1493503"/>
-            <a:ext cx="629301" cy="761782"/>
-          </a:xfrm>
-          <a:prstGeom prst="bentConnector3">
-            <a:avLst>
-              <a:gd name="adj1" fmla="val 50000"/>
-            </a:avLst>
-          </a:prstGeom>
-        </p:spPr>
-        <p:style>
-          <a:lnRef idx="1">
-            <a:schemeClr val="accent1"/>
-          </a:lnRef>
-          <a:fillRef idx="0">
-            <a:schemeClr val="accent1"/>
-          </a:fillRef>
-          <a:effectRef idx="0">
-            <a:schemeClr val="accent1"/>
-          </a:effectRef>
-          <a:fontRef idx="minor">
-            <a:schemeClr val="tx1"/>
-          </a:fontRef>
-        </p:style>
-      </p:cxnSp>
-      <p:grpSp>
-        <p:nvGrpSpPr>
-          <p:cNvPr id="194" name="Gruppo 193">
-            <a:extLst>
-              <a:ext uri="{FF2B5EF4-FFF2-40B4-BE49-F238E27FC236}">
-                <a16:creationId xmlns:a16="http://schemas.microsoft.com/office/drawing/2014/main" id="{69A935F0-5370-5276-D0BE-1F2317D2C5A3}"/>
-              </a:ext>
-            </a:extLst>
-          </p:cNvPr>
-          <p:cNvGrpSpPr/>
-          <p:nvPr/>
-        </p:nvGrpSpPr>
-        <p:grpSpPr>
-          <a:xfrm>
-            <a:off x="2069456" y="3819427"/>
-            <a:ext cx="945355" cy="421626"/>
-            <a:chOff x="746149" y="1218817"/>
-            <a:chExt cx="1141173" cy="541380"/>
-          </a:xfrm>
-        </p:grpSpPr>
-        <p:sp>
-          <p:nvSpPr>
-            <p:cNvPr id="196" name="Rettangolo 195">
-              <a:extLst>
-                <a:ext uri="{FF2B5EF4-FFF2-40B4-BE49-F238E27FC236}">
-                  <a16:creationId xmlns:a16="http://schemas.microsoft.com/office/drawing/2014/main" id="{07B3F538-2678-B092-A602-F5B33631723B}"/>
-                </a:ext>
-              </a:extLst>
-            </p:cNvPr>
-            <p:cNvSpPr/>
-            <p:nvPr/>
-          </p:nvSpPr>
-          <p:spPr>
-            <a:xfrm>
-              <a:off x="746150" y="1218817"/>
-              <a:ext cx="1141172" cy="541380"/>
-            </a:xfrm>
-            <a:prstGeom prst="rect">
-              <a:avLst/>
-            </a:prstGeom>
-          </p:spPr>
-          <p:style>
-            <a:lnRef idx="2">
-              <a:schemeClr val="accent2"/>
-            </a:lnRef>
-            <a:fillRef idx="1">
-              <a:schemeClr val="lt1"/>
-            </a:fillRef>
-            <a:effectRef idx="0">
-              <a:schemeClr val="accent2"/>
-            </a:effectRef>
-            <a:fontRef idx="minor">
-              <a:schemeClr val="dk1"/>
-            </a:fontRef>
-          </p:style>
-          <p:txBody>
-            <a:bodyPr rtlCol="0" anchor="t" anchorCtr="0"/>
-            <a:lstStyle/>
-            <a:p>
-              <a:pPr algn="ctr"/>
-              <a:r>
-                <a:rPr lang="en-US" sz="900" noProof="0" dirty="0"/>
-                <a:t>SERVER</a:t>
-              </a:r>
-            </a:p>
-          </p:txBody>
-        </p:sp>
-        <p:sp>
-          <p:nvSpPr>
-            <p:cNvPr id="197" name="Rettangolo 196">
-              <a:extLst>
-                <a:ext uri="{FF2B5EF4-FFF2-40B4-BE49-F238E27FC236}">
-                  <a16:creationId xmlns:a16="http://schemas.microsoft.com/office/drawing/2014/main" id="{247FC21D-7246-1354-576E-0907552ADF29}"/>
-                </a:ext>
-              </a:extLst>
-            </p:cNvPr>
-            <p:cNvSpPr/>
-            <p:nvPr/>
-          </p:nvSpPr>
-          <p:spPr>
-            <a:xfrm>
-              <a:off x="746149" y="1529225"/>
-              <a:ext cx="584563" cy="230972"/>
-            </a:xfrm>
-            <a:prstGeom prst="rect">
-              <a:avLst/>
-            </a:prstGeom>
-          </p:spPr>
-          <p:style>
-            <a:lnRef idx="2">
-              <a:schemeClr val="accent1">
-                <a:shade val="15000"/>
-              </a:schemeClr>
-            </a:lnRef>
-            <a:fillRef idx="1">
-              <a:schemeClr val="accent1"/>
-            </a:fillRef>
-            <a:effectRef idx="0">
-              <a:schemeClr val="accent1"/>
-            </a:effectRef>
-            <a:fontRef idx="minor">
-              <a:schemeClr val="lt1"/>
-            </a:fontRef>
-          </p:style>
-          <p:txBody>
-            <a:bodyPr rtlCol="0" anchor="t" anchorCtr="0"/>
-            <a:lstStyle/>
-            <a:p>
-              <a:pPr algn="ctr"/>
-              <a:r>
-                <a:rPr lang="en-US" sz="700" noProof="0" dirty="0"/>
-                <a:t>Eth0</a:t>
-              </a:r>
-            </a:p>
-          </p:txBody>
-        </p:sp>
-      </p:grpSp>
-      <p:cxnSp>
-        <p:nvCxnSpPr>
-          <p:cNvPr id="199" name="Connettore a gomito 198">
-            <a:extLst>
-              <a:ext uri="{FF2B5EF4-FFF2-40B4-BE49-F238E27FC236}">
-                <a16:creationId xmlns:a16="http://schemas.microsoft.com/office/drawing/2014/main" id="{C4139FFF-A6FA-AE6E-D94D-63E40B1134FF}"/>
-              </a:ext>
-            </a:extLst>
-          </p:cNvPr>
-          <p:cNvCxnSpPr>
-            <a:cxnSpLocks/>
-            <a:stCxn id="197" idx="2"/>
-            <a:endCxn id="55" idx="2"/>
-          </p:cNvCxnSpPr>
-          <p:nvPr/>
-        </p:nvCxnSpPr>
-        <p:spPr>
-          <a:xfrm rot="5400000" flipH="1">
-            <a:off x="1617196" y="3546666"/>
-            <a:ext cx="975919" cy="412857"/>
-          </a:xfrm>
-          <a:prstGeom prst="bentConnector3">
-            <a:avLst>
-              <a:gd name="adj1" fmla="val -23424"/>
-            </a:avLst>
-          </a:prstGeom>
-        </p:spPr>
-        <p:style>
-          <a:lnRef idx="1">
-            <a:schemeClr val="accent1"/>
-          </a:lnRef>
-          <a:fillRef idx="0">
-            <a:schemeClr val="accent1"/>
-          </a:fillRef>
-          <a:effectRef idx="0">
-            <a:schemeClr val="accent1"/>
-          </a:effectRef>
-          <a:fontRef idx="minor">
-            <a:schemeClr val="tx1"/>
-          </a:fontRef>
-        </p:style>
-      </p:cxnSp>
-    </p:spTree>
-    <p:extLst>
-      <p:ext uri="{BB962C8B-B14F-4D97-AF65-F5344CB8AC3E}">
-        <p14:creationId xmlns:p14="http://schemas.microsoft.com/office/powerpoint/2010/main" val="2979626660"/>
-      </p:ext>
-    </p:extLst>
-  </p:cSld>
-  <p:clrMapOvr>
-    <a:masterClrMapping/>
-  </p:clrMapOvr>
-</p:sld>
-</file>
-
 <file path=ppt/theme/theme1.xml><?xml version="1.0" encoding="utf-8"?>
 <a:theme xmlns:a="http://schemas.openxmlformats.org/drawingml/2006/main" name="MBDA 2022 - Layout for chapter">
   <a:themeElements>
